--- a/developer-for-a-day.pptx
+++ b/developer-for-a-day.pptx
@@ -419,7 +419,7 @@
                   <a:schemeClr val="tx2"/>
                 </a:solidFill>
               </a:rPr>
-              <a:t>6/9/2022</a:t>
+              <a:t>6/10/2022</a:t>
             </a:fld>
             <a:endParaRPr lang="en-US">
               <a:solidFill>
@@ -627,7 +627,7 @@
             <a:fld id="{58F5D356-0438-4495-B283-C41E12FE4BD0}" type="datetimeFigureOut">
               <a:rPr lang="en-US" smtClean="0"/>
               <a:pPr/>
-              <a:t>6/9/2022</a:t>
+              <a:t>6/10/2022</a:t>
             </a:fld>
             <a:endParaRPr lang="en-US" dirty="0"/>
           </a:p>
@@ -19756,7 +19756,7 @@
             <a:r>
               <a:rPr lang="de-DE" dirty="0">
                 <a:solidFill>
-                  <a:srgbClr val="D4D4D4"/>
+                  <a:schemeClr val="tx1"/>
                 </a:solidFill>
                 <a:latin typeface="Consolas" panose="020B0609020204030204" pitchFamily="49" charset="0"/>
               </a:rPr>
@@ -19765,7 +19765,7 @@
             <a:r>
               <a:rPr lang="de-DE" dirty="0" err="1">
                 <a:solidFill>
-                  <a:srgbClr val="4EC9B0"/>
+                  <a:schemeClr val="tx1"/>
                 </a:solidFill>
                 <a:latin typeface="Consolas" panose="020B0609020204030204" pitchFamily="49" charset="0"/>
               </a:rPr>
@@ -19774,7 +19774,7 @@
             <a:r>
               <a:rPr lang="de-DE" dirty="0">
                 <a:solidFill>
-                  <a:srgbClr val="D4D4D4"/>
+                  <a:schemeClr val="tx1"/>
                 </a:solidFill>
                 <a:latin typeface="Consolas" panose="020B0609020204030204" pitchFamily="49" charset="0"/>
               </a:rPr>
@@ -19785,7 +19785,7 @@
             <a:r>
               <a:rPr lang="de-DE" dirty="0">
                 <a:solidFill>
-                  <a:srgbClr val="D4D4D4"/>
+                  <a:schemeClr val="tx1"/>
                 </a:solidFill>
                 <a:latin typeface="Consolas" panose="020B0609020204030204" pitchFamily="49" charset="0"/>
               </a:rPr>
@@ -19794,7 +19794,7 @@
             <a:r>
               <a:rPr lang="de-DE" dirty="0" err="1">
                 <a:solidFill>
-                  <a:srgbClr val="9CDCFE"/>
+                  <a:schemeClr val="tx1"/>
                 </a:solidFill>
                 <a:latin typeface="Consolas" panose="020B0609020204030204" pitchFamily="49" charset="0"/>
               </a:rPr>
@@ -19803,83 +19803,74 @@
             <a:r>
               <a:rPr lang="de-DE" dirty="0">
                 <a:solidFill>
-                  <a:srgbClr val="9CDCFE"/>
+                  <a:schemeClr val="tx1"/>
                 </a:solidFill>
                 <a:latin typeface="Consolas" panose="020B0609020204030204" pitchFamily="49" charset="0"/>
               </a:rPr>
-              <a:t>:</a:t>
+              <a:t>: '</a:t>
+            </a:r>
+            <a:r>
+              <a:rPr lang="de-DE" dirty="0" err="1">
+                <a:solidFill>
+                  <a:schemeClr val="tx1"/>
+                </a:solidFill>
+                <a:latin typeface="Consolas" panose="020B0609020204030204" pitchFamily="49" charset="0"/>
+              </a:rPr>
+              <a:t>root</a:t>
             </a:r>
             <a:r>
               <a:rPr lang="de-DE" dirty="0">
                 <a:solidFill>
-                  <a:srgbClr val="D4D4D4"/>
+                  <a:schemeClr val="tx1"/>
+                </a:solidFill>
+                <a:latin typeface="Consolas" panose="020B0609020204030204" pitchFamily="49" charset="0"/>
+              </a:rPr>
+              <a:t>',</a:t>
+            </a:r>
+          </a:p>
+          <a:p>
+            <a:r>
+              <a:rPr lang="de-DE" dirty="0">
+                <a:solidFill>
+                  <a:schemeClr val="tx1"/>
+                </a:solidFill>
+                <a:latin typeface="Consolas" panose="020B0609020204030204" pitchFamily="49" charset="0"/>
+              </a:rPr>
+              <a:t>})</a:t>
+            </a:r>
+          </a:p>
+          <a:p>
+            <a:r>
+              <a:rPr lang="de-DE" dirty="0" err="1">
+                <a:solidFill>
+                  <a:schemeClr val="tx1"/>
+                </a:solidFill>
+                <a:latin typeface="Consolas" panose="020B0609020204030204" pitchFamily="49" charset="0"/>
+              </a:rPr>
+              <a:t>export</a:t>
+            </a:r>
+            <a:r>
+              <a:rPr lang="de-DE" dirty="0">
+                <a:solidFill>
+                  <a:schemeClr val="tx1"/>
                 </a:solidFill>
                 <a:latin typeface="Consolas" panose="020B0609020204030204" pitchFamily="49" charset="0"/>
               </a:rPr>
               <a:t> </a:t>
             </a:r>
             <a:r>
-              <a:rPr lang="de-DE" dirty="0">
-                <a:solidFill>
-                  <a:srgbClr val="CE9178"/>
+              <a:rPr lang="de-DE" dirty="0" err="1">
+                <a:solidFill>
+                  <a:schemeClr val="tx1"/>
                 </a:solidFill>
                 <a:latin typeface="Consolas" panose="020B0609020204030204" pitchFamily="49" charset="0"/>
               </a:rPr>
-              <a:t>'</a:t>
-            </a:r>
-            <a:r>
-              <a:rPr lang="de-DE" dirty="0" err="1">
-                <a:solidFill>
-                  <a:srgbClr val="CE9178"/>
-                </a:solidFill>
-                <a:latin typeface="Consolas" panose="020B0609020204030204" pitchFamily="49" charset="0"/>
-              </a:rPr>
-              <a:t>root</a:t>
+              <a:t>class</a:t>
             </a:r>
             <a:r>
               <a:rPr lang="de-DE" dirty="0">
                 <a:solidFill>
-                  <a:srgbClr val="CE9178"/>
-                </a:solidFill>
-                <a:latin typeface="Consolas" panose="020B0609020204030204" pitchFamily="49" charset="0"/>
-              </a:rPr>
-              <a:t>'</a:t>
-            </a:r>
-            <a:r>
-              <a:rPr lang="de-DE" dirty="0">
-                <a:solidFill>
-                  <a:srgbClr val="D4D4D4"/>
-                </a:solidFill>
-                <a:latin typeface="Consolas" panose="020B0609020204030204" pitchFamily="49" charset="0"/>
-              </a:rPr>
-              <a:t>,</a:t>
-            </a:r>
-          </a:p>
-          <a:p>
-            <a:r>
-              <a:rPr lang="de-DE" dirty="0">
-                <a:solidFill>
-                  <a:srgbClr val="D4D4D4"/>
-                </a:solidFill>
-                <a:latin typeface="Consolas" panose="020B0609020204030204" pitchFamily="49" charset="0"/>
-              </a:rPr>
-              <a:t>})</a:t>
-            </a:r>
-          </a:p>
-          <a:p>
-            <a:r>
-              <a:rPr lang="de-DE" dirty="0" err="1">
-                <a:solidFill>
-                  <a:srgbClr val="C586C0"/>
-                </a:solidFill>
-                <a:latin typeface="Consolas" panose="020B0609020204030204" pitchFamily="49" charset="0"/>
-              </a:rPr>
-              <a:t>export</a:t>
-            </a:r>
-            <a:r>
-              <a:rPr lang="de-DE" dirty="0">
-                <a:solidFill>
-                  <a:srgbClr val="D4D4D4"/>
+                  <a:schemeClr val="tx1"/>
                 </a:solidFill>
                 <a:latin typeface="Consolas" panose="020B0609020204030204" pitchFamily="49" charset="0"/>
               </a:rPr>
@@ -19888,201 +19879,147 @@
             <a:r>
               <a:rPr lang="de-DE" dirty="0" err="1">
                 <a:solidFill>
-                  <a:srgbClr val="569CD6"/>
+                  <a:schemeClr val="tx1"/>
                 </a:solidFill>
                 <a:latin typeface="Consolas" panose="020B0609020204030204" pitchFamily="49" charset="0"/>
               </a:rPr>
-              <a:t>class</a:t>
+              <a:t>WeatherStationService</a:t>
             </a:r>
             <a:r>
               <a:rPr lang="de-DE" dirty="0">
                 <a:solidFill>
-                  <a:srgbClr val="D4D4D4"/>
+                  <a:schemeClr val="tx1"/>
+                </a:solidFill>
+                <a:latin typeface="Consolas" panose="020B0609020204030204" pitchFamily="49" charset="0"/>
+              </a:rPr>
+              <a:t> {</a:t>
+            </a:r>
+          </a:p>
+          <a:p>
+            <a:r>
+              <a:rPr lang="de-DE" dirty="0">
+                <a:solidFill>
+                  <a:schemeClr val="tx1"/>
+                </a:solidFill>
+                <a:latin typeface="Consolas" panose="020B0609020204030204" pitchFamily="49" charset="0"/>
+              </a:rPr>
+              <a:t>  </a:t>
+            </a:r>
+            <a:r>
+              <a:rPr lang="de-DE" dirty="0" err="1">
+                <a:solidFill>
+                  <a:schemeClr val="tx1"/>
+                </a:solidFill>
+                <a:latin typeface="Consolas" panose="020B0609020204030204" pitchFamily="49" charset="0"/>
+              </a:rPr>
+              <a:t>constructor</a:t>
+            </a:r>
+            <a:r>
+              <a:rPr lang="de-DE" dirty="0">
+                <a:solidFill>
+                  <a:schemeClr val="tx1"/>
+                </a:solidFill>
+                <a:latin typeface="Consolas" panose="020B0609020204030204" pitchFamily="49" charset="0"/>
+              </a:rPr>
+              <a:t>(private http: </a:t>
+            </a:r>
+            <a:r>
+              <a:rPr lang="de-DE" dirty="0" err="1">
+                <a:solidFill>
+                  <a:schemeClr val="tx1"/>
+                </a:solidFill>
+                <a:latin typeface="Consolas" panose="020B0609020204030204" pitchFamily="49" charset="0"/>
+              </a:rPr>
+              <a:t>HttpClient</a:t>
+            </a:r>
+            <a:r>
+              <a:rPr lang="de-DE" dirty="0">
+                <a:solidFill>
+                  <a:schemeClr val="tx1"/>
+                </a:solidFill>
+                <a:latin typeface="Consolas" panose="020B0609020204030204" pitchFamily="49" charset="0"/>
+              </a:rPr>
+              <a:t>) {}</a:t>
+            </a:r>
+          </a:p>
+          <a:p>
+            <a:r>
+              <a:rPr lang="de-DE" dirty="0">
+                <a:solidFill>
+                  <a:schemeClr val="tx1"/>
+                </a:solidFill>
+                <a:latin typeface="Consolas" panose="020B0609020204030204" pitchFamily="49" charset="0"/>
+              </a:rPr>
+              <a:t>  </a:t>
+            </a:r>
+            <a:r>
+              <a:rPr lang="de-DE" dirty="0" err="1">
+                <a:solidFill>
+                  <a:schemeClr val="tx1"/>
+                </a:solidFill>
+                <a:latin typeface="Consolas" panose="020B0609020204030204" pitchFamily="49" charset="0"/>
+              </a:rPr>
+              <a:t>getStations</a:t>
+            </a:r>
+            <a:r>
+              <a:rPr lang="de-DE" dirty="0">
+                <a:solidFill>
+                  <a:schemeClr val="tx1"/>
+                </a:solidFill>
+                <a:latin typeface="Consolas" panose="020B0609020204030204" pitchFamily="49" charset="0"/>
+              </a:rPr>
+              <a:t>() {</a:t>
+            </a:r>
+          </a:p>
+          <a:p>
+            <a:r>
+              <a:rPr lang="de-DE" dirty="0">
+                <a:solidFill>
+                  <a:schemeClr val="tx1"/>
+                </a:solidFill>
+                <a:latin typeface="Consolas" panose="020B0609020204030204" pitchFamily="49" charset="0"/>
+              </a:rPr>
+              <a:t>    </a:t>
+            </a:r>
+            <a:r>
+              <a:rPr lang="de-DE" dirty="0" err="1">
+                <a:solidFill>
+                  <a:schemeClr val="tx1"/>
+                </a:solidFill>
+                <a:latin typeface="Consolas" panose="020B0609020204030204" pitchFamily="49" charset="0"/>
+              </a:rPr>
+              <a:t>return</a:t>
+            </a:r>
+            <a:r>
+              <a:rPr lang="de-DE" dirty="0">
+                <a:solidFill>
+                  <a:schemeClr val="tx1"/>
                 </a:solidFill>
                 <a:latin typeface="Consolas" panose="020B0609020204030204" pitchFamily="49" charset="0"/>
               </a:rPr>
               <a:t> </a:t>
             </a:r>
-            <a:r>
-              <a:rPr lang="de-DE" dirty="0" err="1">
-                <a:solidFill>
-                  <a:srgbClr val="4EC9B0"/>
-                </a:solidFill>
-                <a:latin typeface="Consolas" panose="020B0609020204030204" pitchFamily="49" charset="0"/>
-              </a:rPr>
-              <a:t>WeatherStationService</a:t>
-            </a:r>
+            <a:endParaRPr lang="de-DE" dirty="0" smtClean="0">
+              <a:solidFill>
+                <a:schemeClr val="tx1"/>
+              </a:solidFill>
+              <a:latin typeface="Consolas" panose="020B0609020204030204" pitchFamily="49" charset="0"/>
+            </a:endParaRPr>
+          </a:p>
+          <a:p>
             <a:r>
               <a:rPr lang="de-DE" dirty="0">
                 <a:solidFill>
-                  <a:srgbClr val="D4D4D4"/>
-                </a:solidFill>
-                <a:latin typeface="Consolas" panose="020B0609020204030204" pitchFamily="49" charset="0"/>
-              </a:rPr>
-              <a:t> {</a:t>
-            </a:r>
-          </a:p>
-          <a:p>
-            <a:r>
-              <a:rPr lang="de-DE" dirty="0">
-                <a:solidFill>
-                  <a:srgbClr val="D4D4D4"/>
-                </a:solidFill>
-                <a:latin typeface="Consolas" panose="020B0609020204030204" pitchFamily="49" charset="0"/>
-              </a:rPr>
-              <a:t>  </a:t>
-            </a:r>
-            <a:r>
-              <a:rPr lang="de-DE" dirty="0" err="1">
-                <a:solidFill>
-                  <a:srgbClr val="569CD6"/>
-                </a:solidFill>
-                <a:latin typeface="Consolas" panose="020B0609020204030204" pitchFamily="49" charset="0"/>
-              </a:rPr>
-              <a:t>constructor</a:t>
-            </a:r>
-            <a:r>
-              <a:rPr lang="de-DE" dirty="0">
-                <a:solidFill>
-                  <a:srgbClr val="D4D4D4"/>
-                </a:solidFill>
-                <a:latin typeface="Consolas" panose="020B0609020204030204" pitchFamily="49" charset="0"/>
-              </a:rPr>
-              <a:t>(</a:t>
-            </a:r>
-            <a:r>
-              <a:rPr lang="de-DE" dirty="0">
-                <a:solidFill>
-                  <a:srgbClr val="569CD6"/>
-                </a:solidFill>
-                <a:latin typeface="Consolas" panose="020B0609020204030204" pitchFamily="49" charset="0"/>
-              </a:rPr>
-              <a:t>private</a:t>
-            </a:r>
-            <a:r>
-              <a:rPr lang="de-DE" dirty="0">
-                <a:solidFill>
-                  <a:srgbClr val="D4D4D4"/>
+                  <a:schemeClr val="tx1"/>
                 </a:solidFill>
                 <a:latin typeface="Consolas" panose="020B0609020204030204" pitchFamily="49" charset="0"/>
               </a:rPr>
               <a:t> </a:t>
             </a:r>
             <a:r>
-              <a:rPr lang="de-DE" dirty="0">
-                <a:solidFill>
-                  <a:srgbClr val="9CDCFE"/>
-                </a:solidFill>
-                <a:latin typeface="Consolas" panose="020B0609020204030204" pitchFamily="49" charset="0"/>
-              </a:rPr>
-              <a:t>http</a:t>
-            </a:r>
-            <a:r>
-              <a:rPr lang="de-DE" dirty="0">
-                <a:solidFill>
-                  <a:srgbClr val="D4D4D4"/>
-                </a:solidFill>
-                <a:latin typeface="Consolas" panose="020B0609020204030204" pitchFamily="49" charset="0"/>
-              </a:rPr>
-              <a:t>: </a:t>
-            </a:r>
-            <a:r>
-              <a:rPr lang="de-DE" dirty="0" err="1">
-                <a:solidFill>
-                  <a:srgbClr val="4EC9B0"/>
-                </a:solidFill>
-                <a:latin typeface="Consolas" panose="020B0609020204030204" pitchFamily="49" charset="0"/>
-              </a:rPr>
-              <a:t>HttpClient</a:t>
-            </a:r>
-            <a:r>
-              <a:rPr lang="de-DE" dirty="0">
-                <a:solidFill>
-                  <a:srgbClr val="D4D4D4"/>
-                </a:solidFill>
-                <a:latin typeface="Consolas" panose="020B0609020204030204" pitchFamily="49" charset="0"/>
-              </a:rPr>
-              <a:t>) {}</a:t>
-            </a:r>
-          </a:p>
-          <a:p>
-            <a:r>
-              <a:rPr lang="de-DE" dirty="0">
-                <a:solidFill>
-                  <a:srgbClr val="D4D4D4"/>
-                </a:solidFill>
-                <a:latin typeface="Consolas" panose="020B0609020204030204" pitchFamily="49" charset="0"/>
-              </a:rPr>
-              <a:t>  </a:t>
-            </a:r>
-            <a:r>
-              <a:rPr lang="de-DE" dirty="0" err="1">
-                <a:solidFill>
-                  <a:srgbClr val="DCDCAA"/>
-                </a:solidFill>
-                <a:latin typeface="Consolas" panose="020B0609020204030204" pitchFamily="49" charset="0"/>
-              </a:rPr>
-              <a:t>getStations</a:t>
-            </a:r>
-            <a:r>
-              <a:rPr lang="de-DE" dirty="0">
-                <a:solidFill>
-                  <a:srgbClr val="D4D4D4"/>
-                </a:solidFill>
-                <a:latin typeface="Consolas" panose="020B0609020204030204" pitchFamily="49" charset="0"/>
-              </a:rPr>
-              <a:t>() {</a:t>
-            </a:r>
-          </a:p>
-          <a:p>
-            <a:r>
-              <a:rPr lang="de-DE" dirty="0">
-                <a:solidFill>
-                  <a:srgbClr val="D4D4D4"/>
-                </a:solidFill>
-                <a:latin typeface="Consolas" panose="020B0609020204030204" pitchFamily="49" charset="0"/>
-              </a:rPr>
-              <a:t>    </a:t>
-            </a:r>
-            <a:r>
-              <a:rPr lang="de-DE" dirty="0" err="1">
-                <a:solidFill>
-                  <a:srgbClr val="C586C0"/>
-                </a:solidFill>
-                <a:latin typeface="Consolas" panose="020B0609020204030204" pitchFamily="49" charset="0"/>
-              </a:rPr>
-              <a:t>return</a:t>
-            </a:r>
-            <a:r>
-              <a:rPr lang="de-DE" dirty="0">
-                <a:solidFill>
-                  <a:srgbClr val="D4D4D4"/>
-                </a:solidFill>
-                <a:latin typeface="Consolas" panose="020B0609020204030204" pitchFamily="49" charset="0"/>
-              </a:rPr>
-              <a:t> </a:t>
-            </a:r>
-            <a:endParaRPr lang="de-DE" dirty="0" smtClean="0">
-              <a:solidFill>
-                <a:srgbClr val="D4D4D4"/>
-              </a:solidFill>
-              <a:latin typeface="Consolas" panose="020B0609020204030204" pitchFamily="49" charset="0"/>
-            </a:endParaRPr>
-          </a:p>
-          <a:p>
-            <a:r>
-              <a:rPr lang="de-DE" dirty="0">
-                <a:solidFill>
-                  <a:srgbClr val="D4D4D4"/>
-                </a:solidFill>
-                <a:latin typeface="Consolas" panose="020B0609020204030204" pitchFamily="49" charset="0"/>
-              </a:rPr>
-              <a:t> </a:t>
-            </a:r>
-            <a:r>
               <a:rPr lang="de-DE" dirty="0" smtClean="0">
                 <a:solidFill>
-                  <a:srgbClr val="D4D4D4"/>
+                  <a:schemeClr val="tx1"/>
                 </a:solidFill>
                 <a:latin typeface="Consolas" panose="020B0609020204030204" pitchFamily="49" charset="0"/>
               </a:rPr>
@@ -20091,70 +20028,25 @@
             <a:r>
               <a:rPr lang="de-DE" dirty="0" err="1" smtClean="0">
                 <a:solidFill>
-                  <a:srgbClr val="569CD6"/>
+                  <a:schemeClr val="tx1"/>
                 </a:solidFill>
                 <a:latin typeface="Consolas" panose="020B0609020204030204" pitchFamily="49" charset="0"/>
               </a:rPr>
-              <a:t>this</a:t>
-            </a:r>
-            <a:r>
-              <a:rPr lang="de-DE" dirty="0" err="1" smtClean="0">
-                <a:solidFill>
-                  <a:srgbClr val="D4D4D4"/>
+              <a:t>this.http.get</a:t>
+            </a:r>
+            <a:r>
+              <a:rPr lang="de-DE" dirty="0" smtClean="0">
+                <a:solidFill>
+                  <a:schemeClr val="tx1"/>
                 </a:solidFill>
                 <a:latin typeface="Consolas" panose="020B0609020204030204" pitchFamily="49" charset="0"/>
               </a:rPr>
-              <a:t>.</a:t>
-            </a:r>
-            <a:r>
-              <a:rPr lang="de-DE" dirty="0" err="1" smtClean="0">
-                <a:solidFill>
-                  <a:srgbClr val="9CDCFE"/>
-                </a:solidFill>
-                <a:latin typeface="Consolas" panose="020B0609020204030204" pitchFamily="49" charset="0"/>
-              </a:rPr>
-              <a:t>http</a:t>
-            </a:r>
-            <a:r>
-              <a:rPr lang="de-DE" dirty="0" err="1" smtClean="0">
-                <a:solidFill>
-                  <a:srgbClr val="D4D4D4"/>
-                </a:solidFill>
-                <a:latin typeface="Consolas" panose="020B0609020204030204" pitchFamily="49" charset="0"/>
-              </a:rPr>
-              <a:t>.</a:t>
-            </a:r>
-            <a:r>
-              <a:rPr lang="de-DE" dirty="0" err="1" smtClean="0">
-                <a:solidFill>
-                  <a:srgbClr val="DCDCAA"/>
-                </a:solidFill>
-                <a:latin typeface="Consolas" panose="020B0609020204030204" pitchFamily="49" charset="0"/>
-              </a:rPr>
-              <a:t>get</a:t>
-            </a:r>
-            <a:r>
-              <a:rPr lang="de-DE" dirty="0" smtClean="0">
-                <a:solidFill>
-                  <a:srgbClr val="D4D4D4"/>
-                </a:solidFill>
-                <a:latin typeface="Consolas" panose="020B0609020204030204" pitchFamily="49" charset="0"/>
-              </a:rPr>
-              <a:t>(</a:t>
-            </a:r>
-            <a:r>
-              <a:rPr lang="de-DE" dirty="0" smtClean="0">
-                <a:solidFill>
-                  <a:srgbClr val="CE9178"/>
-                </a:solidFill>
-                <a:latin typeface="Consolas" panose="020B0609020204030204" pitchFamily="49" charset="0"/>
-              </a:rPr>
-              <a:t>'/</a:t>
+              <a:t>('/</a:t>
             </a:r>
             <a:r>
               <a:rPr lang="de-DE" dirty="0" err="1">
                 <a:solidFill>
-                  <a:srgbClr val="CE9178"/>
+                  <a:schemeClr val="tx1"/>
                 </a:solidFill>
                 <a:latin typeface="Consolas" panose="020B0609020204030204" pitchFamily="49" charset="0"/>
               </a:rPr>
@@ -20163,7 +20055,7 @@
             <a:r>
               <a:rPr lang="de-DE" dirty="0">
                 <a:solidFill>
-                  <a:srgbClr val="CE9178"/>
+                  <a:schemeClr val="tx1"/>
                 </a:solidFill>
                 <a:latin typeface="Consolas" panose="020B0609020204030204" pitchFamily="49" charset="0"/>
               </a:rPr>
@@ -20172,7 +20064,7 @@
             <a:r>
               <a:rPr lang="de-DE" dirty="0" err="1">
                 <a:solidFill>
-                  <a:srgbClr val="CE9178"/>
+                  <a:schemeClr val="tx1"/>
                 </a:solidFill>
                 <a:latin typeface="Consolas" panose="020B0609020204030204" pitchFamily="49" charset="0"/>
               </a:rPr>
@@ -20181,27 +20073,18 @@
             <a:r>
               <a:rPr lang="de-DE" dirty="0">
                 <a:solidFill>
-                  <a:srgbClr val="CE9178"/>
+                  <a:schemeClr val="tx1"/>
                 </a:solidFill>
                 <a:latin typeface="Consolas" panose="020B0609020204030204" pitchFamily="49" charset="0"/>
               </a:rPr>
-              <a:t>'</a:t>
-            </a:r>
+              <a:t>');</a:t>
+            </a:r>
+          </a:p>
+          <a:p>
             <a:r>
               <a:rPr lang="de-DE" dirty="0">
                 <a:solidFill>
-                  <a:srgbClr val="D4D4D4"/>
-                </a:solidFill>
-                <a:latin typeface="Consolas" panose="020B0609020204030204" pitchFamily="49" charset="0"/>
-              </a:rPr>
-              <a:t>);</a:t>
-            </a:r>
-          </a:p>
-          <a:p>
-            <a:r>
-              <a:rPr lang="de-DE" dirty="0">
-                <a:solidFill>
-                  <a:srgbClr val="D4D4D4"/>
+                  <a:schemeClr val="tx1"/>
                 </a:solidFill>
                 <a:latin typeface="Consolas" panose="020B0609020204030204" pitchFamily="49" charset="0"/>
               </a:rPr>
@@ -20212,13 +20095,17 @@
             <a:r>
               <a:rPr lang="de-DE" dirty="0">
                 <a:solidFill>
-                  <a:srgbClr val="D4D4D4"/>
+                  <a:schemeClr val="tx1"/>
                 </a:solidFill>
                 <a:latin typeface="Consolas" panose="020B0609020204030204" pitchFamily="49" charset="0"/>
               </a:rPr>
               <a:t>}</a:t>
             </a:r>
-            <a:endParaRPr lang="de-DE" dirty="0"/>
+            <a:endParaRPr lang="de-DE" dirty="0">
+              <a:solidFill>
+                <a:schemeClr val="tx1"/>
+              </a:solidFill>
+            </a:endParaRPr>
           </a:p>
         </p:txBody>
       </p:sp>
@@ -20252,7 +20139,7 @@
             <a:r>
               <a:rPr lang="de-DE" dirty="0" err="1">
                 <a:solidFill>
-                  <a:srgbClr val="C586C0"/>
+                  <a:schemeClr val="tx1"/>
                 </a:solidFill>
                 <a:latin typeface="Consolas" panose="020B0609020204030204" pitchFamily="49" charset="0"/>
               </a:rPr>
@@ -20261,7 +20148,7 @@
             <a:r>
               <a:rPr lang="de-DE" dirty="0">
                 <a:solidFill>
-                  <a:srgbClr val="D4D4D4"/>
+                  <a:schemeClr val="tx1"/>
                 </a:solidFill>
                 <a:latin typeface="Consolas" panose="020B0609020204030204" pitchFamily="49" charset="0"/>
               </a:rPr>
@@ -20270,7 +20157,7 @@
             <a:r>
               <a:rPr lang="de-DE" dirty="0" err="1">
                 <a:solidFill>
-                  <a:srgbClr val="569CD6"/>
+                  <a:schemeClr val="tx1"/>
                 </a:solidFill>
                 <a:latin typeface="Consolas" panose="020B0609020204030204" pitchFamily="49" charset="0"/>
               </a:rPr>
@@ -20279,7 +20166,7 @@
             <a:r>
               <a:rPr lang="de-DE" dirty="0">
                 <a:solidFill>
-                  <a:srgbClr val="D4D4D4"/>
+                  <a:schemeClr val="tx1"/>
                 </a:solidFill>
                 <a:latin typeface="Consolas" panose="020B0609020204030204" pitchFamily="49" charset="0"/>
               </a:rPr>
@@ -20288,7 +20175,7 @@
             <a:r>
               <a:rPr lang="de-DE" dirty="0" err="1">
                 <a:solidFill>
-                  <a:srgbClr val="4EC9B0"/>
+                  <a:schemeClr val="tx1"/>
                 </a:solidFill>
                 <a:latin typeface="Consolas" panose="020B0609020204030204" pitchFamily="49" charset="0"/>
               </a:rPr>
@@ -20297,7 +20184,7 @@
             <a:r>
               <a:rPr lang="de-DE" dirty="0">
                 <a:solidFill>
-                  <a:srgbClr val="D4D4D4"/>
+                  <a:schemeClr val="tx1"/>
                 </a:solidFill>
                 <a:latin typeface="Consolas" panose="020B0609020204030204" pitchFamily="49" charset="0"/>
               </a:rPr>
@@ -20308,7 +20195,7 @@
             <a:r>
               <a:rPr lang="de-DE" dirty="0">
                 <a:solidFill>
-                  <a:srgbClr val="D4D4D4"/>
+                  <a:schemeClr val="tx1"/>
                 </a:solidFill>
                 <a:latin typeface="Consolas" panose="020B0609020204030204" pitchFamily="49" charset="0"/>
               </a:rPr>
@@ -20317,7 +20204,7 @@
             <a:br>
               <a:rPr lang="de-DE" dirty="0">
                 <a:solidFill>
-                  <a:srgbClr val="D4D4D4"/>
+                  <a:schemeClr val="tx1"/>
                 </a:solidFill>
                 <a:latin typeface="Consolas" panose="020B0609020204030204" pitchFamily="49" charset="0"/>
               </a:rPr>
@@ -20325,7 +20212,7 @@
             <a:r>
               <a:rPr lang="de-DE" dirty="0">
                 <a:solidFill>
-                  <a:srgbClr val="D4D4D4"/>
+                  <a:schemeClr val="tx1"/>
                 </a:solidFill>
                 <a:latin typeface="Consolas" panose="020B0609020204030204" pitchFamily="49" charset="0"/>
               </a:rPr>
@@ -20334,7 +20221,7 @@
             <a:r>
               <a:rPr lang="de-DE" dirty="0" err="1">
                 <a:solidFill>
-                  <a:srgbClr val="569CD6"/>
+                  <a:schemeClr val="tx1"/>
                 </a:solidFill>
                 <a:latin typeface="Consolas" panose="020B0609020204030204" pitchFamily="49" charset="0"/>
               </a:rPr>
@@ -20343,34 +20230,16 @@
             <a:r>
               <a:rPr lang="de-DE" dirty="0">
                 <a:solidFill>
-                  <a:srgbClr val="D4D4D4"/>
+                  <a:schemeClr val="tx1"/>
                 </a:solidFill>
                 <a:latin typeface="Consolas" panose="020B0609020204030204" pitchFamily="49" charset="0"/>
               </a:rPr>
-              <a:t>(</a:t>
-            </a:r>
-            <a:r>
-              <a:rPr lang="de-DE" dirty="0">
-                <a:solidFill>
-                  <a:srgbClr val="569CD6"/>
-                </a:solidFill>
-                <a:latin typeface="Consolas" panose="020B0609020204030204" pitchFamily="49" charset="0"/>
-              </a:rPr>
-              <a:t>private</a:t>
-            </a:r>
-            <a:r>
-              <a:rPr lang="de-DE" dirty="0">
-                <a:solidFill>
-                  <a:srgbClr val="D4D4D4"/>
-                </a:solidFill>
-                <a:latin typeface="Consolas" panose="020B0609020204030204" pitchFamily="49" charset="0"/>
-              </a:rPr>
-              <a:t> </a:t>
+              <a:t>(private </a:t>
             </a:r>
             <a:r>
               <a:rPr lang="de-DE" dirty="0" err="1">
                 <a:solidFill>
-                  <a:srgbClr val="9CDCFE"/>
+                  <a:schemeClr val="tx1"/>
                 </a:solidFill>
                 <a:latin typeface="Consolas" panose="020B0609020204030204" pitchFamily="49" charset="0"/>
               </a:rPr>
@@ -20379,7 +20248,7 @@
             <a:r>
               <a:rPr lang="de-DE" dirty="0">
                 <a:solidFill>
-                  <a:srgbClr val="D4D4D4"/>
+                  <a:schemeClr val="tx1"/>
                 </a:solidFill>
                 <a:latin typeface="Consolas" panose="020B0609020204030204" pitchFamily="49" charset="0"/>
               </a:rPr>
@@ -20388,7 +20257,7 @@
             <a:r>
               <a:rPr lang="de-DE" dirty="0" err="1">
                 <a:solidFill>
-                  <a:srgbClr val="4EC9B0"/>
+                  <a:schemeClr val="tx1"/>
                 </a:solidFill>
                 <a:latin typeface="Consolas" panose="020B0609020204030204" pitchFamily="49" charset="0"/>
               </a:rPr>
@@ -20397,7 +20266,7 @@
             <a:r>
               <a:rPr lang="de-DE" dirty="0">
                 <a:solidFill>
-                  <a:srgbClr val="D4D4D4"/>
+                  <a:schemeClr val="tx1"/>
                 </a:solidFill>
                 <a:latin typeface="Consolas" panose="020B0609020204030204" pitchFamily="49" charset="0"/>
               </a:rPr>
@@ -20408,7 +20277,7 @@
             <a:r>
               <a:rPr lang="de-DE" dirty="0">
                 <a:solidFill>
-                  <a:srgbClr val="D4D4D4"/>
+                  <a:schemeClr val="tx1"/>
                 </a:solidFill>
                 <a:latin typeface="Consolas" panose="020B0609020204030204" pitchFamily="49" charset="0"/>
               </a:rPr>
@@ -20417,7 +20286,7 @@
             <a:r>
               <a:rPr lang="en-US" dirty="0" err="1">
                 <a:solidFill>
-                  <a:srgbClr val="DCDCAA"/>
+                  <a:schemeClr val="tx1"/>
                 </a:solidFill>
                 <a:latin typeface="Consolas" panose="020B0609020204030204" pitchFamily="49" charset="0"/>
               </a:rPr>
@@ -20426,7 +20295,7 @@
             <a:r>
               <a:rPr lang="en-US" dirty="0">
                 <a:solidFill>
-                  <a:srgbClr val="D4D4D4"/>
+                  <a:schemeClr val="tx1"/>
                 </a:solidFill>
                 <a:latin typeface="Consolas" panose="020B0609020204030204" pitchFamily="49" charset="0"/>
               </a:rPr>
@@ -20437,7 +20306,7 @@
             <a:r>
               <a:rPr lang="en-US" dirty="0">
                 <a:solidFill>
-                  <a:srgbClr val="D4D4D4"/>
+                  <a:schemeClr val="tx1"/>
                 </a:solidFill>
                 <a:latin typeface="Consolas" panose="020B0609020204030204" pitchFamily="49" charset="0"/>
               </a:rPr>
@@ -20446,79 +20315,25 @@
             <a:r>
               <a:rPr lang="en-US" dirty="0" err="1">
                 <a:solidFill>
-                  <a:srgbClr val="569CD6"/>
+                  <a:schemeClr val="tx1"/>
                 </a:solidFill>
                 <a:latin typeface="Consolas" panose="020B0609020204030204" pitchFamily="49" charset="0"/>
               </a:rPr>
-              <a:t>this</a:t>
-            </a:r>
-            <a:r>
-              <a:rPr lang="en-US" dirty="0" err="1">
-                <a:solidFill>
-                  <a:srgbClr val="D4D4D4"/>
+              <a:t>this.stations.getStations</a:t>
+            </a:r>
+            <a:r>
+              <a:rPr lang="en-US" dirty="0">
+                <a:solidFill>
+                  <a:schemeClr val="tx1"/>
                 </a:solidFill>
                 <a:latin typeface="Consolas" panose="020B0609020204030204" pitchFamily="49" charset="0"/>
               </a:rPr>
-              <a:t>.</a:t>
-            </a:r>
-            <a:r>
-              <a:rPr lang="en-US" dirty="0" err="1">
-                <a:solidFill>
-                  <a:srgbClr val="9CDCFE"/>
-                </a:solidFill>
-                <a:latin typeface="Consolas" panose="020B0609020204030204" pitchFamily="49" charset="0"/>
-              </a:rPr>
-              <a:t>stations</a:t>
-            </a:r>
-            <a:r>
-              <a:rPr lang="en-US" dirty="0" err="1">
-                <a:solidFill>
-                  <a:srgbClr val="D4D4D4"/>
-                </a:solidFill>
-                <a:latin typeface="Consolas" panose="020B0609020204030204" pitchFamily="49" charset="0"/>
-              </a:rPr>
-              <a:t>.</a:t>
-            </a:r>
-            <a:r>
-              <a:rPr lang="en-US" dirty="0" err="1">
-                <a:solidFill>
-                  <a:srgbClr val="DCDCAA"/>
-                </a:solidFill>
-                <a:latin typeface="Consolas" panose="020B0609020204030204" pitchFamily="49" charset="0"/>
-              </a:rPr>
-              <a:t>getStations</a:t>
+              <a:t>().subscribe(); </a:t>
             </a:r>
             <a:r>
               <a:rPr lang="en-US" dirty="0">
                 <a:solidFill>
-                  <a:srgbClr val="D4D4D4"/>
-                </a:solidFill>
-                <a:latin typeface="Consolas" panose="020B0609020204030204" pitchFamily="49" charset="0"/>
-              </a:rPr>
-              <a:t>().</a:t>
-            </a:r>
-            <a:r>
-              <a:rPr lang="en-US" dirty="0">
-                <a:solidFill>
-                  <a:srgbClr val="DCDCAA"/>
-                </a:solidFill>
-                <a:latin typeface="Consolas" panose="020B0609020204030204" pitchFamily="49" charset="0"/>
-              </a:rPr>
-              <a:t>subscribe</a:t>
-            </a:r>
-            <a:r>
-              <a:rPr lang="en-US" dirty="0">
-                <a:solidFill>
-                  <a:srgbClr val="D4D4D4"/>
-                </a:solidFill>
-                <a:latin typeface="Consolas" panose="020B0609020204030204" pitchFamily="49" charset="0"/>
-              </a:rPr>
-              <a:t>(); </a:t>
-            </a:r>
-            <a:r>
-              <a:rPr lang="en-US" dirty="0">
-                <a:solidFill>
-                  <a:srgbClr val="D4D4D4"/>
+                  <a:schemeClr val="tx1"/>
                 </a:solidFill>
                 <a:latin typeface="Consolas" panose="020B0609020204030204" pitchFamily="49" charset="0"/>
                 <a:sym typeface="Wingdings" panose="05000000000000000000" pitchFamily="2" charset="2"/>
@@ -20527,7 +20342,7 @@
             </a:r>
             <a:endParaRPr lang="en-US" dirty="0">
               <a:solidFill>
-                <a:srgbClr val="D4D4D4"/>
+                <a:schemeClr val="tx1"/>
               </a:solidFill>
               <a:latin typeface="Consolas" panose="020B0609020204030204" pitchFamily="49" charset="0"/>
             </a:endParaRPr>
@@ -20536,7 +20351,7 @@
             <a:r>
               <a:rPr lang="en-US" dirty="0">
                 <a:solidFill>
-                  <a:srgbClr val="D4D4D4"/>
+                  <a:schemeClr val="tx1"/>
                 </a:solidFill>
                 <a:latin typeface="Consolas" panose="020B0609020204030204" pitchFamily="49" charset="0"/>
               </a:rPr>
@@ -20544,7 +20359,7 @@
             </a:r>
             <a:endParaRPr lang="de-DE" dirty="0">
               <a:solidFill>
-                <a:srgbClr val="D4D4D4"/>
+                <a:schemeClr val="tx1"/>
               </a:solidFill>
               <a:latin typeface="Consolas" panose="020B0609020204030204" pitchFamily="49" charset="0"/>
             </a:endParaRPr>
@@ -20553,16 +20368,24 @@
             <a:r>
               <a:rPr lang="de-DE" sz="1600" dirty="0">
                 <a:solidFill>
-                  <a:srgbClr val="D4D4D4"/>
+                  <a:schemeClr val="tx1"/>
                 </a:solidFill>
                 <a:latin typeface="Consolas" panose="020B0609020204030204" pitchFamily="49" charset="0"/>
               </a:rPr>
               <a:t>}</a:t>
             </a:r>
-            <a:endParaRPr lang="en-US" sz="1600" dirty="0"/>
-          </a:p>
-          <a:p>
-            <a:endParaRPr lang="de-DE" dirty="0"/>
+            <a:endParaRPr lang="en-US" sz="1600" dirty="0">
+              <a:solidFill>
+                <a:schemeClr val="tx1"/>
+              </a:solidFill>
+            </a:endParaRPr>
+          </a:p>
+          <a:p>
+            <a:endParaRPr lang="de-DE" dirty="0">
+              <a:solidFill>
+                <a:schemeClr val="tx1"/>
+              </a:solidFill>
+            </a:endParaRPr>
           </a:p>
         </p:txBody>
       </p:sp>
@@ -21545,7 +21368,7 @@
             <a:r>
               <a:rPr lang="en-US" dirty="0" err="1" smtClean="0">
                 <a:solidFill>
-                  <a:srgbClr val="DCDCAA"/>
+                  <a:schemeClr val="tx1"/>
                 </a:solidFill>
                 <a:latin typeface="Consolas" panose="020B0609020204030204" pitchFamily="49" charset="0"/>
               </a:rPr>
@@ -21554,54 +21377,18 @@
             <a:r>
               <a:rPr lang="en-US" dirty="0">
                 <a:solidFill>
-                  <a:srgbClr val="D4D4D4"/>
+                  <a:schemeClr val="tx1"/>
                 </a:solidFill>
                 <a:latin typeface="Consolas" panose="020B0609020204030204" pitchFamily="49" charset="0"/>
               </a:rPr>
-              <a:t>(): </a:t>
-            </a:r>
-            <a:r>
-              <a:rPr lang="en-US" dirty="0">
-                <a:solidFill>
-                  <a:srgbClr val="4EC9B0"/>
-                </a:solidFill>
-                <a:latin typeface="Consolas" panose="020B0609020204030204" pitchFamily="49" charset="0"/>
-              </a:rPr>
-              <a:t>Observable</a:t>
-            </a:r>
-            <a:r>
-              <a:rPr lang="en-US" dirty="0">
-                <a:solidFill>
-                  <a:srgbClr val="D4D4D4"/>
-                </a:solidFill>
-                <a:latin typeface="Consolas" panose="020B0609020204030204" pitchFamily="49" charset="0"/>
-              </a:rPr>
-              <a:t>&lt;</a:t>
-            </a:r>
-            <a:r>
-              <a:rPr lang="en-US" dirty="0">
-                <a:solidFill>
-                  <a:srgbClr val="4EC9B0"/>
-                </a:solidFill>
-                <a:latin typeface="Consolas" panose="020B0609020204030204" pitchFamily="49" charset="0"/>
-              </a:rPr>
-              <a:t>string</a:t>
-            </a:r>
-            <a:r>
-              <a:rPr lang="en-US" dirty="0">
-                <a:solidFill>
-                  <a:srgbClr val="D4D4D4"/>
-                </a:solidFill>
-                <a:latin typeface="Consolas" panose="020B0609020204030204" pitchFamily="49" charset="0"/>
-              </a:rPr>
-              <a:t>[]&gt; {</a:t>
+              <a:t>(): Observable&lt;string[]&gt; {</a:t>
             </a:r>
           </a:p>
           <a:p>
             <a:r>
               <a:rPr lang="en-US" dirty="0" smtClean="0">
                 <a:solidFill>
-                  <a:srgbClr val="D4D4D4"/>
+                  <a:schemeClr val="tx1"/>
                 </a:solidFill>
                 <a:latin typeface="Consolas" panose="020B0609020204030204" pitchFamily="49" charset="0"/>
               </a:rPr>
@@ -21610,7 +21397,7 @@
             <a:r>
               <a:rPr lang="en-US" dirty="0">
                 <a:solidFill>
-                  <a:srgbClr val="D4D4D4"/>
+                  <a:schemeClr val="tx1"/>
                 </a:solidFill>
                 <a:latin typeface="Consolas" panose="020B0609020204030204" pitchFamily="49" charset="0"/>
               </a:rPr>
@@ -21619,740 +21406,634 @@
             <a:r>
               <a:rPr lang="en-US" dirty="0" smtClean="0">
                 <a:solidFill>
-                  <a:srgbClr val="C586C0"/>
+                  <a:schemeClr val="tx1"/>
                 </a:solidFill>
                 <a:latin typeface="Consolas" panose="020B0609020204030204" pitchFamily="49" charset="0"/>
               </a:rPr>
-              <a:t>return</a:t>
-            </a:r>
+              <a:t>return </a:t>
+            </a:r>
+            <a:r>
+              <a:rPr lang="en-US" dirty="0" err="1">
+                <a:solidFill>
+                  <a:schemeClr val="tx1"/>
+                </a:solidFill>
+                <a:latin typeface="Consolas" panose="020B0609020204030204" pitchFamily="49" charset="0"/>
+              </a:rPr>
+              <a:t>this.http.get</a:t>
+            </a:r>
+            <a:r>
+              <a:rPr lang="en-US" dirty="0">
+                <a:solidFill>
+                  <a:schemeClr val="tx1"/>
+                </a:solidFill>
+                <a:latin typeface="Consolas" panose="020B0609020204030204" pitchFamily="49" charset="0"/>
+              </a:rPr>
+              <a:t> ('/</a:t>
+            </a:r>
+            <a:r>
+              <a:rPr lang="en-US" dirty="0" err="1">
+                <a:solidFill>
+                  <a:schemeClr val="tx1"/>
+                </a:solidFill>
+                <a:latin typeface="Consolas" panose="020B0609020204030204" pitchFamily="49" charset="0"/>
+              </a:rPr>
+              <a:t>api</a:t>
+            </a:r>
+            <a:r>
+              <a:rPr lang="en-US" dirty="0">
+                <a:solidFill>
+                  <a:schemeClr val="tx1"/>
+                </a:solidFill>
+                <a:latin typeface="Consolas" panose="020B0609020204030204" pitchFamily="49" charset="0"/>
+              </a:rPr>
+              <a:t>/station');</a:t>
+            </a:r>
+          </a:p>
+          <a:p>
             <a:r>
               <a:rPr lang="en-US" dirty="0" smtClean="0">
                 <a:solidFill>
-                  <a:srgbClr val="D4D4D4"/>
+                  <a:schemeClr val="tx1"/>
+                </a:solidFill>
+                <a:latin typeface="Consolas" panose="020B0609020204030204" pitchFamily="49" charset="0"/>
+              </a:rPr>
+              <a:t>}</a:t>
+            </a:r>
+            <a:endParaRPr lang="en-US" dirty="0">
+              <a:solidFill>
+                <a:schemeClr val="tx1"/>
+              </a:solidFill>
+              <a:latin typeface="Consolas" panose="020B0609020204030204" pitchFamily="49" charset="0"/>
+            </a:endParaRPr>
+          </a:p>
+          <a:p>
+            <a:endParaRPr lang="de-DE" dirty="0">
+              <a:solidFill>
+                <a:schemeClr val="tx1"/>
+              </a:solidFill>
+              <a:latin typeface="Consolas" panose="020B0609020204030204" pitchFamily="49" charset="0"/>
+            </a:endParaRPr>
+          </a:p>
+          <a:p>
+            <a:r>
+              <a:rPr lang="de-DE" dirty="0">
+                <a:solidFill>
+                  <a:schemeClr val="tx1"/>
+                </a:solidFill>
+                <a:latin typeface="Consolas" panose="020B0609020204030204" pitchFamily="49" charset="0"/>
+              </a:rPr>
+              <a:t>// </a:t>
+            </a:r>
+            <a:r>
+              <a:rPr lang="de-DE" dirty="0" err="1">
+                <a:solidFill>
+                  <a:schemeClr val="tx1"/>
+                </a:solidFill>
+                <a:latin typeface="Consolas" panose="020B0609020204030204" pitchFamily="49" charset="0"/>
+              </a:rPr>
+              <a:t>React</a:t>
+            </a:r>
+            <a:r>
+              <a:rPr lang="de-DE" dirty="0">
+                <a:solidFill>
+                  <a:schemeClr val="tx1"/>
                 </a:solidFill>
                 <a:latin typeface="Consolas" panose="020B0609020204030204" pitchFamily="49" charset="0"/>
               </a:rPr>
               <a:t> </a:t>
             </a:r>
             <a:r>
-              <a:rPr lang="en-US" dirty="0" err="1">
-                <a:solidFill>
-                  <a:srgbClr val="569CD6"/>
+              <a:rPr lang="de-DE" dirty="0" err="1">
+                <a:solidFill>
+                  <a:schemeClr val="tx1"/>
                 </a:solidFill>
                 <a:latin typeface="Consolas" panose="020B0609020204030204" pitchFamily="49" charset="0"/>
               </a:rPr>
-              <a:t>this</a:t>
-            </a:r>
+              <a:t>to</a:t>
+            </a:r>
+            <a:r>
+              <a:rPr lang="de-DE" dirty="0">
+                <a:solidFill>
+                  <a:schemeClr val="tx1"/>
+                </a:solidFill>
+                <a:latin typeface="Consolas" panose="020B0609020204030204" pitchFamily="49" charset="0"/>
+              </a:rPr>
+              <a:t> </a:t>
+            </a:r>
+            <a:r>
+              <a:rPr lang="de-DE" dirty="0" err="1">
+                <a:solidFill>
+                  <a:schemeClr val="tx1"/>
+                </a:solidFill>
+                <a:latin typeface="Consolas" panose="020B0609020204030204" pitchFamily="49" charset="0"/>
+              </a:rPr>
+              <a:t>changes</a:t>
+            </a:r>
+            <a:r>
+              <a:rPr lang="de-DE" dirty="0">
+                <a:solidFill>
+                  <a:schemeClr val="tx1"/>
+                </a:solidFill>
+                <a:latin typeface="Consolas" panose="020B0609020204030204" pitchFamily="49" charset="0"/>
+              </a:rPr>
+              <a:t> </a:t>
+            </a:r>
+            <a:r>
+              <a:rPr lang="de-DE" dirty="0" err="1">
+                <a:solidFill>
+                  <a:schemeClr val="tx1"/>
+                </a:solidFill>
+                <a:latin typeface="Consolas" panose="020B0609020204030204" pitchFamily="49" charset="0"/>
+              </a:rPr>
+              <a:t>inside</a:t>
+            </a:r>
+            <a:r>
+              <a:rPr lang="de-DE" dirty="0">
+                <a:solidFill>
+                  <a:schemeClr val="tx1"/>
+                </a:solidFill>
+                <a:latin typeface="Consolas" panose="020B0609020204030204" pitchFamily="49" charset="0"/>
+              </a:rPr>
+              <a:t> </a:t>
+            </a:r>
+            <a:r>
+              <a:rPr lang="de-DE" dirty="0" err="1">
+                <a:solidFill>
+                  <a:schemeClr val="tx1"/>
+                </a:solidFill>
+                <a:latin typeface="Consolas" panose="020B0609020204030204" pitchFamily="49" charset="0"/>
+              </a:rPr>
+              <a:t>subscribe</a:t>
+            </a:r>
+            <a:r>
+              <a:rPr lang="de-DE" dirty="0">
+                <a:solidFill>
+                  <a:schemeClr val="tx1"/>
+                </a:solidFill>
+                <a:latin typeface="Consolas" panose="020B0609020204030204" pitchFamily="49" charset="0"/>
+              </a:rPr>
+              <a:t> block</a:t>
+            </a:r>
+          </a:p>
+          <a:p>
             <a:r>
               <a:rPr lang="en-US" dirty="0" err="1">
                 <a:solidFill>
-                  <a:srgbClr val="D4D4D4"/>
+                  <a:schemeClr val="tx1"/>
+                </a:solidFill>
+                <a:latin typeface="Consolas" panose="020B0609020204030204" pitchFamily="49" charset="0"/>
+              </a:rPr>
+              <a:t>this.getStations</a:t>
+            </a:r>
+            <a:r>
+              <a:rPr lang="en-US" dirty="0">
+                <a:solidFill>
+                  <a:schemeClr val="tx1"/>
+                </a:solidFill>
+                <a:latin typeface="Consolas" panose="020B0609020204030204" pitchFamily="49" charset="0"/>
+              </a:rPr>
+              <a:t>()</a:t>
+            </a:r>
+            <a:r>
+              <a:rPr lang="de-DE" dirty="0">
+                <a:solidFill>
+                  <a:schemeClr val="tx1"/>
                 </a:solidFill>
                 <a:latin typeface="Consolas" panose="020B0609020204030204" pitchFamily="49" charset="0"/>
               </a:rPr>
               <a:t>.</a:t>
             </a:r>
             <a:r>
-              <a:rPr lang="en-US" dirty="0" err="1">
-                <a:solidFill>
-                  <a:srgbClr val="9CDCFE"/>
+              <a:rPr lang="de-DE" dirty="0" err="1">
+                <a:solidFill>
+                  <a:schemeClr val="tx1"/>
                 </a:solidFill>
                 <a:latin typeface="Consolas" panose="020B0609020204030204" pitchFamily="49" charset="0"/>
               </a:rPr>
-              <a:t>http</a:t>
-            </a:r>
+              <a:t>subscribe</a:t>
+            </a:r>
+            <a:r>
+              <a:rPr lang="de-DE" dirty="0">
+                <a:solidFill>
+                  <a:schemeClr val="tx1"/>
+                </a:solidFill>
+                <a:latin typeface="Consolas" panose="020B0609020204030204" pitchFamily="49" charset="0"/>
+              </a:rPr>
+              <a:t>({</a:t>
+            </a:r>
+          </a:p>
+          <a:p>
+            <a:r>
+              <a:rPr lang="de-DE" dirty="0">
+                <a:solidFill>
+                  <a:schemeClr val="tx1"/>
+                </a:solidFill>
+                <a:latin typeface="Consolas" panose="020B0609020204030204" pitchFamily="49" charset="0"/>
+              </a:rPr>
+              <a:t>  </a:t>
+            </a:r>
+            <a:r>
+              <a:rPr lang="de-DE" dirty="0" err="1" smtClean="0">
+                <a:solidFill>
+                  <a:schemeClr val="tx1"/>
+                </a:solidFill>
+                <a:latin typeface="Consolas" panose="020B0609020204030204" pitchFamily="49" charset="0"/>
+              </a:rPr>
+              <a:t>next</a:t>
+            </a:r>
+            <a:r>
+              <a:rPr lang="de-DE" dirty="0" smtClean="0">
+                <a:solidFill>
+                  <a:schemeClr val="tx1"/>
+                </a:solidFill>
+                <a:latin typeface="Consolas" panose="020B0609020204030204" pitchFamily="49" charset="0"/>
+              </a:rPr>
+              <a:t>(</a:t>
+            </a:r>
+            <a:r>
+              <a:rPr lang="de-DE" dirty="0" err="1" smtClean="0">
+                <a:solidFill>
+                  <a:schemeClr val="tx1"/>
+                </a:solidFill>
+                <a:latin typeface="Consolas" panose="020B0609020204030204" pitchFamily="49" charset="0"/>
+              </a:rPr>
+              <a:t>response</a:t>
+            </a:r>
+            <a:r>
+              <a:rPr lang="de-DE" dirty="0">
+                <a:solidFill>
+                  <a:schemeClr val="tx1"/>
+                </a:solidFill>
+                <a:latin typeface="Consolas" panose="020B0609020204030204" pitchFamily="49" charset="0"/>
+              </a:rPr>
+              <a:t>) { console.log(</a:t>
+            </a:r>
+            <a:r>
+              <a:rPr lang="de-DE" dirty="0" err="1">
+                <a:solidFill>
+                  <a:schemeClr val="tx1"/>
+                </a:solidFill>
+                <a:latin typeface="Consolas" panose="020B0609020204030204" pitchFamily="49" charset="0"/>
+              </a:rPr>
+              <a:t>response</a:t>
+            </a:r>
+            <a:r>
+              <a:rPr lang="de-DE" dirty="0">
+                <a:solidFill>
+                  <a:schemeClr val="tx1"/>
+                </a:solidFill>
+                <a:latin typeface="Consolas" panose="020B0609020204030204" pitchFamily="49" charset="0"/>
+              </a:rPr>
+              <a:t>); },</a:t>
+            </a:r>
+          </a:p>
+          <a:p>
+            <a:r>
+              <a:rPr lang="de-DE" dirty="0">
+                <a:solidFill>
+                  <a:schemeClr val="tx1"/>
+                </a:solidFill>
+                <a:latin typeface="Consolas" panose="020B0609020204030204" pitchFamily="49" charset="0"/>
+              </a:rPr>
+              <a:t>  </a:t>
+            </a:r>
+            <a:r>
+              <a:rPr lang="de-DE" dirty="0" err="1" smtClean="0">
+                <a:solidFill>
+                  <a:schemeClr val="tx1"/>
+                </a:solidFill>
+                <a:latin typeface="Consolas" panose="020B0609020204030204" pitchFamily="49" charset="0"/>
+              </a:rPr>
+              <a:t>error</a:t>
+            </a:r>
+            <a:r>
+              <a:rPr lang="de-DE" dirty="0" smtClean="0">
+                <a:solidFill>
+                  <a:schemeClr val="tx1"/>
+                </a:solidFill>
+                <a:latin typeface="Consolas" panose="020B0609020204030204" pitchFamily="49" charset="0"/>
+              </a:rPr>
+              <a:t>(</a:t>
+            </a:r>
+            <a:r>
+              <a:rPr lang="de-DE" dirty="0" err="1" smtClean="0">
+                <a:solidFill>
+                  <a:schemeClr val="tx1"/>
+                </a:solidFill>
+                <a:latin typeface="Consolas" panose="020B0609020204030204" pitchFamily="49" charset="0"/>
+              </a:rPr>
+              <a:t>err</a:t>
+            </a:r>
+            <a:r>
+              <a:rPr lang="de-DE" dirty="0">
+                <a:solidFill>
+                  <a:schemeClr val="tx1"/>
+                </a:solidFill>
+                <a:latin typeface="Consolas" panose="020B0609020204030204" pitchFamily="49" charset="0"/>
+              </a:rPr>
+              <a:t>) { </a:t>
+            </a:r>
+            <a:r>
+              <a:rPr lang="de-DE" dirty="0" err="1">
+                <a:solidFill>
+                  <a:schemeClr val="tx1"/>
+                </a:solidFill>
+                <a:latin typeface="Consolas" panose="020B0609020204030204" pitchFamily="49" charset="0"/>
+              </a:rPr>
+              <a:t>console.error</a:t>
+            </a:r>
+            <a:r>
+              <a:rPr lang="de-DE" dirty="0">
+                <a:solidFill>
+                  <a:schemeClr val="tx1"/>
+                </a:solidFill>
+                <a:latin typeface="Consolas" panose="020B0609020204030204" pitchFamily="49" charset="0"/>
+              </a:rPr>
+              <a:t>('Error: ' + </a:t>
+            </a:r>
+            <a:r>
+              <a:rPr lang="de-DE" dirty="0" err="1">
+                <a:solidFill>
+                  <a:schemeClr val="tx1"/>
+                </a:solidFill>
+                <a:latin typeface="Consolas" panose="020B0609020204030204" pitchFamily="49" charset="0"/>
+              </a:rPr>
+              <a:t>err</a:t>
+            </a:r>
+            <a:r>
+              <a:rPr lang="de-DE" dirty="0">
+                <a:solidFill>
+                  <a:schemeClr val="tx1"/>
+                </a:solidFill>
+                <a:latin typeface="Consolas" panose="020B0609020204030204" pitchFamily="49" charset="0"/>
+              </a:rPr>
+              <a:t>); },</a:t>
+            </a:r>
+          </a:p>
+          <a:p>
+            <a:r>
+              <a:rPr lang="de-DE" dirty="0">
+                <a:solidFill>
+                  <a:schemeClr val="tx1"/>
+                </a:solidFill>
+                <a:latin typeface="Consolas" panose="020B0609020204030204" pitchFamily="49" charset="0"/>
+              </a:rPr>
+              <a:t>  </a:t>
+            </a:r>
+            <a:r>
+              <a:rPr lang="de-DE" dirty="0" err="1" smtClean="0">
+                <a:solidFill>
+                  <a:schemeClr val="tx1"/>
+                </a:solidFill>
+                <a:latin typeface="Consolas" panose="020B0609020204030204" pitchFamily="49" charset="0"/>
+              </a:rPr>
+              <a:t>complete</a:t>
+            </a:r>
+            <a:r>
+              <a:rPr lang="de-DE" dirty="0">
+                <a:solidFill>
+                  <a:schemeClr val="tx1"/>
+                </a:solidFill>
+                <a:latin typeface="Consolas" panose="020B0609020204030204" pitchFamily="49" charset="0"/>
+              </a:rPr>
+              <a:t>() { console.log('</a:t>
+            </a:r>
+            <a:r>
+              <a:rPr lang="de-DE" dirty="0" err="1">
+                <a:solidFill>
+                  <a:schemeClr val="tx1"/>
+                </a:solidFill>
+                <a:latin typeface="Consolas" panose="020B0609020204030204" pitchFamily="49" charset="0"/>
+              </a:rPr>
+              <a:t>Completed</a:t>
+            </a:r>
+            <a:r>
+              <a:rPr lang="de-DE" dirty="0">
+                <a:solidFill>
+                  <a:schemeClr val="tx1"/>
+                </a:solidFill>
+                <a:latin typeface="Consolas" panose="020B0609020204030204" pitchFamily="49" charset="0"/>
+              </a:rPr>
+              <a:t>'); }</a:t>
+            </a:r>
+          </a:p>
+          <a:p>
+            <a:r>
+              <a:rPr lang="de-DE" dirty="0">
+                <a:solidFill>
+                  <a:schemeClr val="tx1"/>
+                </a:solidFill>
+                <a:latin typeface="Consolas" panose="020B0609020204030204" pitchFamily="49" charset="0"/>
+              </a:rPr>
+              <a:t>});</a:t>
+            </a:r>
+          </a:p>
+          <a:p>
+            <a:endParaRPr lang="de-DE" dirty="0">
+              <a:solidFill>
+                <a:schemeClr val="tx1"/>
+              </a:solidFill>
+              <a:latin typeface="Consolas" panose="020B0609020204030204" pitchFamily="49" charset="0"/>
+            </a:endParaRPr>
+          </a:p>
+          <a:p>
+            <a:r>
+              <a:rPr lang="de-DE" dirty="0">
+                <a:solidFill>
+                  <a:schemeClr val="tx1"/>
+                </a:solidFill>
+                <a:latin typeface="Consolas" panose="020B0609020204030204" pitchFamily="49" charset="0"/>
+              </a:rPr>
+              <a:t>// </a:t>
+            </a:r>
+            <a:r>
+              <a:rPr lang="de-DE" dirty="0" err="1">
+                <a:solidFill>
+                  <a:schemeClr val="tx1"/>
+                </a:solidFill>
+                <a:latin typeface="Consolas" panose="020B0609020204030204" pitchFamily="49" charset="0"/>
+              </a:rPr>
+              <a:t>React</a:t>
+            </a:r>
+            <a:r>
+              <a:rPr lang="de-DE" dirty="0">
+                <a:solidFill>
+                  <a:schemeClr val="tx1"/>
+                </a:solidFill>
+                <a:latin typeface="Consolas" panose="020B0609020204030204" pitchFamily="49" charset="0"/>
+              </a:rPr>
+              <a:t> </a:t>
+            </a:r>
+            <a:r>
+              <a:rPr lang="de-DE" dirty="0" err="1">
+                <a:solidFill>
+                  <a:schemeClr val="tx1"/>
+                </a:solidFill>
+                <a:latin typeface="Consolas" panose="020B0609020204030204" pitchFamily="49" charset="0"/>
+              </a:rPr>
+              <a:t>to</a:t>
+            </a:r>
+            <a:r>
+              <a:rPr lang="de-DE" dirty="0">
+                <a:solidFill>
+                  <a:schemeClr val="tx1"/>
+                </a:solidFill>
+                <a:latin typeface="Consolas" panose="020B0609020204030204" pitchFamily="49" charset="0"/>
+              </a:rPr>
+              <a:t> </a:t>
+            </a:r>
+            <a:r>
+              <a:rPr lang="de-DE" dirty="0" err="1">
+                <a:solidFill>
+                  <a:schemeClr val="tx1"/>
+                </a:solidFill>
+                <a:latin typeface="Consolas" panose="020B0609020204030204" pitchFamily="49" charset="0"/>
+              </a:rPr>
+              <a:t>changes</a:t>
+            </a:r>
+            <a:r>
+              <a:rPr lang="de-DE" dirty="0">
+                <a:solidFill>
+                  <a:schemeClr val="tx1"/>
+                </a:solidFill>
+                <a:latin typeface="Consolas" panose="020B0609020204030204" pitchFamily="49" charset="0"/>
+              </a:rPr>
+              <a:t> </a:t>
+            </a:r>
+            <a:r>
+              <a:rPr lang="de-DE" dirty="0" err="1">
+                <a:solidFill>
+                  <a:schemeClr val="tx1"/>
+                </a:solidFill>
+                <a:latin typeface="Consolas" panose="020B0609020204030204" pitchFamily="49" charset="0"/>
+              </a:rPr>
+              <a:t>with</a:t>
+            </a:r>
+            <a:r>
+              <a:rPr lang="de-DE" dirty="0">
+                <a:solidFill>
+                  <a:schemeClr val="tx1"/>
+                </a:solidFill>
+                <a:latin typeface="Consolas" panose="020B0609020204030204" pitchFamily="49" charset="0"/>
+              </a:rPr>
+              <a:t> </a:t>
+            </a:r>
+            <a:r>
+              <a:rPr lang="de-DE" dirty="0" err="1">
+                <a:solidFill>
+                  <a:schemeClr val="tx1"/>
+                </a:solidFill>
+                <a:latin typeface="Consolas" panose="020B0609020204030204" pitchFamily="49" charset="0"/>
+              </a:rPr>
+              <a:t>operators</a:t>
+            </a:r>
+            <a:r>
+              <a:rPr lang="de-DE" dirty="0">
+                <a:solidFill>
+                  <a:schemeClr val="tx1"/>
+                </a:solidFill>
+                <a:latin typeface="Consolas" panose="020B0609020204030204" pitchFamily="49" charset="0"/>
+              </a:rPr>
+              <a:t> like </a:t>
+            </a:r>
+            <a:r>
+              <a:rPr lang="de-DE" dirty="0" err="1">
+                <a:solidFill>
+                  <a:schemeClr val="tx1"/>
+                </a:solidFill>
+                <a:latin typeface="Consolas" panose="020B0609020204030204" pitchFamily="49" charset="0"/>
+              </a:rPr>
+              <a:t>tap</a:t>
+            </a:r>
+            <a:r>
+              <a:rPr lang="de-DE" dirty="0">
+                <a:solidFill>
+                  <a:schemeClr val="tx1"/>
+                </a:solidFill>
+                <a:latin typeface="Consolas" panose="020B0609020204030204" pitchFamily="49" charset="0"/>
+              </a:rPr>
+              <a:t>, </a:t>
+            </a:r>
+            <a:r>
+              <a:rPr lang="de-DE" dirty="0" err="1">
+                <a:solidFill>
+                  <a:schemeClr val="tx1"/>
+                </a:solidFill>
+                <a:latin typeface="Consolas" panose="020B0609020204030204" pitchFamily="49" charset="0"/>
+              </a:rPr>
+              <a:t>map</a:t>
+            </a:r>
+            <a:r>
+              <a:rPr lang="de-DE" dirty="0">
+                <a:solidFill>
+                  <a:schemeClr val="tx1"/>
+                </a:solidFill>
+                <a:latin typeface="Consolas" panose="020B0609020204030204" pitchFamily="49" charset="0"/>
+              </a:rPr>
+              <a:t>, …</a:t>
+            </a:r>
+          </a:p>
+          <a:p>
             <a:r>
               <a:rPr lang="en-US" dirty="0" err="1">
                 <a:solidFill>
-                  <a:srgbClr val="D4D4D4"/>
+                  <a:schemeClr val="tx1"/>
+                </a:solidFill>
+                <a:latin typeface="Consolas" panose="020B0609020204030204" pitchFamily="49" charset="0"/>
+              </a:rPr>
+              <a:t>this.getStations</a:t>
+            </a:r>
+            <a:r>
+              <a:rPr lang="en-US" dirty="0">
+                <a:solidFill>
+                  <a:schemeClr val="tx1"/>
+                </a:solidFill>
+                <a:latin typeface="Consolas" panose="020B0609020204030204" pitchFamily="49" charset="0"/>
+              </a:rPr>
+              <a:t>()</a:t>
+            </a:r>
+            <a:r>
+              <a:rPr lang="de-DE" dirty="0">
+                <a:solidFill>
+                  <a:schemeClr val="tx1"/>
                 </a:solidFill>
                 <a:latin typeface="Consolas" panose="020B0609020204030204" pitchFamily="49" charset="0"/>
               </a:rPr>
               <a:t>.</a:t>
             </a:r>
             <a:r>
-              <a:rPr lang="en-US" dirty="0" err="1">
-                <a:solidFill>
-                  <a:srgbClr val="DCDCAA"/>
+              <a:rPr lang="de-DE" dirty="0" err="1">
+                <a:solidFill>
+                  <a:schemeClr val="tx1"/>
                 </a:solidFill>
                 <a:latin typeface="Consolas" panose="020B0609020204030204" pitchFamily="49" charset="0"/>
               </a:rPr>
-              <a:t>get</a:t>
-            </a:r>
-            <a:r>
-              <a:rPr lang="en-US" dirty="0">
-                <a:solidFill>
-                  <a:srgbClr val="D4D4D4"/>
+              <a:t>pipe</a:t>
+            </a:r>
+            <a:r>
+              <a:rPr lang="de-DE" dirty="0">
+                <a:solidFill>
+                  <a:schemeClr val="tx1"/>
                 </a:solidFill>
                 <a:latin typeface="Consolas" panose="020B0609020204030204" pitchFamily="49" charset="0"/>
               </a:rPr>
-              <a:t> (</a:t>
-            </a:r>
-            <a:r>
-              <a:rPr lang="en-US" dirty="0">
-                <a:solidFill>
-                  <a:srgbClr val="CE9178"/>
-                </a:solidFill>
-                <a:latin typeface="Consolas" panose="020B0609020204030204" pitchFamily="49" charset="0"/>
-              </a:rPr>
-              <a:t>'/</a:t>
-            </a:r>
-            <a:r>
-              <a:rPr lang="en-US" dirty="0" err="1">
-                <a:solidFill>
-                  <a:srgbClr val="CE9178"/>
-                </a:solidFill>
-                <a:latin typeface="Consolas" panose="020B0609020204030204" pitchFamily="49" charset="0"/>
-              </a:rPr>
-              <a:t>api</a:t>
-            </a:r>
-            <a:r>
-              <a:rPr lang="en-US" dirty="0">
-                <a:solidFill>
-                  <a:srgbClr val="CE9178"/>
-                </a:solidFill>
-                <a:latin typeface="Consolas" panose="020B0609020204030204" pitchFamily="49" charset="0"/>
-              </a:rPr>
-              <a:t>/station'</a:t>
-            </a:r>
-            <a:r>
-              <a:rPr lang="en-US" dirty="0">
-                <a:solidFill>
-                  <a:srgbClr val="D4D4D4"/>
-                </a:solidFill>
-                <a:latin typeface="Consolas" panose="020B0609020204030204" pitchFamily="49" charset="0"/>
-              </a:rPr>
-              <a:t>);</a:t>
-            </a:r>
-          </a:p>
-          <a:p>
-            <a:r>
-              <a:rPr lang="en-US" dirty="0" smtClean="0">
-                <a:solidFill>
-                  <a:srgbClr val="D4D4D4"/>
-                </a:solidFill>
-                <a:latin typeface="Consolas" panose="020B0609020204030204" pitchFamily="49" charset="0"/>
-              </a:rPr>
-              <a:t>}</a:t>
-            </a:r>
-            <a:endParaRPr lang="en-US" dirty="0">
-              <a:solidFill>
-                <a:srgbClr val="D4D4D4"/>
-              </a:solidFill>
-              <a:latin typeface="Consolas" panose="020B0609020204030204" pitchFamily="49" charset="0"/>
-            </a:endParaRPr>
-          </a:p>
-          <a:p>
-            <a:endParaRPr lang="de-DE" dirty="0">
-              <a:solidFill>
-                <a:srgbClr val="D4D4D4"/>
-              </a:solidFill>
-              <a:latin typeface="Consolas" panose="020B0609020204030204" pitchFamily="49" charset="0"/>
-            </a:endParaRPr>
+              <a:t>(</a:t>
+            </a:r>
           </a:p>
           <a:p>
             <a:r>
               <a:rPr lang="de-DE" dirty="0">
                 <a:solidFill>
-                  <a:srgbClr val="D4D4D4"/>
-                </a:solidFill>
-                <a:latin typeface="Consolas" panose="020B0609020204030204" pitchFamily="49" charset="0"/>
-              </a:rPr>
-              <a:t>// </a:t>
-            </a:r>
-            <a:r>
-              <a:rPr lang="de-DE" dirty="0" err="1">
-                <a:solidFill>
-                  <a:srgbClr val="D4D4D4"/>
-                </a:solidFill>
-                <a:latin typeface="Consolas" panose="020B0609020204030204" pitchFamily="49" charset="0"/>
-              </a:rPr>
-              <a:t>React</a:t>
-            </a:r>
-            <a:r>
-              <a:rPr lang="de-DE" dirty="0">
-                <a:solidFill>
-                  <a:srgbClr val="D4D4D4"/>
-                </a:solidFill>
-                <a:latin typeface="Consolas" panose="020B0609020204030204" pitchFamily="49" charset="0"/>
-              </a:rPr>
-              <a:t> </a:t>
-            </a:r>
-            <a:r>
-              <a:rPr lang="de-DE" dirty="0" err="1">
-                <a:solidFill>
-                  <a:srgbClr val="D4D4D4"/>
-                </a:solidFill>
-                <a:latin typeface="Consolas" panose="020B0609020204030204" pitchFamily="49" charset="0"/>
-              </a:rPr>
-              <a:t>to</a:t>
-            </a:r>
-            <a:r>
-              <a:rPr lang="de-DE" dirty="0">
-                <a:solidFill>
-                  <a:srgbClr val="D4D4D4"/>
-                </a:solidFill>
-                <a:latin typeface="Consolas" panose="020B0609020204030204" pitchFamily="49" charset="0"/>
-              </a:rPr>
-              <a:t> </a:t>
-            </a:r>
-            <a:r>
-              <a:rPr lang="de-DE" dirty="0" err="1">
-                <a:solidFill>
-                  <a:srgbClr val="D4D4D4"/>
-                </a:solidFill>
-                <a:latin typeface="Consolas" panose="020B0609020204030204" pitchFamily="49" charset="0"/>
-              </a:rPr>
-              <a:t>changes</a:t>
-            </a:r>
-            <a:r>
-              <a:rPr lang="de-DE" dirty="0">
-                <a:solidFill>
-                  <a:srgbClr val="D4D4D4"/>
-                </a:solidFill>
-                <a:latin typeface="Consolas" panose="020B0609020204030204" pitchFamily="49" charset="0"/>
-              </a:rPr>
-              <a:t> </a:t>
-            </a:r>
-            <a:r>
-              <a:rPr lang="de-DE" dirty="0" err="1">
-                <a:solidFill>
-                  <a:srgbClr val="D4D4D4"/>
-                </a:solidFill>
-                <a:latin typeface="Consolas" panose="020B0609020204030204" pitchFamily="49" charset="0"/>
-              </a:rPr>
-              <a:t>inside</a:t>
-            </a:r>
-            <a:r>
-              <a:rPr lang="de-DE" dirty="0">
-                <a:solidFill>
-                  <a:srgbClr val="D4D4D4"/>
-                </a:solidFill>
-                <a:latin typeface="Consolas" panose="020B0609020204030204" pitchFamily="49" charset="0"/>
-              </a:rPr>
-              <a:t> </a:t>
-            </a:r>
-            <a:r>
-              <a:rPr lang="de-DE" dirty="0" err="1">
-                <a:solidFill>
-                  <a:srgbClr val="D4D4D4"/>
-                </a:solidFill>
-                <a:latin typeface="Consolas" panose="020B0609020204030204" pitchFamily="49" charset="0"/>
-              </a:rPr>
-              <a:t>subscribe</a:t>
-            </a:r>
-            <a:r>
-              <a:rPr lang="de-DE" dirty="0">
-                <a:solidFill>
-                  <a:srgbClr val="D4D4D4"/>
-                </a:solidFill>
-                <a:latin typeface="Consolas" panose="020B0609020204030204" pitchFamily="49" charset="0"/>
-              </a:rPr>
-              <a:t> block</a:t>
-            </a:r>
-          </a:p>
-          <a:p>
-            <a:r>
-              <a:rPr lang="en-US" dirty="0" err="1">
-                <a:solidFill>
-                  <a:schemeClr val="bg2">
-                    <a:lumMod val="75000"/>
-                  </a:schemeClr>
-                </a:solidFill>
-                <a:latin typeface="Consolas" panose="020B0609020204030204" pitchFamily="49" charset="0"/>
-              </a:rPr>
-              <a:t>this</a:t>
-            </a:r>
-            <a:r>
-              <a:rPr lang="en-US" dirty="0" err="1">
-                <a:solidFill>
-                  <a:srgbClr val="DCDCAA"/>
-                </a:solidFill>
-                <a:latin typeface="Consolas" panose="020B0609020204030204" pitchFamily="49" charset="0"/>
-              </a:rPr>
-              <a:t>.getStations</a:t>
-            </a:r>
-            <a:r>
-              <a:rPr lang="en-US" dirty="0">
-                <a:solidFill>
-                  <a:srgbClr val="D4D4D4"/>
-                </a:solidFill>
-                <a:latin typeface="Consolas" panose="020B0609020204030204" pitchFamily="49" charset="0"/>
-              </a:rPr>
-              <a:t>()</a:t>
-            </a:r>
-            <a:r>
-              <a:rPr lang="de-DE" dirty="0">
-                <a:solidFill>
-                  <a:srgbClr val="D4D4D4"/>
-                </a:solidFill>
-                <a:latin typeface="Consolas" panose="020B0609020204030204" pitchFamily="49" charset="0"/>
-              </a:rPr>
-              <a:t>.</a:t>
-            </a:r>
-            <a:r>
-              <a:rPr lang="de-DE" dirty="0" err="1">
-                <a:solidFill>
-                  <a:srgbClr val="DCDCAA"/>
-                </a:solidFill>
-                <a:latin typeface="Consolas" panose="020B0609020204030204" pitchFamily="49" charset="0"/>
-              </a:rPr>
-              <a:t>subscribe</a:t>
-            </a:r>
-            <a:r>
-              <a:rPr lang="de-DE" dirty="0">
-                <a:solidFill>
-                  <a:srgbClr val="D4D4D4"/>
-                </a:solidFill>
-                <a:latin typeface="Consolas" panose="020B0609020204030204" pitchFamily="49" charset="0"/>
-              </a:rPr>
-              <a:t>({</a:t>
-            </a:r>
-          </a:p>
-          <a:p>
-            <a:r>
-              <a:rPr lang="de-DE" dirty="0">
-                <a:solidFill>
-                  <a:srgbClr val="D4D4D4"/>
+                  <a:schemeClr val="tx1"/>
                 </a:solidFill>
                 <a:latin typeface="Consolas" panose="020B0609020204030204" pitchFamily="49" charset="0"/>
               </a:rPr>
               <a:t>  </a:t>
             </a:r>
             <a:r>
-              <a:rPr lang="de-DE" dirty="0" err="1" smtClean="0">
-                <a:solidFill>
-                  <a:srgbClr val="DCDCAA"/>
-                </a:solidFill>
-                <a:latin typeface="Consolas" panose="020B0609020204030204" pitchFamily="49" charset="0"/>
-              </a:rPr>
-              <a:t>next</a:t>
-            </a:r>
-            <a:r>
-              <a:rPr lang="de-DE" dirty="0" smtClean="0">
-                <a:solidFill>
-                  <a:srgbClr val="D4D4D4"/>
-                </a:solidFill>
-                <a:latin typeface="Consolas" panose="020B0609020204030204" pitchFamily="49" charset="0"/>
-              </a:rPr>
-              <a:t>(</a:t>
-            </a:r>
-            <a:r>
-              <a:rPr lang="de-DE" dirty="0" err="1" smtClean="0">
-                <a:solidFill>
-                  <a:srgbClr val="9CDCFE"/>
-                </a:solidFill>
-                <a:latin typeface="Consolas" panose="020B0609020204030204" pitchFamily="49" charset="0"/>
-              </a:rPr>
-              <a:t>response</a:t>
-            </a:r>
-            <a:r>
-              <a:rPr lang="de-DE" dirty="0">
-                <a:solidFill>
-                  <a:srgbClr val="D4D4D4"/>
-                </a:solidFill>
-                <a:latin typeface="Consolas" panose="020B0609020204030204" pitchFamily="49" charset="0"/>
-              </a:rPr>
-              <a:t>) { </a:t>
-            </a:r>
-            <a:r>
-              <a:rPr lang="de-DE" dirty="0">
-                <a:solidFill>
-                  <a:srgbClr val="9CDCFE"/>
-                </a:solidFill>
-                <a:latin typeface="Consolas" panose="020B0609020204030204" pitchFamily="49" charset="0"/>
-              </a:rPr>
-              <a:t>console</a:t>
-            </a:r>
-            <a:r>
-              <a:rPr lang="de-DE" dirty="0">
-                <a:solidFill>
-                  <a:srgbClr val="D4D4D4"/>
-                </a:solidFill>
-                <a:latin typeface="Consolas" panose="020B0609020204030204" pitchFamily="49" charset="0"/>
-              </a:rPr>
-              <a:t>.</a:t>
-            </a:r>
-            <a:r>
-              <a:rPr lang="de-DE" dirty="0">
-                <a:solidFill>
-                  <a:srgbClr val="DCDCAA"/>
-                </a:solidFill>
-                <a:latin typeface="Consolas" panose="020B0609020204030204" pitchFamily="49" charset="0"/>
-              </a:rPr>
-              <a:t>log</a:t>
-            </a:r>
-            <a:r>
-              <a:rPr lang="de-DE" dirty="0">
-                <a:solidFill>
-                  <a:srgbClr val="D4D4D4"/>
-                </a:solidFill>
-                <a:latin typeface="Consolas" panose="020B0609020204030204" pitchFamily="49" charset="0"/>
-              </a:rPr>
-              <a:t>(</a:t>
-            </a:r>
-            <a:r>
               <a:rPr lang="de-DE" dirty="0" err="1">
                 <a:solidFill>
-                  <a:srgbClr val="9CDCFE"/>
-                </a:solidFill>
-                <a:latin typeface="Consolas" panose="020B0609020204030204" pitchFamily="49" charset="0"/>
-              </a:rPr>
-              <a:t>response</a:t>
-            </a:r>
-            <a:r>
-              <a:rPr lang="de-DE" dirty="0">
-                <a:solidFill>
-                  <a:srgbClr val="D4D4D4"/>
-                </a:solidFill>
-                <a:latin typeface="Consolas" panose="020B0609020204030204" pitchFamily="49" charset="0"/>
-              </a:rPr>
-              <a:t>); },</a:t>
-            </a:r>
-          </a:p>
-          <a:p>
-            <a:r>
-              <a:rPr lang="de-DE" dirty="0">
-                <a:solidFill>
-                  <a:srgbClr val="D4D4D4"/>
-                </a:solidFill>
-                <a:latin typeface="Consolas" panose="020B0609020204030204" pitchFamily="49" charset="0"/>
-              </a:rPr>
-              <a:t>  </a:t>
-            </a:r>
-            <a:r>
-              <a:rPr lang="de-DE" dirty="0" err="1" smtClean="0">
-                <a:solidFill>
-                  <a:srgbClr val="DCDCAA"/>
-                </a:solidFill>
-                <a:latin typeface="Consolas" panose="020B0609020204030204" pitchFamily="49" charset="0"/>
-              </a:rPr>
-              <a:t>error</a:t>
-            </a:r>
-            <a:r>
-              <a:rPr lang="de-DE" dirty="0" smtClean="0">
-                <a:solidFill>
-                  <a:srgbClr val="D4D4D4"/>
-                </a:solidFill>
-                <a:latin typeface="Consolas" panose="020B0609020204030204" pitchFamily="49" charset="0"/>
-              </a:rPr>
-              <a:t>(</a:t>
-            </a:r>
-            <a:r>
-              <a:rPr lang="de-DE" dirty="0" err="1" smtClean="0">
-                <a:solidFill>
-                  <a:srgbClr val="9CDCFE"/>
-                </a:solidFill>
-                <a:latin typeface="Consolas" panose="020B0609020204030204" pitchFamily="49" charset="0"/>
-              </a:rPr>
-              <a:t>err</a:t>
-            </a:r>
-            <a:r>
-              <a:rPr lang="de-DE" dirty="0">
-                <a:solidFill>
-                  <a:srgbClr val="D4D4D4"/>
-                </a:solidFill>
-                <a:latin typeface="Consolas" panose="020B0609020204030204" pitchFamily="49" charset="0"/>
-              </a:rPr>
-              <a:t>) { </a:t>
-            </a:r>
-            <a:r>
-              <a:rPr lang="de-DE" dirty="0" err="1">
-                <a:solidFill>
-                  <a:srgbClr val="9CDCFE"/>
-                </a:solidFill>
-                <a:latin typeface="Consolas" panose="020B0609020204030204" pitchFamily="49" charset="0"/>
-              </a:rPr>
-              <a:t>console</a:t>
-            </a:r>
-            <a:r>
-              <a:rPr lang="de-DE" dirty="0" err="1">
-                <a:solidFill>
-                  <a:srgbClr val="D4D4D4"/>
-                </a:solidFill>
-                <a:latin typeface="Consolas" panose="020B0609020204030204" pitchFamily="49" charset="0"/>
-              </a:rPr>
-              <a:t>.</a:t>
-            </a:r>
-            <a:r>
-              <a:rPr lang="de-DE" dirty="0" err="1">
-                <a:solidFill>
-                  <a:srgbClr val="DCDCAA"/>
-                </a:solidFill>
-                <a:latin typeface="Consolas" panose="020B0609020204030204" pitchFamily="49" charset="0"/>
-              </a:rPr>
-              <a:t>error</a:t>
-            </a:r>
-            <a:r>
-              <a:rPr lang="de-DE" dirty="0">
-                <a:solidFill>
-                  <a:srgbClr val="D4D4D4"/>
-                </a:solidFill>
-                <a:latin typeface="Consolas" panose="020B0609020204030204" pitchFamily="49" charset="0"/>
-              </a:rPr>
-              <a:t>(</a:t>
-            </a:r>
-            <a:r>
-              <a:rPr lang="de-DE" dirty="0">
-                <a:solidFill>
-                  <a:srgbClr val="CE9178"/>
-                </a:solidFill>
-                <a:latin typeface="Consolas" panose="020B0609020204030204" pitchFamily="49" charset="0"/>
-              </a:rPr>
-              <a:t>'Error: '</a:t>
-            </a:r>
-            <a:r>
-              <a:rPr lang="de-DE" dirty="0">
-                <a:solidFill>
-                  <a:srgbClr val="D4D4D4"/>
-                </a:solidFill>
-                <a:latin typeface="Consolas" panose="020B0609020204030204" pitchFamily="49" charset="0"/>
-              </a:rPr>
-              <a:t> + </a:t>
-            </a:r>
-            <a:r>
-              <a:rPr lang="de-DE" dirty="0" err="1">
-                <a:solidFill>
-                  <a:srgbClr val="9CDCFE"/>
-                </a:solidFill>
-                <a:latin typeface="Consolas" panose="020B0609020204030204" pitchFamily="49" charset="0"/>
-              </a:rPr>
-              <a:t>err</a:t>
-            </a:r>
-            <a:r>
-              <a:rPr lang="de-DE" dirty="0">
-                <a:solidFill>
-                  <a:srgbClr val="D4D4D4"/>
-                </a:solidFill>
-                <a:latin typeface="Consolas" panose="020B0609020204030204" pitchFamily="49" charset="0"/>
-              </a:rPr>
-              <a:t>); },</a:t>
-            </a:r>
-          </a:p>
-          <a:p>
-            <a:r>
-              <a:rPr lang="de-DE" dirty="0">
-                <a:solidFill>
-                  <a:srgbClr val="D4D4D4"/>
-                </a:solidFill>
-                <a:latin typeface="Consolas" panose="020B0609020204030204" pitchFamily="49" charset="0"/>
-              </a:rPr>
-              <a:t>  </a:t>
-            </a:r>
-            <a:r>
-              <a:rPr lang="de-DE" dirty="0" err="1" smtClean="0">
-                <a:solidFill>
-                  <a:srgbClr val="DCDCAA"/>
-                </a:solidFill>
-                <a:latin typeface="Consolas" panose="020B0609020204030204" pitchFamily="49" charset="0"/>
-              </a:rPr>
-              <a:t>complete</a:t>
-            </a:r>
-            <a:r>
-              <a:rPr lang="de-DE" dirty="0">
-                <a:solidFill>
-                  <a:srgbClr val="D4D4D4"/>
-                </a:solidFill>
-                <a:latin typeface="Consolas" panose="020B0609020204030204" pitchFamily="49" charset="0"/>
-              </a:rPr>
-              <a:t>() { </a:t>
-            </a:r>
-            <a:r>
-              <a:rPr lang="de-DE" dirty="0">
-                <a:solidFill>
-                  <a:srgbClr val="9CDCFE"/>
-                </a:solidFill>
-                <a:latin typeface="Consolas" panose="020B0609020204030204" pitchFamily="49" charset="0"/>
-              </a:rPr>
-              <a:t>console</a:t>
-            </a:r>
-            <a:r>
-              <a:rPr lang="de-DE" dirty="0">
-                <a:solidFill>
-                  <a:srgbClr val="D4D4D4"/>
-                </a:solidFill>
-                <a:latin typeface="Consolas" panose="020B0609020204030204" pitchFamily="49" charset="0"/>
-              </a:rPr>
-              <a:t>.</a:t>
-            </a:r>
-            <a:r>
-              <a:rPr lang="de-DE" dirty="0">
-                <a:solidFill>
-                  <a:srgbClr val="DCDCAA"/>
-                </a:solidFill>
-                <a:latin typeface="Consolas" panose="020B0609020204030204" pitchFamily="49" charset="0"/>
-              </a:rPr>
-              <a:t>log</a:t>
-            </a:r>
-            <a:r>
-              <a:rPr lang="de-DE" dirty="0">
-                <a:solidFill>
-                  <a:srgbClr val="D4D4D4"/>
-                </a:solidFill>
-                <a:latin typeface="Consolas" panose="020B0609020204030204" pitchFamily="49" charset="0"/>
-              </a:rPr>
-              <a:t>(</a:t>
-            </a:r>
-            <a:r>
-              <a:rPr lang="de-DE" dirty="0">
-                <a:solidFill>
-                  <a:srgbClr val="CE9178"/>
-                </a:solidFill>
-                <a:latin typeface="Consolas" panose="020B0609020204030204" pitchFamily="49" charset="0"/>
-              </a:rPr>
-              <a:t>'</a:t>
-            </a:r>
-            <a:r>
-              <a:rPr lang="de-DE" dirty="0" err="1">
-                <a:solidFill>
-                  <a:srgbClr val="CE9178"/>
-                </a:solidFill>
-                <a:latin typeface="Consolas" panose="020B0609020204030204" pitchFamily="49" charset="0"/>
-              </a:rPr>
-              <a:t>Completed</a:t>
-            </a:r>
-            <a:r>
-              <a:rPr lang="de-DE" dirty="0">
-                <a:solidFill>
-                  <a:srgbClr val="CE9178"/>
-                </a:solidFill>
-                <a:latin typeface="Consolas" panose="020B0609020204030204" pitchFamily="49" charset="0"/>
-              </a:rPr>
-              <a:t>'</a:t>
-            </a:r>
-            <a:r>
-              <a:rPr lang="de-DE" dirty="0">
-                <a:solidFill>
-                  <a:srgbClr val="D4D4D4"/>
-                </a:solidFill>
-                <a:latin typeface="Consolas" panose="020B0609020204030204" pitchFamily="49" charset="0"/>
-              </a:rPr>
-              <a:t>); }</a:t>
-            </a:r>
-          </a:p>
-          <a:p>
-            <a:r>
-              <a:rPr lang="de-DE" dirty="0">
-                <a:solidFill>
-                  <a:srgbClr val="D4D4D4"/>
-                </a:solidFill>
-                <a:latin typeface="Consolas" panose="020B0609020204030204" pitchFamily="49" charset="0"/>
-              </a:rPr>
-              <a:t>});</a:t>
-            </a:r>
-          </a:p>
-          <a:p>
-            <a:endParaRPr lang="de-DE" dirty="0">
-              <a:solidFill>
-                <a:srgbClr val="D4D4D4"/>
-              </a:solidFill>
-              <a:latin typeface="Consolas" panose="020B0609020204030204" pitchFamily="49" charset="0"/>
-            </a:endParaRPr>
-          </a:p>
-          <a:p>
-            <a:r>
-              <a:rPr lang="de-DE" dirty="0">
-                <a:solidFill>
-                  <a:srgbClr val="D4D4D4"/>
-                </a:solidFill>
-                <a:latin typeface="Consolas" panose="020B0609020204030204" pitchFamily="49" charset="0"/>
-              </a:rPr>
-              <a:t>// </a:t>
-            </a:r>
-            <a:r>
-              <a:rPr lang="de-DE" dirty="0" err="1">
-                <a:solidFill>
-                  <a:srgbClr val="D4D4D4"/>
-                </a:solidFill>
-                <a:latin typeface="Consolas" panose="020B0609020204030204" pitchFamily="49" charset="0"/>
-              </a:rPr>
-              <a:t>React</a:t>
-            </a:r>
-            <a:r>
-              <a:rPr lang="de-DE" dirty="0">
-                <a:solidFill>
-                  <a:srgbClr val="D4D4D4"/>
-                </a:solidFill>
-                <a:latin typeface="Consolas" panose="020B0609020204030204" pitchFamily="49" charset="0"/>
-              </a:rPr>
-              <a:t> </a:t>
-            </a:r>
-            <a:r>
-              <a:rPr lang="de-DE" dirty="0" err="1">
-                <a:solidFill>
-                  <a:srgbClr val="D4D4D4"/>
-                </a:solidFill>
-                <a:latin typeface="Consolas" panose="020B0609020204030204" pitchFamily="49" charset="0"/>
-              </a:rPr>
-              <a:t>to</a:t>
-            </a:r>
-            <a:r>
-              <a:rPr lang="de-DE" dirty="0">
-                <a:solidFill>
-                  <a:srgbClr val="D4D4D4"/>
-                </a:solidFill>
-                <a:latin typeface="Consolas" panose="020B0609020204030204" pitchFamily="49" charset="0"/>
-              </a:rPr>
-              <a:t> </a:t>
-            </a:r>
-            <a:r>
-              <a:rPr lang="de-DE" dirty="0" err="1">
-                <a:solidFill>
-                  <a:srgbClr val="D4D4D4"/>
-                </a:solidFill>
-                <a:latin typeface="Consolas" panose="020B0609020204030204" pitchFamily="49" charset="0"/>
-              </a:rPr>
-              <a:t>changes</a:t>
-            </a:r>
-            <a:r>
-              <a:rPr lang="de-DE" dirty="0">
-                <a:solidFill>
-                  <a:srgbClr val="D4D4D4"/>
-                </a:solidFill>
-                <a:latin typeface="Consolas" panose="020B0609020204030204" pitchFamily="49" charset="0"/>
-              </a:rPr>
-              <a:t> </a:t>
-            </a:r>
-            <a:r>
-              <a:rPr lang="de-DE" dirty="0" err="1">
-                <a:solidFill>
-                  <a:srgbClr val="D4D4D4"/>
-                </a:solidFill>
-                <a:latin typeface="Consolas" panose="020B0609020204030204" pitchFamily="49" charset="0"/>
-              </a:rPr>
-              <a:t>with</a:t>
-            </a:r>
-            <a:r>
-              <a:rPr lang="de-DE" dirty="0">
-                <a:solidFill>
-                  <a:srgbClr val="D4D4D4"/>
-                </a:solidFill>
-                <a:latin typeface="Consolas" panose="020B0609020204030204" pitchFamily="49" charset="0"/>
-              </a:rPr>
-              <a:t> </a:t>
-            </a:r>
-            <a:r>
-              <a:rPr lang="de-DE" dirty="0" err="1">
-                <a:solidFill>
-                  <a:srgbClr val="D4D4D4"/>
-                </a:solidFill>
-                <a:latin typeface="Consolas" panose="020B0609020204030204" pitchFamily="49" charset="0"/>
-              </a:rPr>
-              <a:t>operators</a:t>
-            </a:r>
-            <a:r>
-              <a:rPr lang="de-DE" dirty="0">
-                <a:solidFill>
-                  <a:srgbClr val="D4D4D4"/>
-                </a:solidFill>
-                <a:latin typeface="Consolas" panose="020B0609020204030204" pitchFamily="49" charset="0"/>
-              </a:rPr>
-              <a:t> like </a:t>
-            </a:r>
-            <a:r>
-              <a:rPr lang="de-DE" dirty="0" err="1">
-                <a:solidFill>
-                  <a:srgbClr val="D4D4D4"/>
+                  <a:schemeClr val="tx1"/>
                 </a:solidFill>
                 <a:latin typeface="Consolas" panose="020B0609020204030204" pitchFamily="49" charset="0"/>
               </a:rPr>
@@ -22361,213 +22042,18 @@
             <a:r>
               <a:rPr lang="de-DE" dirty="0">
                 <a:solidFill>
-                  <a:srgbClr val="D4D4D4"/>
+                  <a:schemeClr val="tx1"/>
                 </a:solidFill>
                 <a:latin typeface="Consolas" panose="020B0609020204030204" pitchFamily="49" charset="0"/>
               </a:rPr>
-              <a:t>, </a:t>
-            </a:r>
-            <a:r>
-              <a:rPr lang="de-DE" dirty="0" err="1">
-                <a:solidFill>
-                  <a:srgbClr val="D4D4D4"/>
-                </a:solidFill>
-                <a:latin typeface="Consolas" panose="020B0609020204030204" pitchFamily="49" charset="0"/>
-              </a:rPr>
-              <a:t>map</a:t>
-            </a:r>
+              <a:t>((x)=&gt; console.log(x))</a:t>
+            </a:r>
+          </a:p>
+          <a:p>
             <a:r>
               <a:rPr lang="de-DE" dirty="0">
                 <a:solidFill>
-                  <a:srgbClr val="D4D4D4"/>
-                </a:solidFill>
-                <a:latin typeface="Consolas" panose="020B0609020204030204" pitchFamily="49" charset="0"/>
-              </a:rPr>
-              <a:t>, …</a:t>
-            </a:r>
-          </a:p>
-          <a:p>
-            <a:r>
-              <a:rPr lang="en-US" dirty="0" err="1">
-                <a:solidFill>
-                  <a:schemeClr val="bg2">
-                    <a:lumMod val="75000"/>
-                  </a:schemeClr>
-                </a:solidFill>
-                <a:latin typeface="Consolas" panose="020B0609020204030204" pitchFamily="49" charset="0"/>
-              </a:rPr>
-              <a:t>this</a:t>
-            </a:r>
-            <a:r>
-              <a:rPr lang="en-US" dirty="0" err="1">
-                <a:solidFill>
-                  <a:srgbClr val="DCDCAA"/>
-                </a:solidFill>
-                <a:latin typeface="Consolas" panose="020B0609020204030204" pitchFamily="49" charset="0"/>
-              </a:rPr>
-              <a:t>.getStations</a:t>
-            </a:r>
-            <a:r>
-              <a:rPr lang="en-US" dirty="0">
-                <a:solidFill>
-                  <a:srgbClr val="D4D4D4"/>
-                </a:solidFill>
-                <a:latin typeface="Consolas" panose="020B0609020204030204" pitchFamily="49" charset="0"/>
-              </a:rPr>
-              <a:t>()</a:t>
-            </a:r>
-            <a:r>
-              <a:rPr lang="de-DE" dirty="0">
-                <a:solidFill>
-                  <a:srgbClr val="D4D4D4"/>
-                </a:solidFill>
-                <a:latin typeface="Consolas" panose="020B0609020204030204" pitchFamily="49" charset="0"/>
-              </a:rPr>
-              <a:t>.</a:t>
-            </a:r>
-            <a:r>
-              <a:rPr lang="de-DE" dirty="0" err="1">
-                <a:solidFill>
-                  <a:srgbClr val="DCDCAA"/>
-                </a:solidFill>
-                <a:latin typeface="Consolas" panose="020B0609020204030204" pitchFamily="49" charset="0"/>
-              </a:rPr>
-              <a:t>pipe</a:t>
-            </a:r>
-            <a:r>
-              <a:rPr lang="de-DE" dirty="0">
-                <a:solidFill>
-                  <a:srgbClr val="D4D4D4"/>
-                </a:solidFill>
-                <a:latin typeface="Consolas" panose="020B0609020204030204" pitchFamily="49" charset="0"/>
-              </a:rPr>
-              <a:t>(</a:t>
-            </a:r>
-          </a:p>
-          <a:p>
-            <a:r>
-              <a:rPr lang="de-DE" dirty="0">
-                <a:solidFill>
-                  <a:srgbClr val="D4D4D4"/>
-                </a:solidFill>
-                <a:latin typeface="Consolas" panose="020B0609020204030204" pitchFamily="49" charset="0"/>
-              </a:rPr>
-              <a:t>  </a:t>
-            </a:r>
-            <a:r>
-              <a:rPr lang="de-DE" dirty="0" err="1">
-                <a:solidFill>
-                  <a:srgbClr val="DCDCAA"/>
-                </a:solidFill>
-                <a:latin typeface="Consolas" panose="020B0609020204030204" pitchFamily="49" charset="0"/>
-              </a:rPr>
-              <a:t>tap</a:t>
-            </a:r>
-            <a:r>
-              <a:rPr lang="de-DE" dirty="0">
-                <a:solidFill>
-                  <a:srgbClr val="D4D4D4"/>
-                </a:solidFill>
-                <a:latin typeface="Consolas" panose="020B0609020204030204" pitchFamily="49" charset="0"/>
-              </a:rPr>
-              <a:t>((</a:t>
-            </a:r>
-            <a:r>
-              <a:rPr lang="de-DE" dirty="0">
-                <a:solidFill>
-                  <a:srgbClr val="9CDCFE"/>
-                </a:solidFill>
-                <a:latin typeface="Consolas" panose="020B0609020204030204" pitchFamily="49" charset="0"/>
-              </a:rPr>
-              <a:t>x</a:t>
-            </a:r>
-            <a:r>
-              <a:rPr lang="de-DE" dirty="0">
-                <a:solidFill>
-                  <a:srgbClr val="D4D4D4"/>
-                </a:solidFill>
-                <a:latin typeface="Consolas" panose="020B0609020204030204" pitchFamily="49" charset="0"/>
-              </a:rPr>
-              <a:t>)</a:t>
-            </a:r>
-            <a:r>
-              <a:rPr lang="de-DE" dirty="0">
-                <a:solidFill>
-                  <a:srgbClr val="569CD6"/>
-                </a:solidFill>
-                <a:latin typeface="Consolas" panose="020B0609020204030204" pitchFamily="49" charset="0"/>
-              </a:rPr>
-              <a:t>=&gt;</a:t>
-            </a:r>
-            <a:r>
-              <a:rPr lang="de-DE" dirty="0">
-                <a:solidFill>
-                  <a:srgbClr val="D4D4D4"/>
-                </a:solidFill>
-                <a:latin typeface="Consolas" panose="020B0609020204030204" pitchFamily="49" charset="0"/>
-              </a:rPr>
-              <a:t> </a:t>
-            </a:r>
-            <a:r>
-              <a:rPr lang="de-DE" dirty="0">
-                <a:solidFill>
-                  <a:srgbClr val="9CDCFE"/>
-                </a:solidFill>
-                <a:latin typeface="Consolas" panose="020B0609020204030204" pitchFamily="49" charset="0"/>
-              </a:rPr>
-              <a:t>console</a:t>
-            </a:r>
-            <a:r>
-              <a:rPr lang="de-DE" dirty="0">
-                <a:solidFill>
-                  <a:srgbClr val="D4D4D4"/>
-                </a:solidFill>
-                <a:latin typeface="Consolas" panose="020B0609020204030204" pitchFamily="49" charset="0"/>
-              </a:rPr>
-              <a:t>.</a:t>
-            </a:r>
-            <a:r>
-              <a:rPr lang="de-DE" dirty="0">
-                <a:solidFill>
-                  <a:srgbClr val="DCDCAA"/>
-                </a:solidFill>
-                <a:latin typeface="Consolas" panose="020B0609020204030204" pitchFamily="49" charset="0"/>
-              </a:rPr>
-              <a:t>log</a:t>
-            </a:r>
-            <a:r>
-              <a:rPr lang="de-DE" dirty="0">
-                <a:solidFill>
-                  <a:srgbClr val="D4D4D4"/>
-                </a:solidFill>
-                <a:latin typeface="Consolas" panose="020B0609020204030204" pitchFamily="49" charset="0"/>
-              </a:rPr>
-              <a:t>(</a:t>
-            </a:r>
-            <a:r>
-              <a:rPr lang="de-DE" dirty="0">
-                <a:solidFill>
-                  <a:srgbClr val="9CDCFE"/>
-                </a:solidFill>
-                <a:latin typeface="Consolas" panose="020B0609020204030204" pitchFamily="49" charset="0"/>
-              </a:rPr>
-              <a:t>x</a:t>
-            </a:r>
-            <a:r>
-              <a:rPr lang="de-DE" dirty="0">
-                <a:solidFill>
-                  <a:srgbClr val="D4D4D4"/>
-                </a:solidFill>
-                <a:latin typeface="Consolas" panose="020B0609020204030204" pitchFamily="49" charset="0"/>
-              </a:rPr>
-              <a:t>))</a:t>
-            </a:r>
-          </a:p>
-          <a:p>
-            <a:r>
-              <a:rPr lang="de-DE" dirty="0">
-                <a:solidFill>
-                  <a:srgbClr val="D4D4D4"/>
+                  <a:schemeClr val="tx1"/>
                 </a:solidFill>
                 <a:latin typeface="Consolas" panose="020B0609020204030204" pitchFamily="49" charset="0"/>
               </a:rPr>
@@ -23250,11 +22736,7 @@
             </a:r>
             <a:r>
               <a:rPr lang="de-DE" sz="1600" dirty="0" smtClean="0"/>
-              <a:t>UI </a:t>
-            </a:r>
-            <a:r>
-              <a:rPr lang="de-DE" sz="1600" dirty="0" smtClean="0"/>
-              <a:t>…</a:t>
+              <a:t>UI …</a:t>
             </a:r>
             <a:r>
               <a:rPr lang="de-DE" sz="1600" b="1" dirty="0"/>
@@ -34000,6 +33482,13 @@
   <p:clrMapOvr>
     <a:masterClrMapping/>
   </p:clrMapOvr>
+  <p:timing>
+    <p:tnLst>
+      <p:par>
+        <p:cTn id="1" dur="indefinite" restart="never" nodeType="tmRoot"/>
+      </p:par>
+    </p:tnLst>
+  </p:timing>
 </p:sld>
 </file>
 
@@ -34083,6 +33572,13 @@
   <p:clrMapOvr>
     <a:masterClrMapping/>
   </p:clrMapOvr>
+  <p:timing>
+    <p:tnLst>
+      <p:par>
+        <p:cTn id="1" dur="indefinite" restart="never" nodeType="tmRoot"/>
+      </p:par>
+    </p:tnLst>
+  </p:timing>
 </p:sld>
 </file>
 
@@ -35176,81 +34672,18 @@
             <a:r>
               <a:rPr lang="en-US" dirty="0">
                 <a:solidFill>
-                  <a:srgbClr val="C586C0"/>
+                  <a:schemeClr val="tx1"/>
                 </a:solidFill>
                 <a:latin typeface="Consolas" panose="020B0609020204030204" pitchFamily="49" charset="0"/>
               </a:rPr>
-              <a:t>import</a:t>
-            </a:r>
+              <a:t>import { Component } from '@angular/core';</a:t>
+            </a:r>
+          </a:p>
+          <a:p>
             <a:r>
               <a:rPr lang="en-US" dirty="0">
                 <a:solidFill>
-                  <a:srgbClr val="D4D4D4"/>
-                </a:solidFill>
-                <a:latin typeface="Consolas" panose="020B0609020204030204" pitchFamily="49" charset="0"/>
-              </a:rPr>
-              <a:t> { </a:t>
-            </a:r>
-            <a:r>
-              <a:rPr lang="en-US" dirty="0">
-                <a:solidFill>
-                  <a:srgbClr val="9CDCFE"/>
-                </a:solidFill>
-                <a:latin typeface="Consolas" panose="020B0609020204030204" pitchFamily="49" charset="0"/>
-              </a:rPr>
-              <a:t>Component</a:t>
-            </a:r>
-            <a:r>
-              <a:rPr lang="en-US" dirty="0">
-                <a:solidFill>
-                  <a:srgbClr val="D4D4D4"/>
-                </a:solidFill>
-                <a:latin typeface="Consolas" panose="020B0609020204030204" pitchFamily="49" charset="0"/>
-              </a:rPr>
-              <a:t> } </a:t>
-            </a:r>
-            <a:r>
-              <a:rPr lang="en-US" dirty="0">
-                <a:solidFill>
-                  <a:srgbClr val="C586C0"/>
-                </a:solidFill>
-                <a:latin typeface="Consolas" panose="020B0609020204030204" pitchFamily="49" charset="0"/>
-              </a:rPr>
-              <a:t>from</a:t>
-            </a:r>
-            <a:r>
-              <a:rPr lang="en-US" dirty="0">
-                <a:solidFill>
-                  <a:srgbClr val="D4D4D4"/>
-                </a:solidFill>
-                <a:latin typeface="Consolas" panose="020B0609020204030204" pitchFamily="49" charset="0"/>
-              </a:rPr>
-              <a:t> </a:t>
-            </a:r>
-            <a:r>
-              <a:rPr lang="en-US" dirty="0">
-                <a:solidFill>
-                  <a:srgbClr val="CE9178"/>
-                </a:solidFill>
-                <a:latin typeface="Consolas" panose="020B0609020204030204" pitchFamily="49" charset="0"/>
-              </a:rPr>
-              <a:t>'@angular/core'</a:t>
-            </a:r>
-            <a:r>
-              <a:rPr lang="en-US" dirty="0">
-                <a:solidFill>
-                  <a:srgbClr val="D4D4D4"/>
-                </a:solidFill>
-                <a:latin typeface="Consolas" panose="020B0609020204030204" pitchFamily="49" charset="0"/>
-              </a:rPr>
-              <a:t>;</a:t>
-            </a:r>
-          </a:p>
-          <a:p>
-            <a:r>
-              <a:rPr lang="en-US" dirty="0">
-                <a:solidFill>
-                  <a:srgbClr val="D4D4D4"/>
+                  <a:schemeClr val="tx1"/>
                 </a:solidFill>
                 <a:latin typeface="Consolas" panose="020B0609020204030204" pitchFamily="49" charset="0"/>
               </a:rPr>
@@ -35259,7 +34692,7 @@
             <a:br>
               <a:rPr lang="en-US" dirty="0">
                 <a:solidFill>
-                  <a:srgbClr val="D4D4D4"/>
+                  <a:schemeClr val="tx1"/>
                 </a:solidFill>
                 <a:latin typeface="Consolas" panose="020B0609020204030204" pitchFamily="49" charset="0"/>
               </a:rPr>
@@ -35267,313 +34700,73 @@
             <a:r>
               <a:rPr lang="en-US" dirty="0">
                 <a:solidFill>
-                  <a:srgbClr val="D4D4D4"/>
+                  <a:schemeClr val="tx1"/>
                 </a:solidFill>
                 <a:latin typeface="Consolas" panose="020B0609020204030204" pitchFamily="49" charset="0"/>
               </a:rPr>
-              <a:t>@</a:t>
-            </a:r>
+              <a:t>@Component({</a:t>
+            </a:r>
+          </a:p>
+          <a:p>
             <a:r>
               <a:rPr lang="en-US" dirty="0">
                 <a:solidFill>
-                  <a:srgbClr val="4EC9B0"/>
+                  <a:schemeClr val="tx1"/>
                 </a:solidFill>
                 <a:latin typeface="Consolas" panose="020B0609020204030204" pitchFamily="49" charset="0"/>
               </a:rPr>
-              <a:t>Component</a:t>
-            </a:r>
+              <a:t>  selector: 'hello-world',</a:t>
+            </a:r>
+          </a:p>
+          <a:p>
             <a:r>
               <a:rPr lang="en-US" dirty="0">
                 <a:solidFill>
-                  <a:srgbClr val="D4D4D4"/>
+                  <a:schemeClr val="tx1"/>
                 </a:solidFill>
                 <a:latin typeface="Consolas" panose="020B0609020204030204" pitchFamily="49" charset="0"/>
               </a:rPr>
-              <a:t>({</a:t>
+              <a:t>  template: `</a:t>
             </a:r>
           </a:p>
           <a:p>
             <a:r>
               <a:rPr lang="en-US" dirty="0">
                 <a:solidFill>
-                  <a:srgbClr val="D4D4D4"/>
+                  <a:schemeClr val="tx1"/>
                 </a:solidFill>
                 <a:latin typeface="Consolas" panose="020B0609020204030204" pitchFamily="49" charset="0"/>
               </a:rPr>
-              <a:t>  </a:t>
-            </a:r>
+              <a:t>    &lt;h2&gt;Hello World&lt;/h2&gt;</a:t>
+            </a:r>
+          </a:p>
+          <a:p>
             <a:r>
               <a:rPr lang="en-US" dirty="0">
                 <a:solidFill>
-                  <a:srgbClr val="9CDCFE"/>
+                  <a:schemeClr val="tx1"/>
                 </a:solidFill>
                 <a:latin typeface="Consolas" panose="020B0609020204030204" pitchFamily="49" charset="0"/>
               </a:rPr>
-              <a:t>selector:</a:t>
-            </a:r>
+              <a:t>    &lt;p&gt;This is my first component!&lt;/p&gt;</a:t>
+            </a:r>
+          </a:p>
+          <a:p>
             <a:r>
               <a:rPr lang="en-US" dirty="0">
                 <a:solidFill>
-                  <a:srgbClr val="D4D4D4"/>
+                  <a:schemeClr val="tx1"/>
                 </a:solidFill>
                 <a:latin typeface="Consolas" panose="020B0609020204030204" pitchFamily="49" charset="0"/>
               </a:rPr>
-              <a:t> </a:t>
-            </a:r>
+              <a:t>  `</a:t>
+            </a:r>
+          </a:p>
+          <a:p>
             <a:r>
               <a:rPr lang="en-US" dirty="0">
                 <a:solidFill>
-                  <a:srgbClr val="CE9178"/>
-                </a:solidFill>
-                <a:latin typeface="Consolas" panose="020B0609020204030204" pitchFamily="49" charset="0"/>
-              </a:rPr>
-              <a:t>'hello-world'</a:t>
-            </a:r>
-            <a:r>
-              <a:rPr lang="en-US" dirty="0">
-                <a:solidFill>
-                  <a:srgbClr val="D4D4D4"/>
-                </a:solidFill>
-                <a:latin typeface="Consolas" panose="020B0609020204030204" pitchFamily="49" charset="0"/>
-              </a:rPr>
-              <a:t>,</a:t>
-            </a:r>
-          </a:p>
-          <a:p>
-            <a:r>
-              <a:rPr lang="en-US" dirty="0">
-                <a:solidFill>
-                  <a:srgbClr val="D4D4D4"/>
-                </a:solidFill>
-                <a:latin typeface="Consolas" panose="020B0609020204030204" pitchFamily="49" charset="0"/>
-              </a:rPr>
-              <a:t>  </a:t>
-            </a:r>
-            <a:r>
-              <a:rPr lang="en-US" dirty="0">
-                <a:solidFill>
-                  <a:srgbClr val="9CDCFE"/>
-                </a:solidFill>
-                <a:latin typeface="Consolas" panose="020B0609020204030204" pitchFamily="49" charset="0"/>
-              </a:rPr>
-              <a:t>template:</a:t>
-            </a:r>
-            <a:r>
-              <a:rPr lang="en-US" dirty="0">
-                <a:solidFill>
-                  <a:srgbClr val="D4D4D4"/>
-                </a:solidFill>
-                <a:latin typeface="Consolas" panose="020B0609020204030204" pitchFamily="49" charset="0"/>
-              </a:rPr>
-              <a:t> </a:t>
-            </a:r>
-            <a:r>
-              <a:rPr lang="en-US" dirty="0">
-                <a:solidFill>
-                  <a:srgbClr val="CE9178"/>
-                </a:solidFill>
-                <a:latin typeface="Consolas" panose="020B0609020204030204" pitchFamily="49" charset="0"/>
-              </a:rPr>
-              <a:t>`</a:t>
-            </a:r>
-            <a:endParaRPr lang="en-US" dirty="0">
-              <a:solidFill>
-                <a:srgbClr val="D4D4D4"/>
-              </a:solidFill>
-              <a:latin typeface="Consolas" panose="020B0609020204030204" pitchFamily="49" charset="0"/>
-            </a:endParaRPr>
-          </a:p>
-          <a:p>
-            <a:r>
-              <a:rPr lang="en-US" dirty="0">
-                <a:solidFill>
-                  <a:srgbClr val="D4D4D4"/>
-                </a:solidFill>
-                <a:latin typeface="Consolas" panose="020B0609020204030204" pitchFamily="49" charset="0"/>
-              </a:rPr>
-              <a:t>    </a:t>
-            </a:r>
-            <a:r>
-              <a:rPr lang="en-US" dirty="0">
-                <a:solidFill>
-                  <a:srgbClr val="808080"/>
-                </a:solidFill>
-                <a:latin typeface="Consolas" panose="020B0609020204030204" pitchFamily="49" charset="0"/>
-              </a:rPr>
-              <a:t>&lt;</a:t>
-            </a:r>
-            <a:r>
-              <a:rPr lang="en-US" dirty="0">
-                <a:solidFill>
-                  <a:srgbClr val="569CD6"/>
-                </a:solidFill>
-                <a:latin typeface="Consolas" panose="020B0609020204030204" pitchFamily="49" charset="0"/>
-              </a:rPr>
-              <a:t>h2</a:t>
-            </a:r>
-            <a:r>
-              <a:rPr lang="en-US" dirty="0">
-                <a:solidFill>
-                  <a:srgbClr val="808080"/>
-                </a:solidFill>
-                <a:latin typeface="Consolas" panose="020B0609020204030204" pitchFamily="49" charset="0"/>
-              </a:rPr>
-              <a:t>&gt;</a:t>
-            </a:r>
-            <a:r>
-              <a:rPr lang="en-US" dirty="0">
-                <a:solidFill>
-                  <a:srgbClr val="D4D4D4"/>
-                </a:solidFill>
-                <a:latin typeface="Consolas" panose="020B0609020204030204" pitchFamily="49" charset="0"/>
-              </a:rPr>
-              <a:t>Hello World</a:t>
-            </a:r>
-            <a:r>
-              <a:rPr lang="en-US" dirty="0">
-                <a:solidFill>
-                  <a:srgbClr val="808080"/>
-                </a:solidFill>
-                <a:latin typeface="Consolas" panose="020B0609020204030204" pitchFamily="49" charset="0"/>
-              </a:rPr>
-              <a:t>&lt;/</a:t>
-            </a:r>
-            <a:r>
-              <a:rPr lang="en-US" dirty="0">
-                <a:solidFill>
-                  <a:srgbClr val="569CD6"/>
-                </a:solidFill>
-                <a:latin typeface="Consolas" panose="020B0609020204030204" pitchFamily="49" charset="0"/>
-              </a:rPr>
-              <a:t>h2</a:t>
-            </a:r>
-            <a:r>
-              <a:rPr lang="en-US" dirty="0">
-                <a:solidFill>
-                  <a:srgbClr val="808080"/>
-                </a:solidFill>
-                <a:latin typeface="Consolas" panose="020B0609020204030204" pitchFamily="49" charset="0"/>
-              </a:rPr>
-              <a:t>&gt;</a:t>
-            </a:r>
-            <a:endParaRPr lang="en-US" dirty="0">
-              <a:solidFill>
-                <a:srgbClr val="D4D4D4"/>
-              </a:solidFill>
-              <a:latin typeface="Consolas" panose="020B0609020204030204" pitchFamily="49" charset="0"/>
-            </a:endParaRPr>
-          </a:p>
-          <a:p>
-            <a:r>
-              <a:rPr lang="en-US" dirty="0">
-                <a:solidFill>
-                  <a:srgbClr val="D4D4D4"/>
-                </a:solidFill>
-                <a:latin typeface="Consolas" panose="020B0609020204030204" pitchFamily="49" charset="0"/>
-              </a:rPr>
-              <a:t>    </a:t>
-            </a:r>
-            <a:r>
-              <a:rPr lang="en-US" dirty="0">
-                <a:solidFill>
-                  <a:srgbClr val="808080"/>
-                </a:solidFill>
-                <a:latin typeface="Consolas" panose="020B0609020204030204" pitchFamily="49" charset="0"/>
-              </a:rPr>
-              <a:t>&lt;</a:t>
-            </a:r>
-            <a:r>
-              <a:rPr lang="en-US" dirty="0">
-                <a:solidFill>
-                  <a:srgbClr val="569CD6"/>
-                </a:solidFill>
-                <a:latin typeface="Consolas" panose="020B0609020204030204" pitchFamily="49" charset="0"/>
-              </a:rPr>
-              <a:t>p</a:t>
-            </a:r>
-            <a:r>
-              <a:rPr lang="en-US" dirty="0">
-                <a:solidFill>
-                  <a:srgbClr val="808080"/>
-                </a:solidFill>
-                <a:latin typeface="Consolas" panose="020B0609020204030204" pitchFamily="49" charset="0"/>
-              </a:rPr>
-              <a:t>&gt;</a:t>
-            </a:r>
-            <a:r>
-              <a:rPr lang="en-US" dirty="0">
-                <a:solidFill>
-                  <a:srgbClr val="D4D4D4"/>
-                </a:solidFill>
-                <a:latin typeface="Consolas" panose="020B0609020204030204" pitchFamily="49" charset="0"/>
-              </a:rPr>
-              <a:t>This is my first component!</a:t>
-            </a:r>
-            <a:r>
-              <a:rPr lang="en-US" dirty="0">
-                <a:solidFill>
-                  <a:srgbClr val="808080"/>
-                </a:solidFill>
-                <a:latin typeface="Consolas" panose="020B0609020204030204" pitchFamily="49" charset="0"/>
-              </a:rPr>
-              <a:t>&lt;/</a:t>
-            </a:r>
-            <a:r>
-              <a:rPr lang="en-US" dirty="0">
-                <a:solidFill>
-                  <a:srgbClr val="569CD6"/>
-                </a:solidFill>
-                <a:latin typeface="Consolas" panose="020B0609020204030204" pitchFamily="49" charset="0"/>
-              </a:rPr>
-              <a:t>p</a:t>
-            </a:r>
-            <a:r>
-              <a:rPr lang="en-US" dirty="0">
-                <a:solidFill>
-                  <a:srgbClr val="808080"/>
-                </a:solidFill>
-                <a:latin typeface="Consolas" panose="020B0609020204030204" pitchFamily="49" charset="0"/>
-              </a:rPr>
-              <a:t>&gt;</a:t>
-            </a:r>
-            <a:endParaRPr lang="en-US" dirty="0">
-              <a:solidFill>
-                <a:srgbClr val="D4D4D4"/>
-              </a:solidFill>
-              <a:latin typeface="Consolas" panose="020B0609020204030204" pitchFamily="49" charset="0"/>
-            </a:endParaRPr>
-          </a:p>
-          <a:p>
-            <a:r>
-              <a:rPr lang="en-US" dirty="0">
-                <a:solidFill>
-                  <a:srgbClr val="D4D4D4"/>
-                </a:solidFill>
-                <a:latin typeface="Consolas" panose="020B0609020204030204" pitchFamily="49" charset="0"/>
-              </a:rPr>
-              <a:t>  </a:t>
-            </a:r>
-            <a:r>
-              <a:rPr lang="en-US" dirty="0">
-                <a:solidFill>
-                  <a:srgbClr val="CE9178"/>
-                </a:solidFill>
-                <a:latin typeface="Consolas" panose="020B0609020204030204" pitchFamily="49" charset="0"/>
-              </a:rPr>
-              <a:t>`</a:t>
-            </a:r>
-            <a:endParaRPr lang="en-US" dirty="0">
-              <a:solidFill>
-                <a:srgbClr val="D4D4D4"/>
-              </a:solidFill>
-              <a:latin typeface="Consolas" panose="020B0609020204030204" pitchFamily="49" charset="0"/>
-            </a:endParaRPr>
-          </a:p>
-          <a:p>
-            <a:r>
-              <a:rPr lang="en-US" dirty="0">
-                <a:solidFill>
-                  <a:srgbClr val="D4D4D4"/>
+                  <a:schemeClr val="tx1"/>
                 </a:solidFill>
                 <a:latin typeface="Consolas" panose="020B0609020204030204" pitchFamily="49" charset="0"/>
               </a:rPr>
@@ -35584,43 +34777,16 @@
             <a:r>
               <a:rPr lang="en-US" dirty="0">
                 <a:solidFill>
-                  <a:srgbClr val="C586C0"/>
+                  <a:schemeClr val="tx1"/>
                 </a:solidFill>
                 <a:latin typeface="Consolas" panose="020B0609020204030204" pitchFamily="49" charset="0"/>
               </a:rPr>
-              <a:t>export</a:t>
-            </a:r>
-            <a:r>
-              <a:rPr lang="en-US" dirty="0">
-                <a:solidFill>
-                  <a:srgbClr val="D4D4D4"/>
-                </a:solidFill>
-                <a:latin typeface="Consolas" panose="020B0609020204030204" pitchFamily="49" charset="0"/>
-              </a:rPr>
-              <a:t> </a:t>
-            </a:r>
-            <a:r>
-              <a:rPr lang="en-US" dirty="0">
-                <a:solidFill>
-                  <a:srgbClr val="569CD6"/>
-                </a:solidFill>
-                <a:latin typeface="Consolas" panose="020B0609020204030204" pitchFamily="49" charset="0"/>
-              </a:rPr>
-              <a:t>class</a:t>
-            </a:r>
-            <a:r>
-              <a:rPr lang="en-US" dirty="0">
-                <a:solidFill>
-                  <a:srgbClr val="D4D4D4"/>
-                </a:solidFill>
-                <a:latin typeface="Consolas" panose="020B0609020204030204" pitchFamily="49" charset="0"/>
-              </a:rPr>
-              <a:t> </a:t>
+              <a:t>export class </a:t>
             </a:r>
             <a:r>
               <a:rPr lang="en-US" dirty="0" err="1">
                 <a:solidFill>
-                  <a:srgbClr val="4EC9B0"/>
+                  <a:schemeClr val="tx1"/>
                 </a:solidFill>
                 <a:latin typeface="Consolas" panose="020B0609020204030204" pitchFamily="49" charset="0"/>
               </a:rPr>
@@ -35629,7 +34795,7 @@
             <a:r>
               <a:rPr lang="en-US" dirty="0">
                 <a:solidFill>
-                  <a:srgbClr val="D4D4D4"/>
+                  <a:schemeClr val="tx1"/>
                 </a:solidFill>
                 <a:latin typeface="Consolas" panose="020B0609020204030204" pitchFamily="49" charset="0"/>
               </a:rPr>
@@ -35640,33 +34806,18 @@
             <a:r>
               <a:rPr lang="en-US" dirty="0">
                 <a:solidFill>
-                  <a:srgbClr val="D4D4D4"/>
+                  <a:schemeClr val="tx1"/>
                 </a:solidFill>
                 <a:latin typeface="Consolas" panose="020B0609020204030204" pitchFamily="49" charset="0"/>
               </a:rPr>
-              <a:t>  </a:t>
-            </a:r>
-            <a:r>
-              <a:rPr lang="en-US" dirty="0">
-                <a:solidFill>
-                  <a:srgbClr val="6A9955"/>
-                </a:solidFill>
-                <a:latin typeface="Consolas" panose="020B0609020204030204" pitchFamily="49" charset="0"/>
-              </a:rPr>
-              <a:t>// The code in this class drives the component's behavior.</a:t>
-            </a:r>
-            <a:endParaRPr lang="en-US" dirty="0">
-              <a:solidFill>
-                <a:srgbClr val="D4D4D4"/>
-              </a:solidFill>
-              <a:latin typeface="Consolas" panose="020B0609020204030204" pitchFamily="49" charset="0"/>
-            </a:endParaRPr>
+              <a:t>  // The code in this class drives the component's behavior.</a:t>
+            </a:r>
           </a:p>
           <a:p>
             <a:r>
               <a:rPr lang="en-US" b="0" dirty="0" smtClean="0">
                 <a:solidFill>
-                  <a:srgbClr val="D4D4D4"/>
+                  <a:schemeClr val="tx1"/>
                 </a:solidFill>
                 <a:effectLst/>
                 <a:latin typeface="Consolas" panose="020B0609020204030204" pitchFamily="49" charset="0"/>
@@ -35675,7 +34826,7 @@
             </a:r>
             <a:endParaRPr lang="en-US" b="0" dirty="0">
               <a:solidFill>
-                <a:srgbClr val="D4D4D4"/>
+                <a:schemeClr val="tx1"/>
               </a:solidFill>
               <a:effectLst/>
               <a:latin typeface="Consolas" panose="020B0609020204030204" pitchFamily="49" charset="0"/>
@@ -35685,7 +34836,7 @@
             <a:r>
               <a:rPr lang="en-US" b="0" dirty="0">
                 <a:solidFill>
-                  <a:srgbClr val="D4D4D4"/>
+                  <a:schemeClr val="tx1"/>
                 </a:solidFill>
                 <a:effectLst/>
                 <a:latin typeface="Consolas" panose="020B0609020204030204" pitchFamily="49" charset="0"/>
@@ -35695,7 +34846,7 @@
             <a:br>
               <a:rPr lang="en-US" b="0" dirty="0">
                 <a:solidFill>
-                  <a:srgbClr val="D4D4D4"/>
+                  <a:schemeClr val="tx1"/>
                 </a:solidFill>
                 <a:effectLst/>
                 <a:latin typeface="Consolas" panose="020B0609020204030204" pitchFamily="49" charset="0"/>
@@ -35703,7 +34854,7 @@
             </a:br>
             <a:endParaRPr lang="en-US" b="0" dirty="0">
               <a:solidFill>
-                <a:srgbClr val="D4D4D4"/>
+                <a:schemeClr val="tx1"/>
               </a:solidFill>
               <a:effectLst/>
               <a:latin typeface="Consolas" panose="020B0609020204030204" pitchFamily="49" charset="0"/>
@@ -36077,7 +35228,7 @@
             <a:r>
               <a:rPr lang="de-DE" dirty="0" err="1">
                 <a:solidFill>
-                  <a:srgbClr val="CE9178"/>
+                  <a:schemeClr val="tx1"/>
                 </a:solidFill>
                 <a:latin typeface="Consolas" panose="020B0609020204030204" pitchFamily="49" charset="0"/>
               </a:rPr>
@@ -36086,7 +35237,7 @@
             <a:r>
               <a:rPr lang="de-DE" dirty="0">
                 <a:solidFill>
-                  <a:srgbClr val="D4D4D4"/>
+                  <a:schemeClr val="tx1"/>
                 </a:solidFill>
                 <a:latin typeface="Consolas" panose="020B0609020204030204" pitchFamily="49" charset="0"/>
               </a:rPr>
@@ -36095,7 +35246,7 @@
             <a:br>
               <a:rPr lang="de-DE" dirty="0">
                 <a:solidFill>
-                  <a:srgbClr val="D4D4D4"/>
+                  <a:schemeClr val="tx1"/>
                 </a:solidFill>
                 <a:latin typeface="Consolas" panose="020B0609020204030204" pitchFamily="49" charset="0"/>
               </a:rPr>
@@ -36103,7 +35254,7 @@
             <a:r>
               <a:rPr lang="de-DE" dirty="0">
                 <a:solidFill>
-                  <a:srgbClr val="D4D4D4"/>
+                  <a:schemeClr val="tx1"/>
                 </a:solidFill>
                 <a:latin typeface="Consolas" panose="020B0609020204030204" pitchFamily="49" charset="0"/>
               </a:rPr>
@@ -36112,7 +35263,7 @@
             <a:r>
               <a:rPr lang="de-DE" dirty="0" err="1">
                 <a:solidFill>
-                  <a:srgbClr val="4EC9B0"/>
+                  <a:schemeClr val="tx1"/>
                 </a:solidFill>
                 <a:latin typeface="Consolas" panose="020B0609020204030204" pitchFamily="49" charset="0"/>
               </a:rPr>
@@ -36121,7 +35272,7 @@
             <a:r>
               <a:rPr lang="de-DE" dirty="0">
                 <a:solidFill>
-                  <a:srgbClr val="D4D4D4"/>
+                  <a:schemeClr val="tx1"/>
                 </a:solidFill>
                 <a:latin typeface="Consolas" panose="020B0609020204030204" pitchFamily="49" charset="0"/>
               </a:rPr>
@@ -36132,7 +35283,7 @@
             <a:r>
               <a:rPr lang="de-DE" dirty="0">
                 <a:solidFill>
-                  <a:srgbClr val="D4D4D4"/>
+                  <a:schemeClr val="tx1"/>
                 </a:solidFill>
                 <a:latin typeface="Consolas" panose="020B0609020204030204" pitchFamily="49" charset="0"/>
               </a:rPr>
@@ -36143,7 +35294,7 @@
             <a:r>
               <a:rPr lang="de-DE" dirty="0">
                 <a:solidFill>
-                  <a:srgbClr val="D4D4D4"/>
+                  <a:schemeClr val="tx1"/>
                 </a:solidFill>
                 <a:latin typeface="Consolas" panose="020B0609020204030204" pitchFamily="49" charset="0"/>
               </a:rPr>
@@ -36152,7 +35303,7 @@
             <a:r>
               <a:rPr lang="de-DE" dirty="0" err="1">
                 <a:solidFill>
-                  <a:srgbClr val="9CDCFE"/>
+                  <a:schemeClr val="tx1"/>
                 </a:solidFill>
                 <a:latin typeface="Consolas" panose="020B0609020204030204" pitchFamily="49" charset="0"/>
               </a:rPr>
@@ -36161,33 +35312,142 @@
             <a:r>
               <a:rPr lang="de-DE" dirty="0">
                 <a:solidFill>
-                  <a:srgbClr val="9CDCFE"/>
+                  <a:schemeClr val="tx1"/>
                 </a:solidFill>
                 <a:latin typeface="Consolas" panose="020B0609020204030204" pitchFamily="49" charset="0"/>
               </a:rPr>
-              <a:t>:</a:t>
-            </a:r>
+              <a:t>: './hello-world-interpolation.component.html'</a:t>
+            </a:r>
+          </a:p>
+          <a:p>
             <a:r>
               <a:rPr lang="de-DE" dirty="0">
                 <a:solidFill>
-                  <a:srgbClr val="D4D4D4"/>
+                  <a:schemeClr val="tx1"/>
+                </a:solidFill>
+                <a:latin typeface="Consolas" panose="020B0609020204030204" pitchFamily="49" charset="0"/>
+              </a:rPr>
+              <a:t>})</a:t>
+            </a:r>
+          </a:p>
+          <a:p>
+            <a:r>
+              <a:rPr lang="de-DE" dirty="0" err="1">
+                <a:solidFill>
+                  <a:schemeClr val="tx1"/>
+                </a:solidFill>
+                <a:latin typeface="Consolas" panose="020B0609020204030204" pitchFamily="49" charset="0"/>
+              </a:rPr>
+              <a:t>export</a:t>
+            </a:r>
+            <a:r>
+              <a:rPr lang="de-DE" dirty="0">
+                <a:solidFill>
+                  <a:schemeClr val="tx1"/>
                 </a:solidFill>
                 <a:latin typeface="Consolas" panose="020B0609020204030204" pitchFamily="49" charset="0"/>
               </a:rPr>
               <a:t> </a:t>
             </a:r>
             <a:r>
-              <a:rPr lang="de-DE" dirty="0">
-                <a:solidFill>
-                  <a:srgbClr val="CE9178"/>
+              <a:rPr lang="de-DE" dirty="0" err="1">
+                <a:solidFill>
+                  <a:schemeClr val="tx1"/>
                 </a:solidFill>
                 <a:latin typeface="Consolas" panose="020B0609020204030204" pitchFamily="49" charset="0"/>
               </a:rPr>
-              <a:t>'./hello-world-interpolation.component.html'</a:t>
-            </a:r>
+              <a:t>class</a:t>
+            </a:r>
+            <a:r>
+              <a:rPr lang="de-DE" dirty="0">
+                <a:solidFill>
+                  <a:schemeClr val="tx1"/>
+                </a:solidFill>
+                <a:latin typeface="Consolas" panose="020B0609020204030204" pitchFamily="49" charset="0"/>
+              </a:rPr>
+              <a:t> </a:t>
+            </a:r>
+            <a:r>
+              <a:rPr lang="de-DE" dirty="0" err="1">
+                <a:solidFill>
+                  <a:schemeClr val="tx1"/>
+                </a:solidFill>
+                <a:latin typeface="Consolas" panose="020B0609020204030204" pitchFamily="49" charset="0"/>
+              </a:rPr>
+              <a:t>HelloWorldInterpolationComponent</a:t>
+            </a:r>
+            <a:r>
+              <a:rPr lang="de-DE" dirty="0">
+                <a:solidFill>
+                  <a:schemeClr val="tx1"/>
+                </a:solidFill>
+                <a:latin typeface="Consolas" panose="020B0609020204030204" pitchFamily="49" charset="0"/>
+              </a:rPr>
+              <a:t> {</a:t>
+            </a:r>
+          </a:p>
+          <a:p>
+            <a:r>
+              <a:rPr lang="de-DE" dirty="0">
+                <a:solidFill>
+                  <a:schemeClr val="tx1"/>
+                </a:solidFill>
+                <a:latin typeface="Consolas" panose="020B0609020204030204" pitchFamily="49" charset="0"/>
+              </a:rPr>
+              <a:t>    </a:t>
+            </a:r>
+            <a:r>
+              <a:rPr lang="de-DE" dirty="0" err="1">
+                <a:solidFill>
+                  <a:schemeClr val="tx1"/>
+                </a:solidFill>
+                <a:latin typeface="Consolas" panose="020B0609020204030204" pitchFamily="49" charset="0"/>
+              </a:rPr>
+              <a:t>message</a:t>
+            </a:r>
+            <a:r>
+              <a:rPr lang="de-DE" dirty="0">
+                <a:solidFill>
+                  <a:schemeClr val="tx1"/>
+                </a:solidFill>
+                <a:latin typeface="Consolas" panose="020B0609020204030204" pitchFamily="49" charset="0"/>
+              </a:rPr>
+              <a:t> = '</a:t>
+            </a:r>
+            <a:r>
+              <a:rPr lang="de-DE" dirty="0" err="1">
+                <a:solidFill>
+                  <a:schemeClr val="tx1"/>
+                </a:solidFill>
+                <a:latin typeface="Consolas" panose="020B0609020204030204" pitchFamily="49" charset="0"/>
+              </a:rPr>
+              <a:t>Hello</a:t>
+            </a:r>
+            <a:r>
+              <a:rPr lang="de-DE" dirty="0">
+                <a:solidFill>
+                  <a:schemeClr val="tx1"/>
+                </a:solidFill>
+                <a:latin typeface="Consolas" panose="020B0609020204030204" pitchFamily="49" charset="0"/>
+              </a:rPr>
+              <a:t>, World!‘;</a:t>
+            </a:r>
+          </a:p>
+          <a:p>
+            <a:r>
+              <a:rPr lang="de-DE" dirty="0">
+                <a:solidFill>
+                  <a:schemeClr val="tx1"/>
+                </a:solidFill>
+                <a:latin typeface="Consolas" panose="020B0609020204030204" pitchFamily="49" charset="0"/>
+              </a:rPr>
+              <a:t>}</a:t>
+            </a:r>
+          </a:p>
+          <a:p>
             <a:endParaRPr lang="de-DE" dirty="0">
               <a:solidFill>
-                <a:srgbClr val="D4D4D4"/>
+                <a:schemeClr val="tx1"/>
               </a:solidFill>
               <a:latin typeface="Consolas" panose="020B0609020204030204" pitchFamily="49" charset="0"/>
             </a:endParaRPr>
@@ -36196,83 +35456,51 @@
             <a:r>
               <a:rPr lang="de-DE" dirty="0">
                 <a:solidFill>
-                  <a:srgbClr val="D4D4D4"/>
+                  <a:schemeClr val="tx1"/>
                 </a:solidFill>
                 <a:latin typeface="Consolas" panose="020B0609020204030204" pitchFamily="49" charset="0"/>
               </a:rPr>
-              <a:t>})</a:t>
-            </a:r>
-          </a:p>
-          <a:p>
-            <a:r>
-              <a:rPr lang="de-DE" dirty="0" err="1">
-                <a:solidFill>
-                  <a:srgbClr val="C586C0"/>
+              <a:t>hello-world-interpolation.component.html</a:t>
+            </a:r>
+            <a:endParaRPr lang="en-US" dirty="0">
+              <a:solidFill>
+                <a:schemeClr val="tx1"/>
+              </a:solidFill>
+              <a:latin typeface="Consolas" panose="020B0609020204030204" pitchFamily="49" charset="0"/>
+            </a:endParaRPr>
+          </a:p>
+          <a:p>
+            <a:r>
+              <a:rPr lang="de-DE" dirty="0">
+                <a:solidFill>
+                  <a:schemeClr val="tx1"/>
                 </a:solidFill>
                 <a:latin typeface="Consolas" panose="020B0609020204030204" pitchFamily="49" charset="0"/>
               </a:rPr>
-              <a:t>export</a:t>
-            </a:r>
-            <a:r>
-              <a:rPr lang="de-DE" dirty="0">
-                <a:solidFill>
-                  <a:srgbClr val="D4D4D4"/>
+              <a:t>&lt;p&gt;</a:t>
+            </a:r>
+            <a:r>
+              <a:rPr lang="de-DE" dirty="0" err="1">
+                <a:solidFill>
+                  <a:schemeClr val="tx1"/>
                 </a:solidFill>
                 <a:latin typeface="Consolas" panose="020B0609020204030204" pitchFamily="49" charset="0"/>
               </a:rPr>
-              <a:t> </a:t>
-            </a:r>
-            <a:r>
-              <a:rPr lang="de-DE" dirty="0" err="1">
-                <a:solidFill>
-                  <a:srgbClr val="569CD6"/>
+              <a:t>My</a:t>
+            </a:r>
+            <a:r>
+              <a:rPr lang="de-DE" dirty="0">
+                <a:solidFill>
+                  <a:schemeClr val="tx1"/>
                 </a:solidFill>
                 <a:latin typeface="Consolas" panose="020B0609020204030204" pitchFamily="49" charset="0"/>
               </a:rPr>
-              <a:t>class</a:t>
-            </a:r>
-            <a:r>
-              <a:rPr lang="de-DE" dirty="0">
-                <a:solidFill>
-                  <a:srgbClr val="D4D4D4"/>
-                </a:solidFill>
-                <a:latin typeface="Consolas" panose="020B0609020204030204" pitchFamily="49" charset="0"/>
-              </a:rPr>
-              <a:t> </a:t>
+              <a:t> Message: {{</a:t>
             </a:r>
             <a:r>
               <a:rPr lang="de-DE" dirty="0" err="1">
                 <a:solidFill>
-                  <a:srgbClr val="4EC9B0"/>
-                </a:solidFill>
-                <a:latin typeface="Consolas" panose="020B0609020204030204" pitchFamily="49" charset="0"/>
-              </a:rPr>
-              <a:t>HelloWorldInterpolationComponent</a:t>
-            </a:r>
-            <a:r>
-              <a:rPr lang="de-DE" dirty="0">
-                <a:solidFill>
-                  <a:srgbClr val="D4D4D4"/>
-                </a:solidFill>
-                <a:latin typeface="Consolas" panose="020B0609020204030204" pitchFamily="49" charset="0"/>
-              </a:rPr>
-              <a:t> {</a:t>
-            </a:r>
-          </a:p>
-          <a:p>
-            <a:r>
-              <a:rPr lang="de-DE" dirty="0">
-                <a:solidFill>
-                  <a:srgbClr val="D4D4D4"/>
-                </a:solidFill>
-                <a:latin typeface="Consolas" panose="020B0609020204030204" pitchFamily="49" charset="0"/>
-              </a:rPr>
-              <a:t>    </a:t>
-            </a:r>
-            <a:r>
-              <a:rPr lang="de-DE" dirty="0" err="1">
-                <a:solidFill>
-                  <a:srgbClr val="9CDCFE"/>
+                  <a:schemeClr val="tx1"/>
                 </a:solidFill>
                 <a:latin typeface="Consolas" panose="020B0609020204030204" pitchFamily="49" charset="0"/>
               </a:rPr>
@@ -36281,173 +35509,12 @@
             <a:r>
               <a:rPr lang="de-DE" dirty="0">
                 <a:solidFill>
-                  <a:srgbClr val="D4D4D4"/>
+                  <a:schemeClr val="tx1"/>
                 </a:solidFill>
                 <a:latin typeface="Consolas" panose="020B0609020204030204" pitchFamily="49" charset="0"/>
               </a:rPr>
-              <a:t> = </a:t>
-            </a:r>
-            <a:r>
-              <a:rPr lang="de-DE" dirty="0">
-                <a:solidFill>
-                  <a:srgbClr val="CE9178"/>
-                </a:solidFill>
-                <a:latin typeface="Consolas" panose="020B0609020204030204" pitchFamily="49" charset="0"/>
-              </a:rPr>
-              <a:t>'</a:t>
-            </a:r>
-            <a:r>
-              <a:rPr lang="de-DE" dirty="0" err="1">
-                <a:solidFill>
-                  <a:srgbClr val="CE9178"/>
-                </a:solidFill>
-                <a:latin typeface="Consolas" panose="020B0609020204030204" pitchFamily="49" charset="0"/>
-              </a:rPr>
-              <a:t>Hello</a:t>
-            </a:r>
-            <a:r>
-              <a:rPr lang="de-DE" dirty="0">
-                <a:solidFill>
-                  <a:srgbClr val="CE9178"/>
-                </a:solidFill>
-                <a:latin typeface="Consolas" panose="020B0609020204030204" pitchFamily="49" charset="0"/>
-              </a:rPr>
-              <a:t>, World!‘</a:t>
-            </a:r>
-            <a:r>
-              <a:rPr lang="de-DE" dirty="0">
-                <a:solidFill>
-                  <a:srgbClr val="D4D4D4"/>
-                </a:solidFill>
-                <a:latin typeface="Consolas" panose="020B0609020204030204" pitchFamily="49" charset="0"/>
-              </a:rPr>
-              <a:t>;</a:t>
-            </a:r>
-          </a:p>
-          <a:p>
-            <a:r>
-              <a:rPr lang="de-DE" dirty="0">
-                <a:solidFill>
-                  <a:srgbClr val="D4D4D4"/>
-                </a:solidFill>
-                <a:latin typeface="Consolas" panose="020B0609020204030204" pitchFamily="49" charset="0"/>
-              </a:rPr>
-              <a:t>}</a:t>
-            </a:r>
-          </a:p>
-          <a:p>
-            <a:endParaRPr lang="de-DE" dirty="0">
-              <a:solidFill>
-                <a:srgbClr val="D4D4D4"/>
-              </a:solidFill>
-              <a:latin typeface="Consolas" panose="020B0609020204030204" pitchFamily="49" charset="0"/>
-            </a:endParaRPr>
-          </a:p>
-          <a:p>
-            <a:r>
-              <a:rPr lang="de-DE" dirty="0">
-                <a:solidFill>
-                  <a:srgbClr val="CE9178"/>
-                </a:solidFill>
-                <a:latin typeface="Consolas" panose="020B0609020204030204" pitchFamily="49" charset="0"/>
-              </a:rPr>
-              <a:t>hello-world-interpolation.component.html</a:t>
-            </a:r>
-            <a:endParaRPr lang="en-US" dirty="0">
-              <a:solidFill>
-                <a:srgbClr val="D4D4D4"/>
-              </a:solidFill>
-              <a:latin typeface="Consolas" panose="020B0609020204030204" pitchFamily="49" charset="0"/>
-            </a:endParaRPr>
-          </a:p>
-          <a:p>
-            <a:r>
-              <a:rPr lang="de-DE" dirty="0">
-                <a:solidFill>
-                  <a:srgbClr val="808080"/>
-                </a:solidFill>
-                <a:latin typeface="Consolas" panose="020B0609020204030204" pitchFamily="49" charset="0"/>
-              </a:rPr>
-              <a:t>&lt;</a:t>
-            </a:r>
-            <a:r>
-              <a:rPr lang="de-DE" dirty="0">
-                <a:solidFill>
-                  <a:srgbClr val="569CD6"/>
-                </a:solidFill>
-                <a:latin typeface="Consolas" panose="020B0609020204030204" pitchFamily="49" charset="0"/>
-              </a:rPr>
-              <a:t>p</a:t>
-            </a:r>
-            <a:r>
-              <a:rPr lang="de-DE" dirty="0">
-                <a:solidFill>
-                  <a:srgbClr val="808080"/>
-                </a:solidFill>
-                <a:latin typeface="Consolas" panose="020B0609020204030204" pitchFamily="49" charset="0"/>
-              </a:rPr>
-              <a:t>&gt;</a:t>
-            </a:r>
-            <a:r>
-              <a:rPr lang="de-DE" dirty="0" err="1">
-                <a:solidFill>
-                  <a:srgbClr val="808080"/>
-                </a:solidFill>
-                <a:latin typeface="Consolas" panose="020B0609020204030204" pitchFamily="49" charset="0"/>
-              </a:rPr>
-              <a:t>My</a:t>
-            </a:r>
-            <a:r>
-              <a:rPr lang="de-DE" dirty="0">
-                <a:solidFill>
-                  <a:srgbClr val="808080"/>
-                </a:solidFill>
-                <a:latin typeface="Consolas" panose="020B0609020204030204" pitchFamily="49" charset="0"/>
-              </a:rPr>
-              <a:t> Message: {{</a:t>
-            </a:r>
-            <a:r>
-              <a:rPr lang="de-DE" dirty="0" err="1">
-                <a:solidFill>
-                  <a:srgbClr val="808080"/>
-                </a:solidFill>
-                <a:latin typeface="Consolas" panose="020B0609020204030204" pitchFamily="49" charset="0"/>
-              </a:rPr>
-              <a:t>message</a:t>
-            </a:r>
-            <a:r>
-              <a:rPr lang="de-DE" dirty="0">
-                <a:solidFill>
-                  <a:srgbClr val="808080"/>
-                </a:solidFill>
-                <a:latin typeface="Consolas" panose="020B0609020204030204" pitchFamily="49" charset="0"/>
-              </a:rPr>
-              <a:t>}}&lt;/</a:t>
-            </a:r>
-            <a:r>
-              <a:rPr lang="de-DE" dirty="0">
-                <a:solidFill>
-                  <a:srgbClr val="569CD6"/>
-                </a:solidFill>
-                <a:latin typeface="Consolas" panose="020B0609020204030204" pitchFamily="49" charset="0"/>
-              </a:rPr>
-              <a:t>p</a:t>
-            </a:r>
-            <a:r>
-              <a:rPr lang="de-DE" dirty="0">
-                <a:solidFill>
-                  <a:srgbClr val="808080"/>
-                </a:solidFill>
-                <a:latin typeface="Consolas" panose="020B0609020204030204" pitchFamily="49" charset="0"/>
-              </a:rPr>
-              <a:t>&gt;</a:t>
-            </a:r>
-            <a:endParaRPr lang="de-DE" dirty="0">
-              <a:solidFill>
-                <a:srgbClr val="D4D4D4"/>
-              </a:solidFill>
-              <a:latin typeface="Consolas" panose="020B0609020204030204" pitchFamily="49" charset="0"/>
-            </a:endParaRPr>
+              <a:t>}}&lt;/p&gt;</a:t>
+            </a:r>
           </a:p>
         </p:txBody>
       </p:sp>
@@ -37836,18 +36903,18 @@
 </file>
 
 <file path=customXml/item2.xml><?xml version="1.0" encoding="utf-8"?>
+<p:properties xmlns:p="http://schemas.microsoft.com/office/2006/metadata/properties" xmlns:xsi="http://www.w3.org/2001/XMLSchema-instance" xmlns:pc="http://schemas.microsoft.com/office/infopath/2007/PartnerControls">
+  <documentManagement/>
+</p:properties>
+</file>
+
+<file path=customXml/item3.xml><?xml version="1.0" encoding="utf-8"?>
 <?mso-contentType ?>
 <FormTemplates xmlns="http://schemas.microsoft.com/sharepoint/v3/contenttype/forms">
   <Display>DocumentLibraryForm</Display>
   <Edit>DocumentLibraryForm</Edit>
   <New>DocumentLibraryForm</New>
 </FormTemplates>
-</file>
-
-<file path=customXml/item3.xml><?xml version="1.0" encoding="utf-8"?>
-<p:properties xmlns:p="http://schemas.microsoft.com/office/2006/metadata/properties" xmlns:xsi="http://www.w3.org/2001/XMLSchema-instance" xmlns:pc="http://schemas.microsoft.com/office/infopath/2007/PartnerControls">
-  <documentManagement/>
-</p:properties>
 </file>
 
 <file path=customXml/itemProps1.xml><?xml version="1.0" encoding="utf-8"?>
@@ -37870,14 +36937,6 @@
 </file>
 
 <file path=customXml/itemProps2.xml><?xml version="1.0" encoding="utf-8"?>
-<ds:datastoreItem xmlns:ds="http://schemas.openxmlformats.org/officeDocument/2006/customXml" ds:itemID="{4143DBA8-CAC9-4A0D-8B8C-91557CBF00CB}">
-  <ds:schemaRefs>
-    <ds:schemaRef ds:uri="http://schemas.microsoft.com/sharepoint/v3/contenttype/forms"/>
-  </ds:schemaRefs>
-</ds:datastoreItem>
-</file>
-
-<file path=customXml/itemProps3.xml><?xml version="1.0" encoding="utf-8"?>
 <ds:datastoreItem xmlns:ds="http://schemas.openxmlformats.org/officeDocument/2006/customXml" ds:itemID="{F9DED017-B02F-4DF9-97E5-9DF83488ABF9}">
   <ds:schemaRefs>
     <ds:schemaRef ds:uri="http://schemas.microsoft.com/office/2006/documentManagement/types"/>
@@ -37892,4 +36951,12 @@
     <ds:schemaRef ds:uri="http://www.w3.org/XML/1998/namespace"/>
   </ds:schemaRefs>
 </ds:datastoreItem>
+</file>
+
+<file path=customXml/itemProps3.xml><?xml version="1.0" encoding="utf-8"?>
+<ds:datastoreItem xmlns:ds="http://schemas.openxmlformats.org/officeDocument/2006/customXml" ds:itemID="{4143DBA8-CAC9-4A0D-8B8C-91557CBF00CB}">
+  <ds:schemaRefs>
+    <ds:schemaRef ds:uri="http://schemas.microsoft.com/sharepoint/v3/contenttype/forms"/>
+  </ds:schemaRefs>
+</ds:datastoreItem>
 </file>
--- a/developer-for-a-day.pptx
+++ b/developer-for-a-day.pptx
@@ -27,10 +27,10 @@
     <p:sldId id="372" r:id="rId18"/>
     <p:sldId id="373" r:id="rId19"/>
     <p:sldId id="366" r:id="rId20"/>
-    <p:sldId id="379" r:id="rId21"/>
-    <p:sldId id="383" r:id="rId22"/>
+    <p:sldId id="386" r:id="rId21"/>
+    <p:sldId id="385" r:id="rId22"/>
     <p:sldId id="380" r:id="rId23"/>
-    <p:sldId id="382" r:id="rId24"/>
+    <p:sldId id="384" r:id="rId24"/>
     <p:sldId id="340" r:id="rId25"/>
   </p:sldIdLst>
   <p:sldSz cx="12192000" cy="6858000"/>
@@ -242,10 +242,10 @@
         <p14:section name="Project Deep Dive" id="{E97DC0DC-B3E7-4457-B49C-E8289ECFA34A}">
           <p14:sldIdLst>
             <p14:sldId id="366"/>
-            <p14:sldId id="379"/>
-            <p14:sldId id="383"/>
+            <p14:sldId id="386"/>
+            <p14:sldId id="385"/>
             <p14:sldId id="380"/>
-            <p14:sldId id="382"/>
+            <p14:sldId id="384"/>
             <p14:sldId id="340"/>
           </p14:sldIdLst>
         </p14:section>
@@ -419,7 +419,7 @@
                   <a:schemeClr val="tx2"/>
                 </a:solidFill>
               </a:rPr>
-              <a:t>6/9/2022</a:t>
+              <a:t>6/29/2022</a:t>
             </a:fld>
             <a:endParaRPr lang="en-US">
               <a:solidFill>
@@ -627,7 +627,7 @@
             <a:fld id="{58F5D356-0438-4495-B283-C41E12FE4BD0}" type="datetimeFigureOut">
               <a:rPr lang="en-US" smtClean="0"/>
               <a:pPr/>
-              <a:t>6/9/2022</a:t>
+              <a:t>6/29/2022</a:t>
             </a:fld>
             <a:endParaRPr lang="en-US" dirty="0"/>
           </a:p>
@@ -19756,7 +19756,7 @@
             <a:r>
               <a:rPr lang="de-DE" dirty="0">
                 <a:solidFill>
-                  <a:srgbClr val="D4D4D4"/>
+                  <a:schemeClr val="tx1"/>
                 </a:solidFill>
                 <a:latin typeface="Consolas" panose="020B0609020204030204" pitchFamily="49" charset="0"/>
               </a:rPr>
@@ -19765,7 +19765,7 @@
             <a:r>
               <a:rPr lang="de-DE" dirty="0" err="1">
                 <a:solidFill>
-                  <a:srgbClr val="4EC9B0"/>
+                  <a:schemeClr val="tx1"/>
                 </a:solidFill>
                 <a:latin typeface="Consolas" panose="020B0609020204030204" pitchFamily="49" charset="0"/>
               </a:rPr>
@@ -19774,7 +19774,7 @@
             <a:r>
               <a:rPr lang="de-DE" dirty="0">
                 <a:solidFill>
-                  <a:srgbClr val="D4D4D4"/>
+                  <a:schemeClr val="tx1"/>
                 </a:solidFill>
                 <a:latin typeface="Consolas" panose="020B0609020204030204" pitchFamily="49" charset="0"/>
               </a:rPr>
@@ -19785,7 +19785,7 @@
             <a:r>
               <a:rPr lang="de-DE" dirty="0">
                 <a:solidFill>
-                  <a:srgbClr val="D4D4D4"/>
+                  <a:schemeClr val="tx1"/>
                 </a:solidFill>
                 <a:latin typeface="Consolas" panose="020B0609020204030204" pitchFamily="49" charset="0"/>
               </a:rPr>
@@ -19794,7 +19794,7 @@
             <a:r>
               <a:rPr lang="de-DE" dirty="0" err="1">
                 <a:solidFill>
-                  <a:srgbClr val="9CDCFE"/>
+                  <a:schemeClr val="tx1"/>
                 </a:solidFill>
                 <a:latin typeface="Consolas" panose="020B0609020204030204" pitchFamily="49" charset="0"/>
               </a:rPr>
@@ -19803,83 +19803,74 @@
             <a:r>
               <a:rPr lang="de-DE" dirty="0">
                 <a:solidFill>
-                  <a:srgbClr val="9CDCFE"/>
+                  <a:schemeClr val="tx1"/>
                 </a:solidFill>
                 <a:latin typeface="Consolas" panose="020B0609020204030204" pitchFamily="49" charset="0"/>
               </a:rPr>
-              <a:t>:</a:t>
+              <a:t>: '</a:t>
+            </a:r>
+            <a:r>
+              <a:rPr lang="de-DE" dirty="0" err="1">
+                <a:solidFill>
+                  <a:schemeClr val="tx1"/>
+                </a:solidFill>
+                <a:latin typeface="Consolas" panose="020B0609020204030204" pitchFamily="49" charset="0"/>
+              </a:rPr>
+              <a:t>root</a:t>
             </a:r>
             <a:r>
               <a:rPr lang="de-DE" dirty="0">
                 <a:solidFill>
-                  <a:srgbClr val="D4D4D4"/>
+                  <a:schemeClr val="tx1"/>
+                </a:solidFill>
+                <a:latin typeface="Consolas" panose="020B0609020204030204" pitchFamily="49" charset="0"/>
+              </a:rPr>
+              <a:t>',</a:t>
+            </a:r>
+          </a:p>
+          <a:p>
+            <a:r>
+              <a:rPr lang="de-DE" dirty="0">
+                <a:solidFill>
+                  <a:schemeClr val="tx1"/>
+                </a:solidFill>
+                <a:latin typeface="Consolas" panose="020B0609020204030204" pitchFamily="49" charset="0"/>
+              </a:rPr>
+              <a:t>})</a:t>
+            </a:r>
+          </a:p>
+          <a:p>
+            <a:r>
+              <a:rPr lang="de-DE" dirty="0" err="1">
+                <a:solidFill>
+                  <a:schemeClr val="tx1"/>
+                </a:solidFill>
+                <a:latin typeface="Consolas" panose="020B0609020204030204" pitchFamily="49" charset="0"/>
+              </a:rPr>
+              <a:t>export</a:t>
+            </a:r>
+            <a:r>
+              <a:rPr lang="de-DE" dirty="0">
+                <a:solidFill>
+                  <a:schemeClr val="tx1"/>
                 </a:solidFill>
                 <a:latin typeface="Consolas" panose="020B0609020204030204" pitchFamily="49" charset="0"/>
               </a:rPr>
               <a:t> </a:t>
             </a:r>
             <a:r>
-              <a:rPr lang="de-DE" dirty="0">
-                <a:solidFill>
-                  <a:srgbClr val="CE9178"/>
+              <a:rPr lang="de-DE" dirty="0" err="1">
+                <a:solidFill>
+                  <a:schemeClr val="tx1"/>
                 </a:solidFill>
                 <a:latin typeface="Consolas" panose="020B0609020204030204" pitchFamily="49" charset="0"/>
               </a:rPr>
-              <a:t>'</a:t>
-            </a:r>
-            <a:r>
-              <a:rPr lang="de-DE" dirty="0" err="1">
-                <a:solidFill>
-                  <a:srgbClr val="CE9178"/>
-                </a:solidFill>
-                <a:latin typeface="Consolas" panose="020B0609020204030204" pitchFamily="49" charset="0"/>
-              </a:rPr>
-              <a:t>root</a:t>
+              <a:t>class</a:t>
             </a:r>
             <a:r>
               <a:rPr lang="de-DE" dirty="0">
                 <a:solidFill>
-                  <a:srgbClr val="CE9178"/>
-                </a:solidFill>
-                <a:latin typeface="Consolas" panose="020B0609020204030204" pitchFamily="49" charset="0"/>
-              </a:rPr>
-              <a:t>'</a:t>
-            </a:r>
-            <a:r>
-              <a:rPr lang="de-DE" dirty="0">
-                <a:solidFill>
-                  <a:srgbClr val="D4D4D4"/>
-                </a:solidFill>
-                <a:latin typeface="Consolas" panose="020B0609020204030204" pitchFamily="49" charset="0"/>
-              </a:rPr>
-              <a:t>,</a:t>
-            </a:r>
-          </a:p>
-          <a:p>
-            <a:r>
-              <a:rPr lang="de-DE" dirty="0">
-                <a:solidFill>
-                  <a:srgbClr val="D4D4D4"/>
-                </a:solidFill>
-                <a:latin typeface="Consolas" panose="020B0609020204030204" pitchFamily="49" charset="0"/>
-              </a:rPr>
-              <a:t>})</a:t>
-            </a:r>
-          </a:p>
-          <a:p>
-            <a:r>
-              <a:rPr lang="de-DE" dirty="0" err="1">
-                <a:solidFill>
-                  <a:srgbClr val="C586C0"/>
-                </a:solidFill>
-                <a:latin typeface="Consolas" panose="020B0609020204030204" pitchFamily="49" charset="0"/>
-              </a:rPr>
-              <a:t>export</a:t>
-            </a:r>
-            <a:r>
-              <a:rPr lang="de-DE" dirty="0">
-                <a:solidFill>
-                  <a:srgbClr val="D4D4D4"/>
+                  <a:schemeClr val="tx1"/>
                 </a:solidFill>
                 <a:latin typeface="Consolas" panose="020B0609020204030204" pitchFamily="49" charset="0"/>
               </a:rPr>
@@ -19888,201 +19879,147 @@
             <a:r>
               <a:rPr lang="de-DE" dirty="0" err="1">
                 <a:solidFill>
-                  <a:srgbClr val="569CD6"/>
+                  <a:schemeClr val="tx1"/>
                 </a:solidFill>
                 <a:latin typeface="Consolas" panose="020B0609020204030204" pitchFamily="49" charset="0"/>
               </a:rPr>
-              <a:t>class</a:t>
+              <a:t>WeatherStationService</a:t>
             </a:r>
             <a:r>
               <a:rPr lang="de-DE" dirty="0">
                 <a:solidFill>
-                  <a:srgbClr val="D4D4D4"/>
+                  <a:schemeClr val="tx1"/>
+                </a:solidFill>
+                <a:latin typeface="Consolas" panose="020B0609020204030204" pitchFamily="49" charset="0"/>
+              </a:rPr>
+              <a:t> {</a:t>
+            </a:r>
+          </a:p>
+          <a:p>
+            <a:r>
+              <a:rPr lang="de-DE" dirty="0">
+                <a:solidFill>
+                  <a:schemeClr val="tx1"/>
+                </a:solidFill>
+                <a:latin typeface="Consolas" panose="020B0609020204030204" pitchFamily="49" charset="0"/>
+              </a:rPr>
+              <a:t>  </a:t>
+            </a:r>
+            <a:r>
+              <a:rPr lang="de-DE" dirty="0" err="1">
+                <a:solidFill>
+                  <a:schemeClr val="tx1"/>
+                </a:solidFill>
+                <a:latin typeface="Consolas" panose="020B0609020204030204" pitchFamily="49" charset="0"/>
+              </a:rPr>
+              <a:t>constructor</a:t>
+            </a:r>
+            <a:r>
+              <a:rPr lang="de-DE" dirty="0">
+                <a:solidFill>
+                  <a:schemeClr val="tx1"/>
+                </a:solidFill>
+                <a:latin typeface="Consolas" panose="020B0609020204030204" pitchFamily="49" charset="0"/>
+              </a:rPr>
+              <a:t>(private http: </a:t>
+            </a:r>
+            <a:r>
+              <a:rPr lang="de-DE" dirty="0" err="1">
+                <a:solidFill>
+                  <a:schemeClr val="tx1"/>
+                </a:solidFill>
+                <a:latin typeface="Consolas" panose="020B0609020204030204" pitchFamily="49" charset="0"/>
+              </a:rPr>
+              <a:t>HttpClient</a:t>
+            </a:r>
+            <a:r>
+              <a:rPr lang="de-DE" dirty="0">
+                <a:solidFill>
+                  <a:schemeClr val="tx1"/>
+                </a:solidFill>
+                <a:latin typeface="Consolas" panose="020B0609020204030204" pitchFamily="49" charset="0"/>
+              </a:rPr>
+              <a:t>) {}</a:t>
+            </a:r>
+          </a:p>
+          <a:p>
+            <a:r>
+              <a:rPr lang="de-DE" dirty="0">
+                <a:solidFill>
+                  <a:schemeClr val="tx1"/>
+                </a:solidFill>
+                <a:latin typeface="Consolas" panose="020B0609020204030204" pitchFamily="49" charset="0"/>
+              </a:rPr>
+              <a:t>  </a:t>
+            </a:r>
+            <a:r>
+              <a:rPr lang="de-DE" dirty="0" err="1">
+                <a:solidFill>
+                  <a:schemeClr val="tx1"/>
+                </a:solidFill>
+                <a:latin typeface="Consolas" panose="020B0609020204030204" pitchFamily="49" charset="0"/>
+              </a:rPr>
+              <a:t>getStations</a:t>
+            </a:r>
+            <a:r>
+              <a:rPr lang="de-DE" dirty="0">
+                <a:solidFill>
+                  <a:schemeClr val="tx1"/>
+                </a:solidFill>
+                <a:latin typeface="Consolas" panose="020B0609020204030204" pitchFamily="49" charset="0"/>
+              </a:rPr>
+              <a:t>() {</a:t>
+            </a:r>
+          </a:p>
+          <a:p>
+            <a:r>
+              <a:rPr lang="de-DE" dirty="0">
+                <a:solidFill>
+                  <a:schemeClr val="tx1"/>
+                </a:solidFill>
+                <a:latin typeface="Consolas" panose="020B0609020204030204" pitchFamily="49" charset="0"/>
+              </a:rPr>
+              <a:t>    </a:t>
+            </a:r>
+            <a:r>
+              <a:rPr lang="de-DE" dirty="0" err="1">
+                <a:solidFill>
+                  <a:schemeClr val="tx1"/>
+                </a:solidFill>
+                <a:latin typeface="Consolas" panose="020B0609020204030204" pitchFamily="49" charset="0"/>
+              </a:rPr>
+              <a:t>return</a:t>
+            </a:r>
+            <a:r>
+              <a:rPr lang="de-DE" dirty="0">
+                <a:solidFill>
+                  <a:schemeClr val="tx1"/>
                 </a:solidFill>
                 <a:latin typeface="Consolas" panose="020B0609020204030204" pitchFamily="49" charset="0"/>
               </a:rPr>
               <a:t> </a:t>
             </a:r>
-            <a:r>
-              <a:rPr lang="de-DE" dirty="0" err="1">
-                <a:solidFill>
-                  <a:srgbClr val="4EC9B0"/>
-                </a:solidFill>
-                <a:latin typeface="Consolas" panose="020B0609020204030204" pitchFamily="49" charset="0"/>
-              </a:rPr>
-              <a:t>WeatherStationService</a:t>
-            </a:r>
+            <a:endParaRPr lang="de-DE" dirty="0" smtClean="0">
+              <a:solidFill>
+                <a:schemeClr val="tx1"/>
+              </a:solidFill>
+              <a:latin typeface="Consolas" panose="020B0609020204030204" pitchFamily="49" charset="0"/>
+            </a:endParaRPr>
+          </a:p>
+          <a:p>
             <a:r>
               <a:rPr lang="de-DE" dirty="0">
                 <a:solidFill>
-                  <a:srgbClr val="D4D4D4"/>
-                </a:solidFill>
-                <a:latin typeface="Consolas" panose="020B0609020204030204" pitchFamily="49" charset="0"/>
-              </a:rPr>
-              <a:t> {</a:t>
-            </a:r>
-          </a:p>
-          <a:p>
-            <a:r>
-              <a:rPr lang="de-DE" dirty="0">
-                <a:solidFill>
-                  <a:srgbClr val="D4D4D4"/>
-                </a:solidFill>
-                <a:latin typeface="Consolas" panose="020B0609020204030204" pitchFamily="49" charset="0"/>
-              </a:rPr>
-              <a:t>  </a:t>
-            </a:r>
-            <a:r>
-              <a:rPr lang="de-DE" dirty="0" err="1">
-                <a:solidFill>
-                  <a:srgbClr val="569CD6"/>
-                </a:solidFill>
-                <a:latin typeface="Consolas" panose="020B0609020204030204" pitchFamily="49" charset="0"/>
-              </a:rPr>
-              <a:t>constructor</a:t>
-            </a:r>
-            <a:r>
-              <a:rPr lang="de-DE" dirty="0">
-                <a:solidFill>
-                  <a:srgbClr val="D4D4D4"/>
-                </a:solidFill>
-                <a:latin typeface="Consolas" panose="020B0609020204030204" pitchFamily="49" charset="0"/>
-              </a:rPr>
-              <a:t>(</a:t>
-            </a:r>
-            <a:r>
-              <a:rPr lang="de-DE" dirty="0">
-                <a:solidFill>
-                  <a:srgbClr val="569CD6"/>
-                </a:solidFill>
-                <a:latin typeface="Consolas" panose="020B0609020204030204" pitchFamily="49" charset="0"/>
-              </a:rPr>
-              <a:t>private</a:t>
-            </a:r>
-            <a:r>
-              <a:rPr lang="de-DE" dirty="0">
-                <a:solidFill>
-                  <a:srgbClr val="D4D4D4"/>
+                  <a:schemeClr val="tx1"/>
                 </a:solidFill>
                 <a:latin typeface="Consolas" panose="020B0609020204030204" pitchFamily="49" charset="0"/>
               </a:rPr>
               <a:t> </a:t>
             </a:r>
             <a:r>
-              <a:rPr lang="de-DE" dirty="0">
-                <a:solidFill>
-                  <a:srgbClr val="9CDCFE"/>
-                </a:solidFill>
-                <a:latin typeface="Consolas" panose="020B0609020204030204" pitchFamily="49" charset="0"/>
-              </a:rPr>
-              <a:t>http</a:t>
-            </a:r>
-            <a:r>
-              <a:rPr lang="de-DE" dirty="0">
-                <a:solidFill>
-                  <a:srgbClr val="D4D4D4"/>
-                </a:solidFill>
-                <a:latin typeface="Consolas" panose="020B0609020204030204" pitchFamily="49" charset="0"/>
-              </a:rPr>
-              <a:t>: </a:t>
-            </a:r>
-            <a:r>
-              <a:rPr lang="de-DE" dirty="0" err="1">
-                <a:solidFill>
-                  <a:srgbClr val="4EC9B0"/>
-                </a:solidFill>
-                <a:latin typeface="Consolas" panose="020B0609020204030204" pitchFamily="49" charset="0"/>
-              </a:rPr>
-              <a:t>HttpClient</a:t>
-            </a:r>
-            <a:r>
-              <a:rPr lang="de-DE" dirty="0">
-                <a:solidFill>
-                  <a:srgbClr val="D4D4D4"/>
-                </a:solidFill>
-                <a:latin typeface="Consolas" panose="020B0609020204030204" pitchFamily="49" charset="0"/>
-              </a:rPr>
-              <a:t>) {}</a:t>
-            </a:r>
-          </a:p>
-          <a:p>
-            <a:r>
-              <a:rPr lang="de-DE" dirty="0">
-                <a:solidFill>
-                  <a:srgbClr val="D4D4D4"/>
-                </a:solidFill>
-                <a:latin typeface="Consolas" panose="020B0609020204030204" pitchFamily="49" charset="0"/>
-              </a:rPr>
-              <a:t>  </a:t>
-            </a:r>
-            <a:r>
-              <a:rPr lang="de-DE" dirty="0" err="1">
-                <a:solidFill>
-                  <a:srgbClr val="DCDCAA"/>
-                </a:solidFill>
-                <a:latin typeface="Consolas" panose="020B0609020204030204" pitchFamily="49" charset="0"/>
-              </a:rPr>
-              <a:t>getStations</a:t>
-            </a:r>
-            <a:r>
-              <a:rPr lang="de-DE" dirty="0">
-                <a:solidFill>
-                  <a:srgbClr val="D4D4D4"/>
-                </a:solidFill>
-                <a:latin typeface="Consolas" panose="020B0609020204030204" pitchFamily="49" charset="0"/>
-              </a:rPr>
-              <a:t>() {</a:t>
-            </a:r>
-          </a:p>
-          <a:p>
-            <a:r>
-              <a:rPr lang="de-DE" dirty="0">
-                <a:solidFill>
-                  <a:srgbClr val="D4D4D4"/>
-                </a:solidFill>
-                <a:latin typeface="Consolas" panose="020B0609020204030204" pitchFamily="49" charset="0"/>
-              </a:rPr>
-              <a:t>    </a:t>
-            </a:r>
-            <a:r>
-              <a:rPr lang="de-DE" dirty="0" err="1">
-                <a:solidFill>
-                  <a:srgbClr val="C586C0"/>
-                </a:solidFill>
-                <a:latin typeface="Consolas" panose="020B0609020204030204" pitchFamily="49" charset="0"/>
-              </a:rPr>
-              <a:t>return</a:t>
-            </a:r>
-            <a:r>
-              <a:rPr lang="de-DE" dirty="0">
-                <a:solidFill>
-                  <a:srgbClr val="D4D4D4"/>
-                </a:solidFill>
-                <a:latin typeface="Consolas" panose="020B0609020204030204" pitchFamily="49" charset="0"/>
-              </a:rPr>
-              <a:t> </a:t>
-            </a:r>
-            <a:endParaRPr lang="de-DE" dirty="0" smtClean="0">
-              <a:solidFill>
-                <a:srgbClr val="D4D4D4"/>
-              </a:solidFill>
-              <a:latin typeface="Consolas" panose="020B0609020204030204" pitchFamily="49" charset="0"/>
-            </a:endParaRPr>
-          </a:p>
-          <a:p>
-            <a:r>
-              <a:rPr lang="de-DE" dirty="0">
-                <a:solidFill>
-                  <a:srgbClr val="D4D4D4"/>
-                </a:solidFill>
-                <a:latin typeface="Consolas" panose="020B0609020204030204" pitchFamily="49" charset="0"/>
-              </a:rPr>
-              <a:t> </a:t>
-            </a:r>
-            <a:r>
               <a:rPr lang="de-DE" dirty="0" smtClean="0">
                 <a:solidFill>
-                  <a:srgbClr val="D4D4D4"/>
+                  <a:schemeClr val="tx1"/>
                 </a:solidFill>
                 <a:latin typeface="Consolas" panose="020B0609020204030204" pitchFamily="49" charset="0"/>
               </a:rPr>
@@ -20091,70 +20028,25 @@
             <a:r>
               <a:rPr lang="de-DE" dirty="0" err="1" smtClean="0">
                 <a:solidFill>
-                  <a:srgbClr val="569CD6"/>
+                  <a:schemeClr val="tx1"/>
                 </a:solidFill>
                 <a:latin typeface="Consolas" panose="020B0609020204030204" pitchFamily="49" charset="0"/>
               </a:rPr>
-              <a:t>this</a:t>
-            </a:r>
-            <a:r>
-              <a:rPr lang="de-DE" dirty="0" err="1" smtClean="0">
-                <a:solidFill>
-                  <a:srgbClr val="D4D4D4"/>
+              <a:t>this.http.get</a:t>
+            </a:r>
+            <a:r>
+              <a:rPr lang="de-DE" dirty="0" smtClean="0">
+                <a:solidFill>
+                  <a:schemeClr val="tx1"/>
                 </a:solidFill>
                 <a:latin typeface="Consolas" panose="020B0609020204030204" pitchFamily="49" charset="0"/>
               </a:rPr>
-              <a:t>.</a:t>
-            </a:r>
-            <a:r>
-              <a:rPr lang="de-DE" dirty="0" err="1" smtClean="0">
-                <a:solidFill>
-                  <a:srgbClr val="9CDCFE"/>
-                </a:solidFill>
-                <a:latin typeface="Consolas" panose="020B0609020204030204" pitchFamily="49" charset="0"/>
-              </a:rPr>
-              <a:t>http</a:t>
-            </a:r>
-            <a:r>
-              <a:rPr lang="de-DE" dirty="0" err="1" smtClean="0">
-                <a:solidFill>
-                  <a:srgbClr val="D4D4D4"/>
-                </a:solidFill>
-                <a:latin typeface="Consolas" panose="020B0609020204030204" pitchFamily="49" charset="0"/>
-              </a:rPr>
-              <a:t>.</a:t>
-            </a:r>
-            <a:r>
-              <a:rPr lang="de-DE" dirty="0" err="1" smtClean="0">
-                <a:solidFill>
-                  <a:srgbClr val="DCDCAA"/>
-                </a:solidFill>
-                <a:latin typeface="Consolas" panose="020B0609020204030204" pitchFamily="49" charset="0"/>
-              </a:rPr>
-              <a:t>get</a:t>
-            </a:r>
-            <a:r>
-              <a:rPr lang="de-DE" dirty="0" smtClean="0">
-                <a:solidFill>
-                  <a:srgbClr val="D4D4D4"/>
-                </a:solidFill>
-                <a:latin typeface="Consolas" panose="020B0609020204030204" pitchFamily="49" charset="0"/>
-              </a:rPr>
-              <a:t>(</a:t>
-            </a:r>
-            <a:r>
-              <a:rPr lang="de-DE" dirty="0" smtClean="0">
-                <a:solidFill>
-                  <a:srgbClr val="CE9178"/>
-                </a:solidFill>
-                <a:latin typeface="Consolas" panose="020B0609020204030204" pitchFamily="49" charset="0"/>
-              </a:rPr>
-              <a:t>'/</a:t>
+              <a:t>('/</a:t>
             </a:r>
             <a:r>
               <a:rPr lang="de-DE" dirty="0" err="1">
                 <a:solidFill>
-                  <a:srgbClr val="CE9178"/>
+                  <a:schemeClr val="tx1"/>
                 </a:solidFill>
                 <a:latin typeface="Consolas" panose="020B0609020204030204" pitchFamily="49" charset="0"/>
               </a:rPr>
@@ -20163,7 +20055,7 @@
             <a:r>
               <a:rPr lang="de-DE" dirty="0">
                 <a:solidFill>
-                  <a:srgbClr val="CE9178"/>
+                  <a:schemeClr val="tx1"/>
                 </a:solidFill>
                 <a:latin typeface="Consolas" panose="020B0609020204030204" pitchFamily="49" charset="0"/>
               </a:rPr>
@@ -20172,7 +20064,7 @@
             <a:r>
               <a:rPr lang="de-DE" dirty="0" err="1">
                 <a:solidFill>
-                  <a:srgbClr val="CE9178"/>
+                  <a:schemeClr val="tx1"/>
                 </a:solidFill>
                 <a:latin typeface="Consolas" panose="020B0609020204030204" pitchFamily="49" charset="0"/>
               </a:rPr>
@@ -20181,27 +20073,18 @@
             <a:r>
               <a:rPr lang="de-DE" dirty="0">
                 <a:solidFill>
-                  <a:srgbClr val="CE9178"/>
+                  <a:schemeClr val="tx1"/>
                 </a:solidFill>
                 <a:latin typeface="Consolas" panose="020B0609020204030204" pitchFamily="49" charset="0"/>
               </a:rPr>
-              <a:t>'</a:t>
-            </a:r>
+              <a:t>');</a:t>
+            </a:r>
+          </a:p>
+          <a:p>
             <a:r>
               <a:rPr lang="de-DE" dirty="0">
                 <a:solidFill>
-                  <a:srgbClr val="D4D4D4"/>
-                </a:solidFill>
-                <a:latin typeface="Consolas" panose="020B0609020204030204" pitchFamily="49" charset="0"/>
-              </a:rPr>
-              <a:t>);</a:t>
-            </a:r>
-          </a:p>
-          <a:p>
-            <a:r>
-              <a:rPr lang="de-DE" dirty="0">
-                <a:solidFill>
-                  <a:srgbClr val="D4D4D4"/>
+                  <a:schemeClr val="tx1"/>
                 </a:solidFill>
                 <a:latin typeface="Consolas" panose="020B0609020204030204" pitchFamily="49" charset="0"/>
               </a:rPr>
@@ -20212,13 +20095,17 @@
             <a:r>
               <a:rPr lang="de-DE" dirty="0">
                 <a:solidFill>
-                  <a:srgbClr val="D4D4D4"/>
+                  <a:schemeClr val="tx1"/>
                 </a:solidFill>
                 <a:latin typeface="Consolas" panose="020B0609020204030204" pitchFamily="49" charset="0"/>
               </a:rPr>
               <a:t>}</a:t>
             </a:r>
-            <a:endParaRPr lang="de-DE" dirty="0"/>
+            <a:endParaRPr lang="de-DE" dirty="0">
+              <a:solidFill>
+                <a:schemeClr val="tx1"/>
+              </a:solidFill>
+            </a:endParaRPr>
           </a:p>
         </p:txBody>
       </p:sp>
@@ -20252,7 +20139,7 @@
             <a:r>
               <a:rPr lang="de-DE" dirty="0" err="1">
                 <a:solidFill>
-                  <a:srgbClr val="C586C0"/>
+                  <a:schemeClr val="tx1"/>
                 </a:solidFill>
                 <a:latin typeface="Consolas" panose="020B0609020204030204" pitchFamily="49" charset="0"/>
               </a:rPr>
@@ -20261,7 +20148,7 @@
             <a:r>
               <a:rPr lang="de-DE" dirty="0">
                 <a:solidFill>
-                  <a:srgbClr val="D4D4D4"/>
+                  <a:schemeClr val="tx1"/>
                 </a:solidFill>
                 <a:latin typeface="Consolas" panose="020B0609020204030204" pitchFamily="49" charset="0"/>
               </a:rPr>
@@ -20270,7 +20157,7 @@
             <a:r>
               <a:rPr lang="de-DE" dirty="0" err="1">
                 <a:solidFill>
-                  <a:srgbClr val="569CD6"/>
+                  <a:schemeClr val="tx1"/>
                 </a:solidFill>
                 <a:latin typeface="Consolas" panose="020B0609020204030204" pitchFamily="49" charset="0"/>
               </a:rPr>
@@ -20279,7 +20166,7 @@
             <a:r>
               <a:rPr lang="de-DE" dirty="0">
                 <a:solidFill>
-                  <a:srgbClr val="D4D4D4"/>
+                  <a:schemeClr val="tx1"/>
                 </a:solidFill>
                 <a:latin typeface="Consolas" panose="020B0609020204030204" pitchFamily="49" charset="0"/>
               </a:rPr>
@@ -20288,7 +20175,7 @@
             <a:r>
               <a:rPr lang="de-DE" dirty="0" err="1">
                 <a:solidFill>
-                  <a:srgbClr val="4EC9B0"/>
+                  <a:schemeClr val="tx1"/>
                 </a:solidFill>
                 <a:latin typeface="Consolas" panose="020B0609020204030204" pitchFamily="49" charset="0"/>
               </a:rPr>
@@ -20297,7 +20184,7 @@
             <a:r>
               <a:rPr lang="de-DE" dirty="0">
                 <a:solidFill>
-                  <a:srgbClr val="D4D4D4"/>
+                  <a:schemeClr val="tx1"/>
                 </a:solidFill>
                 <a:latin typeface="Consolas" panose="020B0609020204030204" pitchFamily="49" charset="0"/>
               </a:rPr>
@@ -20308,7 +20195,7 @@
             <a:r>
               <a:rPr lang="de-DE" dirty="0">
                 <a:solidFill>
-                  <a:srgbClr val="D4D4D4"/>
+                  <a:schemeClr val="tx1"/>
                 </a:solidFill>
                 <a:latin typeface="Consolas" panose="020B0609020204030204" pitchFamily="49" charset="0"/>
               </a:rPr>
@@ -20317,7 +20204,7 @@
             <a:br>
               <a:rPr lang="de-DE" dirty="0">
                 <a:solidFill>
-                  <a:srgbClr val="D4D4D4"/>
+                  <a:schemeClr val="tx1"/>
                 </a:solidFill>
                 <a:latin typeface="Consolas" panose="020B0609020204030204" pitchFamily="49" charset="0"/>
               </a:rPr>
@@ -20325,7 +20212,7 @@
             <a:r>
               <a:rPr lang="de-DE" dirty="0">
                 <a:solidFill>
-                  <a:srgbClr val="D4D4D4"/>
+                  <a:schemeClr val="tx1"/>
                 </a:solidFill>
                 <a:latin typeface="Consolas" panose="020B0609020204030204" pitchFamily="49" charset="0"/>
               </a:rPr>
@@ -20334,7 +20221,7 @@
             <a:r>
               <a:rPr lang="de-DE" dirty="0" err="1">
                 <a:solidFill>
-                  <a:srgbClr val="569CD6"/>
+                  <a:schemeClr val="tx1"/>
                 </a:solidFill>
                 <a:latin typeface="Consolas" panose="020B0609020204030204" pitchFamily="49" charset="0"/>
               </a:rPr>
@@ -20343,34 +20230,16 @@
             <a:r>
               <a:rPr lang="de-DE" dirty="0">
                 <a:solidFill>
-                  <a:srgbClr val="D4D4D4"/>
+                  <a:schemeClr val="tx1"/>
                 </a:solidFill>
                 <a:latin typeface="Consolas" panose="020B0609020204030204" pitchFamily="49" charset="0"/>
               </a:rPr>
-              <a:t>(</a:t>
-            </a:r>
-            <a:r>
-              <a:rPr lang="de-DE" dirty="0">
-                <a:solidFill>
-                  <a:srgbClr val="569CD6"/>
-                </a:solidFill>
-                <a:latin typeface="Consolas" panose="020B0609020204030204" pitchFamily="49" charset="0"/>
-              </a:rPr>
-              <a:t>private</a:t>
-            </a:r>
-            <a:r>
-              <a:rPr lang="de-DE" dirty="0">
-                <a:solidFill>
-                  <a:srgbClr val="D4D4D4"/>
-                </a:solidFill>
-                <a:latin typeface="Consolas" panose="020B0609020204030204" pitchFamily="49" charset="0"/>
-              </a:rPr>
-              <a:t> </a:t>
+              <a:t>(private </a:t>
             </a:r>
             <a:r>
               <a:rPr lang="de-DE" dirty="0" err="1">
                 <a:solidFill>
-                  <a:srgbClr val="9CDCFE"/>
+                  <a:schemeClr val="tx1"/>
                 </a:solidFill>
                 <a:latin typeface="Consolas" panose="020B0609020204030204" pitchFamily="49" charset="0"/>
               </a:rPr>
@@ -20379,7 +20248,7 @@
             <a:r>
               <a:rPr lang="de-DE" dirty="0">
                 <a:solidFill>
-                  <a:srgbClr val="D4D4D4"/>
+                  <a:schemeClr val="tx1"/>
                 </a:solidFill>
                 <a:latin typeface="Consolas" panose="020B0609020204030204" pitchFamily="49" charset="0"/>
               </a:rPr>
@@ -20388,7 +20257,7 @@
             <a:r>
               <a:rPr lang="de-DE" dirty="0" err="1">
                 <a:solidFill>
-                  <a:srgbClr val="4EC9B0"/>
+                  <a:schemeClr val="tx1"/>
                 </a:solidFill>
                 <a:latin typeface="Consolas" panose="020B0609020204030204" pitchFamily="49" charset="0"/>
               </a:rPr>
@@ -20397,7 +20266,7 @@
             <a:r>
               <a:rPr lang="de-DE" dirty="0">
                 <a:solidFill>
-                  <a:srgbClr val="D4D4D4"/>
+                  <a:schemeClr val="tx1"/>
                 </a:solidFill>
                 <a:latin typeface="Consolas" panose="020B0609020204030204" pitchFamily="49" charset="0"/>
               </a:rPr>
@@ -20408,7 +20277,7 @@
             <a:r>
               <a:rPr lang="de-DE" dirty="0">
                 <a:solidFill>
-                  <a:srgbClr val="D4D4D4"/>
+                  <a:schemeClr val="tx1"/>
                 </a:solidFill>
                 <a:latin typeface="Consolas" panose="020B0609020204030204" pitchFamily="49" charset="0"/>
               </a:rPr>
@@ -20417,7 +20286,7 @@
             <a:r>
               <a:rPr lang="en-US" dirty="0" err="1">
                 <a:solidFill>
-                  <a:srgbClr val="DCDCAA"/>
+                  <a:schemeClr val="tx1"/>
                 </a:solidFill>
                 <a:latin typeface="Consolas" panose="020B0609020204030204" pitchFamily="49" charset="0"/>
               </a:rPr>
@@ -20426,7 +20295,7 @@
             <a:r>
               <a:rPr lang="en-US" dirty="0">
                 <a:solidFill>
-                  <a:srgbClr val="D4D4D4"/>
+                  <a:schemeClr val="tx1"/>
                 </a:solidFill>
                 <a:latin typeface="Consolas" panose="020B0609020204030204" pitchFamily="49" charset="0"/>
               </a:rPr>
@@ -20437,7 +20306,7 @@
             <a:r>
               <a:rPr lang="en-US" dirty="0">
                 <a:solidFill>
-                  <a:srgbClr val="D4D4D4"/>
+                  <a:schemeClr val="tx1"/>
                 </a:solidFill>
                 <a:latin typeface="Consolas" panose="020B0609020204030204" pitchFamily="49" charset="0"/>
               </a:rPr>
@@ -20446,79 +20315,25 @@
             <a:r>
               <a:rPr lang="en-US" dirty="0" err="1">
                 <a:solidFill>
-                  <a:srgbClr val="569CD6"/>
+                  <a:schemeClr val="tx1"/>
                 </a:solidFill>
                 <a:latin typeface="Consolas" panose="020B0609020204030204" pitchFamily="49" charset="0"/>
               </a:rPr>
-              <a:t>this</a:t>
-            </a:r>
-            <a:r>
-              <a:rPr lang="en-US" dirty="0" err="1">
-                <a:solidFill>
-                  <a:srgbClr val="D4D4D4"/>
+              <a:t>this.stations.getStations</a:t>
+            </a:r>
+            <a:r>
+              <a:rPr lang="en-US" dirty="0">
+                <a:solidFill>
+                  <a:schemeClr val="tx1"/>
                 </a:solidFill>
                 <a:latin typeface="Consolas" panose="020B0609020204030204" pitchFamily="49" charset="0"/>
               </a:rPr>
-              <a:t>.</a:t>
-            </a:r>
-            <a:r>
-              <a:rPr lang="en-US" dirty="0" err="1">
-                <a:solidFill>
-                  <a:srgbClr val="9CDCFE"/>
-                </a:solidFill>
-                <a:latin typeface="Consolas" panose="020B0609020204030204" pitchFamily="49" charset="0"/>
-              </a:rPr>
-              <a:t>stations</a:t>
-            </a:r>
-            <a:r>
-              <a:rPr lang="en-US" dirty="0" err="1">
-                <a:solidFill>
-                  <a:srgbClr val="D4D4D4"/>
-                </a:solidFill>
-                <a:latin typeface="Consolas" panose="020B0609020204030204" pitchFamily="49" charset="0"/>
-              </a:rPr>
-              <a:t>.</a:t>
-            </a:r>
-            <a:r>
-              <a:rPr lang="en-US" dirty="0" err="1">
-                <a:solidFill>
-                  <a:srgbClr val="DCDCAA"/>
-                </a:solidFill>
-                <a:latin typeface="Consolas" panose="020B0609020204030204" pitchFamily="49" charset="0"/>
-              </a:rPr>
-              <a:t>getStations</a:t>
+              <a:t>().subscribe(); </a:t>
             </a:r>
             <a:r>
               <a:rPr lang="en-US" dirty="0">
                 <a:solidFill>
-                  <a:srgbClr val="D4D4D4"/>
-                </a:solidFill>
-                <a:latin typeface="Consolas" panose="020B0609020204030204" pitchFamily="49" charset="0"/>
-              </a:rPr>
-              <a:t>().</a:t>
-            </a:r>
-            <a:r>
-              <a:rPr lang="en-US" dirty="0">
-                <a:solidFill>
-                  <a:srgbClr val="DCDCAA"/>
-                </a:solidFill>
-                <a:latin typeface="Consolas" panose="020B0609020204030204" pitchFamily="49" charset="0"/>
-              </a:rPr>
-              <a:t>subscribe</a:t>
-            </a:r>
-            <a:r>
-              <a:rPr lang="en-US" dirty="0">
-                <a:solidFill>
-                  <a:srgbClr val="D4D4D4"/>
-                </a:solidFill>
-                <a:latin typeface="Consolas" panose="020B0609020204030204" pitchFamily="49" charset="0"/>
-              </a:rPr>
-              <a:t>(); </a:t>
-            </a:r>
-            <a:r>
-              <a:rPr lang="en-US" dirty="0">
-                <a:solidFill>
-                  <a:srgbClr val="D4D4D4"/>
+                  <a:schemeClr val="tx1"/>
                 </a:solidFill>
                 <a:latin typeface="Consolas" panose="020B0609020204030204" pitchFamily="49" charset="0"/>
                 <a:sym typeface="Wingdings" panose="05000000000000000000" pitchFamily="2" charset="2"/>
@@ -20527,7 +20342,7 @@
             </a:r>
             <a:endParaRPr lang="en-US" dirty="0">
               <a:solidFill>
-                <a:srgbClr val="D4D4D4"/>
+                <a:schemeClr val="tx1"/>
               </a:solidFill>
               <a:latin typeface="Consolas" panose="020B0609020204030204" pitchFamily="49" charset="0"/>
             </a:endParaRPr>
@@ -20536,7 +20351,7 @@
             <a:r>
               <a:rPr lang="en-US" dirty="0">
                 <a:solidFill>
-                  <a:srgbClr val="D4D4D4"/>
+                  <a:schemeClr val="tx1"/>
                 </a:solidFill>
                 <a:latin typeface="Consolas" panose="020B0609020204030204" pitchFamily="49" charset="0"/>
               </a:rPr>
@@ -20544,7 +20359,7 @@
             </a:r>
             <a:endParaRPr lang="de-DE" dirty="0">
               <a:solidFill>
-                <a:srgbClr val="D4D4D4"/>
+                <a:schemeClr val="tx1"/>
               </a:solidFill>
               <a:latin typeface="Consolas" panose="020B0609020204030204" pitchFamily="49" charset="0"/>
             </a:endParaRPr>
@@ -20553,16 +20368,24 @@
             <a:r>
               <a:rPr lang="de-DE" sz="1600" dirty="0">
                 <a:solidFill>
-                  <a:srgbClr val="D4D4D4"/>
+                  <a:schemeClr val="tx1"/>
                 </a:solidFill>
                 <a:latin typeface="Consolas" panose="020B0609020204030204" pitchFamily="49" charset="0"/>
               </a:rPr>
               <a:t>}</a:t>
             </a:r>
-            <a:endParaRPr lang="en-US" sz="1600" dirty="0"/>
-          </a:p>
-          <a:p>
-            <a:endParaRPr lang="de-DE" dirty="0"/>
+            <a:endParaRPr lang="en-US" sz="1600" dirty="0">
+              <a:solidFill>
+                <a:schemeClr val="tx1"/>
+              </a:solidFill>
+            </a:endParaRPr>
+          </a:p>
+          <a:p>
+            <a:endParaRPr lang="de-DE" dirty="0">
+              <a:solidFill>
+                <a:schemeClr val="tx1"/>
+              </a:solidFill>
+            </a:endParaRPr>
           </a:p>
         </p:txBody>
       </p:sp>
@@ -21545,7 +21368,7 @@
             <a:r>
               <a:rPr lang="en-US" dirty="0" err="1" smtClean="0">
                 <a:solidFill>
-                  <a:srgbClr val="DCDCAA"/>
+                  <a:schemeClr val="tx1"/>
                 </a:solidFill>
                 <a:latin typeface="Consolas" panose="020B0609020204030204" pitchFamily="49" charset="0"/>
               </a:rPr>
@@ -21554,54 +21377,18 @@
             <a:r>
               <a:rPr lang="en-US" dirty="0">
                 <a:solidFill>
-                  <a:srgbClr val="D4D4D4"/>
+                  <a:schemeClr val="tx1"/>
                 </a:solidFill>
                 <a:latin typeface="Consolas" panose="020B0609020204030204" pitchFamily="49" charset="0"/>
               </a:rPr>
-              <a:t>(): </a:t>
-            </a:r>
-            <a:r>
-              <a:rPr lang="en-US" dirty="0">
-                <a:solidFill>
-                  <a:srgbClr val="4EC9B0"/>
-                </a:solidFill>
-                <a:latin typeface="Consolas" panose="020B0609020204030204" pitchFamily="49" charset="0"/>
-              </a:rPr>
-              <a:t>Observable</a:t>
-            </a:r>
-            <a:r>
-              <a:rPr lang="en-US" dirty="0">
-                <a:solidFill>
-                  <a:srgbClr val="D4D4D4"/>
-                </a:solidFill>
-                <a:latin typeface="Consolas" panose="020B0609020204030204" pitchFamily="49" charset="0"/>
-              </a:rPr>
-              <a:t>&lt;</a:t>
-            </a:r>
-            <a:r>
-              <a:rPr lang="en-US" dirty="0">
-                <a:solidFill>
-                  <a:srgbClr val="4EC9B0"/>
-                </a:solidFill>
-                <a:latin typeface="Consolas" panose="020B0609020204030204" pitchFamily="49" charset="0"/>
-              </a:rPr>
-              <a:t>string</a:t>
-            </a:r>
-            <a:r>
-              <a:rPr lang="en-US" dirty="0">
-                <a:solidFill>
-                  <a:srgbClr val="D4D4D4"/>
-                </a:solidFill>
-                <a:latin typeface="Consolas" panose="020B0609020204030204" pitchFamily="49" charset="0"/>
-              </a:rPr>
-              <a:t>[]&gt; {</a:t>
+              <a:t>(): Observable&lt;string[]&gt; {</a:t>
             </a:r>
           </a:p>
           <a:p>
             <a:r>
               <a:rPr lang="en-US" dirty="0" smtClean="0">
                 <a:solidFill>
-                  <a:srgbClr val="D4D4D4"/>
+                  <a:schemeClr val="tx1"/>
                 </a:solidFill>
                 <a:latin typeface="Consolas" panose="020B0609020204030204" pitchFamily="49" charset="0"/>
               </a:rPr>
@@ -21610,7 +21397,7 @@
             <a:r>
               <a:rPr lang="en-US" dirty="0">
                 <a:solidFill>
-                  <a:srgbClr val="D4D4D4"/>
+                  <a:schemeClr val="tx1"/>
                 </a:solidFill>
                 <a:latin typeface="Consolas" panose="020B0609020204030204" pitchFamily="49" charset="0"/>
               </a:rPr>
@@ -21619,740 +21406,634 @@
             <a:r>
               <a:rPr lang="en-US" dirty="0" smtClean="0">
                 <a:solidFill>
-                  <a:srgbClr val="C586C0"/>
+                  <a:schemeClr val="tx1"/>
                 </a:solidFill>
                 <a:latin typeface="Consolas" panose="020B0609020204030204" pitchFamily="49" charset="0"/>
               </a:rPr>
-              <a:t>return</a:t>
-            </a:r>
+              <a:t>return </a:t>
+            </a:r>
+            <a:r>
+              <a:rPr lang="en-US" dirty="0" err="1">
+                <a:solidFill>
+                  <a:schemeClr val="tx1"/>
+                </a:solidFill>
+                <a:latin typeface="Consolas" panose="020B0609020204030204" pitchFamily="49" charset="0"/>
+              </a:rPr>
+              <a:t>this.http.get</a:t>
+            </a:r>
+            <a:r>
+              <a:rPr lang="en-US" dirty="0">
+                <a:solidFill>
+                  <a:schemeClr val="tx1"/>
+                </a:solidFill>
+                <a:latin typeface="Consolas" panose="020B0609020204030204" pitchFamily="49" charset="0"/>
+              </a:rPr>
+              <a:t> ('/</a:t>
+            </a:r>
+            <a:r>
+              <a:rPr lang="en-US" dirty="0" err="1">
+                <a:solidFill>
+                  <a:schemeClr val="tx1"/>
+                </a:solidFill>
+                <a:latin typeface="Consolas" panose="020B0609020204030204" pitchFamily="49" charset="0"/>
+              </a:rPr>
+              <a:t>api</a:t>
+            </a:r>
+            <a:r>
+              <a:rPr lang="en-US" dirty="0">
+                <a:solidFill>
+                  <a:schemeClr val="tx1"/>
+                </a:solidFill>
+                <a:latin typeface="Consolas" panose="020B0609020204030204" pitchFamily="49" charset="0"/>
+              </a:rPr>
+              <a:t>/station');</a:t>
+            </a:r>
+          </a:p>
+          <a:p>
             <a:r>
               <a:rPr lang="en-US" dirty="0" smtClean="0">
                 <a:solidFill>
-                  <a:srgbClr val="D4D4D4"/>
+                  <a:schemeClr val="tx1"/>
+                </a:solidFill>
+                <a:latin typeface="Consolas" panose="020B0609020204030204" pitchFamily="49" charset="0"/>
+              </a:rPr>
+              <a:t>}</a:t>
+            </a:r>
+            <a:endParaRPr lang="en-US" dirty="0">
+              <a:solidFill>
+                <a:schemeClr val="tx1"/>
+              </a:solidFill>
+              <a:latin typeface="Consolas" panose="020B0609020204030204" pitchFamily="49" charset="0"/>
+            </a:endParaRPr>
+          </a:p>
+          <a:p>
+            <a:endParaRPr lang="de-DE" dirty="0">
+              <a:solidFill>
+                <a:schemeClr val="tx1"/>
+              </a:solidFill>
+              <a:latin typeface="Consolas" panose="020B0609020204030204" pitchFamily="49" charset="0"/>
+            </a:endParaRPr>
+          </a:p>
+          <a:p>
+            <a:r>
+              <a:rPr lang="de-DE" dirty="0">
+                <a:solidFill>
+                  <a:schemeClr val="tx1"/>
+                </a:solidFill>
+                <a:latin typeface="Consolas" panose="020B0609020204030204" pitchFamily="49" charset="0"/>
+              </a:rPr>
+              <a:t>// </a:t>
+            </a:r>
+            <a:r>
+              <a:rPr lang="de-DE" dirty="0" err="1">
+                <a:solidFill>
+                  <a:schemeClr val="tx1"/>
+                </a:solidFill>
+                <a:latin typeface="Consolas" panose="020B0609020204030204" pitchFamily="49" charset="0"/>
+              </a:rPr>
+              <a:t>React</a:t>
+            </a:r>
+            <a:r>
+              <a:rPr lang="de-DE" dirty="0">
+                <a:solidFill>
+                  <a:schemeClr val="tx1"/>
                 </a:solidFill>
                 <a:latin typeface="Consolas" panose="020B0609020204030204" pitchFamily="49" charset="0"/>
               </a:rPr>
               <a:t> </a:t>
             </a:r>
             <a:r>
-              <a:rPr lang="en-US" dirty="0" err="1">
-                <a:solidFill>
-                  <a:srgbClr val="569CD6"/>
+              <a:rPr lang="de-DE" dirty="0" err="1">
+                <a:solidFill>
+                  <a:schemeClr val="tx1"/>
                 </a:solidFill>
                 <a:latin typeface="Consolas" panose="020B0609020204030204" pitchFamily="49" charset="0"/>
               </a:rPr>
-              <a:t>this</a:t>
-            </a:r>
+              <a:t>to</a:t>
+            </a:r>
+            <a:r>
+              <a:rPr lang="de-DE" dirty="0">
+                <a:solidFill>
+                  <a:schemeClr val="tx1"/>
+                </a:solidFill>
+                <a:latin typeface="Consolas" panose="020B0609020204030204" pitchFamily="49" charset="0"/>
+              </a:rPr>
+              <a:t> </a:t>
+            </a:r>
+            <a:r>
+              <a:rPr lang="de-DE" dirty="0" err="1">
+                <a:solidFill>
+                  <a:schemeClr val="tx1"/>
+                </a:solidFill>
+                <a:latin typeface="Consolas" panose="020B0609020204030204" pitchFamily="49" charset="0"/>
+              </a:rPr>
+              <a:t>changes</a:t>
+            </a:r>
+            <a:r>
+              <a:rPr lang="de-DE" dirty="0">
+                <a:solidFill>
+                  <a:schemeClr val="tx1"/>
+                </a:solidFill>
+                <a:latin typeface="Consolas" panose="020B0609020204030204" pitchFamily="49" charset="0"/>
+              </a:rPr>
+              <a:t> </a:t>
+            </a:r>
+            <a:r>
+              <a:rPr lang="de-DE" dirty="0" err="1">
+                <a:solidFill>
+                  <a:schemeClr val="tx1"/>
+                </a:solidFill>
+                <a:latin typeface="Consolas" panose="020B0609020204030204" pitchFamily="49" charset="0"/>
+              </a:rPr>
+              <a:t>inside</a:t>
+            </a:r>
+            <a:r>
+              <a:rPr lang="de-DE" dirty="0">
+                <a:solidFill>
+                  <a:schemeClr val="tx1"/>
+                </a:solidFill>
+                <a:latin typeface="Consolas" panose="020B0609020204030204" pitchFamily="49" charset="0"/>
+              </a:rPr>
+              <a:t> </a:t>
+            </a:r>
+            <a:r>
+              <a:rPr lang="de-DE" dirty="0" err="1">
+                <a:solidFill>
+                  <a:schemeClr val="tx1"/>
+                </a:solidFill>
+                <a:latin typeface="Consolas" panose="020B0609020204030204" pitchFamily="49" charset="0"/>
+              </a:rPr>
+              <a:t>subscribe</a:t>
+            </a:r>
+            <a:r>
+              <a:rPr lang="de-DE" dirty="0">
+                <a:solidFill>
+                  <a:schemeClr val="tx1"/>
+                </a:solidFill>
+                <a:latin typeface="Consolas" panose="020B0609020204030204" pitchFamily="49" charset="0"/>
+              </a:rPr>
+              <a:t> block</a:t>
+            </a:r>
+          </a:p>
+          <a:p>
             <a:r>
               <a:rPr lang="en-US" dirty="0" err="1">
                 <a:solidFill>
-                  <a:srgbClr val="D4D4D4"/>
+                  <a:schemeClr val="tx1"/>
+                </a:solidFill>
+                <a:latin typeface="Consolas" panose="020B0609020204030204" pitchFamily="49" charset="0"/>
+              </a:rPr>
+              <a:t>this.getStations</a:t>
+            </a:r>
+            <a:r>
+              <a:rPr lang="en-US" dirty="0">
+                <a:solidFill>
+                  <a:schemeClr val="tx1"/>
+                </a:solidFill>
+                <a:latin typeface="Consolas" panose="020B0609020204030204" pitchFamily="49" charset="0"/>
+              </a:rPr>
+              <a:t>()</a:t>
+            </a:r>
+            <a:r>
+              <a:rPr lang="de-DE" dirty="0">
+                <a:solidFill>
+                  <a:schemeClr val="tx1"/>
                 </a:solidFill>
                 <a:latin typeface="Consolas" panose="020B0609020204030204" pitchFamily="49" charset="0"/>
               </a:rPr>
               <a:t>.</a:t>
             </a:r>
             <a:r>
-              <a:rPr lang="en-US" dirty="0" err="1">
-                <a:solidFill>
-                  <a:srgbClr val="9CDCFE"/>
+              <a:rPr lang="de-DE" dirty="0" err="1">
+                <a:solidFill>
+                  <a:schemeClr val="tx1"/>
                 </a:solidFill>
                 <a:latin typeface="Consolas" panose="020B0609020204030204" pitchFamily="49" charset="0"/>
               </a:rPr>
-              <a:t>http</a:t>
-            </a:r>
+              <a:t>subscribe</a:t>
+            </a:r>
+            <a:r>
+              <a:rPr lang="de-DE" dirty="0">
+                <a:solidFill>
+                  <a:schemeClr val="tx1"/>
+                </a:solidFill>
+                <a:latin typeface="Consolas" panose="020B0609020204030204" pitchFamily="49" charset="0"/>
+              </a:rPr>
+              <a:t>({</a:t>
+            </a:r>
+          </a:p>
+          <a:p>
+            <a:r>
+              <a:rPr lang="de-DE" dirty="0">
+                <a:solidFill>
+                  <a:schemeClr val="tx1"/>
+                </a:solidFill>
+                <a:latin typeface="Consolas" panose="020B0609020204030204" pitchFamily="49" charset="0"/>
+              </a:rPr>
+              <a:t>  </a:t>
+            </a:r>
+            <a:r>
+              <a:rPr lang="de-DE" dirty="0" err="1" smtClean="0">
+                <a:solidFill>
+                  <a:schemeClr val="tx1"/>
+                </a:solidFill>
+                <a:latin typeface="Consolas" panose="020B0609020204030204" pitchFamily="49" charset="0"/>
+              </a:rPr>
+              <a:t>next</a:t>
+            </a:r>
+            <a:r>
+              <a:rPr lang="de-DE" dirty="0" smtClean="0">
+                <a:solidFill>
+                  <a:schemeClr val="tx1"/>
+                </a:solidFill>
+                <a:latin typeface="Consolas" panose="020B0609020204030204" pitchFamily="49" charset="0"/>
+              </a:rPr>
+              <a:t>(</a:t>
+            </a:r>
+            <a:r>
+              <a:rPr lang="de-DE" dirty="0" err="1" smtClean="0">
+                <a:solidFill>
+                  <a:schemeClr val="tx1"/>
+                </a:solidFill>
+                <a:latin typeface="Consolas" panose="020B0609020204030204" pitchFamily="49" charset="0"/>
+              </a:rPr>
+              <a:t>response</a:t>
+            </a:r>
+            <a:r>
+              <a:rPr lang="de-DE" dirty="0">
+                <a:solidFill>
+                  <a:schemeClr val="tx1"/>
+                </a:solidFill>
+                <a:latin typeface="Consolas" panose="020B0609020204030204" pitchFamily="49" charset="0"/>
+              </a:rPr>
+              <a:t>) { console.log(</a:t>
+            </a:r>
+            <a:r>
+              <a:rPr lang="de-DE" dirty="0" err="1">
+                <a:solidFill>
+                  <a:schemeClr val="tx1"/>
+                </a:solidFill>
+                <a:latin typeface="Consolas" panose="020B0609020204030204" pitchFamily="49" charset="0"/>
+              </a:rPr>
+              <a:t>response</a:t>
+            </a:r>
+            <a:r>
+              <a:rPr lang="de-DE" dirty="0">
+                <a:solidFill>
+                  <a:schemeClr val="tx1"/>
+                </a:solidFill>
+                <a:latin typeface="Consolas" panose="020B0609020204030204" pitchFamily="49" charset="0"/>
+              </a:rPr>
+              <a:t>); },</a:t>
+            </a:r>
+          </a:p>
+          <a:p>
+            <a:r>
+              <a:rPr lang="de-DE" dirty="0">
+                <a:solidFill>
+                  <a:schemeClr val="tx1"/>
+                </a:solidFill>
+                <a:latin typeface="Consolas" panose="020B0609020204030204" pitchFamily="49" charset="0"/>
+              </a:rPr>
+              <a:t>  </a:t>
+            </a:r>
+            <a:r>
+              <a:rPr lang="de-DE" dirty="0" err="1" smtClean="0">
+                <a:solidFill>
+                  <a:schemeClr val="tx1"/>
+                </a:solidFill>
+                <a:latin typeface="Consolas" panose="020B0609020204030204" pitchFamily="49" charset="0"/>
+              </a:rPr>
+              <a:t>error</a:t>
+            </a:r>
+            <a:r>
+              <a:rPr lang="de-DE" dirty="0" smtClean="0">
+                <a:solidFill>
+                  <a:schemeClr val="tx1"/>
+                </a:solidFill>
+                <a:latin typeface="Consolas" panose="020B0609020204030204" pitchFamily="49" charset="0"/>
+              </a:rPr>
+              <a:t>(</a:t>
+            </a:r>
+            <a:r>
+              <a:rPr lang="de-DE" dirty="0" err="1" smtClean="0">
+                <a:solidFill>
+                  <a:schemeClr val="tx1"/>
+                </a:solidFill>
+                <a:latin typeface="Consolas" panose="020B0609020204030204" pitchFamily="49" charset="0"/>
+              </a:rPr>
+              <a:t>err</a:t>
+            </a:r>
+            <a:r>
+              <a:rPr lang="de-DE" dirty="0">
+                <a:solidFill>
+                  <a:schemeClr val="tx1"/>
+                </a:solidFill>
+                <a:latin typeface="Consolas" panose="020B0609020204030204" pitchFamily="49" charset="0"/>
+              </a:rPr>
+              <a:t>) { </a:t>
+            </a:r>
+            <a:r>
+              <a:rPr lang="de-DE" dirty="0" err="1">
+                <a:solidFill>
+                  <a:schemeClr val="tx1"/>
+                </a:solidFill>
+                <a:latin typeface="Consolas" panose="020B0609020204030204" pitchFamily="49" charset="0"/>
+              </a:rPr>
+              <a:t>console.error</a:t>
+            </a:r>
+            <a:r>
+              <a:rPr lang="de-DE" dirty="0">
+                <a:solidFill>
+                  <a:schemeClr val="tx1"/>
+                </a:solidFill>
+                <a:latin typeface="Consolas" panose="020B0609020204030204" pitchFamily="49" charset="0"/>
+              </a:rPr>
+              <a:t>('Error: ' + </a:t>
+            </a:r>
+            <a:r>
+              <a:rPr lang="de-DE" dirty="0" err="1">
+                <a:solidFill>
+                  <a:schemeClr val="tx1"/>
+                </a:solidFill>
+                <a:latin typeface="Consolas" panose="020B0609020204030204" pitchFamily="49" charset="0"/>
+              </a:rPr>
+              <a:t>err</a:t>
+            </a:r>
+            <a:r>
+              <a:rPr lang="de-DE" dirty="0">
+                <a:solidFill>
+                  <a:schemeClr val="tx1"/>
+                </a:solidFill>
+                <a:latin typeface="Consolas" panose="020B0609020204030204" pitchFamily="49" charset="0"/>
+              </a:rPr>
+              <a:t>); },</a:t>
+            </a:r>
+          </a:p>
+          <a:p>
+            <a:r>
+              <a:rPr lang="de-DE" dirty="0">
+                <a:solidFill>
+                  <a:schemeClr val="tx1"/>
+                </a:solidFill>
+                <a:latin typeface="Consolas" panose="020B0609020204030204" pitchFamily="49" charset="0"/>
+              </a:rPr>
+              <a:t>  </a:t>
+            </a:r>
+            <a:r>
+              <a:rPr lang="de-DE" dirty="0" err="1" smtClean="0">
+                <a:solidFill>
+                  <a:schemeClr val="tx1"/>
+                </a:solidFill>
+                <a:latin typeface="Consolas" panose="020B0609020204030204" pitchFamily="49" charset="0"/>
+              </a:rPr>
+              <a:t>complete</a:t>
+            </a:r>
+            <a:r>
+              <a:rPr lang="de-DE" dirty="0">
+                <a:solidFill>
+                  <a:schemeClr val="tx1"/>
+                </a:solidFill>
+                <a:latin typeface="Consolas" panose="020B0609020204030204" pitchFamily="49" charset="0"/>
+              </a:rPr>
+              <a:t>() { console.log('</a:t>
+            </a:r>
+            <a:r>
+              <a:rPr lang="de-DE" dirty="0" err="1">
+                <a:solidFill>
+                  <a:schemeClr val="tx1"/>
+                </a:solidFill>
+                <a:latin typeface="Consolas" panose="020B0609020204030204" pitchFamily="49" charset="0"/>
+              </a:rPr>
+              <a:t>Completed</a:t>
+            </a:r>
+            <a:r>
+              <a:rPr lang="de-DE" dirty="0">
+                <a:solidFill>
+                  <a:schemeClr val="tx1"/>
+                </a:solidFill>
+                <a:latin typeface="Consolas" panose="020B0609020204030204" pitchFamily="49" charset="0"/>
+              </a:rPr>
+              <a:t>'); }</a:t>
+            </a:r>
+          </a:p>
+          <a:p>
+            <a:r>
+              <a:rPr lang="de-DE" dirty="0">
+                <a:solidFill>
+                  <a:schemeClr val="tx1"/>
+                </a:solidFill>
+                <a:latin typeface="Consolas" panose="020B0609020204030204" pitchFamily="49" charset="0"/>
+              </a:rPr>
+              <a:t>});</a:t>
+            </a:r>
+          </a:p>
+          <a:p>
+            <a:endParaRPr lang="de-DE" dirty="0">
+              <a:solidFill>
+                <a:schemeClr val="tx1"/>
+              </a:solidFill>
+              <a:latin typeface="Consolas" panose="020B0609020204030204" pitchFamily="49" charset="0"/>
+            </a:endParaRPr>
+          </a:p>
+          <a:p>
+            <a:r>
+              <a:rPr lang="de-DE" dirty="0">
+                <a:solidFill>
+                  <a:schemeClr val="tx1"/>
+                </a:solidFill>
+                <a:latin typeface="Consolas" panose="020B0609020204030204" pitchFamily="49" charset="0"/>
+              </a:rPr>
+              <a:t>// </a:t>
+            </a:r>
+            <a:r>
+              <a:rPr lang="de-DE" dirty="0" err="1">
+                <a:solidFill>
+                  <a:schemeClr val="tx1"/>
+                </a:solidFill>
+                <a:latin typeface="Consolas" panose="020B0609020204030204" pitchFamily="49" charset="0"/>
+              </a:rPr>
+              <a:t>React</a:t>
+            </a:r>
+            <a:r>
+              <a:rPr lang="de-DE" dirty="0">
+                <a:solidFill>
+                  <a:schemeClr val="tx1"/>
+                </a:solidFill>
+                <a:latin typeface="Consolas" panose="020B0609020204030204" pitchFamily="49" charset="0"/>
+              </a:rPr>
+              <a:t> </a:t>
+            </a:r>
+            <a:r>
+              <a:rPr lang="de-DE" dirty="0" err="1">
+                <a:solidFill>
+                  <a:schemeClr val="tx1"/>
+                </a:solidFill>
+                <a:latin typeface="Consolas" panose="020B0609020204030204" pitchFamily="49" charset="0"/>
+              </a:rPr>
+              <a:t>to</a:t>
+            </a:r>
+            <a:r>
+              <a:rPr lang="de-DE" dirty="0">
+                <a:solidFill>
+                  <a:schemeClr val="tx1"/>
+                </a:solidFill>
+                <a:latin typeface="Consolas" panose="020B0609020204030204" pitchFamily="49" charset="0"/>
+              </a:rPr>
+              <a:t> </a:t>
+            </a:r>
+            <a:r>
+              <a:rPr lang="de-DE" dirty="0" err="1">
+                <a:solidFill>
+                  <a:schemeClr val="tx1"/>
+                </a:solidFill>
+                <a:latin typeface="Consolas" panose="020B0609020204030204" pitchFamily="49" charset="0"/>
+              </a:rPr>
+              <a:t>changes</a:t>
+            </a:r>
+            <a:r>
+              <a:rPr lang="de-DE" dirty="0">
+                <a:solidFill>
+                  <a:schemeClr val="tx1"/>
+                </a:solidFill>
+                <a:latin typeface="Consolas" panose="020B0609020204030204" pitchFamily="49" charset="0"/>
+              </a:rPr>
+              <a:t> </a:t>
+            </a:r>
+            <a:r>
+              <a:rPr lang="de-DE" dirty="0" err="1">
+                <a:solidFill>
+                  <a:schemeClr val="tx1"/>
+                </a:solidFill>
+                <a:latin typeface="Consolas" panose="020B0609020204030204" pitchFamily="49" charset="0"/>
+              </a:rPr>
+              <a:t>with</a:t>
+            </a:r>
+            <a:r>
+              <a:rPr lang="de-DE" dirty="0">
+                <a:solidFill>
+                  <a:schemeClr val="tx1"/>
+                </a:solidFill>
+                <a:latin typeface="Consolas" panose="020B0609020204030204" pitchFamily="49" charset="0"/>
+              </a:rPr>
+              <a:t> </a:t>
+            </a:r>
+            <a:r>
+              <a:rPr lang="de-DE" dirty="0" err="1">
+                <a:solidFill>
+                  <a:schemeClr val="tx1"/>
+                </a:solidFill>
+                <a:latin typeface="Consolas" panose="020B0609020204030204" pitchFamily="49" charset="0"/>
+              </a:rPr>
+              <a:t>operators</a:t>
+            </a:r>
+            <a:r>
+              <a:rPr lang="de-DE" dirty="0">
+                <a:solidFill>
+                  <a:schemeClr val="tx1"/>
+                </a:solidFill>
+                <a:latin typeface="Consolas" panose="020B0609020204030204" pitchFamily="49" charset="0"/>
+              </a:rPr>
+              <a:t> like </a:t>
+            </a:r>
+            <a:r>
+              <a:rPr lang="de-DE" dirty="0" err="1">
+                <a:solidFill>
+                  <a:schemeClr val="tx1"/>
+                </a:solidFill>
+                <a:latin typeface="Consolas" panose="020B0609020204030204" pitchFamily="49" charset="0"/>
+              </a:rPr>
+              <a:t>tap</a:t>
+            </a:r>
+            <a:r>
+              <a:rPr lang="de-DE" dirty="0">
+                <a:solidFill>
+                  <a:schemeClr val="tx1"/>
+                </a:solidFill>
+                <a:latin typeface="Consolas" panose="020B0609020204030204" pitchFamily="49" charset="0"/>
+              </a:rPr>
+              <a:t>, </a:t>
+            </a:r>
+            <a:r>
+              <a:rPr lang="de-DE" dirty="0" err="1">
+                <a:solidFill>
+                  <a:schemeClr val="tx1"/>
+                </a:solidFill>
+                <a:latin typeface="Consolas" panose="020B0609020204030204" pitchFamily="49" charset="0"/>
+              </a:rPr>
+              <a:t>map</a:t>
+            </a:r>
+            <a:r>
+              <a:rPr lang="de-DE" dirty="0">
+                <a:solidFill>
+                  <a:schemeClr val="tx1"/>
+                </a:solidFill>
+                <a:latin typeface="Consolas" panose="020B0609020204030204" pitchFamily="49" charset="0"/>
+              </a:rPr>
+              <a:t>, …</a:t>
+            </a:r>
+          </a:p>
+          <a:p>
             <a:r>
               <a:rPr lang="en-US" dirty="0" err="1">
                 <a:solidFill>
-                  <a:srgbClr val="D4D4D4"/>
+                  <a:schemeClr val="tx1"/>
+                </a:solidFill>
+                <a:latin typeface="Consolas" panose="020B0609020204030204" pitchFamily="49" charset="0"/>
+              </a:rPr>
+              <a:t>this.getStations</a:t>
+            </a:r>
+            <a:r>
+              <a:rPr lang="en-US" dirty="0">
+                <a:solidFill>
+                  <a:schemeClr val="tx1"/>
+                </a:solidFill>
+                <a:latin typeface="Consolas" panose="020B0609020204030204" pitchFamily="49" charset="0"/>
+              </a:rPr>
+              <a:t>()</a:t>
+            </a:r>
+            <a:r>
+              <a:rPr lang="de-DE" dirty="0">
+                <a:solidFill>
+                  <a:schemeClr val="tx1"/>
                 </a:solidFill>
                 <a:latin typeface="Consolas" panose="020B0609020204030204" pitchFamily="49" charset="0"/>
               </a:rPr>
               <a:t>.</a:t>
             </a:r>
             <a:r>
-              <a:rPr lang="en-US" dirty="0" err="1">
-                <a:solidFill>
-                  <a:srgbClr val="DCDCAA"/>
+              <a:rPr lang="de-DE" dirty="0" err="1">
+                <a:solidFill>
+                  <a:schemeClr val="tx1"/>
                 </a:solidFill>
                 <a:latin typeface="Consolas" panose="020B0609020204030204" pitchFamily="49" charset="0"/>
               </a:rPr>
-              <a:t>get</a:t>
-            </a:r>
-            <a:r>
-              <a:rPr lang="en-US" dirty="0">
-                <a:solidFill>
-                  <a:srgbClr val="D4D4D4"/>
+              <a:t>pipe</a:t>
+            </a:r>
+            <a:r>
+              <a:rPr lang="de-DE" dirty="0">
+                <a:solidFill>
+                  <a:schemeClr val="tx1"/>
                 </a:solidFill>
                 <a:latin typeface="Consolas" panose="020B0609020204030204" pitchFamily="49" charset="0"/>
               </a:rPr>
-              <a:t> (</a:t>
-            </a:r>
-            <a:r>
-              <a:rPr lang="en-US" dirty="0">
-                <a:solidFill>
-                  <a:srgbClr val="CE9178"/>
-                </a:solidFill>
-                <a:latin typeface="Consolas" panose="020B0609020204030204" pitchFamily="49" charset="0"/>
-              </a:rPr>
-              <a:t>'/</a:t>
-            </a:r>
-            <a:r>
-              <a:rPr lang="en-US" dirty="0" err="1">
-                <a:solidFill>
-                  <a:srgbClr val="CE9178"/>
-                </a:solidFill>
-                <a:latin typeface="Consolas" panose="020B0609020204030204" pitchFamily="49" charset="0"/>
-              </a:rPr>
-              <a:t>api</a:t>
-            </a:r>
-            <a:r>
-              <a:rPr lang="en-US" dirty="0">
-                <a:solidFill>
-                  <a:srgbClr val="CE9178"/>
-                </a:solidFill>
-                <a:latin typeface="Consolas" panose="020B0609020204030204" pitchFamily="49" charset="0"/>
-              </a:rPr>
-              <a:t>/station'</a:t>
-            </a:r>
-            <a:r>
-              <a:rPr lang="en-US" dirty="0">
-                <a:solidFill>
-                  <a:srgbClr val="D4D4D4"/>
-                </a:solidFill>
-                <a:latin typeface="Consolas" panose="020B0609020204030204" pitchFamily="49" charset="0"/>
-              </a:rPr>
-              <a:t>);</a:t>
-            </a:r>
-          </a:p>
-          <a:p>
-            <a:r>
-              <a:rPr lang="en-US" dirty="0" smtClean="0">
-                <a:solidFill>
-                  <a:srgbClr val="D4D4D4"/>
-                </a:solidFill>
-                <a:latin typeface="Consolas" panose="020B0609020204030204" pitchFamily="49" charset="0"/>
-              </a:rPr>
-              <a:t>}</a:t>
-            </a:r>
-            <a:endParaRPr lang="en-US" dirty="0">
-              <a:solidFill>
-                <a:srgbClr val="D4D4D4"/>
-              </a:solidFill>
-              <a:latin typeface="Consolas" panose="020B0609020204030204" pitchFamily="49" charset="0"/>
-            </a:endParaRPr>
-          </a:p>
-          <a:p>
-            <a:endParaRPr lang="de-DE" dirty="0">
-              <a:solidFill>
-                <a:srgbClr val="D4D4D4"/>
-              </a:solidFill>
-              <a:latin typeface="Consolas" panose="020B0609020204030204" pitchFamily="49" charset="0"/>
-            </a:endParaRPr>
+              <a:t>(</a:t>
+            </a:r>
           </a:p>
           <a:p>
             <a:r>
               <a:rPr lang="de-DE" dirty="0">
                 <a:solidFill>
-                  <a:srgbClr val="D4D4D4"/>
-                </a:solidFill>
-                <a:latin typeface="Consolas" panose="020B0609020204030204" pitchFamily="49" charset="0"/>
-              </a:rPr>
-              <a:t>// </a:t>
-            </a:r>
-            <a:r>
-              <a:rPr lang="de-DE" dirty="0" err="1">
-                <a:solidFill>
-                  <a:srgbClr val="D4D4D4"/>
-                </a:solidFill>
-                <a:latin typeface="Consolas" panose="020B0609020204030204" pitchFamily="49" charset="0"/>
-              </a:rPr>
-              <a:t>React</a:t>
-            </a:r>
-            <a:r>
-              <a:rPr lang="de-DE" dirty="0">
-                <a:solidFill>
-                  <a:srgbClr val="D4D4D4"/>
-                </a:solidFill>
-                <a:latin typeface="Consolas" panose="020B0609020204030204" pitchFamily="49" charset="0"/>
-              </a:rPr>
-              <a:t> </a:t>
-            </a:r>
-            <a:r>
-              <a:rPr lang="de-DE" dirty="0" err="1">
-                <a:solidFill>
-                  <a:srgbClr val="D4D4D4"/>
-                </a:solidFill>
-                <a:latin typeface="Consolas" panose="020B0609020204030204" pitchFamily="49" charset="0"/>
-              </a:rPr>
-              <a:t>to</a:t>
-            </a:r>
-            <a:r>
-              <a:rPr lang="de-DE" dirty="0">
-                <a:solidFill>
-                  <a:srgbClr val="D4D4D4"/>
-                </a:solidFill>
-                <a:latin typeface="Consolas" panose="020B0609020204030204" pitchFamily="49" charset="0"/>
-              </a:rPr>
-              <a:t> </a:t>
-            </a:r>
-            <a:r>
-              <a:rPr lang="de-DE" dirty="0" err="1">
-                <a:solidFill>
-                  <a:srgbClr val="D4D4D4"/>
-                </a:solidFill>
-                <a:latin typeface="Consolas" panose="020B0609020204030204" pitchFamily="49" charset="0"/>
-              </a:rPr>
-              <a:t>changes</a:t>
-            </a:r>
-            <a:r>
-              <a:rPr lang="de-DE" dirty="0">
-                <a:solidFill>
-                  <a:srgbClr val="D4D4D4"/>
-                </a:solidFill>
-                <a:latin typeface="Consolas" panose="020B0609020204030204" pitchFamily="49" charset="0"/>
-              </a:rPr>
-              <a:t> </a:t>
-            </a:r>
-            <a:r>
-              <a:rPr lang="de-DE" dirty="0" err="1">
-                <a:solidFill>
-                  <a:srgbClr val="D4D4D4"/>
-                </a:solidFill>
-                <a:latin typeface="Consolas" panose="020B0609020204030204" pitchFamily="49" charset="0"/>
-              </a:rPr>
-              <a:t>inside</a:t>
-            </a:r>
-            <a:r>
-              <a:rPr lang="de-DE" dirty="0">
-                <a:solidFill>
-                  <a:srgbClr val="D4D4D4"/>
-                </a:solidFill>
-                <a:latin typeface="Consolas" panose="020B0609020204030204" pitchFamily="49" charset="0"/>
-              </a:rPr>
-              <a:t> </a:t>
-            </a:r>
-            <a:r>
-              <a:rPr lang="de-DE" dirty="0" err="1">
-                <a:solidFill>
-                  <a:srgbClr val="D4D4D4"/>
-                </a:solidFill>
-                <a:latin typeface="Consolas" panose="020B0609020204030204" pitchFamily="49" charset="0"/>
-              </a:rPr>
-              <a:t>subscribe</a:t>
-            </a:r>
-            <a:r>
-              <a:rPr lang="de-DE" dirty="0">
-                <a:solidFill>
-                  <a:srgbClr val="D4D4D4"/>
-                </a:solidFill>
-                <a:latin typeface="Consolas" panose="020B0609020204030204" pitchFamily="49" charset="0"/>
-              </a:rPr>
-              <a:t> block</a:t>
-            </a:r>
-          </a:p>
-          <a:p>
-            <a:r>
-              <a:rPr lang="en-US" dirty="0" err="1">
-                <a:solidFill>
-                  <a:schemeClr val="bg2">
-                    <a:lumMod val="75000"/>
-                  </a:schemeClr>
-                </a:solidFill>
-                <a:latin typeface="Consolas" panose="020B0609020204030204" pitchFamily="49" charset="0"/>
-              </a:rPr>
-              <a:t>this</a:t>
-            </a:r>
-            <a:r>
-              <a:rPr lang="en-US" dirty="0" err="1">
-                <a:solidFill>
-                  <a:srgbClr val="DCDCAA"/>
-                </a:solidFill>
-                <a:latin typeface="Consolas" panose="020B0609020204030204" pitchFamily="49" charset="0"/>
-              </a:rPr>
-              <a:t>.getStations</a:t>
-            </a:r>
-            <a:r>
-              <a:rPr lang="en-US" dirty="0">
-                <a:solidFill>
-                  <a:srgbClr val="D4D4D4"/>
-                </a:solidFill>
-                <a:latin typeface="Consolas" panose="020B0609020204030204" pitchFamily="49" charset="0"/>
-              </a:rPr>
-              <a:t>()</a:t>
-            </a:r>
-            <a:r>
-              <a:rPr lang="de-DE" dirty="0">
-                <a:solidFill>
-                  <a:srgbClr val="D4D4D4"/>
-                </a:solidFill>
-                <a:latin typeface="Consolas" panose="020B0609020204030204" pitchFamily="49" charset="0"/>
-              </a:rPr>
-              <a:t>.</a:t>
-            </a:r>
-            <a:r>
-              <a:rPr lang="de-DE" dirty="0" err="1">
-                <a:solidFill>
-                  <a:srgbClr val="DCDCAA"/>
-                </a:solidFill>
-                <a:latin typeface="Consolas" panose="020B0609020204030204" pitchFamily="49" charset="0"/>
-              </a:rPr>
-              <a:t>subscribe</a:t>
-            </a:r>
-            <a:r>
-              <a:rPr lang="de-DE" dirty="0">
-                <a:solidFill>
-                  <a:srgbClr val="D4D4D4"/>
-                </a:solidFill>
-                <a:latin typeface="Consolas" panose="020B0609020204030204" pitchFamily="49" charset="0"/>
-              </a:rPr>
-              <a:t>({</a:t>
-            </a:r>
-          </a:p>
-          <a:p>
-            <a:r>
-              <a:rPr lang="de-DE" dirty="0">
-                <a:solidFill>
-                  <a:srgbClr val="D4D4D4"/>
+                  <a:schemeClr val="tx1"/>
                 </a:solidFill>
                 <a:latin typeface="Consolas" panose="020B0609020204030204" pitchFamily="49" charset="0"/>
               </a:rPr>
               <a:t>  </a:t>
             </a:r>
             <a:r>
-              <a:rPr lang="de-DE" dirty="0" err="1" smtClean="0">
-                <a:solidFill>
-                  <a:srgbClr val="DCDCAA"/>
-                </a:solidFill>
-                <a:latin typeface="Consolas" panose="020B0609020204030204" pitchFamily="49" charset="0"/>
-              </a:rPr>
-              <a:t>next</a:t>
-            </a:r>
-            <a:r>
-              <a:rPr lang="de-DE" dirty="0" smtClean="0">
-                <a:solidFill>
-                  <a:srgbClr val="D4D4D4"/>
-                </a:solidFill>
-                <a:latin typeface="Consolas" panose="020B0609020204030204" pitchFamily="49" charset="0"/>
-              </a:rPr>
-              <a:t>(</a:t>
-            </a:r>
-            <a:r>
-              <a:rPr lang="de-DE" dirty="0" err="1" smtClean="0">
-                <a:solidFill>
-                  <a:srgbClr val="9CDCFE"/>
-                </a:solidFill>
-                <a:latin typeface="Consolas" panose="020B0609020204030204" pitchFamily="49" charset="0"/>
-              </a:rPr>
-              <a:t>response</a:t>
-            </a:r>
-            <a:r>
-              <a:rPr lang="de-DE" dirty="0">
-                <a:solidFill>
-                  <a:srgbClr val="D4D4D4"/>
-                </a:solidFill>
-                <a:latin typeface="Consolas" panose="020B0609020204030204" pitchFamily="49" charset="0"/>
-              </a:rPr>
-              <a:t>) { </a:t>
-            </a:r>
-            <a:r>
-              <a:rPr lang="de-DE" dirty="0">
-                <a:solidFill>
-                  <a:srgbClr val="9CDCFE"/>
-                </a:solidFill>
-                <a:latin typeface="Consolas" panose="020B0609020204030204" pitchFamily="49" charset="0"/>
-              </a:rPr>
-              <a:t>console</a:t>
-            </a:r>
-            <a:r>
-              <a:rPr lang="de-DE" dirty="0">
-                <a:solidFill>
-                  <a:srgbClr val="D4D4D4"/>
-                </a:solidFill>
-                <a:latin typeface="Consolas" panose="020B0609020204030204" pitchFamily="49" charset="0"/>
-              </a:rPr>
-              <a:t>.</a:t>
-            </a:r>
-            <a:r>
-              <a:rPr lang="de-DE" dirty="0">
-                <a:solidFill>
-                  <a:srgbClr val="DCDCAA"/>
-                </a:solidFill>
-                <a:latin typeface="Consolas" panose="020B0609020204030204" pitchFamily="49" charset="0"/>
-              </a:rPr>
-              <a:t>log</a:t>
-            </a:r>
-            <a:r>
-              <a:rPr lang="de-DE" dirty="0">
-                <a:solidFill>
-                  <a:srgbClr val="D4D4D4"/>
-                </a:solidFill>
-                <a:latin typeface="Consolas" panose="020B0609020204030204" pitchFamily="49" charset="0"/>
-              </a:rPr>
-              <a:t>(</a:t>
-            </a:r>
-            <a:r>
               <a:rPr lang="de-DE" dirty="0" err="1">
                 <a:solidFill>
-                  <a:srgbClr val="9CDCFE"/>
-                </a:solidFill>
-                <a:latin typeface="Consolas" panose="020B0609020204030204" pitchFamily="49" charset="0"/>
-              </a:rPr>
-              <a:t>response</a:t>
-            </a:r>
-            <a:r>
-              <a:rPr lang="de-DE" dirty="0">
-                <a:solidFill>
-                  <a:srgbClr val="D4D4D4"/>
-                </a:solidFill>
-                <a:latin typeface="Consolas" panose="020B0609020204030204" pitchFamily="49" charset="0"/>
-              </a:rPr>
-              <a:t>); },</a:t>
-            </a:r>
-          </a:p>
-          <a:p>
-            <a:r>
-              <a:rPr lang="de-DE" dirty="0">
-                <a:solidFill>
-                  <a:srgbClr val="D4D4D4"/>
-                </a:solidFill>
-                <a:latin typeface="Consolas" panose="020B0609020204030204" pitchFamily="49" charset="0"/>
-              </a:rPr>
-              <a:t>  </a:t>
-            </a:r>
-            <a:r>
-              <a:rPr lang="de-DE" dirty="0" err="1" smtClean="0">
-                <a:solidFill>
-                  <a:srgbClr val="DCDCAA"/>
-                </a:solidFill>
-                <a:latin typeface="Consolas" panose="020B0609020204030204" pitchFamily="49" charset="0"/>
-              </a:rPr>
-              <a:t>error</a:t>
-            </a:r>
-            <a:r>
-              <a:rPr lang="de-DE" dirty="0" smtClean="0">
-                <a:solidFill>
-                  <a:srgbClr val="D4D4D4"/>
-                </a:solidFill>
-                <a:latin typeface="Consolas" panose="020B0609020204030204" pitchFamily="49" charset="0"/>
-              </a:rPr>
-              <a:t>(</a:t>
-            </a:r>
-            <a:r>
-              <a:rPr lang="de-DE" dirty="0" err="1" smtClean="0">
-                <a:solidFill>
-                  <a:srgbClr val="9CDCFE"/>
-                </a:solidFill>
-                <a:latin typeface="Consolas" panose="020B0609020204030204" pitchFamily="49" charset="0"/>
-              </a:rPr>
-              <a:t>err</a:t>
-            </a:r>
-            <a:r>
-              <a:rPr lang="de-DE" dirty="0">
-                <a:solidFill>
-                  <a:srgbClr val="D4D4D4"/>
-                </a:solidFill>
-                <a:latin typeface="Consolas" panose="020B0609020204030204" pitchFamily="49" charset="0"/>
-              </a:rPr>
-              <a:t>) { </a:t>
-            </a:r>
-            <a:r>
-              <a:rPr lang="de-DE" dirty="0" err="1">
-                <a:solidFill>
-                  <a:srgbClr val="9CDCFE"/>
-                </a:solidFill>
-                <a:latin typeface="Consolas" panose="020B0609020204030204" pitchFamily="49" charset="0"/>
-              </a:rPr>
-              <a:t>console</a:t>
-            </a:r>
-            <a:r>
-              <a:rPr lang="de-DE" dirty="0" err="1">
-                <a:solidFill>
-                  <a:srgbClr val="D4D4D4"/>
-                </a:solidFill>
-                <a:latin typeface="Consolas" panose="020B0609020204030204" pitchFamily="49" charset="0"/>
-              </a:rPr>
-              <a:t>.</a:t>
-            </a:r>
-            <a:r>
-              <a:rPr lang="de-DE" dirty="0" err="1">
-                <a:solidFill>
-                  <a:srgbClr val="DCDCAA"/>
-                </a:solidFill>
-                <a:latin typeface="Consolas" panose="020B0609020204030204" pitchFamily="49" charset="0"/>
-              </a:rPr>
-              <a:t>error</a:t>
-            </a:r>
-            <a:r>
-              <a:rPr lang="de-DE" dirty="0">
-                <a:solidFill>
-                  <a:srgbClr val="D4D4D4"/>
-                </a:solidFill>
-                <a:latin typeface="Consolas" panose="020B0609020204030204" pitchFamily="49" charset="0"/>
-              </a:rPr>
-              <a:t>(</a:t>
-            </a:r>
-            <a:r>
-              <a:rPr lang="de-DE" dirty="0">
-                <a:solidFill>
-                  <a:srgbClr val="CE9178"/>
-                </a:solidFill>
-                <a:latin typeface="Consolas" panose="020B0609020204030204" pitchFamily="49" charset="0"/>
-              </a:rPr>
-              <a:t>'Error: '</a:t>
-            </a:r>
-            <a:r>
-              <a:rPr lang="de-DE" dirty="0">
-                <a:solidFill>
-                  <a:srgbClr val="D4D4D4"/>
-                </a:solidFill>
-                <a:latin typeface="Consolas" panose="020B0609020204030204" pitchFamily="49" charset="0"/>
-              </a:rPr>
-              <a:t> + </a:t>
-            </a:r>
-            <a:r>
-              <a:rPr lang="de-DE" dirty="0" err="1">
-                <a:solidFill>
-                  <a:srgbClr val="9CDCFE"/>
-                </a:solidFill>
-                <a:latin typeface="Consolas" panose="020B0609020204030204" pitchFamily="49" charset="0"/>
-              </a:rPr>
-              <a:t>err</a:t>
-            </a:r>
-            <a:r>
-              <a:rPr lang="de-DE" dirty="0">
-                <a:solidFill>
-                  <a:srgbClr val="D4D4D4"/>
-                </a:solidFill>
-                <a:latin typeface="Consolas" panose="020B0609020204030204" pitchFamily="49" charset="0"/>
-              </a:rPr>
-              <a:t>); },</a:t>
-            </a:r>
-          </a:p>
-          <a:p>
-            <a:r>
-              <a:rPr lang="de-DE" dirty="0">
-                <a:solidFill>
-                  <a:srgbClr val="D4D4D4"/>
-                </a:solidFill>
-                <a:latin typeface="Consolas" panose="020B0609020204030204" pitchFamily="49" charset="0"/>
-              </a:rPr>
-              <a:t>  </a:t>
-            </a:r>
-            <a:r>
-              <a:rPr lang="de-DE" dirty="0" err="1" smtClean="0">
-                <a:solidFill>
-                  <a:srgbClr val="DCDCAA"/>
-                </a:solidFill>
-                <a:latin typeface="Consolas" panose="020B0609020204030204" pitchFamily="49" charset="0"/>
-              </a:rPr>
-              <a:t>complete</a:t>
-            </a:r>
-            <a:r>
-              <a:rPr lang="de-DE" dirty="0">
-                <a:solidFill>
-                  <a:srgbClr val="D4D4D4"/>
-                </a:solidFill>
-                <a:latin typeface="Consolas" panose="020B0609020204030204" pitchFamily="49" charset="0"/>
-              </a:rPr>
-              <a:t>() { </a:t>
-            </a:r>
-            <a:r>
-              <a:rPr lang="de-DE" dirty="0">
-                <a:solidFill>
-                  <a:srgbClr val="9CDCFE"/>
-                </a:solidFill>
-                <a:latin typeface="Consolas" panose="020B0609020204030204" pitchFamily="49" charset="0"/>
-              </a:rPr>
-              <a:t>console</a:t>
-            </a:r>
-            <a:r>
-              <a:rPr lang="de-DE" dirty="0">
-                <a:solidFill>
-                  <a:srgbClr val="D4D4D4"/>
-                </a:solidFill>
-                <a:latin typeface="Consolas" panose="020B0609020204030204" pitchFamily="49" charset="0"/>
-              </a:rPr>
-              <a:t>.</a:t>
-            </a:r>
-            <a:r>
-              <a:rPr lang="de-DE" dirty="0">
-                <a:solidFill>
-                  <a:srgbClr val="DCDCAA"/>
-                </a:solidFill>
-                <a:latin typeface="Consolas" panose="020B0609020204030204" pitchFamily="49" charset="0"/>
-              </a:rPr>
-              <a:t>log</a:t>
-            </a:r>
-            <a:r>
-              <a:rPr lang="de-DE" dirty="0">
-                <a:solidFill>
-                  <a:srgbClr val="D4D4D4"/>
-                </a:solidFill>
-                <a:latin typeface="Consolas" panose="020B0609020204030204" pitchFamily="49" charset="0"/>
-              </a:rPr>
-              <a:t>(</a:t>
-            </a:r>
-            <a:r>
-              <a:rPr lang="de-DE" dirty="0">
-                <a:solidFill>
-                  <a:srgbClr val="CE9178"/>
-                </a:solidFill>
-                <a:latin typeface="Consolas" panose="020B0609020204030204" pitchFamily="49" charset="0"/>
-              </a:rPr>
-              <a:t>'</a:t>
-            </a:r>
-            <a:r>
-              <a:rPr lang="de-DE" dirty="0" err="1">
-                <a:solidFill>
-                  <a:srgbClr val="CE9178"/>
-                </a:solidFill>
-                <a:latin typeface="Consolas" panose="020B0609020204030204" pitchFamily="49" charset="0"/>
-              </a:rPr>
-              <a:t>Completed</a:t>
-            </a:r>
-            <a:r>
-              <a:rPr lang="de-DE" dirty="0">
-                <a:solidFill>
-                  <a:srgbClr val="CE9178"/>
-                </a:solidFill>
-                <a:latin typeface="Consolas" panose="020B0609020204030204" pitchFamily="49" charset="0"/>
-              </a:rPr>
-              <a:t>'</a:t>
-            </a:r>
-            <a:r>
-              <a:rPr lang="de-DE" dirty="0">
-                <a:solidFill>
-                  <a:srgbClr val="D4D4D4"/>
-                </a:solidFill>
-                <a:latin typeface="Consolas" panose="020B0609020204030204" pitchFamily="49" charset="0"/>
-              </a:rPr>
-              <a:t>); }</a:t>
-            </a:r>
-          </a:p>
-          <a:p>
-            <a:r>
-              <a:rPr lang="de-DE" dirty="0">
-                <a:solidFill>
-                  <a:srgbClr val="D4D4D4"/>
-                </a:solidFill>
-                <a:latin typeface="Consolas" panose="020B0609020204030204" pitchFamily="49" charset="0"/>
-              </a:rPr>
-              <a:t>});</a:t>
-            </a:r>
-          </a:p>
-          <a:p>
-            <a:endParaRPr lang="de-DE" dirty="0">
-              <a:solidFill>
-                <a:srgbClr val="D4D4D4"/>
-              </a:solidFill>
-              <a:latin typeface="Consolas" panose="020B0609020204030204" pitchFamily="49" charset="0"/>
-            </a:endParaRPr>
-          </a:p>
-          <a:p>
-            <a:r>
-              <a:rPr lang="de-DE" dirty="0">
-                <a:solidFill>
-                  <a:srgbClr val="D4D4D4"/>
-                </a:solidFill>
-                <a:latin typeface="Consolas" panose="020B0609020204030204" pitchFamily="49" charset="0"/>
-              </a:rPr>
-              <a:t>// </a:t>
-            </a:r>
-            <a:r>
-              <a:rPr lang="de-DE" dirty="0" err="1">
-                <a:solidFill>
-                  <a:srgbClr val="D4D4D4"/>
-                </a:solidFill>
-                <a:latin typeface="Consolas" panose="020B0609020204030204" pitchFamily="49" charset="0"/>
-              </a:rPr>
-              <a:t>React</a:t>
-            </a:r>
-            <a:r>
-              <a:rPr lang="de-DE" dirty="0">
-                <a:solidFill>
-                  <a:srgbClr val="D4D4D4"/>
-                </a:solidFill>
-                <a:latin typeface="Consolas" panose="020B0609020204030204" pitchFamily="49" charset="0"/>
-              </a:rPr>
-              <a:t> </a:t>
-            </a:r>
-            <a:r>
-              <a:rPr lang="de-DE" dirty="0" err="1">
-                <a:solidFill>
-                  <a:srgbClr val="D4D4D4"/>
-                </a:solidFill>
-                <a:latin typeface="Consolas" panose="020B0609020204030204" pitchFamily="49" charset="0"/>
-              </a:rPr>
-              <a:t>to</a:t>
-            </a:r>
-            <a:r>
-              <a:rPr lang="de-DE" dirty="0">
-                <a:solidFill>
-                  <a:srgbClr val="D4D4D4"/>
-                </a:solidFill>
-                <a:latin typeface="Consolas" panose="020B0609020204030204" pitchFamily="49" charset="0"/>
-              </a:rPr>
-              <a:t> </a:t>
-            </a:r>
-            <a:r>
-              <a:rPr lang="de-DE" dirty="0" err="1">
-                <a:solidFill>
-                  <a:srgbClr val="D4D4D4"/>
-                </a:solidFill>
-                <a:latin typeface="Consolas" panose="020B0609020204030204" pitchFamily="49" charset="0"/>
-              </a:rPr>
-              <a:t>changes</a:t>
-            </a:r>
-            <a:r>
-              <a:rPr lang="de-DE" dirty="0">
-                <a:solidFill>
-                  <a:srgbClr val="D4D4D4"/>
-                </a:solidFill>
-                <a:latin typeface="Consolas" panose="020B0609020204030204" pitchFamily="49" charset="0"/>
-              </a:rPr>
-              <a:t> </a:t>
-            </a:r>
-            <a:r>
-              <a:rPr lang="de-DE" dirty="0" err="1">
-                <a:solidFill>
-                  <a:srgbClr val="D4D4D4"/>
-                </a:solidFill>
-                <a:latin typeface="Consolas" panose="020B0609020204030204" pitchFamily="49" charset="0"/>
-              </a:rPr>
-              <a:t>with</a:t>
-            </a:r>
-            <a:r>
-              <a:rPr lang="de-DE" dirty="0">
-                <a:solidFill>
-                  <a:srgbClr val="D4D4D4"/>
-                </a:solidFill>
-                <a:latin typeface="Consolas" panose="020B0609020204030204" pitchFamily="49" charset="0"/>
-              </a:rPr>
-              <a:t> </a:t>
-            </a:r>
-            <a:r>
-              <a:rPr lang="de-DE" dirty="0" err="1">
-                <a:solidFill>
-                  <a:srgbClr val="D4D4D4"/>
-                </a:solidFill>
-                <a:latin typeface="Consolas" panose="020B0609020204030204" pitchFamily="49" charset="0"/>
-              </a:rPr>
-              <a:t>operators</a:t>
-            </a:r>
-            <a:r>
-              <a:rPr lang="de-DE" dirty="0">
-                <a:solidFill>
-                  <a:srgbClr val="D4D4D4"/>
-                </a:solidFill>
-                <a:latin typeface="Consolas" panose="020B0609020204030204" pitchFamily="49" charset="0"/>
-              </a:rPr>
-              <a:t> like </a:t>
-            </a:r>
-            <a:r>
-              <a:rPr lang="de-DE" dirty="0" err="1">
-                <a:solidFill>
-                  <a:srgbClr val="D4D4D4"/>
+                  <a:schemeClr val="tx1"/>
                 </a:solidFill>
                 <a:latin typeface="Consolas" panose="020B0609020204030204" pitchFamily="49" charset="0"/>
               </a:rPr>
@@ -22361,213 +22042,18 @@
             <a:r>
               <a:rPr lang="de-DE" dirty="0">
                 <a:solidFill>
-                  <a:srgbClr val="D4D4D4"/>
+                  <a:schemeClr val="tx1"/>
                 </a:solidFill>
                 <a:latin typeface="Consolas" panose="020B0609020204030204" pitchFamily="49" charset="0"/>
               </a:rPr>
-              <a:t>, </a:t>
-            </a:r>
-            <a:r>
-              <a:rPr lang="de-DE" dirty="0" err="1">
-                <a:solidFill>
-                  <a:srgbClr val="D4D4D4"/>
-                </a:solidFill>
-                <a:latin typeface="Consolas" panose="020B0609020204030204" pitchFamily="49" charset="0"/>
-              </a:rPr>
-              <a:t>map</a:t>
-            </a:r>
+              <a:t>((x)=&gt; console.log(x))</a:t>
+            </a:r>
+          </a:p>
+          <a:p>
             <a:r>
               <a:rPr lang="de-DE" dirty="0">
                 <a:solidFill>
-                  <a:srgbClr val="D4D4D4"/>
-                </a:solidFill>
-                <a:latin typeface="Consolas" panose="020B0609020204030204" pitchFamily="49" charset="0"/>
-              </a:rPr>
-              <a:t>, …</a:t>
-            </a:r>
-          </a:p>
-          <a:p>
-            <a:r>
-              <a:rPr lang="en-US" dirty="0" err="1">
-                <a:solidFill>
-                  <a:schemeClr val="bg2">
-                    <a:lumMod val="75000"/>
-                  </a:schemeClr>
-                </a:solidFill>
-                <a:latin typeface="Consolas" panose="020B0609020204030204" pitchFamily="49" charset="0"/>
-              </a:rPr>
-              <a:t>this</a:t>
-            </a:r>
-            <a:r>
-              <a:rPr lang="en-US" dirty="0" err="1">
-                <a:solidFill>
-                  <a:srgbClr val="DCDCAA"/>
-                </a:solidFill>
-                <a:latin typeface="Consolas" panose="020B0609020204030204" pitchFamily="49" charset="0"/>
-              </a:rPr>
-              <a:t>.getStations</a:t>
-            </a:r>
-            <a:r>
-              <a:rPr lang="en-US" dirty="0">
-                <a:solidFill>
-                  <a:srgbClr val="D4D4D4"/>
-                </a:solidFill>
-                <a:latin typeface="Consolas" panose="020B0609020204030204" pitchFamily="49" charset="0"/>
-              </a:rPr>
-              <a:t>()</a:t>
-            </a:r>
-            <a:r>
-              <a:rPr lang="de-DE" dirty="0">
-                <a:solidFill>
-                  <a:srgbClr val="D4D4D4"/>
-                </a:solidFill>
-                <a:latin typeface="Consolas" panose="020B0609020204030204" pitchFamily="49" charset="0"/>
-              </a:rPr>
-              <a:t>.</a:t>
-            </a:r>
-            <a:r>
-              <a:rPr lang="de-DE" dirty="0" err="1">
-                <a:solidFill>
-                  <a:srgbClr val="DCDCAA"/>
-                </a:solidFill>
-                <a:latin typeface="Consolas" panose="020B0609020204030204" pitchFamily="49" charset="0"/>
-              </a:rPr>
-              <a:t>pipe</a:t>
-            </a:r>
-            <a:r>
-              <a:rPr lang="de-DE" dirty="0">
-                <a:solidFill>
-                  <a:srgbClr val="D4D4D4"/>
-                </a:solidFill>
-                <a:latin typeface="Consolas" panose="020B0609020204030204" pitchFamily="49" charset="0"/>
-              </a:rPr>
-              <a:t>(</a:t>
-            </a:r>
-          </a:p>
-          <a:p>
-            <a:r>
-              <a:rPr lang="de-DE" dirty="0">
-                <a:solidFill>
-                  <a:srgbClr val="D4D4D4"/>
-                </a:solidFill>
-                <a:latin typeface="Consolas" panose="020B0609020204030204" pitchFamily="49" charset="0"/>
-              </a:rPr>
-              <a:t>  </a:t>
-            </a:r>
-            <a:r>
-              <a:rPr lang="de-DE" dirty="0" err="1">
-                <a:solidFill>
-                  <a:srgbClr val="DCDCAA"/>
-                </a:solidFill>
-                <a:latin typeface="Consolas" panose="020B0609020204030204" pitchFamily="49" charset="0"/>
-              </a:rPr>
-              <a:t>tap</a:t>
-            </a:r>
-            <a:r>
-              <a:rPr lang="de-DE" dirty="0">
-                <a:solidFill>
-                  <a:srgbClr val="D4D4D4"/>
-                </a:solidFill>
-                <a:latin typeface="Consolas" panose="020B0609020204030204" pitchFamily="49" charset="0"/>
-              </a:rPr>
-              <a:t>((</a:t>
-            </a:r>
-            <a:r>
-              <a:rPr lang="de-DE" dirty="0">
-                <a:solidFill>
-                  <a:srgbClr val="9CDCFE"/>
-                </a:solidFill>
-                <a:latin typeface="Consolas" panose="020B0609020204030204" pitchFamily="49" charset="0"/>
-              </a:rPr>
-              <a:t>x</a:t>
-            </a:r>
-            <a:r>
-              <a:rPr lang="de-DE" dirty="0">
-                <a:solidFill>
-                  <a:srgbClr val="D4D4D4"/>
-                </a:solidFill>
-                <a:latin typeface="Consolas" panose="020B0609020204030204" pitchFamily="49" charset="0"/>
-              </a:rPr>
-              <a:t>)</a:t>
-            </a:r>
-            <a:r>
-              <a:rPr lang="de-DE" dirty="0">
-                <a:solidFill>
-                  <a:srgbClr val="569CD6"/>
-                </a:solidFill>
-                <a:latin typeface="Consolas" panose="020B0609020204030204" pitchFamily="49" charset="0"/>
-              </a:rPr>
-              <a:t>=&gt;</a:t>
-            </a:r>
-            <a:r>
-              <a:rPr lang="de-DE" dirty="0">
-                <a:solidFill>
-                  <a:srgbClr val="D4D4D4"/>
-                </a:solidFill>
-                <a:latin typeface="Consolas" panose="020B0609020204030204" pitchFamily="49" charset="0"/>
-              </a:rPr>
-              <a:t> </a:t>
-            </a:r>
-            <a:r>
-              <a:rPr lang="de-DE" dirty="0">
-                <a:solidFill>
-                  <a:srgbClr val="9CDCFE"/>
-                </a:solidFill>
-                <a:latin typeface="Consolas" panose="020B0609020204030204" pitchFamily="49" charset="0"/>
-              </a:rPr>
-              <a:t>console</a:t>
-            </a:r>
-            <a:r>
-              <a:rPr lang="de-DE" dirty="0">
-                <a:solidFill>
-                  <a:srgbClr val="D4D4D4"/>
-                </a:solidFill>
-                <a:latin typeface="Consolas" panose="020B0609020204030204" pitchFamily="49" charset="0"/>
-              </a:rPr>
-              <a:t>.</a:t>
-            </a:r>
-            <a:r>
-              <a:rPr lang="de-DE" dirty="0">
-                <a:solidFill>
-                  <a:srgbClr val="DCDCAA"/>
-                </a:solidFill>
-                <a:latin typeface="Consolas" panose="020B0609020204030204" pitchFamily="49" charset="0"/>
-              </a:rPr>
-              <a:t>log</a:t>
-            </a:r>
-            <a:r>
-              <a:rPr lang="de-DE" dirty="0">
-                <a:solidFill>
-                  <a:srgbClr val="D4D4D4"/>
-                </a:solidFill>
-                <a:latin typeface="Consolas" panose="020B0609020204030204" pitchFamily="49" charset="0"/>
-              </a:rPr>
-              <a:t>(</a:t>
-            </a:r>
-            <a:r>
-              <a:rPr lang="de-DE" dirty="0">
-                <a:solidFill>
-                  <a:srgbClr val="9CDCFE"/>
-                </a:solidFill>
-                <a:latin typeface="Consolas" panose="020B0609020204030204" pitchFamily="49" charset="0"/>
-              </a:rPr>
-              <a:t>x</a:t>
-            </a:r>
-            <a:r>
-              <a:rPr lang="de-DE" dirty="0">
-                <a:solidFill>
-                  <a:srgbClr val="D4D4D4"/>
-                </a:solidFill>
-                <a:latin typeface="Consolas" panose="020B0609020204030204" pitchFamily="49" charset="0"/>
-              </a:rPr>
-              <a:t>))</a:t>
-            </a:r>
-          </a:p>
-          <a:p>
-            <a:r>
-              <a:rPr lang="de-DE" dirty="0">
-                <a:solidFill>
-                  <a:srgbClr val="D4D4D4"/>
+                  <a:schemeClr val="tx1"/>
                 </a:solidFill>
                 <a:latin typeface="Consolas" panose="020B0609020204030204" pitchFamily="49" charset="0"/>
               </a:rPr>
@@ -23250,11 +22736,7 @@
             </a:r>
             <a:r>
               <a:rPr lang="de-DE" sz="1600" dirty="0" smtClean="0"/>
-              <a:t>UI </a:t>
-            </a:r>
-            <a:r>
-              <a:rPr lang="de-DE" sz="1600" dirty="0" smtClean="0"/>
-              <a:t>…</a:t>
+              <a:t>UI …</a:t>
             </a:r>
             <a:r>
               <a:rPr lang="de-DE" sz="1600" b="1" dirty="0"/>
@@ -24155,7 +23637,7 @@
         </p:blipFill>
         <p:spPr bwMode="auto">
           <a:xfrm>
-            <a:off x="2958921" y="2676149"/>
+            <a:off x="2630920" y="2676149"/>
             <a:ext cx="902873" cy="902873"/>
           </a:xfrm>
           <a:prstGeom prst="rect">
@@ -24188,7 +23670,7 @@
         </p:blipFill>
         <p:spPr>
           <a:xfrm>
-            <a:off x="6496937" y="2745818"/>
+            <a:off x="7798964" y="2745818"/>
             <a:ext cx="808860" cy="791238"/>
           </a:xfrm>
           <a:prstGeom prst="rect">
@@ -24218,7 +23700,7 @@
         </p:blipFill>
         <p:spPr>
           <a:xfrm>
-            <a:off x="822764" y="2740030"/>
+            <a:off x="494763" y="2740030"/>
             <a:ext cx="797026" cy="797026"/>
           </a:xfrm>
           <a:prstGeom prst="rect">
@@ -24237,38 +23719,8 @@
         </p:nvCxnSpPr>
         <p:spPr>
           <a:xfrm flipV="1">
-            <a:off x="1619790" y="3127586"/>
+            <a:off x="1291789" y="3127586"/>
             <a:ext cx="1339131" cy="10957"/>
-          </a:xfrm>
-          <a:prstGeom prst="line">
-            <a:avLst/>
-          </a:prstGeom>
-        </p:spPr>
-        <p:style>
-          <a:lnRef idx="1">
-            <a:schemeClr val="accent1"/>
-          </a:lnRef>
-          <a:fillRef idx="0">
-            <a:schemeClr val="accent1"/>
-          </a:fillRef>
-          <a:effectRef idx="0">
-            <a:schemeClr val="accent1"/>
-          </a:effectRef>
-          <a:fontRef idx="minor">
-            <a:schemeClr val="tx1"/>
-          </a:fontRef>
-        </p:style>
-      </p:cxnSp>
-      <p:cxnSp>
-        <p:nvCxnSpPr>
-          <p:cNvPr id="13" name="Straight Connector 12"/>
-          <p:cNvCxnSpPr/>
-          <p:nvPr/>
-        </p:nvCxnSpPr>
-        <p:spPr>
-          <a:xfrm>
-            <a:off x="3788229" y="2923099"/>
-            <a:ext cx="2708708" cy="10094"/>
           </a:xfrm>
           <a:prstGeom prst="line">
             <a:avLst/>
@@ -24299,7 +23751,7 @@
         </p:nvCxnSpPr>
         <p:spPr>
           <a:xfrm>
-            <a:off x="7305797" y="3141437"/>
+            <a:off x="8607824" y="3141437"/>
             <a:ext cx="1798774" cy="0"/>
           </a:xfrm>
           <a:prstGeom prst="line">
@@ -24331,7 +23783,7 @@
         </p:nvSpPr>
         <p:spPr bwMode="auto">
           <a:xfrm>
-            <a:off x="6083619" y="3625317"/>
+            <a:off x="7365768" y="3625317"/>
             <a:ext cx="1635493" cy="363176"/>
           </a:xfrm>
           <a:prstGeom prst="rect">
@@ -24470,7 +23922,7 @@
         </p:nvSpPr>
         <p:spPr bwMode="auto">
           <a:xfrm>
-            <a:off x="2632482" y="3616301"/>
+            <a:off x="2274661" y="3626240"/>
             <a:ext cx="1555750" cy="346762"/>
           </a:xfrm>
           <a:prstGeom prst="rect">
@@ -24635,7 +24087,7 @@
         </p:blipFill>
         <p:spPr>
           <a:xfrm>
-            <a:off x="6496937" y="4559206"/>
+            <a:off x="7779086" y="4559206"/>
             <a:ext cx="808860" cy="791238"/>
           </a:xfrm>
           <a:prstGeom prst="rect">
@@ -24653,7 +24105,7 @@
         </p:nvSpPr>
         <p:spPr bwMode="auto">
           <a:xfrm>
-            <a:off x="6083620" y="5368560"/>
+            <a:off x="7365769" y="5368560"/>
             <a:ext cx="1635493" cy="346762"/>
           </a:xfrm>
           <a:prstGeom prst="rect">
@@ -24804,7 +24256,7 @@
         </p:blipFill>
         <p:spPr>
           <a:xfrm>
-            <a:off x="9204721" y="2673792"/>
+            <a:off x="10506748" y="2673792"/>
             <a:ext cx="875317" cy="902873"/>
           </a:xfrm>
           <a:prstGeom prst="rect">
@@ -24822,7 +24274,7 @@
         </p:nvSpPr>
         <p:spPr bwMode="auto">
           <a:xfrm>
-            <a:off x="8824632" y="3625522"/>
+            <a:off x="10126659" y="3625522"/>
             <a:ext cx="1635493" cy="346762"/>
           </a:xfrm>
           <a:prstGeom prst="rect">
@@ -24951,16 +24403,237 @@
           </a:p>
         </p:txBody>
       </p:sp>
+      <p:sp>
+        <p:nvSpPr>
+          <p:cNvPr id="27" name="Freihandform 26">
+            <a:extLst>
+              <a:ext uri="{FF2B5EF4-FFF2-40B4-BE49-F238E27FC236}">
+                <a16:creationId xmlns:a16="http://schemas.microsoft.com/office/drawing/2014/main" id="{4F79D5C1-6B06-4491-AAB1-02C2FBB68B48}"/>
+              </a:ext>
+            </a:extLst>
+          </p:cNvPr>
+          <p:cNvSpPr txBox="1">
+            <a:spLocks/>
+          </p:cNvSpPr>
+          <p:nvPr/>
+        </p:nvSpPr>
+        <p:spPr bwMode="gray">
+          <a:xfrm>
+            <a:off x="695324" y="1142793"/>
+            <a:ext cx="7229475" cy="314958"/>
+          </a:xfrm>
+          <a:prstGeom prst="rect">
+            <a:avLst/>
+          </a:prstGeom>
+          <a:noFill/>
+          <a:extLst>
+            <a:ext uri="{909E8E84-426E-40DD-AFC4-6F175D3DCCD1}">
+              <a14:hiddenFill xmlns:a14="http://schemas.microsoft.com/office/drawing/2010/main">
+                <a:solidFill>
+                  <a:srgbClr val="FFFFFF"/>
+                </a:solidFill>
+              </a14:hiddenFill>
+            </a:ext>
+          </a:extLst>
+        </p:spPr>
+        <p:txBody>
+          <a:bodyPr vert="horz" lIns="0" tIns="0" rIns="0" bIns="0" rtlCol="0">
+            <a:noAutofit/>
+          </a:bodyPr>
+          <a:lstStyle>
+            <a:lvl1pPr marL="0" indent="0" algn="l" defTabSz="914400" rtl="0" eaLnBrk="1" latinLnBrk="0" hangingPunct="1">
+              <a:lnSpc>
+                <a:spcPct val="110000"/>
+              </a:lnSpc>
+              <a:spcBef>
+                <a:spcPts val="600"/>
+              </a:spcBef>
+              <a:buFontTx/>
+              <a:buNone/>
+              <a:defRPr sz="1400" kern="1200">
+                <a:solidFill>
+                  <a:schemeClr val="tx2"/>
+                </a:solidFill>
+                <a:latin typeface="+mn-lt"/>
+                <a:ea typeface="+mn-ea"/>
+                <a:cs typeface="+mn-cs"/>
+              </a:defRPr>
+            </a:lvl1pPr>
+            <a:lvl2pPr marL="216000" indent="-216000" algn="l" defTabSz="914400" rtl="0" eaLnBrk="1" latinLnBrk="0" hangingPunct="1">
+              <a:lnSpc>
+                <a:spcPct val="90000"/>
+              </a:lnSpc>
+              <a:spcBef>
+                <a:spcPts val="600"/>
+              </a:spcBef>
+              <a:buClr>
+                <a:schemeClr val="accent1"/>
+              </a:buClr>
+              <a:buFont typeface="Wingdings" panose="05000000000000000000" pitchFamily="2" charset="2"/>
+              <a:buChar char="§"/>
+              <a:defRPr sz="1400" kern="1200">
+                <a:solidFill>
+                  <a:schemeClr val="tx2"/>
+                </a:solidFill>
+                <a:latin typeface="+mn-lt"/>
+                <a:ea typeface="+mn-ea"/>
+                <a:cs typeface="+mn-cs"/>
+              </a:defRPr>
+            </a:lvl2pPr>
+            <a:lvl3pPr marL="432000" indent="-216000" algn="l" defTabSz="914400" rtl="0" eaLnBrk="1" latinLnBrk="0" hangingPunct="1">
+              <a:lnSpc>
+                <a:spcPct val="90000"/>
+              </a:lnSpc>
+              <a:spcBef>
+                <a:spcPts val="600"/>
+              </a:spcBef>
+              <a:buFont typeface="Roboto" panose="02000000000000000000" pitchFamily="2" charset="0"/>
+              <a:buChar char="–"/>
+              <a:defRPr sz="1400" kern="1200">
+                <a:solidFill>
+                  <a:schemeClr val="tx2"/>
+                </a:solidFill>
+                <a:latin typeface="+mn-lt"/>
+                <a:ea typeface="+mn-ea"/>
+                <a:cs typeface="+mn-cs"/>
+              </a:defRPr>
+            </a:lvl3pPr>
+            <a:lvl4pPr marL="648000" indent="-216000" algn="l" defTabSz="914400" rtl="0" eaLnBrk="1" latinLnBrk="0" hangingPunct="1">
+              <a:lnSpc>
+                <a:spcPct val="90000"/>
+              </a:lnSpc>
+              <a:spcBef>
+                <a:spcPts val="600"/>
+              </a:spcBef>
+              <a:buFont typeface="Roboto" panose="02000000000000000000" pitchFamily="2" charset="0"/>
+              <a:buChar char="–"/>
+              <a:defRPr sz="1400" kern="1200">
+                <a:solidFill>
+                  <a:schemeClr val="tx2"/>
+                </a:solidFill>
+                <a:latin typeface="+mn-lt"/>
+                <a:ea typeface="+mn-ea"/>
+                <a:cs typeface="+mn-cs"/>
+              </a:defRPr>
+            </a:lvl4pPr>
+            <a:lvl5pPr marL="864000" indent="-216000" algn="l" defTabSz="914400" rtl="0" eaLnBrk="1" latinLnBrk="0" hangingPunct="1">
+              <a:lnSpc>
+                <a:spcPct val="90000"/>
+              </a:lnSpc>
+              <a:spcBef>
+                <a:spcPts val="600"/>
+              </a:spcBef>
+              <a:buFont typeface="Roboto" panose="02000000000000000000" pitchFamily="2" charset="0"/>
+              <a:buChar char="–"/>
+              <a:defRPr sz="1400" kern="1200">
+                <a:solidFill>
+                  <a:schemeClr val="tx2"/>
+                </a:solidFill>
+                <a:latin typeface="+mn-lt"/>
+                <a:ea typeface="+mn-ea"/>
+                <a:cs typeface="+mn-cs"/>
+              </a:defRPr>
+            </a:lvl5pPr>
+            <a:lvl6pPr marL="2514600" indent="-228600" algn="l" defTabSz="914400" rtl="0" eaLnBrk="1" latinLnBrk="0" hangingPunct="1">
+              <a:lnSpc>
+                <a:spcPct val="90000"/>
+              </a:lnSpc>
+              <a:spcBef>
+                <a:spcPts val="500"/>
+              </a:spcBef>
+              <a:buFont typeface="Arial" panose="020B0604020202020204" pitchFamily="34" charset="0"/>
+              <a:buChar char="•"/>
+              <a:defRPr sz="1800" kern="1200">
+                <a:solidFill>
+                  <a:schemeClr val="tx1"/>
+                </a:solidFill>
+                <a:latin typeface="+mn-lt"/>
+                <a:ea typeface="+mn-ea"/>
+                <a:cs typeface="+mn-cs"/>
+              </a:defRPr>
+            </a:lvl6pPr>
+            <a:lvl7pPr marL="2971800" indent="-228600" algn="l" defTabSz="914400" rtl="0" eaLnBrk="1" latinLnBrk="0" hangingPunct="1">
+              <a:lnSpc>
+                <a:spcPct val="90000"/>
+              </a:lnSpc>
+              <a:spcBef>
+                <a:spcPts val="500"/>
+              </a:spcBef>
+              <a:buFont typeface="Arial" panose="020B0604020202020204" pitchFamily="34" charset="0"/>
+              <a:buChar char="•"/>
+              <a:defRPr sz="1800" kern="1200">
+                <a:solidFill>
+                  <a:schemeClr val="tx1"/>
+                </a:solidFill>
+                <a:latin typeface="+mn-lt"/>
+                <a:ea typeface="+mn-ea"/>
+                <a:cs typeface="+mn-cs"/>
+              </a:defRPr>
+            </a:lvl7pPr>
+            <a:lvl8pPr marL="3429000" indent="-228600" algn="l" defTabSz="914400" rtl="0" eaLnBrk="1" latinLnBrk="0" hangingPunct="1">
+              <a:lnSpc>
+                <a:spcPct val="90000"/>
+              </a:lnSpc>
+              <a:spcBef>
+                <a:spcPts val="500"/>
+              </a:spcBef>
+              <a:buFont typeface="Arial" panose="020B0604020202020204" pitchFamily="34" charset="0"/>
+              <a:buChar char="•"/>
+              <a:defRPr sz="1800" kern="1200">
+                <a:solidFill>
+                  <a:schemeClr val="tx1"/>
+                </a:solidFill>
+                <a:latin typeface="+mn-lt"/>
+                <a:ea typeface="+mn-ea"/>
+                <a:cs typeface="+mn-cs"/>
+              </a:defRPr>
+            </a:lvl8pPr>
+            <a:lvl9pPr marL="3886200" indent="-228600" algn="l" defTabSz="914400" rtl="0" eaLnBrk="1" latinLnBrk="0" hangingPunct="1">
+              <a:lnSpc>
+                <a:spcPct val="90000"/>
+              </a:lnSpc>
+              <a:spcBef>
+                <a:spcPts val="500"/>
+              </a:spcBef>
+              <a:buFont typeface="Arial" panose="020B0604020202020204" pitchFamily="34" charset="0"/>
+              <a:buChar char="•"/>
+              <a:defRPr sz="1800" kern="1200">
+                <a:solidFill>
+                  <a:schemeClr val="tx1"/>
+                </a:solidFill>
+                <a:latin typeface="+mn-lt"/>
+                <a:ea typeface="+mn-ea"/>
+                <a:cs typeface="+mn-cs"/>
+              </a:defRPr>
+            </a:lvl9pPr>
+          </a:lstStyle>
+          <a:p>
+            <a:r>
+              <a:rPr lang="en-US" sz="2000" dirty="0" smtClean="0">
+                <a:solidFill>
+                  <a:schemeClr val="accent1"/>
+                </a:solidFill>
+              </a:rPr>
+              <a:t>Starting point</a:t>
+            </a:r>
+            <a:endParaRPr lang="de-DE" sz="2000" dirty="0">
+              <a:solidFill>
+                <a:schemeClr val="accent1"/>
+              </a:solidFill>
+            </a:endParaRPr>
+          </a:p>
+        </p:txBody>
+      </p:sp>
       <p:cxnSp>
         <p:nvCxnSpPr>
-          <p:cNvPr id="36" name="Straight Connector 35"/>
+          <p:cNvPr id="34" name="Straight Connector 33"/>
           <p:cNvCxnSpPr/>
           <p:nvPr/>
         </p:nvCxnSpPr>
         <p:spPr>
           <a:xfrm>
-            <a:off x="3788229" y="3403459"/>
-            <a:ext cx="2708246" cy="0"/>
+            <a:off x="3830396" y="3146627"/>
+            <a:ext cx="3792917" cy="435"/>
           </a:xfrm>
           <a:prstGeom prst="line">
             <a:avLst/>
@@ -24981,9 +24654,39 @@
           </a:fontRef>
         </p:style>
       </p:cxnSp>
-      <p:sp>
-        <p:nvSpPr>
-          <p:cNvPr id="37" name="TextBox 37"/>
+      <p:cxnSp>
+        <p:nvCxnSpPr>
+          <p:cNvPr id="37" name="Straight Connector 36"/>
+          <p:cNvCxnSpPr/>
+          <p:nvPr/>
+        </p:nvCxnSpPr>
+        <p:spPr>
+          <a:xfrm>
+            <a:off x="3843456" y="3572498"/>
+            <a:ext cx="3779857" cy="18780"/>
+          </a:xfrm>
+          <a:prstGeom prst="line">
+            <a:avLst/>
+          </a:prstGeom>
+        </p:spPr>
+        <p:style>
+          <a:lnRef idx="1">
+            <a:schemeClr val="accent1"/>
+          </a:lnRef>
+          <a:fillRef idx="0">
+            <a:schemeClr val="accent1"/>
+          </a:fillRef>
+          <a:effectRef idx="0">
+            <a:schemeClr val="accent1"/>
+          </a:effectRef>
+          <a:fontRef idx="minor">
+            <a:schemeClr val="tx1"/>
+          </a:fontRef>
+        </p:style>
+      </p:cxnSp>
+      <p:sp>
+        <p:nvSpPr>
+          <p:cNvPr id="38" name="TextBox 37"/>
           <p:cNvSpPr txBox="1">
             <a:spLocks noChangeArrowheads="1"/>
           </p:cNvSpPr>
@@ -24991,8 +24694,8 @@
         </p:nvSpPr>
         <p:spPr bwMode="auto">
           <a:xfrm>
-            <a:off x="3961944" y="2970472"/>
-            <a:ext cx="2492204" cy="507831"/>
+            <a:off x="3618982" y="3256116"/>
+            <a:ext cx="3144207" cy="314958"/>
           </a:xfrm>
           <a:prstGeom prst="rect">
             <a:avLst/>
@@ -25107,51 +24810,41 @@
           <a:p>
             <a:pPr algn="ctr"/>
             <a:r>
-              <a:rPr lang="en-US" sz="1000" dirty="0" smtClean="0">
+              <a:rPr lang="en-US" sz="1400" dirty="0" smtClean="0">
                 <a:ea typeface="Verdana" pitchFamily="34" charset="0"/>
                 <a:cs typeface="Helvetica Neue"/>
               </a:rPr>
               <a:t>GET /</a:t>
             </a:r>
             <a:r>
-              <a:rPr lang="en-US" sz="1000" dirty="0" err="1" smtClean="0">
+              <a:rPr lang="en-US" sz="1400" dirty="0" err="1" smtClean="0">
                 <a:ea typeface="Verdana" pitchFamily="34" charset="0"/>
                 <a:cs typeface="Helvetica Neue"/>
               </a:rPr>
               <a:t>api</a:t>
             </a:r>
             <a:r>
-              <a:rPr lang="en-US" sz="1000" dirty="0" smtClean="0">
+              <a:rPr lang="en-US" sz="1400" dirty="0" smtClean="0">
                 <a:ea typeface="Verdana" pitchFamily="34" charset="0"/>
                 <a:cs typeface="Helvetica Neue"/>
               </a:rPr>
               <a:t>/weather/{</a:t>
             </a:r>
             <a:r>
-              <a:rPr lang="en-US" sz="1000" dirty="0" err="1" smtClean="0">
+              <a:rPr lang="en-US" sz="1400" dirty="0" err="1" smtClean="0">
                 <a:ea typeface="Verdana" pitchFamily="34" charset="0"/>
                 <a:cs typeface="Helvetica Neue"/>
               </a:rPr>
               <a:t>stationName</a:t>
             </a:r>
             <a:r>
-              <a:rPr lang="en-US" sz="1000" dirty="0" smtClean="0">
+              <a:rPr lang="en-US" sz="1400" dirty="0" smtClean="0">
                 <a:ea typeface="Verdana" pitchFamily="34" charset="0"/>
                 <a:cs typeface="Helvetica Neue"/>
               </a:rPr>
               <a:t>}</a:t>
             </a:r>
-          </a:p>
-          <a:p>
-            <a:pPr algn="ctr"/>
-            <a:r>
-              <a:rPr lang="en-US" sz="1000" dirty="0">
-                <a:ea typeface="Verdana" pitchFamily="34" charset="0"/>
-                <a:cs typeface="Helvetica Neue"/>
-              </a:rPr>
-              <a:t>⋮</a:t>
-            </a:r>
-            <a:endParaRPr lang="en-US" sz="1000" dirty="0" smtClean="0">
+            <a:endParaRPr lang="en-US" sz="1400" dirty="0" smtClean="0">
               <a:ea typeface="Verdana" pitchFamily="34" charset="0"/>
               <a:cs typeface="Helvetica Neue"/>
             </a:endParaRPr>
@@ -25160,7 +24853,7 @@
       </p:sp>
       <p:sp>
         <p:nvSpPr>
-          <p:cNvPr id="38" name="TextBox 37"/>
+          <p:cNvPr id="39" name="TextBox 38"/>
           <p:cNvSpPr txBox="1">
             <a:spLocks noChangeArrowheads="1"/>
           </p:cNvSpPr>
@@ -25168,8 +24861,8 @@
         </p:nvSpPr>
         <p:spPr bwMode="auto">
           <a:xfrm>
-            <a:off x="3961944" y="2623583"/>
-            <a:ext cx="1555750" cy="251351"/>
+            <a:off x="3763389" y="2810270"/>
+            <a:ext cx="1555750" cy="314958"/>
           </a:xfrm>
           <a:prstGeom prst="rect">
             <a:avLst/>
@@ -25284,258 +24977,37 @@
           <a:p>
             <a:pPr algn="ctr"/>
             <a:r>
-              <a:rPr lang="en-US" sz="1000" dirty="0" smtClean="0">
+              <a:rPr lang="en-US" sz="1400" dirty="0" smtClean="0">
                 <a:ea typeface="Verdana" pitchFamily="34" charset="0"/>
                 <a:cs typeface="Helvetica Neue"/>
               </a:rPr>
               <a:t>GET /</a:t>
             </a:r>
             <a:r>
-              <a:rPr lang="en-US" sz="1000" dirty="0" err="1" smtClean="0">
+              <a:rPr lang="en-US" sz="1400" dirty="0" err="1" smtClean="0">
                 <a:ea typeface="Verdana" pitchFamily="34" charset="0"/>
                 <a:cs typeface="Helvetica Neue"/>
               </a:rPr>
               <a:t>api</a:t>
             </a:r>
             <a:r>
-              <a:rPr lang="en-US" sz="1000" dirty="0" smtClean="0">
+              <a:rPr lang="en-US" sz="1400" dirty="0" smtClean="0">
                 <a:ea typeface="Verdana" pitchFamily="34" charset="0"/>
                 <a:cs typeface="Helvetica Neue"/>
               </a:rPr>
               <a:t>/station</a:t>
             </a:r>
-            <a:endParaRPr lang="en-US" sz="1000" dirty="0">
+            <a:endParaRPr lang="en-US" sz="1400" dirty="0">
               <a:ea typeface="Verdana" pitchFamily="34" charset="0"/>
               <a:cs typeface="Helvetica Neue"/>
             </a:endParaRPr>
           </a:p>
         </p:txBody>
       </p:sp>
-      <p:sp>
-        <p:nvSpPr>
-          <p:cNvPr id="44" name="Freihandform 26">
-            <a:extLst>
-              <a:ext uri="{FF2B5EF4-FFF2-40B4-BE49-F238E27FC236}">
-                <a16:creationId xmlns:a16="http://schemas.microsoft.com/office/drawing/2014/main" id="{4F79D5C1-6B06-4491-AAB1-02C2FBB68B48}"/>
-              </a:ext>
-            </a:extLst>
-          </p:cNvPr>
-          <p:cNvSpPr txBox="1">
-            <a:spLocks/>
-          </p:cNvSpPr>
-          <p:nvPr/>
-        </p:nvSpPr>
-        <p:spPr bwMode="gray">
-          <a:xfrm>
-            <a:off x="695324" y="1142793"/>
-            <a:ext cx="2683601" cy="314958"/>
-          </a:xfrm>
-          <a:prstGeom prst="rect">
-            <a:avLst/>
-          </a:prstGeom>
-          <a:noFill/>
-          <a:extLst>
-            <a:ext uri="{909E8E84-426E-40DD-AFC4-6F175D3DCCD1}">
-              <a14:hiddenFill xmlns:a14="http://schemas.microsoft.com/office/drawing/2010/main">
-                <a:solidFill>
-                  <a:srgbClr val="FFFFFF"/>
-                </a:solidFill>
-              </a14:hiddenFill>
-            </a:ext>
-          </a:extLst>
-        </p:spPr>
-        <p:txBody>
-          <a:bodyPr vert="horz" lIns="0" tIns="0" rIns="0" bIns="0" rtlCol="0">
-            <a:noAutofit/>
-          </a:bodyPr>
-          <a:lstStyle>
-            <a:lvl1pPr marL="0" indent="0" algn="l" defTabSz="914400" rtl="0" eaLnBrk="1" latinLnBrk="0" hangingPunct="1">
-              <a:lnSpc>
-                <a:spcPct val="110000"/>
-              </a:lnSpc>
-              <a:spcBef>
-                <a:spcPts val="600"/>
-              </a:spcBef>
-              <a:buFontTx/>
-              <a:buNone/>
-              <a:defRPr sz="1400" kern="1200">
-                <a:solidFill>
-                  <a:schemeClr val="tx2"/>
-                </a:solidFill>
-                <a:latin typeface="+mn-lt"/>
-                <a:ea typeface="+mn-ea"/>
-                <a:cs typeface="+mn-cs"/>
-              </a:defRPr>
-            </a:lvl1pPr>
-            <a:lvl2pPr marL="216000" indent="-216000" algn="l" defTabSz="914400" rtl="0" eaLnBrk="1" latinLnBrk="0" hangingPunct="1">
-              <a:lnSpc>
-                <a:spcPct val="90000"/>
-              </a:lnSpc>
-              <a:spcBef>
-                <a:spcPts val="600"/>
-              </a:spcBef>
-              <a:buClr>
-                <a:schemeClr val="accent1"/>
-              </a:buClr>
-              <a:buFont typeface="Wingdings" panose="05000000000000000000" pitchFamily="2" charset="2"/>
-              <a:buChar char="§"/>
-              <a:defRPr sz="1400" kern="1200">
-                <a:solidFill>
-                  <a:schemeClr val="tx2"/>
-                </a:solidFill>
-                <a:latin typeface="+mn-lt"/>
-                <a:ea typeface="+mn-ea"/>
-                <a:cs typeface="+mn-cs"/>
-              </a:defRPr>
-            </a:lvl2pPr>
-            <a:lvl3pPr marL="432000" indent="-216000" algn="l" defTabSz="914400" rtl="0" eaLnBrk="1" latinLnBrk="0" hangingPunct="1">
-              <a:lnSpc>
-                <a:spcPct val="90000"/>
-              </a:lnSpc>
-              <a:spcBef>
-                <a:spcPts val="600"/>
-              </a:spcBef>
-              <a:buFont typeface="Roboto" panose="02000000000000000000" pitchFamily="2" charset="0"/>
-              <a:buChar char="–"/>
-              <a:defRPr sz="1400" kern="1200">
-                <a:solidFill>
-                  <a:schemeClr val="tx2"/>
-                </a:solidFill>
-                <a:latin typeface="+mn-lt"/>
-                <a:ea typeface="+mn-ea"/>
-                <a:cs typeface="+mn-cs"/>
-              </a:defRPr>
-            </a:lvl3pPr>
-            <a:lvl4pPr marL="648000" indent="-216000" algn="l" defTabSz="914400" rtl="0" eaLnBrk="1" latinLnBrk="0" hangingPunct="1">
-              <a:lnSpc>
-                <a:spcPct val="90000"/>
-              </a:lnSpc>
-              <a:spcBef>
-                <a:spcPts val="600"/>
-              </a:spcBef>
-              <a:buFont typeface="Roboto" panose="02000000000000000000" pitchFamily="2" charset="0"/>
-              <a:buChar char="–"/>
-              <a:defRPr sz="1400" kern="1200">
-                <a:solidFill>
-                  <a:schemeClr val="tx2"/>
-                </a:solidFill>
-                <a:latin typeface="+mn-lt"/>
-                <a:ea typeface="+mn-ea"/>
-                <a:cs typeface="+mn-cs"/>
-              </a:defRPr>
-            </a:lvl4pPr>
-            <a:lvl5pPr marL="864000" indent="-216000" algn="l" defTabSz="914400" rtl="0" eaLnBrk="1" latinLnBrk="0" hangingPunct="1">
-              <a:lnSpc>
-                <a:spcPct val="90000"/>
-              </a:lnSpc>
-              <a:spcBef>
-                <a:spcPts val="600"/>
-              </a:spcBef>
-              <a:buFont typeface="Roboto" panose="02000000000000000000" pitchFamily="2" charset="0"/>
-              <a:buChar char="–"/>
-              <a:defRPr sz="1400" kern="1200">
-                <a:solidFill>
-                  <a:schemeClr val="tx2"/>
-                </a:solidFill>
-                <a:latin typeface="+mn-lt"/>
-                <a:ea typeface="+mn-ea"/>
-                <a:cs typeface="+mn-cs"/>
-              </a:defRPr>
-            </a:lvl5pPr>
-            <a:lvl6pPr marL="2514600" indent="-228600" algn="l" defTabSz="914400" rtl="0" eaLnBrk="1" latinLnBrk="0" hangingPunct="1">
-              <a:lnSpc>
-                <a:spcPct val="90000"/>
-              </a:lnSpc>
-              <a:spcBef>
-                <a:spcPts val="500"/>
-              </a:spcBef>
-              <a:buFont typeface="Arial" panose="020B0604020202020204" pitchFamily="34" charset="0"/>
-              <a:buChar char="•"/>
-              <a:defRPr sz="1800" kern="1200">
-                <a:solidFill>
-                  <a:schemeClr val="tx1"/>
-                </a:solidFill>
-                <a:latin typeface="+mn-lt"/>
-                <a:ea typeface="+mn-ea"/>
-                <a:cs typeface="+mn-cs"/>
-              </a:defRPr>
-            </a:lvl6pPr>
-            <a:lvl7pPr marL="2971800" indent="-228600" algn="l" defTabSz="914400" rtl="0" eaLnBrk="1" latinLnBrk="0" hangingPunct="1">
-              <a:lnSpc>
-                <a:spcPct val="90000"/>
-              </a:lnSpc>
-              <a:spcBef>
-                <a:spcPts val="500"/>
-              </a:spcBef>
-              <a:buFont typeface="Arial" panose="020B0604020202020204" pitchFamily="34" charset="0"/>
-              <a:buChar char="•"/>
-              <a:defRPr sz="1800" kern="1200">
-                <a:solidFill>
-                  <a:schemeClr val="tx1"/>
-                </a:solidFill>
-                <a:latin typeface="+mn-lt"/>
-                <a:ea typeface="+mn-ea"/>
-                <a:cs typeface="+mn-cs"/>
-              </a:defRPr>
-            </a:lvl7pPr>
-            <a:lvl8pPr marL="3429000" indent="-228600" algn="l" defTabSz="914400" rtl="0" eaLnBrk="1" latinLnBrk="0" hangingPunct="1">
-              <a:lnSpc>
-                <a:spcPct val="90000"/>
-              </a:lnSpc>
-              <a:spcBef>
-                <a:spcPts val="500"/>
-              </a:spcBef>
-              <a:buFont typeface="Arial" panose="020B0604020202020204" pitchFamily="34" charset="0"/>
-              <a:buChar char="•"/>
-              <a:defRPr sz="1800" kern="1200">
-                <a:solidFill>
-                  <a:schemeClr val="tx1"/>
-                </a:solidFill>
-                <a:latin typeface="+mn-lt"/>
-                <a:ea typeface="+mn-ea"/>
-                <a:cs typeface="+mn-cs"/>
-              </a:defRPr>
-            </a:lvl8pPr>
-            <a:lvl9pPr marL="3886200" indent="-228600" algn="l" defTabSz="914400" rtl="0" eaLnBrk="1" latinLnBrk="0" hangingPunct="1">
-              <a:lnSpc>
-                <a:spcPct val="90000"/>
-              </a:lnSpc>
-              <a:spcBef>
-                <a:spcPts val="500"/>
-              </a:spcBef>
-              <a:buFont typeface="Arial" panose="020B0604020202020204" pitchFamily="34" charset="0"/>
-              <a:buChar char="•"/>
-              <a:defRPr sz="1800" kern="1200">
-                <a:solidFill>
-                  <a:schemeClr val="tx1"/>
-                </a:solidFill>
-                <a:latin typeface="+mn-lt"/>
-                <a:ea typeface="+mn-ea"/>
-                <a:cs typeface="+mn-cs"/>
-              </a:defRPr>
-            </a:lvl9pPr>
-          </a:lstStyle>
-          <a:p>
-            <a:r>
-              <a:rPr lang="en-US" sz="2000" dirty="0" smtClean="0">
-                <a:solidFill>
-                  <a:schemeClr val="accent1"/>
-                </a:solidFill>
-              </a:rPr>
-              <a:t>Master branch</a:t>
-            </a:r>
-            <a:endParaRPr lang="de-DE" sz="2000" dirty="0">
-              <a:solidFill>
-                <a:schemeClr val="accent1"/>
-              </a:solidFill>
-            </a:endParaRPr>
-          </a:p>
-        </p:txBody>
-      </p:sp>
     </p:spTree>
     <p:extLst>
       <p:ext uri="{BB962C8B-B14F-4D97-AF65-F5344CB8AC3E}">
-        <p14:creationId xmlns:p14="http://schemas.microsoft.com/office/powerpoint/2010/main" val="729592629"/>
+        <p14:creationId xmlns:p14="http://schemas.microsoft.com/office/powerpoint/2010/main" val="1448477694"/>
       </p:ext>
     </p:extLst>
   </p:cSld>
@@ -25651,7 +25123,7 @@
         </p:blipFill>
         <p:spPr bwMode="auto">
           <a:xfrm>
-            <a:off x="2958921" y="2676149"/>
+            <a:off x="2630920" y="2676149"/>
             <a:ext cx="902873" cy="902873"/>
           </a:xfrm>
           <a:prstGeom prst="rect">
@@ -25684,7 +25156,7 @@
         </p:blipFill>
         <p:spPr>
           <a:xfrm>
-            <a:off x="6496937" y="2745818"/>
+            <a:off x="7798964" y="2745818"/>
             <a:ext cx="808860" cy="791238"/>
           </a:xfrm>
           <a:prstGeom prst="rect">
@@ -25714,7 +25186,7 @@
         </p:blipFill>
         <p:spPr>
           <a:xfrm>
-            <a:off x="822764" y="2740030"/>
+            <a:off x="494763" y="2740030"/>
             <a:ext cx="797026" cy="797026"/>
           </a:xfrm>
           <a:prstGeom prst="rect">
@@ -25733,38 +25205,8 @@
         </p:nvCxnSpPr>
         <p:spPr>
           <a:xfrm flipV="1">
-            <a:off x="1619790" y="3127586"/>
+            <a:off x="1291789" y="3127586"/>
             <a:ext cx="1339131" cy="10957"/>
-          </a:xfrm>
-          <a:prstGeom prst="line">
-            <a:avLst/>
-          </a:prstGeom>
-        </p:spPr>
-        <p:style>
-          <a:lnRef idx="1">
-            <a:schemeClr val="accent1"/>
-          </a:lnRef>
-          <a:fillRef idx="0">
-            <a:schemeClr val="accent1"/>
-          </a:fillRef>
-          <a:effectRef idx="0">
-            <a:schemeClr val="accent1"/>
-          </a:effectRef>
-          <a:fontRef idx="minor">
-            <a:schemeClr val="tx1"/>
-          </a:fontRef>
-        </p:style>
-      </p:cxnSp>
-      <p:cxnSp>
-        <p:nvCxnSpPr>
-          <p:cNvPr id="13" name="Straight Connector 12"/>
-          <p:cNvCxnSpPr/>
-          <p:nvPr/>
-        </p:nvCxnSpPr>
-        <p:spPr>
-          <a:xfrm>
-            <a:off x="3788229" y="1799695"/>
-            <a:ext cx="2708708" cy="10094"/>
           </a:xfrm>
           <a:prstGeom prst="line">
             <a:avLst/>
@@ -25795,7 +25237,7 @@
         </p:nvCxnSpPr>
         <p:spPr>
           <a:xfrm>
-            <a:off x="7305797" y="3141437"/>
+            <a:off x="8607824" y="3141437"/>
             <a:ext cx="1798774" cy="0"/>
           </a:xfrm>
           <a:prstGeom prst="line">
@@ -25827,7 +25269,7 @@
         </p:nvSpPr>
         <p:spPr bwMode="auto">
           <a:xfrm>
-            <a:off x="6083619" y="3625317"/>
+            <a:off x="7365768" y="3625317"/>
             <a:ext cx="1635493" cy="363176"/>
           </a:xfrm>
           <a:prstGeom prst="rect">
@@ -25966,7 +25408,7 @@
         </p:nvSpPr>
         <p:spPr bwMode="auto">
           <a:xfrm>
-            <a:off x="2632482" y="3616301"/>
+            <a:off x="2274661" y="3626240"/>
             <a:ext cx="1555750" cy="346762"/>
           </a:xfrm>
           <a:prstGeom prst="rect">
@@ -26131,7 +25573,7 @@
         </p:blipFill>
         <p:spPr>
           <a:xfrm>
-            <a:off x="6496937" y="4559206"/>
+            <a:off x="7779086" y="4559206"/>
             <a:ext cx="808860" cy="791238"/>
           </a:xfrm>
           <a:prstGeom prst="rect">
@@ -26149,7 +25591,7 @@
         </p:nvSpPr>
         <p:spPr bwMode="auto">
           <a:xfrm>
-            <a:off x="6083620" y="5368560"/>
+            <a:off x="7365769" y="5368560"/>
             <a:ext cx="1635493" cy="346762"/>
           </a:xfrm>
           <a:prstGeom prst="rect">
@@ -26300,7 +25742,7 @@
         </p:blipFill>
         <p:spPr>
           <a:xfrm>
-            <a:off x="9204721" y="2673792"/>
+            <a:off x="10506748" y="2673792"/>
             <a:ext cx="875317" cy="902873"/>
           </a:xfrm>
           <a:prstGeom prst="rect">
@@ -26318,7 +25760,7 @@
         </p:nvSpPr>
         <p:spPr bwMode="auto">
           <a:xfrm>
-            <a:off x="8824632" y="3625522"/>
+            <a:off x="10126659" y="3625522"/>
             <a:ext cx="1635493" cy="346762"/>
           </a:xfrm>
           <a:prstGeom prst="rect">
@@ -26447,16 +25889,237 @@
           </a:p>
         </p:txBody>
       </p:sp>
+      <p:sp>
+        <p:nvSpPr>
+          <p:cNvPr id="27" name="Freihandform 26">
+            <a:extLst>
+              <a:ext uri="{FF2B5EF4-FFF2-40B4-BE49-F238E27FC236}">
+                <a16:creationId xmlns:a16="http://schemas.microsoft.com/office/drawing/2014/main" id="{4F79D5C1-6B06-4491-AAB1-02C2FBB68B48}"/>
+              </a:ext>
+            </a:extLst>
+          </p:cNvPr>
+          <p:cNvSpPr txBox="1">
+            <a:spLocks/>
+          </p:cNvSpPr>
+          <p:nvPr/>
+        </p:nvSpPr>
+        <p:spPr bwMode="gray">
+          <a:xfrm>
+            <a:off x="695324" y="1142793"/>
+            <a:ext cx="7229475" cy="314958"/>
+          </a:xfrm>
+          <a:prstGeom prst="rect">
+            <a:avLst/>
+          </a:prstGeom>
+          <a:noFill/>
+          <a:extLst>
+            <a:ext uri="{909E8E84-426E-40DD-AFC4-6F175D3DCCD1}">
+              <a14:hiddenFill xmlns:a14="http://schemas.microsoft.com/office/drawing/2010/main">
+                <a:solidFill>
+                  <a:srgbClr val="FFFFFF"/>
+                </a:solidFill>
+              </a14:hiddenFill>
+            </a:ext>
+          </a:extLst>
+        </p:spPr>
+        <p:txBody>
+          <a:bodyPr vert="horz" lIns="0" tIns="0" rIns="0" bIns="0" rtlCol="0">
+            <a:noAutofit/>
+          </a:bodyPr>
+          <a:lstStyle>
+            <a:lvl1pPr marL="0" indent="0" algn="l" defTabSz="914400" rtl="0" eaLnBrk="1" latinLnBrk="0" hangingPunct="1">
+              <a:lnSpc>
+                <a:spcPct val="110000"/>
+              </a:lnSpc>
+              <a:spcBef>
+                <a:spcPts val="600"/>
+              </a:spcBef>
+              <a:buFontTx/>
+              <a:buNone/>
+              <a:defRPr sz="1400" kern="1200">
+                <a:solidFill>
+                  <a:schemeClr val="tx2"/>
+                </a:solidFill>
+                <a:latin typeface="+mn-lt"/>
+                <a:ea typeface="+mn-ea"/>
+                <a:cs typeface="+mn-cs"/>
+              </a:defRPr>
+            </a:lvl1pPr>
+            <a:lvl2pPr marL="216000" indent="-216000" algn="l" defTabSz="914400" rtl="0" eaLnBrk="1" latinLnBrk="0" hangingPunct="1">
+              <a:lnSpc>
+                <a:spcPct val="90000"/>
+              </a:lnSpc>
+              <a:spcBef>
+                <a:spcPts val="600"/>
+              </a:spcBef>
+              <a:buClr>
+                <a:schemeClr val="accent1"/>
+              </a:buClr>
+              <a:buFont typeface="Wingdings" panose="05000000000000000000" pitchFamily="2" charset="2"/>
+              <a:buChar char="§"/>
+              <a:defRPr sz="1400" kern="1200">
+                <a:solidFill>
+                  <a:schemeClr val="tx2"/>
+                </a:solidFill>
+                <a:latin typeface="+mn-lt"/>
+                <a:ea typeface="+mn-ea"/>
+                <a:cs typeface="+mn-cs"/>
+              </a:defRPr>
+            </a:lvl2pPr>
+            <a:lvl3pPr marL="432000" indent="-216000" algn="l" defTabSz="914400" rtl="0" eaLnBrk="1" latinLnBrk="0" hangingPunct="1">
+              <a:lnSpc>
+                <a:spcPct val="90000"/>
+              </a:lnSpc>
+              <a:spcBef>
+                <a:spcPts val="600"/>
+              </a:spcBef>
+              <a:buFont typeface="Roboto" panose="02000000000000000000" pitchFamily="2" charset="0"/>
+              <a:buChar char="–"/>
+              <a:defRPr sz="1400" kern="1200">
+                <a:solidFill>
+                  <a:schemeClr val="tx2"/>
+                </a:solidFill>
+                <a:latin typeface="+mn-lt"/>
+                <a:ea typeface="+mn-ea"/>
+                <a:cs typeface="+mn-cs"/>
+              </a:defRPr>
+            </a:lvl3pPr>
+            <a:lvl4pPr marL="648000" indent="-216000" algn="l" defTabSz="914400" rtl="0" eaLnBrk="1" latinLnBrk="0" hangingPunct="1">
+              <a:lnSpc>
+                <a:spcPct val="90000"/>
+              </a:lnSpc>
+              <a:spcBef>
+                <a:spcPts val="600"/>
+              </a:spcBef>
+              <a:buFont typeface="Roboto" panose="02000000000000000000" pitchFamily="2" charset="0"/>
+              <a:buChar char="–"/>
+              <a:defRPr sz="1400" kern="1200">
+                <a:solidFill>
+                  <a:schemeClr val="tx2"/>
+                </a:solidFill>
+                <a:latin typeface="+mn-lt"/>
+                <a:ea typeface="+mn-ea"/>
+                <a:cs typeface="+mn-cs"/>
+              </a:defRPr>
+            </a:lvl4pPr>
+            <a:lvl5pPr marL="864000" indent="-216000" algn="l" defTabSz="914400" rtl="0" eaLnBrk="1" latinLnBrk="0" hangingPunct="1">
+              <a:lnSpc>
+                <a:spcPct val="90000"/>
+              </a:lnSpc>
+              <a:spcBef>
+                <a:spcPts val="600"/>
+              </a:spcBef>
+              <a:buFont typeface="Roboto" panose="02000000000000000000" pitchFamily="2" charset="0"/>
+              <a:buChar char="–"/>
+              <a:defRPr sz="1400" kern="1200">
+                <a:solidFill>
+                  <a:schemeClr val="tx2"/>
+                </a:solidFill>
+                <a:latin typeface="+mn-lt"/>
+                <a:ea typeface="+mn-ea"/>
+                <a:cs typeface="+mn-cs"/>
+              </a:defRPr>
+            </a:lvl5pPr>
+            <a:lvl6pPr marL="2514600" indent="-228600" algn="l" defTabSz="914400" rtl="0" eaLnBrk="1" latinLnBrk="0" hangingPunct="1">
+              <a:lnSpc>
+                <a:spcPct val="90000"/>
+              </a:lnSpc>
+              <a:spcBef>
+                <a:spcPts val="500"/>
+              </a:spcBef>
+              <a:buFont typeface="Arial" panose="020B0604020202020204" pitchFamily="34" charset="0"/>
+              <a:buChar char="•"/>
+              <a:defRPr sz="1800" kern="1200">
+                <a:solidFill>
+                  <a:schemeClr val="tx1"/>
+                </a:solidFill>
+                <a:latin typeface="+mn-lt"/>
+                <a:ea typeface="+mn-ea"/>
+                <a:cs typeface="+mn-cs"/>
+              </a:defRPr>
+            </a:lvl6pPr>
+            <a:lvl7pPr marL="2971800" indent="-228600" algn="l" defTabSz="914400" rtl="0" eaLnBrk="1" latinLnBrk="0" hangingPunct="1">
+              <a:lnSpc>
+                <a:spcPct val="90000"/>
+              </a:lnSpc>
+              <a:spcBef>
+                <a:spcPts val="500"/>
+              </a:spcBef>
+              <a:buFont typeface="Arial" panose="020B0604020202020204" pitchFamily="34" charset="0"/>
+              <a:buChar char="•"/>
+              <a:defRPr sz="1800" kern="1200">
+                <a:solidFill>
+                  <a:schemeClr val="tx1"/>
+                </a:solidFill>
+                <a:latin typeface="+mn-lt"/>
+                <a:ea typeface="+mn-ea"/>
+                <a:cs typeface="+mn-cs"/>
+              </a:defRPr>
+            </a:lvl7pPr>
+            <a:lvl8pPr marL="3429000" indent="-228600" algn="l" defTabSz="914400" rtl="0" eaLnBrk="1" latinLnBrk="0" hangingPunct="1">
+              <a:lnSpc>
+                <a:spcPct val="90000"/>
+              </a:lnSpc>
+              <a:spcBef>
+                <a:spcPts val="500"/>
+              </a:spcBef>
+              <a:buFont typeface="Arial" panose="020B0604020202020204" pitchFamily="34" charset="0"/>
+              <a:buChar char="•"/>
+              <a:defRPr sz="1800" kern="1200">
+                <a:solidFill>
+                  <a:schemeClr val="tx1"/>
+                </a:solidFill>
+                <a:latin typeface="+mn-lt"/>
+                <a:ea typeface="+mn-ea"/>
+                <a:cs typeface="+mn-cs"/>
+              </a:defRPr>
+            </a:lvl8pPr>
+            <a:lvl9pPr marL="3886200" indent="-228600" algn="l" defTabSz="914400" rtl="0" eaLnBrk="1" latinLnBrk="0" hangingPunct="1">
+              <a:lnSpc>
+                <a:spcPct val="90000"/>
+              </a:lnSpc>
+              <a:spcBef>
+                <a:spcPts val="500"/>
+              </a:spcBef>
+              <a:buFont typeface="Arial" panose="020B0604020202020204" pitchFamily="34" charset="0"/>
+              <a:buChar char="•"/>
+              <a:defRPr sz="1800" kern="1200">
+                <a:solidFill>
+                  <a:schemeClr val="tx1"/>
+                </a:solidFill>
+                <a:latin typeface="+mn-lt"/>
+                <a:ea typeface="+mn-ea"/>
+                <a:cs typeface="+mn-cs"/>
+              </a:defRPr>
+            </a:lvl9pPr>
+          </a:lstStyle>
+          <a:p>
+            <a:r>
+              <a:rPr lang="en-US" sz="2000" dirty="0">
+                <a:solidFill>
+                  <a:schemeClr val="accent1"/>
+                </a:solidFill>
+              </a:rPr>
+              <a:t>With all CRUD operations</a:t>
+            </a:r>
+            <a:endParaRPr lang="de-DE" sz="2000" dirty="0">
+              <a:solidFill>
+                <a:schemeClr val="accent1"/>
+              </a:solidFill>
+            </a:endParaRPr>
+          </a:p>
+        </p:txBody>
+      </p:sp>
       <p:cxnSp>
         <p:nvCxnSpPr>
-          <p:cNvPr id="36" name="Straight Connector 35"/>
+          <p:cNvPr id="31" name="Straight Connector 30"/>
           <p:cNvCxnSpPr/>
           <p:nvPr/>
         </p:nvCxnSpPr>
         <p:spPr>
-          <a:xfrm>
-            <a:off x="3805252" y="2306183"/>
-            <a:ext cx="2708246" cy="0"/>
+          <a:xfrm flipV="1">
+            <a:off x="3850289" y="2507569"/>
+            <a:ext cx="3763085" cy="5340"/>
           </a:xfrm>
           <a:prstGeom prst="line">
             <a:avLst/>
@@ -26479,7 +26142,7 @@
       </p:cxnSp>
       <p:sp>
         <p:nvSpPr>
-          <p:cNvPr id="37" name="TextBox 37"/>
+          <p:cNvPr id="32" name="TextBox 31"/>
           <p:cNvSpPr txBox="1">
             <a:spLocks noChangeArrowheads="1"/>
           </p:cNvSpPr>
@@ -26487,8 +26150,8 @@
         </p:nvSpPr>
         <p:spPr bwMode="auto">
           <a:xfrm>
-            <a:off x="3961944" y="1847068"/>
-            <a:ext cx="2492204" cy="507831"/>
+            <a:off x="3601910" y="1323762"/>
+            <a:ext cx="3165679" cy="329321"/>
           </a:xfrm>
           <a:prstGeom prst="rect">
             <a:avLst/>
@@ -26603,441 +26266,57 @@
           <a:p>
             <a:pPr algn="ctr"/>
             <a:r>
-              <a:rPr lang="en-US" sz="1000" dirty="0" smtClean="0">
+              <a:rPr lang="en-US" sz="1400" dirty="0" smtClean="0">
                 <a:ea typeface="Verdana" pitchFamily="34" charset="0"/>
                 <a:cs typeface="Helvetica Neue"/>
               </a:rPr>
-              <a:t>GET /</a:t>
-            </a:r>
-            <a:r>
-              <a:rPr lang="en-US" sz="1000" dirty="0" err="1" smtClean="0">
+              <a:t>POST /</a:t>
+            </a:r>
+            <a:r>
+              <a:rPr lang="en-US" sz="1400" dirty="0" err="1" smtClean="0">
                 <a:ea typeface="Verdana" pitchFamily="34" charset="0"/>
                 <a:cs typeface="Helvetica Neue"/>
               </a:rPr>
               <a:t>api</a:t>
             </a:r>
             <a:r>
-              <a:rPr lang="en-US" sz="1000" dirty="0" smtClean="0">
+              <a:rPr lang="en-US" sz="1400" dirty="0" smtClean="0">
                 <a:ea typeface="Verdana" pitchFamily="34" charset="0"/>
                 <a:cs typeface="Helvetica Neue"/>
               </a:rPr>
-              <a:t>/weather/{</a:t>
-            </a:r>
-            <a:r>
-              <a:rPr lang="en-US" sz="1000" dirty="0" err="1" smtClean="0">
+              <a:t>/station/{</a:t>
+            </a:r>
+            <a:r>
+              <a:rPr lang="en-US" sz="1400" dirty="0" err="1" smtClean="0">
                 <a:ea typeface="Verdana" pitchFamily="34" charset="0"/>
                 <a:cs typeface="Helvetica Neue"/>
               </a:rPr>
               <a:t>stationName</a:t>
             </a:r>
             <a:r>
-              <a:rPr lang="en-US" sz="1000" dirty="0" smtClean="0">
+              <a:rPr lang="en-US" sz="1400" dirty="0" smtClean="0">
                 <a:ea typeface="Verdana" pitchFamily="34" charset="0"/>
                 <a:cs typeface="Helvetica Neue"/>
               </a:rPr>
               <a:t>}</a:t>
             </a:r>
-          </a:p>
-          <a:p>
-            <a:pPr algn="ctr"/>
-            <a:r>
-              <a:rPr lang="en-US" sz="1000" dirty="0">
-                <a:ea typeface="Verdana" pitchFamily="34" charset="0"/>
-                <a:cs typeface="Helvetica Neue"/>
-              </a:rPr>
-              <a:t>⋮</a:t>
-            </a:r>
-            <a:endParaRPr lang="en-US" sz="1000" dirty="0" smtClean="0">
+            <a:endParaRPr lang="en-US" sz="1400" dirty="0">
               <a:ea typeface="Verdana" pitchFamily="34" charset="0"/>
               <a:cs typeface="Helvetica Neue"/>
             </a:endParaRPr>
           </a:p>
         </p:txBody>
       </p:sp>
-      <p:sp>
-        <p:nvSpPr>
-          <p:cNvPr id="38" name="TextBox 37"/>
-          <p:cNvSpPr txBox="1">
-            <a:spLocks noChangeArrowheads="1"/>
-          </p:cNvSpPr>
-          <p:nvPr/>
-        </p:nvSpPr>
-        <p:spPr bwMode="auto">
-          <a:xfrm>
-            <a:off x="3961944" y="1535529"/>
-            <a:ext cx="1555750" cy="251351"/>
-          </a:xfrm>
-          <a:prstGeom prst="rect">
-            <a:avLst/>
-          </a:prstGeom>
-          <a:noFill/>
-          <a:ln w="9525">
-            <a:noFill/>
-            <a:miter lim="800000"/>
-            <a:headEnd/>
-            <a:tailEnd/>
-          </a:ln>
-        </p:spPr>
-        <p:txBody>
-          <a:bodyPr>
-            <a:spAutoFit/>
-          </a:bodyPr>
-          <a:lstStyle>
-            <a:defPPr>
-              <a:defRPr lang="en-US"/>
-            </a:defPPr>
-            <a:lvl1pPr marL="0" algn="l" defTabSz="457200" rtl="0" eaLnBrk="1" latinLnBrk="0" hangingPunct="1">
-              <a:defRPr sz="1800" kern="1200">
-                <a:solidFill>
-                  <a:schemeClr val="tx1"/>
-                </a:solidFill>
-                <a:latin typeface="+mn-lt"/>
-                <a:ea typeface="+mn-ea"/>
-                <a:cs typeface="+mn-cs"/>
-              </a:defRPr>
-            </a:lvl1pPr>
-            <a:lvl2pPr marL="457200" algn="l" defTabSz="457200" rtl="0" eaLnBrk="1" latinLnBrk="0" hangingPunct="1">
-              <a:defRPr sz="1800" kern="1200">
-                <a:solidFill>
-                  <a:schemeClr val="tx1"/>
-                </a:solidFill>
-                <a:latin typeface="+mn-lt"/>
-                <a:ea typeface="+mn-ea"/>
-                <a:cs typeface="+mn-cs"/>
-              </a:defRPr>
-            </a:lvl2pPr>
-            <a:lvl3pPr marL="914400" algn="l" defTabSz="457200" rtl="0" eaLnBrk="1" latinLnBrk="0" hangingPunct="1">
-              <a:defRPr sz="1800" kern="1200">
-                <a:solidFill>
-                  <a:schemeClr val="tx1"/>
-                </a:solidFill>
-                <a:latin typeface="+mn-lt"/>
-                <a:ea typeface="+mn-ea"/>
-                <a:cs typeface="+mn-cs"/>
-              </a:defRPr>
-            </a:lvl3pPr>
-            <a:lvl4pPr marL="1371600" algn="l" defTabSz="457200" rtl="0" eaLnBrk="1" latinLnBrk="0" hangingPunct="1">
-              <a:defRPr sz="1800" kern="1200">
-                <a:solidFill>
-                  <a:schemeClr val="tx1"/>
-                </a:solidFill>
-                <a:latin typeface="+mn-lt"/>
-                <a:ea typeface="+mn-ea"/>
-                <a:cs typeface="+mn-cs"/>
-              </a:defRPr>
-            </a:lvl4pPr>
-            <a:lvl5pPr marL="1828800" algn="l" defTabSz="457200" rtl="0" eaLnBrk="1" latinLnBrk="0" hangingPunct="1">
-              <a:defRPr sz="1800" kern="1200">
-                <a:solidFill>
-                  <a:schemeClr val="tx1"/>
-                </a:solidFill>
-                <a:latin typeface="+mn-lt"/>
-                <a:ea typeface="+mn-ea"/>
-                <a:cs typeface="+mn-cs"/>
-              </a:defRPr>
-            </a:lvl5pPr>
-            <a:lvl6pPr marL="2286000" algn="l" defTabSz="457200" rtl="0" eaLnBrk="1" latinLnBrk="0" hangingPunct="1">
-              <a:defRPr sz="1800" kern="1200">
-                <a:solidFill>
-                  <a:schemeClr val="tx1"/>
-                </a:solidFill>
-                <a:latin typeface="+mn-lt"/>
-                <a:ea typeface="+mn-ea"/>
-                <a:cs typeface="+mn-cs"/>
-              </a:defRPr>
-            </a:lvl6pPr>
-            <a:lvl7pPr marL="2743200" algn="l" defTabSz="457200" rtl="0" eaLnBrk="1" latinLnBrk="0" hangingPunct="1">
-              <a:defRPr sz="1800" kern="1200">
-                <a:solidFill>
-                  <a:schemeClr val="tx1"/>
-                </a:solidFill>
-                <a:latin typeface="+mn-lt"/>
-                <a:ea typeface="+mn-ea"/>
-                <a:cs typeface="+mn-cs"/>
-              </a:defRPr>
-            </a:lvl7pPr>
-            <a:lvl8pPr marL="3200400" algn="l" defTabSz="457200" rtl="0" eaLnBrk="1" latinLnBrk="0" hangingPunct="1">
-              <a:defRPr sz="1800" kern="1200">
-                <a:solidFill>
-                  <a:schemeClr val="tx1"/>
-                </a:solidFill>
-                <a:latin typeface="+mn-lt"/>
-                <a:ea typeface="+mn-ea"/>
-                <a:cs typeface="+mn-cs"/>
-              </a:defRPr>
-            </a:lvl8pPr>
-            <a:lvl9pPr marL="3657600" algn="l" defTabSz="457200" rtl="0" eaLnBrk="1" latinLnBrk="0" hangingPunct="1">
-              <a:defRPr sz="1800" kern="1200">
-                <a:solidFill>
-                  <a:schemeClr val="tx1"/>
-                </a:solidFill>
-                <a:latin typeface="+mn-lt"/>
-                <a:ea typeface="+mn-ea"/>
-                <a:cs typeface="+mn-cs"/>
-              </a:defRPr>
-            </a:lvl9pPr>
-          </a:lstStyle>
-          <a:p>
-            <a:pPr algn="ctr"/>
-            <a:r>
-              <a:rPr lang="en-US" sz="1000" dirty="0" smtClean="0">
-                <a:ea typeface="Verdana" pitchFamily="34" charset="0"/>
-                <a:cs typeface="Helvetica Neue"/>
-              </a:rPr>
-              <a:t>GET /</a:t>
-            </a:r>
-            <a:r>
-              <a:rPr lang="en-US" sz="1000" dirty="0" err="1" smtClean="0">
-                <a:ea typeface="Verdana" pitchFamily="34" charset="0"/>
-                <a:cs typeface="Helvetica Neue"/>
-              </a:rPr>
-              <a:t>api</a:t>
-            </a:r>
-            <a:r>
-              <a:rPr lang="en-US" sz="1000" dirty="0" smtClean="0">
-                <a:ea typeface="Verdana" pitchFamily="34" charset="0"/>
-                <a:cs typeface="Helvetica Neue"/>
-              </a:rPr>
-              <a:t>/station</a:t>
-            </a:r>
-            <a:endParaRPr lang="en-US" sz="1000" dirty="0">
-              <a:ea typeface="Verdana" pitchFamily="34" charset="0"/>
-              <a:cs typeface="Helvetica Neue"/>
-            </a:endParaRPr>
-          </a:p>
-        </p:txBody>
-      </p:sp>
-      <p:sp>
-        <p:nvSpPr>
-          <p:cNvPr id="44" name="Freihandform 26">
-            <a:extLst>
-              <a:ext uri="{FF2B5EF4-FFF2-40B4-BE49-F238E27FC236}">
-                <a16:creationId xmlns:a16="http://schemas.microsoft.com/office/drawing/2014/main" id="{4F79D5C1-6B06-4491-AAB1-02C2FBB68B48}"/>
-              </a:ext>
-            </a:extLst>
-          </p:cNvPr>
-          <p:cNvSpPr txBox="1">
-            <a:spLocks/>
-          </p:cNvSpPr>
-          <p:nvPr/>
-        </p:nvSpPr>
-        <p:spPr bwMode="gray">
-          <a:xfrm>
-            <a:off x="695324" y="1142793"/>
-            <a:ext cx="4207602" cy="314958"/>
-          </a:xfrm>
-          <a:prstGeom prst="rect">
-            <a:avLst/>
-          </a:prstGeom>
-          <a:noFill/>
-          <a:extLst>
-            <a:ext uri="{909E8E84-426E-40DD-AFC4-6F175D3DCCD1}">
-              <a14:hiddenFill xmlns:a14="http://schemas.microsoft.com/office/drawing/2010/main">
-                <a:solidFill>
-                  <a:srgbClr val="FFFFFF"/>
-                </a:solidFill>
-              </a14:hiddenFill>
-            </a:ext>
-          </a:extLst>
-        </p:spPr>
-        <p:txBody>
-          <a:bodyPr vert="horz" lIns="0" tIns="0" rIns="0" bIns="0" rtlCol="0">
-            <a:noAutofit/>
-          </a:bodyPr>
-          <a:lstStyle>
-            <a:lvl1pPr marL="0" indent="0" algn="l" defTabSz="914400" rtl="0" eaLnBrk="1" latinLnBrk="0" hangingPunct="1">
-              <a:lnSpc>
-                <a:spcPct val="110000"/>
-              </a:lnSpc>
-              <a:spcBef>
-                <a:spcPts val="600"/>
-              </a:spcBef>
-              <a:buFontTx/>
-              <a:buNone/>
-              <a:defRPr sz="1400" kern="1200">
-                <a:solidFill>
-                  <a:schemeClr val="tx2"/>
-                </a:solidFill>
-                <a:latin typeface="+mn-lt"/>
-                <a:ea typeface="+mn-ea"/>
-                <a:cs typeface="+mn-cs"/>
-              </a:defRPr>
-            </a:lvl1pPr>
-            <a:lvl2pPr marL="216000" indent="-216000" algn="l" defTabSz="914400" rtl="0" eaLnBrk="1" latinLnBrk="0" hangingPunct="1">
-              <a:lnSpc>
-                <a:spcPct val="90000"/>
-              </a:lnSpc>
-              <a:spcBef>
-                <a:spcPts val="600"/>
-              </a:spcBef>
-              <a:buClr>
-                <a:schemeClr val="accent1"/>
-              </a:buClr>
-              <a:buFont typeface="Wingdings" panose="05000000000000000000" pitchFamily="2" charset="2"/>
-              <a:buChar char="§"/>
-              <a:defRPr sz="1400" kern="1200">
-                <a:solidFill>
-                  <a:schemeClr val="tx2"/>
-                </a:solidFill>
-                <a:latin typeface="+mn-lt"/>
-                <a:ea typeface="+mn-ea"/>
-                <a:cs typeface="+mn-cs"/>
-              </a:defRPr>
-            </a:lvl2pPr>
-            <a:lvl3pPr marL="432000" indent="-216000" algn="l" defTabSz="914400" rtl="0" eaLnBrk="1" latinLnBrk="0" hangingPunct="1">
-              <a:lnSpc>
-                <a:spcPct val="90000"/>
-              </a:lnSpc>
-              <a:spcBef>
-                <a:spcPts val="600"/>
-              </a:spcBef>
-              <a:buFont typeface="Roboto" panose="02000000000000000000" pitchFamily="2" charset="0"/>
-              <a:buChar char="–"/>
-              <a:defRPr sz="1400" kern="1200">
-                <a:solidFill>
-                  <a:schemeClr val="tx2"/>
-                </a:solidFill>
-                <a:latin typeface="+mn-lt"/>
-                <a:ea typeface="+mn-ea"/>
-                <a:cs typeface="+mn-cs"/>
-              </a:defRPr>
-            </a:lvl3pPr>
-            <a:lvl4pPr marL="648000" indent="-216000" algn="l" defTabSz="914400" rtl="0" eaLnBrk="1" latinLnBrk="0" hangingPunct="1">
-              <a:lnSpc>
-                <a:spcPct val="90000"/>
-              </a:lnSpc>
-              <a:spcBef>
-                <a:spcPts val="600"/>
-              </a:spcBef>
-              <a:buFont typeface="Roboto" panose="02000000000000000000" pitchFamily="2" charset="0"/>
-              <a:buChar char="–"/>
-              <a:defRPr sz="1400" kern="1200">
-                <a:solidFill>
-                  <a:schemeClr val="tx2"/>
-                </a:solidFill>
-                <a:latin typeface="+mn-lt"/>
-                <a:ea typeface="+mn-ea"/>
-                <a:cs typeface="+mn-cs"/>
-              </a:defRPr>
-            </a:lvl4pPr>
-            <a:lvl5pPr marL="864000" indent="-216000" algn="l" defTabSz="914400" rtl="0" eaLnBrk="1" latinLnBrk="0" hangingPunct="1">
-              <a:lnSpc>
-                <a:spcPct val="90000"/>
-              </a:lnSpc>
-              <a:spcBef>
-                <a:spcPts val="600"/>
-              </a:spcBef>
-              <a:buFont typeface="Roboto" panose="02000000000000000000" pitchFamily="2" charset="0"/>
-              <a:buChar char="–"/>
-              <a:defRPr sz="1400" kern="1200">
-                <a:solidFill>
-                  <a:schemeClr val="tx2"/>
-                </a:solidFill>
-                <a:latin typeface="+mn-lt"/>
-                <a:ea typeface="+mn-ea"/>
-                <a:cs typeface="+mn-cs"/>
-              </a:defRPr>
-            </a:lvl5pPr>
-            <a:lvl6pPr marL="2514600" indent="-228600" algn="l" defTabSz="914400" rtl="0" eaLnBrk="1" latinLnBrk="0" hangingPunct="1">
-              <a:lnSpc>
-                <a:spcPct val="90000"/>
-              </a:lnSpc>
-              <a:spcBef>
-                <a:spcPts val="500"/>
-              </a:spcBef>
-              <a:buFont typeface="Arial" panose="020B0604020202020204" pitchFamily="34" charset="0"/>
-              <a:buChar char="•"/>
-              <a:defRPr sz="1800" kern="1200">
-                <a:solidFill>
-                  <a:schemeClr val="tx1"/>
-                </a:solidFill>
-                <a:latin typeface="+mn-lt"/>
-                <a:ea typeface="+mn-ea"/>
-                <a:cs typeface="+mn-cs"/>
-              </a:defRPr>
-            </a:lvl6pPr>
-            <a:lvl7pPr marL="2971800" indent="-228600" algn="l" defTabSz="914400" rtl="0" eaLnBrk="1" latinLnBrk="0" hangingPunct="1">
-              <a:lnSpc>
-                <a:spcPct val="90000"/>
-              </a:lnSpc>
-              <a:spcBef>
-                <a:spcPts val="500"/>
-              </a:spcBef>
-              <a:buFont typeface="Arial" panose="020B0604020202020204" pitchFamily="34" charset="0"/>
-              <a:buChar char="•"/>
-              <a:defRPr sz="1800" kern="1200">
-                <a:solidFill>
-                  <a:schemeClr val="tx1"/>
-                </a:solidFill>
-                <a:latin typeface="+mn-lt"/>
-                <a:ea typeface="+mn-ea"/>
-                <a:cs typeface="+mn-cs"/>
-              </a:defRPr>
-            </a:lvl7pPr>
-            <a:lvl8pPr marL="3429000" indent="-228600" algn="l" defTabSz="914400" rtl="0" eaLnBrk="1" latinLnBrk="0" hangingPunct="1">
-              <a:lnSpc>
-                <a:spcPct val="90000"/>
-              </a:lnSpc>
-              <a:spcBef>
-                <a:spcPts val="500"/>
-              </a:spcBef>
-              <a:buFont typeface="Arial" panose="020B0604020202020204" pitchFamily="34" charset="0"/>
-              <a:buChar char="•"/>
-              <a:defRPr sz="1800" kern="1200">
-                <a:solidFill>
-                  <a:schemeClr val="tx1"/>
-                </a:solidFill>
-                <a:latin typeface="+mn-lt"/>
-                <a:ea typeface="+mn-ea"/>
-                <a:cs typeface="+mn-cs"/>
-              </a:defRPr>
-            </a:lvl8pPr>
-            <a:lvl9pPr marL="3886200" indent="-228600" algn="l" defTabSz="914400" rtl="0" eaLnBrk="1" latinLnBrk="0" hangingPunct="1">
-              <a:lnSpc>
-                <a:spcPct val="90000"/>
-              </a:lnSpc>
-              <a:spcBef>
-                <a:spcPts val="500"/>
-              </a:spcBef>
-              <a:buFont typeface="Arial" panose="020B0604020202020204" pitchFamily="34" charset="0"/>
-              <a:buChar char="•"/>
-              <a:defRPr sz="1800" kern="1200">
-                <a:solidFill>
-                  <a:schemeClr val="tx1"/>
-                </a:solidFill>
-                <a:latin typeface="+mn-lt"/>
-                <a:ea typeface="+mn-ea"/>
-                <a:cs typeface="+mn-cs"/>
-              </a:defRPr>
-            </a:lvl9pPr>
-          </a:lstStyle>
-          <a:p>
-            <a:r>
-              <a:rPr lang="en-US" sz="2000" dirty="0" smtClean="0">
-                <a:solidFill>
-                  <a:schemeClr val="accent1"/>
-                </a:solidFill>
-              </a:rPr>
-              <a:t>With all CRUD operations</a:t>
-            </a:r>
-            <a:endParaRPr lang="de-DE" sz="2000" dirty="0">
-              <a:solidFill>
-                <a:schemeClr val="accent1"/>
-              </a:solidFill>
-            </a:endParaRPr>
-          </a:p>
-        </p:txBody>
-      </p:sp>
       <p:cxnSp>
         <p:nvCxnSpPr>
-          <p:cNvPr id="22" name="Straight Connector 21"/>
+          <p:cNvPr id="34" name="Straight Connector 33"/>
           <p:cNvCxnSpPr/>
           <p:nvPr/>
         </p:nvCxnSpPr>
         <p:spPr>
           <a:xfrm>
-            <a:off x="3831764" y="2940512"/>
-            <a:ext cx="2708708" cy="10094"/>
+            <a:off x="3830396" y="3146627"/>
+            <a:ext cx="3792917" cy="435"/>
           </a:xfrm>
           <a:prstGeom prst="line">
             <a:avLst/>
@@ -27060,7 +26339,7 @@
       </p:cxnSp>
       <p:sp>
         <p:nvSpPr>
-          <p:cNvPr id="27" name="TextBox 26"/>
+          <p:cNvPr id="35" name="TextBox 34"/>
           <p:cNvSpPr txBox="1">
             <a:spLocks noChangeArrowheads="1"/>
           </p:cNvSpPr>
@@ -27068,8 +26347,8 @@
         </p:nvSpPr>
         <p:spPr bwMode="auto">
           <a:xfrm>
-            <a:off x="4140118" y="2701852"/>
-            <a:ext cx="2190799" cy="261610"/>
+            <a:off x="3439780" y="1772870"/>
+            <a:ext cx="3666371" cy="329321"/>
           </a:xfrm>
           <a:prstGeom prst="rect">
             <a:avLst/>
@@ -27184,57 +26463,210 @@
           <a:p>
             <a:pPr algn="ctr"/>
             <a:r>
-              <a:rPr lang="en-US" sz="1000" dirty="0" smtClean="0">
+              <a:rPr lang="en-US" sz="1400" dirty="0" smtClean="0">
                 <a:ea typeface="Verdana" pitchFamily="34" charset="0"/>
                 <a:cs typeface="Helvetica Neue"/>
               </a:rPr>
-              <a:t>POST /</a:t>
-            </a:r>
-            <a:r>
-              <a:rPr lang="en-US" sz="1000" dirty="0" err="1" smtClean="0">
+              <a:t>DELETE /</a:t>
+            </a:r>
+            <a:r>
+              <a:rPr lang="en-US" sz="1400" dirty="0" err="1" smtClean="0">
                 <a:ea typeface="Verdana" pitchFamily="34" charset="0"/>
                 <a:cs typeface="Helvetica Neue"/>
               </a:rPr>
               <a:t>api</a:t>
             </a:r>
             <a:r>
-              <a:rPr lang="en-US" sz="1000" dirty="0" smtClean="0">
+              <a:rPr lang="en-US" sz="1400" dirty="0" smtClean="0">
                 <a:ea typeface="Verdana" pitchFamily="34" charset="0"/>
                 <a:cs typeface="Helvetica Neue"/>
               </a:rPr>
               <a:t>/station/{</a:t>
             </a:r>
             <a:r>
-              <a:rPr lang="en-US" sz="1000" dirty="0" err="1" smtClean="0">
+              <a:rPr lang="en-US" sz="1400" dirty="0" err="1" smtClean="0">
                 <a:ea typeface="Verdana" pitchFamily="34" charset="0"/>
                 <a:cs typeface="Helvetica Neue"/>
               </a:rPr>
               <a:t>stationName</a:t>
             </a:r>
             <a:r>
-              <a:rPr lang="en-US" sz="1000" dirty="0" smtClean="0">
+              <a:rPr lang="en-US" sz="1400" dirty="0" smtClean="0">
                 <a:ea typeface="Verdana" pitchFamily="34" charset="0"/>
                 <a:cs typeface="Helvetica Neue"/>
               </a:rPr>
               <a:t>}</a:t>
             </a:r>
-            <a:endParaRPr lang="en-US" sz="1000" dirty="0">
+            <a:endParaRPr lang="en-US" sz="1400" dirty="0">
               <a:ea typeface="Verdana" pitchFamily="34" charset="0"/>
               <a:cs typeface="Helvetica Neue"/>
             </a:endParaRPr>
           </a:p>
         </p:txBody>
       </p:sp>
+      <p:sp>
+        <p:nvSpPr>
+          <p:cNvPr id="36" name="TextBox 35"/>
+          <p:cNvSpPr txBox="1">
+            <a:spLocks noChangeArrowheads="1"/>
+          </p:cNvSpPr>
+          <p:nvPr/>
+        </p:nvSpPr>
+        <p:spPr bwMode="auto">
+          <a:xfrm>
+            <a:off x="3574032" y="2170451"/>
+            <a:ext cx="2190799" cy="314958"/>
+          </a:xfrm>
+          <a:prstGeom prst="rect">
+            <a:avLst/>
+          </a:prstGeom>
+          <a:noFill/>
+          <a:ln w="9525">
+            <a:noFill/>
+            <a:miter lim="800000"/>
+            <a:headEnd/>
+            <a:tailEnd/>
+          </a:ln>
+        </p:spPr>
+        <p:txBody>
+          <a:bodyPr wrap="square">
+            <a:spAutoFit/>
+          </a:bodyPr>
+          <a:lstStyle>
+            <a:defPPr>
+              <a:defRPr lang="en-US"/>
+            </a:defPPr>
+            <a:lvl1pPr marL="0" algn="l" defTabSz="457200" rtl="0" eaLnBrk="1" latinLnBrk="0" hangingPunct="1">
+              <a:defRPr sz="1800" kern="1200">
+                <a:solidFill>
+                  <a:schemeClr val="tx1"/>
+                </a:solidFill>
+                <a:latin typeface="+mn-lt"/>
+                <a:ea typeface="+mn-ea"/>
+                <a:cs typeface="+mn-cs"/>
+              </a:defRPr>
+            </a:lvl1pPr>
+            <a:lvl2pPr marL="457200" algn="l" defTabSz="457200" rtl="0" eaLnBrk="1" latinLnBrk="0" hangingPunct="1">
+              <a:defRPr sz="1800" kern="1200">
+                <a:solidFill>
+                  <a:schemeClr val="tx1"/>
+                </a:solidFill>
+                <a:latin typeface="+mn-lt"/>
+                <a:ea typeface="+mn-ea"/>
+                <a:cs typeface="+mn-cs"/>
+              </a:defRPr>
+            </a:lvl2pPr>
+            <a:lvl3pPr marL="914400" algn="l" defTabSz="457200" rtl="0" eaLnBrk="1" latinLnBrk="0" hangingPunct="1">
+              <a:defRPr sz="1800" kern="1200">
+                <a:solidFill>
+                  <a:schemeClr val="tx1"/>
+                </a:solidFill>
+                <a:latin typeface="+mn-lt"/>
+                <a:ea typeface="+mn-ea"/>
+                <a:cs typeface="+mn-cs"/>
+              </a:defRPr>
+            </a:lvl3pPr>
+            <a:lvl4pPr marL="1371600" algn="l" defTabSz="457200" rtl="0" eaLnBrk="1" latinLnBrk="0" hangingPunct="1">
+              <a:defRPr sz="1800" kern="1200">
+                <a:solidFill>
+                  <a:schemeClr val="tx1"/>
+                </a:solidFill>
+                <a:latin typeface="+mn-lt"/>
+                <a:ea typeface="+mn-ea"/>
+                <a:cs typeface="+mn-cs"/>
+              </a:defRPr>
+            </a:lvl4pPr>
+            <a:lvl5pPr marL="1828800" algn="l" defTabSz="457200" rtl="0" eaLnBrk="1" latinLnBrk="0" hangingPunct="1">
+              <a:defRPr sz="1800" kern="1200">
+                <a:solidFill>
+                  <a:schemeClr val="tx1"/>
+                </a:solidFill>
+                <a:latin typeface="+mn-lt"/>
+                <a:ea typeface="+mn-ea"/>
+                <a:cs typeface="+mn-cs"/>
+              </a:defRPr>
+            </a:lvl5pPr>
+            <a:lvl6pPr marL="2286000" algn="l" defTabSz="457200" rtl="0" eaLnBrk="1" latinLnBrk="0" hangingPunct="1">
+              <a:defRPr sz="1800" kern="1200">
+                <a:solidFill>
+                  <a:schemeClr val="tx1"/>
+                </a:solidFill>
+                <a:latin typeface="+mn-lt"/>
+                <a:ea typeface="+mn-ea"/>
+                <a:cs typeface="+mn-cs"/>
+              </a:defRPr>
+            </a:lvl6pPr>
+            <a:lvl7pPr marL="2743200" algn="l" defTabSz="457200" rtl="0" eaLnBrk="1" latinLnBrk="0" hangingPunct="1">
+              <a:defRPr sz="1800" kern="1200">
+                <a:solidFill>
+                  <a:schemeClr val="tx1"/>
+                </a:solidFill>
+                <a:latin typeface="+mn-lt"/>
+                <a:ea typeface="+mn-ea"/>
+                <a:cs typeface="+mn-cs"/>
+              </a:defRPr>
+            </a:lvl7pPr>
+            <a:lvl8pPr marL="3200400" algn="l" defTabSz="457200" rtl="0" eaLnBrk="1" latinLnBrk="0" hangingPunct="1">
+              <a:defRPr sz="1800" kern="1200">
+                <a:solidFill>
+                  <a:schemeClr val="tx1"/>
+                </a:solidFill>
+                <a:latin typeface="+mn-lt"/>
+                <a:ea typeface="+mn-ea"/>
+                <a:cs typeface="+mn-cs"/>
+              </a:defRPr>
+            </a:lvl8pPr>
+            <a:lvl9pPr marL="3657600" algn="l" defTabSz="457200" rtl="0" eaLnBrk="1" latinLnBrk="0" hangingPunct="1">
+              <a:defRPr sz="1800" kern="1200">
+                <a:solidFill>
+                  <a:schemeClr val="tx1"/>
+                </a:solidFill>
+                <a:latin typeface="+mn-lt"/>
+                <a:ea typeface="+mn-ea"/>
+                <a:cs typeface="+mn-cs"/>
+              </a:defRPr>
+            </a:lvl9pPr>
+          </a:lstStyle>
+          <a:p>
+            <a:pPr algn="ctr"/>
+            <a:r>
+              <a:rPr lang="en-US" sz="1400" dirty="0" smtClean="0">
+                <a:ea typeface="Verdana" pitchFamily="34" charset="0"/>
+                <a:cs typeface="Helvetica Neue"/>
+              </a:rPr>
+              <a:t>DELETE /</a:t>
+            </a:r>
+            <a:r>
+              <a:rPr lang="en-US" sz="1400" dirty="0" err="1" smtClean="0">
+                <a:ea typeface="Verdana" pitchFamily="34" charset="0"/>
+                <a:cs typeface="Helvetica Neue"/>
+              </a:rPr>
+              <a:t>api</a:t>
+            </a:r>
+            <a:r>
+              <a:rPr lang="en-US" sz="1400" dirty="0" smtClean="0">
+                <a:ea typeface="Verdana" pitchFamily="34" charset="0"/>
+                <a:cs typeface="Helvetica Neue"/>
+              </a:rPr>
+              <a:t>/station</a:t>
+            </a:r>
+            <a:endParaRPr lang="en-US" sz="1400" dirty="0">
+              <a:ea typeface="Verdana" pitchFamily="34" charset="0"/>
+              <a:cs typeface="Helvetica Neue"/>
+            </a:endParaRPr>
+          </a:p>
+        </p:txBody>
+      </p:sp>
       <p:cxnSp>
         <p:nvCxnSpPr>
-          <p:cNvPr id="30" name="Straight Connector 29"/>
+          <p:cNvPr id="37" name="Straight Connector 36"/>
           <p:cNvCxnSpPr/>
           <p:nvPr/>
         </p:nvCxnSpPr>
         <p:spPr>
           <a:xfrm>
-            <a:off x="3830396" y="3216200"/>
-            <a:ext cx="2708708" cy="10094"/>
+            <a:off x="3843456" y="3572498"/>
+            <a:ext cx="3779857" cy="18780"/>
           </a:xfrm>
           <a:prstGeom prst="line">
             <a:avLst/>
@@ -27257,7 +26689,7 @@
       </p:cxnSp>
       <p:sp>
         <p:nvSpPr>
-          <p:cNvPr id="31" name="TextBox 30"/>
+          <p:cNvPr id="38" name="TextBox 37"/>
           <p:cNvSpPr txBox="1">
             <a:spLocks noChangeArrowheads="1"/>
           </p:cNvSpPr>
@@ -27265,8 +26697,8 @@
         </p:nvSpPr>
         <p:spPr bwMode="auto">
           <a:xfrm>
-            <a:off x="4202368" y="2976285"/>
-            <a:ext cx="2190799" cy="261610"/>
+            <a:off x="3618982" y="3256116"/>
+            <a:ext cx="3144207" cy="314958"/>
           </a:xfrm>
           <a:prstGeom prst="rect">
             <a:avLst/>
@@ -27381,57 +26813,210 @@
           <a:p>
             <a:pPr algn="ctr"/>
             <a:r>
-              <a:rPr lang="en-US" sz="1000" dirty="0" smtClean="0">
+              <a:rPr lang="en-US" sz="1400" dirty="0" smtClean="0">
                 <a:ea typeface="Verdana" pitchFamily="34" charset="0"/>
                 <a:cs typeface="Helvetica Neue"/>
               </a:rPr>
-              <a:t>DELETE /</a:t>
-            </a:r>
-            <a:r>
-              <a:rPr lang="en-US" sz="1000" dirty="0" err="1" smtClean="0">
+              <a:t>GET /</a:t>
+            </a:r>
+            <a:r>
+              <a:rPr lang="en-US" sz="1400" dirty="0" err="1" smtClean="0">
                 <a:ea typeface="Verdana" pitchFamily="34" charset="0"/>
                 <a:cs typeface="Helvetica Neue"/>
               </a:rPr>
               <a:t>api</a:t>
             </a:r>
             <a:r>
-              <a:rPr lang="en-US" sz="1000" dirty="0" smtClean="0">
+              <a:rPr lang="en-US" sz="1400" dirty="0" smtClean="0">
                 <a:ea typeface="Verdana" pitchFamily="34" charset="0"/>
                 <a:cs typeface="Helvetica Neue"/>
               </a:rPr>
-              <a:t>/station/{</a:t>
-            </a:r>
-            <a:r>
-              <a:rPr lang="en-US" sz="1000" dirty="0" err="1" smtClean="0">
+              <a:t>/weather/{</a:t>
+            </a:r>
+            <a:r>
+              <a:rPr lang="en-US" sz="1400" dirty="0" err="1" smtClean="0">
                 <a:ea typeface="Verdana" pitchFamily="34" charset="0"/>
                 <a:cs typeface="Helvetica Neue"/>
               </a:rPr>
               <a:t>stationName</a:t>
             </a:r>
             <a:r>
-              <a:rPr lang="en-US" sz="1000" dirty="0" smtClean="0">
+              <a:rPr lang="en-US" sz="1400" dirty="0" smtClean="0">
                 <a:ea typeface="Verdana" pitchFamily="34" charset="0"/>
                 <a:cs typeface="Helvetica Neue"/>
               </a:rPr>
               <a:t>}</a:t>
             </a:r>
-            <a:endParaRPr lang="en-US" sz="1000" dirty="0">
+            <a:endParaRPr lang="en-US" sz="1400" dirty="0" smtClean="0">
               <a:ea typeface="Verdana" pitchFamily="34" charset="0"/>
               <a:cs typeface="Helvetica Neue"/>
             </a:endParaRPr>
           </a:p>
         </p:txBody>
       </p:sp>
+      <p:sp>
+        <p:nvSpPr>
+          <p:cNvPr id="39" name="TextBox 38"/>
+          <p:cNvSpPr txBox="1">
+            <a:spLocks noChangeArrowheads="1"/>
+          </p:cNvSpPr>
+          <p:nvPr/>
+        </p:nvSpPr>
+        <p:spPr bwMode="auto">
+          <a:xfrm>
+            <a:off x="3763389" y="2810270"/>
+            <a:ext cx="1555750" cy="314958"/>
+          </a:xfrm>
+          <a:prstGeom prst="rect">
+            <a:avLst/>
+          </a:prstGeom>
+          <a:noFill/>
+          <a:ln w="9525">
+            <a:noFill/>
+            <a:miter lim="800000"/>
+            <a:headEnd/>
+            <a:tailEnd/>
+          </a:ln>
+        </p:spPr>
+        <p:txBody>
+          <a:bodyPr>
+            <a:spAutoFit/>
+          </a:bodyPr>
+          <a:lstStyle>
+            <a:defPPr>
+              <a:defRPr lang="en-US"/>
+            </a:defPPr>
+            <a:lvl1pPr marL="0" algn="l" defTabSz="457200" rtl="0" eaLnBrk="1" latinLnBrk="0" hangingPunct="1">
+              <a:defRPr sz="1800" kern="1200">
+                <a:solidFill>
+                  <a:schemeClr val="tx1"/>
+                </a:solidFill>
+                <a:latin typeface="+mn-lt"/>
+                <a:ea typeface="+mn-ea"/>
+                <a:cs typeface="+mn-cs"/>
+              </a:defRPr>
+            </a:lvl1pPr>
+            <a:lvl2pPr marL="457200" algn="l" defTabSz="457200" rtl="0" eaLnBrk="1" latinLnBrk="0" hangingPunct="1">
+              <a:defRPr sz="1800" kern="1200">
+                <a:solidFill>
+                  <a:schemeClr val="tx1"/>
+                </a:solidFill>
+                <a:latin typeface="+mn-lt"/>
+                <a:ea typeface="+mn-ea"/>
+                <a:cs typeface="+mn-cs"/>
+              </a:defRPr>
+            </a:lvl2pPr>
+            <a:lvl3pPr marL="914400" algn="l" defTabSz="457200" rtl="0" eaLnBrk="1" latinLnBrk="0" hangingPunct="1">
+              <a:defRPr sz="1800" kern="1200">
+                <a:solidFill>
+                  <a:schemeClr val="tx1"/>
+                </a:solidFill>
+                <a:latin typeface="+mn-lt"/>
+                <a:ea typeface="+mn-ea"/>
+                <a:cs typeface="+mn-cs"/>
+              </a:defRPr>
+            </a:lvl3pPr>
+            <a:lvl4pPr marL="1371600" algn="l" defTabSz="457200" rtl="0" eaLnBrk="1" latinLnBrk="0" hangingPunct="1">
+              <a:defRPr sz="1800" kern="1200">
+                <a:solidFill>
+                  <a:schemeClr val="tx1"/>
+                </a:solidFill>
+                <a:latin typeface="+mn-lt"/>
+                <a:ea typeface="+mn-ea"/>
+                <a:cs typeface="+mn-cs"/>
+              </a:defRPr>
+            </a:lvl4pPr>
+            <a:lvl5pPr marL="1828800" algn="l" defTabSz="457200" rtl="0" eaLnBrk="1" latinLnBrk="0" hangingPunct="1">
+              <a:defRPr sz="1800" kern="1200">
+                <a:solidFill>
+                  <a:schemeClr val="tx1"/>
+                </a:solidFill>
+                <a:latin typeface="+mn-lt"/>
+                <a:ea typeface="+mn-ea"/>
+                <a:cs typeface="+mn-cs"/>
+              </a:defRPr>
+            </a:lvl5pPr>
+            <a:lvl6pPr marL="2286000" algn="l" defTabSz="457200" rtl="0" eaLnBrk="1" latinLnBrk="0" hangingPunct="1">
+              <a:defRPr sz="1800" kern="1200">
+                <a:solidFill>
+                  <a:schemeClr val="tx1"/>
+                </a:solidFill>
+                <a:latin typeface="+mn-lt"/>
+                <a:ea typeface="+mn-ea"/>
+                <a:cs typeface="+mn-cs"/>
+              </a:defRPr>
+            </a:lvl6pPr>
+            <a:lvl7pPr marL="2743200" algn="l" defTabSz="457200" rtl="0" eaLnBrk="1" latinLnBrk="0" hangingPunct="1">
+              <a:defRPr sz="1800" kern="1200">
+                <a:solidFill>
+                  <a:schemeClr val="tx1"/>
+                </a:solidFill>
+                <a:latin typeface="+mn-lt"/>
+                <a:ea typeface="+mn-ea"/>
+                <a:cs typeface="+mn-cs"/>
+              </a:defRPr>
+            </a:lvl7pPr>
+            <a:lvl8pPr marL="3200400" algn="l" defTabSz="457200" rtl="0" eaLnBrk="1" latinLnBrk="0" hangingPunct="1">
+              <a:defRPr sz="1800" kern="1200">
+                <a:solidFill>
+                  <a:schemeClr val="tx1"/>
+                </a:solidFill>
+                <a:latin typeface="+mn-lt"/>
+                <a:ea typeface="+mn-ea"/>
+                <a:cs typeface="+mn-cs"/>
+              </a:defRPr>
+            </a:lvl8pPr>
+            <a:lvl9pPr marL="3657600" algn="l" defTabSz="457200" rtl="0" eaLnBrk="1" latinLnBrk="0" hangingPunct="1">
+              <a:defRPr sz="1800" kern="1200">
+                <a:solidFill>
+                  <a:schemeClr val="tx1"/>
+                </a:solidFill>
+                <a:latin typeface="+mn-lt"/>
+                <a:ea typeface="+mn-ea"/>
+                <a:cs typeface="+mn-cs"/>
+              </a:defRPr>
+            </a:lvl9pPr>
+          </a:lstStyle>
+          <a:p>
+            <a:pPr algn="ctr"/>
+            <a:r>
+              <a:rPr lang="en-US" sz="1400" dirty="0" smtClean="0">
+                <a:ea typeface="Verdana" pitchFamily="34" charset="0"/>
+                <a:cs typeface="Helvetica Neue"/>
+              </a:rPr>
+              <a:t>GET /</a:t>
+            </a:r>
+            <a:r>
+              <a:rPr lang="en-US" sz="1400" dirty="0" err="1" smtClean="0">
+                <a:ea typeface="Verdana" pitchFamily="34" charset="0"/>
+                <a:cs typeface="Helvetica Neue"/>
+              </a:rPr>
+              <a:t>api</a:t>
+            </a:r>
+            <a:r>
+              <a:rPr lang="en-US" sz="1400" dirty="0" smtClean="0">
+                <a:ea typeface="Verdana" pitchFamily="34" charset="0"/>
+                <a:cs typeface="Helvetica Neue"/>
+              </a:rPr>
+              <a:t>/station</a:t>
+            </a:r>
+            <a:endParaRPr lang="en-US" sz="1400" dirty="0">
+              <a:ea typeface="Verdana" pitchFamily="34" charset="0"/>
+              <a:cs typeface="Helvetica Neue"/>
+            </a:endParaRPr>
+          </a:p>
+        </p:txBody>
+      </p:sp>
       <p:cxnSp>
         <p:nvCxnSpPr>
-          <p:cNvPr id="32" name="Straight Connector 31"/>
+          <p:cNvPr id="40" name="Straight Connector 39"/>
           <p:cNvCxnSpPr/>
           <p:nvPr/>
         </p:nvCxnSpPr>
         <p:spPr>
           <a:xfrm>
-            <a:off x="3824322" y="3474709"/>
-            <a:ext cx="2708708" cy="10094"/>
+            <a:off x="3823713" y="2083460"/>
+            <a:ext cx="3779857" cy="18780"/>
           </a:xfrm>
           <a:prstGeom prst="line">
             <a:avLst/>
@@ -27452,163 +27037,40 @@
           </a:fontRef>
         </p:style>
       </p:cxnSp>
-      <p:sp>
-        <p:nvSpPr>
-          <p:cNvPr id="33" name="TextBox 32"/>
-          <p:cNvSpPr txBox="1">
-            <a:spLocks noChangeArrowheads="1"/>
-          </p:cNvSpPr>
+      <p:cxnSp>
+        <p:nvCxnSpPr>
+          <p:cNvPr id="41" name="Straight Connector 40"/>
+          <p:cNvCxnSpPr/>
           <p:nvPr/>
-        </p:nvSpPr>
-        <p:spPr bwMode="auto">
+        </p:nvCxnSpPr>
+        <p:spPr>
           <a:xfrm>
-            <a:off x="3779016" y="3263573"/>
-            <a:ext cx="2190799" cy="261610"/>
+            <a:off x="3836925" y="1675635"/>
+            <a:ext cx="3779857" cy="18780"/>
           </a:xfrm>
-          <a:prstGeom prst="rect">
+          <a:prstGeom prst="line">
             <a:avLst/>
           </a:prstGeom>
-          <a:noFill/>
-          <a:ln w="9525">
-            <a:noFill/>
-            <a:miter lim="800000"/>
-            <a:headEnd/>
-            <a:tailEnd/>
-          </a:ln>
         </p:spPr>
-        <p:txBody>
-          <a:bodyPr wrap="square">
-            <a:spAutoFit/>
-          </a:bodyPr>
-          <a:lstStyle>
-            <a:defPPr>
-              <a:defRPr lang="en-US"/>
-            </a:defPPr>
-            <a:lvl1pPr marL="0" algn="l" defTabSz="457200" rtl="0" eaLnBrk="1" latinLnBrk="0" hangingPunct="1">
-              <a:defRPr sz="1800" kern="1200">
-                <a:solidFill>
-                  <a:schemeClr val="tx1"/>
-                </a:solidFill>
-                <a:latin typeface="+mn-lt"/>
-                <a:ea typeface="+mn-ea"/>
-                <a:cs typeface="+mn-cs"/>
-              </a:defRPr>
-            </a:lvl1pPr>
-            <a:lvl2pPr marL="457200" algn="l" defTabSz="457200" rtl="0" eaLnBrk="1" latinLnBrk="0" hangingPunct="1">
-              <a:defRPr sz="1800" kern="1200">
-                <a:solidFill>
-                  <a:schemeClr val="tx1"/>
-                </a:solidFill>
-                <a:latin typeface="+mn-lt"/>
-                <a:ea typeface="+mn-ea"/>
-                <a:cs typeface="+mn-cs"/>
-              </a:defRPr>
-            </a:lvl2pPr>
-            <a:lvl3pPr marL="914400" algn="l" defTabSz="457200" rtl="0" eaLnBrk="1" latinLnBrk="0" hangingPunct="1">
-              <a:defRPr sz="1800" kern="1200">
-                <a:solidFill>
-                  <a:schemeClr val="tx1"/>
-                </a:solidFill>
-                <a:latin typeface="+mn-lt"/>
-                <a:ea typeface="+mn-ea"/>
-                <a:cs typeface="+mn-cs"/>
-              </a:defRPr>
-            </a:lvl3pPr>
-            <a:lvl4pPr marL="1371600" algn="l" defTabSz="457200" rtl="0" eaLnBrk="1" latinLnBrk="0" hangingPunct="1">
-              <a:defRPr sz="1800" kern="1200">
-                <a:solidFill>
-                  <a:schemeClr val="tx1"/>
-                </a:solidFill>
-                <a:latin typeface="+mn-lt"/>
-                <a:ea typeface="+mn-ea"/>
-                <a:cs typeface="+mn-cs"/>
-              </a:defRPr>
-            </a:lvl4pPr>
-            <a:lvl5pPr marL="1828800" algn="l" defTabSz="457200" rtl="0" eaLnBrk="1" latinLnBrk="0" hangingPunct="1">
-              <a:defRPr sz="1800" kern="1200">
-                <a:solidFill>
-                  <a:schemeClr val="tx1"/>
-                </a:solidFill>
-                <a:latin typeface="+mn-lt"/>
-                <a:ea typeface="+mn-ea"/>
-                <a:cs typeface="+mn-cs"/>
-              </a:defRPr>
-            </a:lvl5pPr>
-            <a:lvl6pPr marL="2286000" algn="l" defTabSz="457200" rtl="0" eaLnBrk="1" latinLnBrk="0" hangingPunct="1">
-              <a:defRPr sz="1800" kern="1200">
-                <a:solidFill>
-                  <a:schemeClr val="tx1"/>
-                </a:solidFill>
-                <a:latin typeface="+mn-lt"/>
-                <a:ea typeface="+mn-ea"/>
-                <a:cs typeface="+mn-cs"/>
-              </a:defRPr>
-            </a:lvl6pPr>
-            <a:lvl7pPr marL="2743200" algn="l" defTabSz="457200" rtl="0" eaLnBrk="1" latinLnBrk="0" hangingPunct="1">
-              <a:defRPr sz="1800" kern="1200">
-                <a:solidFill>
-                  <a:schemeClr val="tx1"/>
-                </a:solidFill>
-                <a:latin typeface="+mn-lt"/>
-                <a:ea typeface="+mn-ea"/>
-                <a:cs typeface="+mn-cs"/>
-              </a:defRPr>
-            </a:lvl7pPr>
-            <a:lvl8pPr marL="3200400" algn="l" defTabSz="457200" rtl="0" eaLnBrk="1" latinLnBrk="0" hangingPunct="1">
-              <a:defRPr sz="1800" kern="1200">
-                <a:solidFill>
-                  <a:schemeClr val="tx1"/>
-                </a:solidFill>
-                <a:latin typeface="+mn-lt"/>
-                <a:ea typeface="+mn-ea"/>
-                <a:cs typeface="+mn-cs"/>
-              </a:defRPr>
-            </a:lvl8pPr>
-            <a:lvl9pPr marL="3657600" algn="l" defTabSz="457200" rtl="0" eaLnBrk="1" latinLnBrk="0" hangingPunct="1">
-              <a:defRPr sz="1800" kern="1200">
-                <a:solidFill>
-                  <a:schemeClr val="tx1"/>
-                </a:solidFill>
-                <a:latin typeface="+mn-lt"/>
-                <a:ea typeface="+mn-ea"/>
-                <a:cs typeface="+mn-cs"/>
-              </a:defRPr>
-            </a:lvl9pPr>
-          </a:lstStyle>
-          <a:p>
-            <a:pPr algn="ctr"/>
-            <a:r>
-              <a:rPr lang="en-US" sz="1000" dirty="0" smtClean="0">
-                <a:ea typeface="Verdana" pitchFamily="34" charset="0"/>
-                <a:cs typeface="Helvetica Neue"/>
-              </a:rPr>
-              <a:t>DELETE /</a:t>
-            </a:r>
-            <a:r>
-              <a:rPr lang="en-US" sz="1000" dirty="0" err="1" smtClean="0">
-                <a:ea typeface="Verdana" pitchFamily="34" charset="0"/>
-                <a:cs typeface="Helvetica Neue"/>
-              </a:rPr>
-              <a:t>api</a:t>
-            </a:r>
-            <a:r>
-              <a:rPr lang="en-US" sz="1000" dirty="0" smtClean="0">
-                <a:ea typeface="Verdana" pitchFamily="34" charset="0"/>
-                <a:cs typeface="Helvetica Neue"/>
-              </a:rPr>
-              <a:t>/station</a:t>
-            </a:r>
-            <a:endParaRPr lang="en-US" sz="1000" dirty="0">
-              <a:ea typeface="Verdana" pitchFamily="34" charset="0"/>
-              <a:cs typeface="Helvetica Neue"/>
-            </a:endParaRPr>
-          </a:p>
-        </p:txBody>
-      </p:sp>
+        <p:style>
+          <a:lnRef idx="1">
+            <a:schemeClr val="accent1"/>
+          </a:lnRef>
+          <a:fillRef idx="0">
+            <a:schemeClr val="accent1"/>
+          </a:fillRef>
+          <a:effectRef idx="0">
+            <a:schemeClr val="accent1"/>
+          </a:effectRef>
+          <a:fontRef idx="minor">
+            <a:schemeClr val="tx1"/>
+          </a:fontRef>
+        </p:style>
+      </p:cxnSp>
     </p:spTree>
     <p:extLst>
       <p:ext uri="{BB962C8B-B14F-4D97-AF65-F5344CB8AC3E}">
-        <p14:creationId xmlns:p14="http://schemas.microsoft.com/office/powerpoint/2010/main" val="4036676082"/>
+        <p14:creationId xmlns:p14="http://schemas.microsoft.com/office/powerpoint/2010/main" val="2440210229"/>
       </p:ext>
     </p:extLst>
   </p:cSld>
@@ -27724,7 +27186,7 @@
         </p:blipFill>
         <p:spPr bwMode="auto">
           <a:xfrm>
-            <a:off x="2958911" y="2676149"/>
+            <a:off x="2630920" y="2676149"/>
             <a:ext cx="902873" cy="902873"/>
           </a:xfrm>
           <a:prstGeom prst="rect">
@@ -27757,7 +27219,7 @@
         </p:blipFill>
         <p:spPr>
           <a:xfrm>
-            <a:off x="6496937" y="2745818"/>
+            <a:off x="7798964" y="2745818"/>
             <a:ext cx="808860" cy="791238"/>
           </a:xfrm>
           <a:prstGeom prst="rect">
@@ -27787,7 +27249,7 @@
         </p:blipFill>
         <p:spPr>
           <a:xfrm>
-            <a:off x="822754" y="2740030"/>
+            <a:off x="494763" y="2740030"/>
             <a:ext cx="797026" cy="797026"/>
           </a:xfrm>
           <a:prstGeom prst="rect">
@@ -27806,7 +27268,7 @@
         </p:nvCxnSpPr>
         <p:spPr>
           <a:xfrm flipV="1">
-            <a:off x="1619780" y="3127586"/>
+            <a:off x="1291789" y="3127586"/>
             <a:ext cx="1339131" cy="10957"/>
           </a:xfrm>
           <a:prstGeom prst="line">
@@ -27838,7 +27300,7 @@
         </p:nvCxnSpPr>
         <p:spPr>
           <a:xfrm>
-            <a:off x="7305797" y="3141437"/>
+            <a:off x="8607824" y="3141437"/>
             <a:ext cx="1798774" cy="0"/>
           </a:xfrm>
           <a:prstGeom prst="line">
@@ -27870,7 +27332,7 @@
         </p:nvSpPr>
         <p:spPr bwMode="auto">
           <a:xfrm>
-            <a:off x="6083619" y="3625317"/>
+            <a:off x="7365768" y="3625317"/>
             <a:ext cx="1635493" cy="363176"/>
           </a:xfrm>
           <a:prstGeom prst="rect">
@@ -28009,7 +27471,7 @@
         </p:nvSpPr>
         <p:spPr bwMode="auto">
           <a:xfrm>
-            <a:off x="2632472" y="3616301"/>
+            <a:off x="2274661" y="3626240"/>
             <a:ext cx="1555750" cy="346762"/>
           </a:xfrm>
           <a:prstGeom prst="rect">
@@ -28174,7 +27636,7 @@
         </p:blipFill>
         <p:spPr>
           <a:xfrm>
-            <a:off x="6496937" y="4559206"/>
+            <a:off x="7779086" y="4559206"/>
             <a:ext cx="808860" cy="791238"/>
           </a:xfrm>
           <a:prstGeom prst="rect">
@@ -28192,7 +27654,7 @@
         </p:nvSpPr>
         <p:spPr bwMode="auto">
           <a:xfrm>
-            <a:off x="6083620" y="5368560"/>
+            <a:off x="7365769" y="5368560"/>
             <a:ext cx="1635493" cy="346762"/>
           </a:xfrm>
           <a:prstGeom prst="rect">
@@ -28343,7 +27805,7 @@
         </p:blipFill>
         <p:spPr>
           <a:xfrm>
-            <a:off x="9204721" y="2673792"/>
+            <a:off x="10506748" y="2673792"/>
             <a:ext cx="875317" cy="902873"/>
           </a:xfrm>
           <a:prstGeom prst="rect">
@@ -28361,7 +27823,7 @@
         </p:nvSpPr>
         <p:spPr bwMode="auto">
           <a:xfrm>
-            <a:off x="8824632" y="3625522"/>
+            <a:off x="10126659" y="3625522"/>
             <a:ext cx="1635493" cy="346762"/>
           </a:xfrm>
           <a:prstGeom prst="rect">
@@ -28494,14 +27956,15 @@
         <p:nvCxnSpPr>
           <p:cNvPr id="30" name="Straight Connector 29"/>
           <p:cNvCxnSpPr>
+            <a:stCxn id="24" idx="3"/>
             <a:endCxn id="25" idx="1"/>
           </p:cNvCxnSpPr>
           <p:nvPr/>
         </p:nvCxnSpPr>
         <p:spPr>
           <a:xfrm>
-            <a:off x="3500830" y="3981179"/>
-            <a:ext cx="2996107" cy="973646"/>
+            <a:off x="3830411" y="3799621"/>
+            <a:ext cx="3948675" cy="1155204"/>
           </a:xfrm>
           <a:prstGeom prst="line">
             <a:avLst/>
@@ -28530,7 +27993,7 @@
         </p:nvCxnSpPr>
         <p:spPr>
           <a:xfrm>
-            <a:off x="6822995" y="3962366"/>
+            <a:off x="8105145" y="3952427"/>
             <a:ext cx="1" cy="570713"/>
           </a:xfrm>
           <a:prstGeom prst="line">
@@ -28562,8 +28025,8 @@
         </p:nvSpPr>
         <p:spPr bwMode="auto">
           <a:xfrm>
-            <a:off x="3312798" y="4674982"/>
-            <a:ext cx="2525650" cy="261610"/>
+            <a:off x="3081936" y="4858231"/>
+            <a:ext cx="2525650" cy="314958"/>
           </a:xfrm>
           <a:prstGeom prst="rect">
             <a:avLst/>
@@ -28678,27 +28141,27 @@
           <a:p>
             <a:pPr algn="ctr"/>
             <a:r>
-              <a:rPr lang="en-US" sz="1000" dirty="0" smtClean="0">
+              <a:rPr lang="en-US" sz="1400" dirty="0" smtClean="0">
                 <a:ea typeface="Verdana" pitchFamily="34" charset="0"/>
                 <a:cs typeface="Helvetica Neue"/>
               </a:rPr>
               <a:t>GET /</a:t>
             </a:r>
             <a:r>
-              <a:rPr lang="en-US" sz="1000" dirty="0" err="1" smtClean="0">
+              <a:rPr lang="en-US" sz="1400" dirty="0" err="1" smtClean="0">
                 <a:ea typeface="Verdana" pitchFamily="34" charset="0"/>
                 <a:cs typeface="Helvetica Neue"/>
               </a:rPr>
               <a:t>api</a:t>
             </a:r>
             <a:r>
-              <a:rPr lang="en-US" sz="1000" dirty="0" smtClean="0">
+              <a:rPr lang="en-US" sz="1400" dirty="0" smtClean="0">
                 <a:ea typeface="Verdana" pitchFamily="34" charset="0"/>
                 <a:cs typeface="Helvetica Neue"/>
               </a:rPr>
               <a:t>/map</a:t>
             </a:r>
-            <a:endParaRPr lang="en-US" sz="1000" dirty="0">
+            <a:endParaRPr lang="en-US" sz="1400" dirty="0">
               <a:ea typeface="Verdana" pitchFamily="34" charset="0"/>
               <a:cs typeface="Helvetica Neue"/>
             </a:endParaRPr>
@@ -28713,7 +28176,7 @@
         </p:nvCxnSpPr>
         <p:spPr>
           <a:xfrm>
-            <a:off x="6966686" y="3966721"/>
+            <a:off x="8248836" y="3956782"/>
             <a:ext cx="1" cy="570713"/>
           </a:xfrm>
           <a:prstGeom prst="line">
@@ -28745,8 +28208,8 @@
         </p:nvSpPr>
         <p:spPr bwMode="auto">
           <a:xfrm>
-            <a:off x="5298517" y="4115605"/>
-            <a:ext cx="1555750" cy="251351"/>
+            <a:off x="6580666" y="4115605"/>
+            <a:ext cx="1555750" cy="314958"/>
           </a:xfrm>
           <a:prstGeom prst="rect">
             <a:avLst/>
@@ -28861,27 +28324,27 @@
           <a:p>
             <a:pPr algn="ctr"/>
             <a:r>
-              <a:rPr lang="en-US" sz="1000" dirty="0" smtClean="0">
+              <a:rPr lang="en-US" sz="1400" dirty="0" smtClean="0">
                 <a:ea typeface="Verdana" pitchFamily="34" charset="0"/>
                 <a:cs typeface="Helvetica Neue"/>
               </a:rPr>
               <a:t>GET /</a:t>
             </a:r>
             <a:r>
-              <a:rPr lang="en-US" sz="1000" dirty="0" err="1" smtClean="0">
+              <a:rPr lang="en-US" sz="1400" dirty="0" err="1" smtClean="0">
                 <a:ea typeface="Verdana" pitchFamily="34" charset="0"/>
                 <a:cs typeface="Helvetica Neue"/>
               </a:rPr>
               <a:t>api</a:t>
             </a:r>
             <a:r>
-              <a:rPr lang="en-US" sz="1000" dirty="0" smtClean="0">
+              <a:rPr lang="en-US" sz="1400" dirty="0" smtClean="0">
                 <a:ea typeface="Verdana" pitchFamily="34" charset="0"/>
                 <a:cs typeface="Helvetica Neue"/>
               </a:rPr>
               <a:t>/station</a:t>
             </a:r>
-            <a:endParaRPr lang="en-US" sz="1000" dirty="0">
+            <a:endParaRPr lang="en-US" sz="1400" dirty="0">
               <a:ea typeface="Verdana" pitchFamily="34" charset="0"/>
               <a:cs typeface="Helvetica Neue"/>
             </a:endParaRPr>
@@ -28898,8 +28361,8 @@
         </p:nvSpPr>
         <p:spPr bwMode="auto">
           <a:xfrm>
-            <a:off x="6966687" y="4115605"/>
-            <a:ext cx="2492204" cy="507831"/>
+            <a:off x="8248836" y="3919816"/>
+            <a:ext cx="2492204" cy="865045"/>
           </a:xfrm>
           <a:prstGeom prst="rect">
             <a:avLst/>
@@ -29014,35 +28477,35 @@
           <a:p>
             <a:pPr algn="ctr"/>
             <a:r>
-              <a:rPr lang="en-US" sz="1000" dirty="0" smtClean="0">
+              <a:rPr lang="en-US" sz="1400" dirty="0" smtClean="0">
                 <a:ea typeface="Verdana" pitchFamily="34" charset="0"/>
                 <a:cs typeface="Helvetica Neue"/>
               </a:rPr>
               <a:t>GET /</a:t>
             </a:r>
             <a:r>
-              <a:rPr lang="en-US" sz="1000" dirty="0" err="1" smtClean="0">
+              <a:rPr lang="en-US" sz="1400" dirty="0" err="1" smtClean="0">
                 <a:ea typeface="Verdana" pitchFamily="34" charset="0"/>
                 <a:cs typeface="Helvetica Neue"/>
               </a:rPr>
               <a:t>api</a:t>
             </a:r>
             <a:r>
-              <a:rPr lang="en-US" sz="1000" dirty="0" smtClean="0">
+              <a:rPr lang="en-US" sz="1400" dirty="0" smtClean="0">
                 <a:ea typeface="Verdana" pitchFamily="34" charset="0"/>
                 <a:cs typeface="Helvetica Neue"/>
               </a:rPr>
               <a:t>/weather/{</a:t>
             </a:r>
             <a:r>
-              <a:rPr lang="en-US" sz="1000" dirty="0" err="1" smtClean="0">
+              <a:rPr lang="en-US" sz="1400" dirty="0" err="1" smtClean="0">
                 <a:ea typeface="Verdana" pitchFamily="34" charset="0"/>
                 <a:cs typeface="Helvetica Neue"/>
               </a:rPr>
               <a:t>stationName</a:t>
             </a:r>
             <a:r>
-              <a:rPr lang="en-US" sz="1000" dirty="0" smtClean="0">
+              <a:rPr lang="en-US" sz="1400" dirty="0" smtClean="0">
                 <a:ea typeface="Verdana" pitchFamily="34" charset="0"/>
                 <a:cs typeface="Helvetica Neue"/>
               </a:rPr>
@@ -29052,13 +28515,13 @@
           <a:p>
             <a:pPr algn="ctr"/>
             <a:r>
-              <a:rPr lang="en-US" sz="1000" dirty="0">
+              <a:rPr lang="en-US" sz="1400" dirty="0">
                 <a:ea typeface="Verdana" pitchFamily="34" charset="0"/>
                 <a:cs typeface="Helvetica Neue"/>
               </a:rPr>
               <a:t>⋮</a:t>
             </a:r>
-            <a:endParaRPr lang="en-US" sz="1000" dirty="0" smtClean="0">
+            <a:endParaRPr lang="en-US" sz="1400" dirty="0" smtClean="0">
               <a:ea typeface="Verdana" pitchFamily="34" charset="0"/>
               <a:cs typeface="Helvetica Neue"/>
             </a:endParaRPr>
@@ -29301,9 +28764,9 @@
           <p:nvPr/>
         </p:nvCxnSpPr>
         <p:spPr>
-          <a:xfrm>
-            <a:off x="3831764" y="2940512"/>
-            <a:ext cx="2708708" cy="10094"/>
+          <a:xfrm flipV="1">
+            <a:off x="3860228" y="2706358"/>
+            <a:ext cx="3763085" cy="5340"/>
           </a:xfrm>
           <a:prstGeom prst="line">
             <a:avLst/>
@@ -29334,8 +28797,8 @@
         </p:nvSpPr>
         <p:spPr bwMode="auto">
           <a:xfrm>
-            <a:off x="4140118" y="2701852"/>
-            <a:ext cx="2190799" cy="261610"/>
+            <a:off x="3601910" y="2337547"/>
+            <a:ext cx="3165679" cy="329321"/>
           </a:xfrm>
           <a:prstGeom prst="rect">
             <a:avLst/>
@@ -29450,41 +28913,41 @@
           <a:p>
             <a:pPr algn="ctr"/>
             <a:r>
-              <a:rPr lang="en-US" sz="1000" dirty="0" smtClean="0">
+              <a:rPr lang="en-US" sz="1400" dirty="0" smtClean="0">
                 <a:ea typeface="Verdana" pitchFamily="34" charset="0"/>
                 <a:cs typeface="Helvetica Neue"/>
               </a:rPr>
               <a:t>POST /</a:t>
             </a:r>
             <a:r>
-              <a:rPr lang="en-US" sz="1000" dirty="0" err="1" smtClean="0">
+              <a:rPr lang="en-US" sz="1400" dirty="0" err="1" smtClean="0">
                 <a:ea typeface="Verdana" pitchFamily="34" charset="0"/>
                 <a:cs typeface="Helvetica Neue"/>
               </a:rPr>
               <a:t>api</a:t>
             </a:r>
             <a:r>
-              <a:rPr lang="en-US" sz="1000" dirty="0" smtClean="0">
+              <a:rPr lang="en-US" sz="1400" dirty="0" smtClean="0">
                 <a:ea typeface="Verdana" pitchFamily="34" charset="0"/>
                 <a:cs typeface="Helvetica Neue"/>
               </a:rPr>
               <a:t>/station/{</a:t>
             </a:r>
             <a:r>
-              <a:rPr lang="en-US" sz="1000" dirty="0" err="1" smtClean="0">
+              <a:rPr lang="en-US" sz="1400" dirty="0" err="1" smtClean="0">
                 <a:ea typeface="Verdana" pitchFamily="34" charset="0"/>
                 <a:cs typeface="Helvetica Neue"/>
               </a:rPr>
               <a:t>stationName</a:t>
             </a:r>
             <a:r>
-              <a:rPr lang="en-US" sz="1000" dirty="0" smtClean="0">
+              <a:rPr lang="en-US" sz="1400" dirty="0" smtClean="0">
                 <a:ea typeface="Verdana" pitchFamily="34" charset="0"/>
                 <a:cs typeface="Helvetica Neue"/>
               </a:rPr>
               <a:t>}</a:t>
             </a:r>
-            <a:endParaRPr lang="en-US" sz="1000" dirty="0">
+            <a:endParaRPr lang="en-US" sz="1400" dirty="0">
               <a:ea typeface="Verdana" pitchFamily="34" charset="0"/>
               <a:cs typeface="Helvetica Neue"/>
             </a:endParaRPr>
@@ -29499,8 +28962,8 @@
         </p:nvCxnSpPr>
         <p:spPr>
           <a:xfrm>
-            <a:off x="3830396" y="3216200"/>
-            <a:ext cx="2708708" cy="10094"/>
+            <a:off x="3830396" y="3146627"/>
+            <a:ext cx="3792917" cy="435"/>
           </a:xfrm>
           <a:prstGeom prst="line">
             <a:avLst/>
@@ -29531,8 +28994,8 @@
         </p:nvSpPr>
         <p:spPr bwMode="auto">
           <a:xfrm>
-            <a:off x="4202368" y="2976285"/>
-            <a:ext cx="2190799" cy="261610"/>
+            <a:off x="3439780" y="2786655"/>
+            <a:ext cx="3666371" cy="329321"/>
           </a:xfrm>
           <a:prstGeom prst="rect">
             <a:avLst/>
@@ -29647,41 +29110,41 @@
           <a:p>
             <a:pPr algn="ctr"/>
             <a:r>
-              <a:rPr lang="en-US" sz="1000" dirty="0" smtClean="0">
+              <a:rPr lang="en-US" sz="1400" dirty="0" smtClean="0">
                 <a:ea typeface="Verdana" pitchFamily="34" charset="0"/>
                 <a:cs typeface="Helvetica Neue"/>
               </a:rPr>
               <a:t>DELETE /</a:t>
             </a:r>
             <a:r>
-              <a:rPr lang="en-US" sz="1000" dirty="0" err="1" smtClean="0">
+              <a:rPr lang="en-US" sz="1400" dirty="0" err="1" smtClean="0">
                 <a:ea typeface="Verdana" pitchFamily="34" charset="0"/>
                 <a:cs typeface="Helvetica Neue"/>
               </a:rPr>
               <a:t>api</a:t>
             </a:r>
             <a:r>
-              <a:rPr lang="en-US" sz="1000" dirty="0" smtClean="0">
+              <a:rPr lang="en-US" sz="1400" dirty="0" smtClean="0">
                 <a:ea typeface="Verdana" pitchFamily="34" charset="0"/>
                 <a:cs typeface="Helvetica Neue"/>
               </a:rPr>
               <a:t>/station/{</a:t>
             </a:r>
             <a:r>
-              <a:rPr lang="en-US" sz="1000" dirty="0" err="1" smtClean="0">
+              <a:rPr lang="en-US" sz="1400" dirty="0" err="1" smtClean="0">
                 <a:ea typeface="Verdana" pitchFamily="34" charset="0"/>
                 <a:cs typeface="Helvetica Neue"/>
               </a:rPr>
               <a:t>stationName</a:t>
             </a:r>
             <a:r>
-              <a:rPr lang="en-US" sz="1000" dirty="0" smtClean="0">
+              <a:rPr lang="en-US" sz="1400" dirty="0" smtClean="0">
                 <a:ea typeface="Verdana" pitchFamily="34" charset="0"/>
                 <a:cs typeface="Helvetica Neue"/>
               </a:rPr>
               <a:t>}</a:t>
             </a:r>
-            <a:endParaRPr lang="en-US" sz="1000" dirty="0">
+            <a:endParaRPr lang="en-US" sz="1400" dirty="0">
               <a:ea typeface="Verdana" pitchFamily="34" charset="0"/>
               <a:cs typeface="Helvetica Neue"/>
             </a:endParaRPr>
@@ -29698,8 +29161,8 @@
         </p:nvSpPr>
         <p:spPr bwMode="auto">
           <a:xfrm>
-            <a:off x="3779016" y="3263573"/>
-            <a:ext cx="2190799" cy="261610"/>
+            <a:off x="3574032" y="3233931"/>
+            <a:ext cx="2190799" cy="314958"/>
           </a:xfrm>
           <a:prstGeom prst="rect">
             <a:avLst/>
@@ -29814,27 +29277,27 @@
           <a:p>
             <a:pPr algn="ctr"/>
             <a:r>
-              <a:rPr lang="en-US" sz="1000" dirty="0" smtClean="0">
+              <a:rPr lang="en-US" sz="1400" dirty="0" smtClean="0">
                 <a:ea typeface="Verdana" pitchFamily="34" charset="0"/>
                 <a:cs typeface="Helvetica Neue"/>
               </a:rPr>
               <a:t>DELETE /</a:t>
             </a:r>
             <a:r>
-              <a:rPr lang="en-US" sz="1000" dirty="0" err="1" smtClean="0">
+              <a:rPr lang="en-US" sz="1400" dirty="0" err="1" smtClean="0">
                 <a:ea typeface="Verdana" pitchFamily="34" charset="0"/>
                 <a:cs typeface="Helvetica Neue"/>
               </a:rPr>
               <a:t>api</a:t>
             </a:r>
             <a:r>
-              <a:rPr lang="en-US" sz="1000" dirty="0" smtClean="0">
+              <a:rPr lang="en-US" sz="1400" dirty="0" smtClean="0">
                 <a:ea typeface="Verdana" pitchFamily="34" charset="0"/>
                 <a:cs typeface="Helvetica Neue"/>
               </a:rPr>
               <a:t>/station</a:t>
             </a:r>
-            <a:endParaRPr lang="en-US" sz="1000" dirty="0">
+            <a:endParaRPr lang="en-US" sz="1400" dirty="0">
               <a:ea typeface="Verdana" pitchFamily="34" charset="0"/>
               <a:cs typeface="Helvetica Neue"/>
             </a:endParaRPr>
@@ -29849,8 +29312,8 @@
         </p:nvCxnSpPr>
         <p:spPr>
           <a:xfrm>
-            <a:off x="3843456" y="3473108"/>
-            <a:ext cx="2708708" cy="10094"/>
+            <a:off x="3843456" y="3572498"/>
+            <a:ext cx="3779857" cy="18780"/>
           </a:xfrm>
           <a:prstGeom prst="line">
             <a:avLst/>
@@ -31297,7 +30760,7 @@
         </p:blipFill>
         <p:spPr bwMode="auto">
           <a:xfrm>
-            <a:off x="2958911" y="2676149"/>
+            <a:off x="2630920" y="2676149"/>
             <a:ext cx="902873" cy="902873"/>
           </a:xfrm>
           <a:prstGeom prst="rect">
@@ -31330,7 +30793,7 @@
         </p:blipFill>
         <p:spPr>
           <a:xfrm>
-            <a:off x="6496937" y="2745818"/>
+            <a:off x="7798964" y="2745818"/>
             <a:ext cx="808860" cy="791238"/>
           </a:xfrm>
           <a:prstGeom prst="rect">
@@ -31360,7 +30823,7 @@
         </p:blipFill>
         <p:spPr>
           <a:xfrm>
-            <a:off x="822754" y="2740030"/>
+            <a:off x="494763" y="2740030"/>
             <a:ext cx="797026" cy="797026"/>
           </a:xfrm>
           <a:prstGeom prst="rect">
@@ -31379,7 +30842,7 @@
         </p:nvCxnSpPr>
         <p:spPr>
           <a:xfrm flipV="1">
-            <a:off x="1619780" y="3127586"/>
+            <a:off x="1291789" y="3127586"/>
             <a:ext cx="1339131" cy="10957"/>
           </a:xfrm>
           <a:prstGeom prst="line">
@@ -31411,7 +30874,7 @@
         </p:nvCxnSpPr>
         <p:spPr>
           <a:xfrm>
-            <a:off x="7305797" y="3141437"/>
+            <a:off x="8607824" y="3141437"/>
             <a:ext cx="1798774" cy="0"/>
           </a:xfrm>
           <a:prstGeom prst="line">
@@ -31443,7 +30906,7 @@
         </p:nvSpPr>
         <p:spPr bwMode="auto">
           <a:xfrm>
-            <a:off x="6083619" y="3625317"/>
+            <a:off x="7365768" y="3625317"/>
             <a:ext cx="1635493" cy="363176"/>
           </a:xfrm>
           <a:prstGeom prst="rect">
@@ -31582,7 +31045,7 @@
         </p:nvSpPr>
         <p:spPr bwMode="auto">
           <a:xfrm>
-            <a:off x="2632472" y="3616301"/>
+            <a:off x="2274661" y="3626240"/>
             <a:ext cx="1555750" cy="346762"/>
           </a:xfrm>
           <a:prstGeom prst="rect">
@@ -31747,7 +31210,7 @@
         </p:blipFill>
         <p:spPr>
           <a:xfrm>
-            <a:off x="6496937" y="4559206"/>
+            <a:off x="7779086" y="4559206"/>
             <a:ext cx="808860" cy="791238"/>
           </a:xfrm>
           <a:prstGeom prst="rect">
@@ -31765,7 +31228,7 @@
         </p:nvSpPr>
         <p:spPr bwMode="auto">
           <a:xfrm>
-            <a:off x="6083620" y="5368560"/>
+            <a:off x="7365769" y="5368560"/>
             <a:ext cx="1635493" cy="346762"/>
           </a:xfrm>
           <a:prstGeom prst="rect">
@@ -31916,7 +31379,7 @@
         </p:blipFill>
         <p:spPr>
           <a:xfrm>
-            <a:off x="9204721" y="2673792"/>
+            <a:off x="10506748" y="2673792"/>
             <a:ext cx="875317" cy="902873"/>
           </a:xfrm>
           <a:prstGeom prst="rect">
@@ -31934,7 +31397,7 @@
         </p:nvSpPr>
         <p:spPr bwMode="auto">
           <a:xfrm>
-            <a:off x="8824632" y="3625522"/>
+            <a:off x="10126659" y="3625522"/>
             <a:ext cx="1635493" cy="346762"/>
           </a:xfrm>
           <a:prstGeom prst="rect">
@@ -32067,14 +31530,15 @@
         <p:nvCxnSpPr>
           <p:cNvPr id="30" name="Straight Connector 29"/>
           <p:cNvCxnSpPr>
+            <a:stCxn id="24" idx="3"/>
             <a:endCxn id="25" idx="1"/>
           </p:cNvCxnSpPr>
           <p:nvPr/>
         </p:nvCxnSpPr>
         <p:spPr>
           <a:xfrm>
-            <a:off x="3500830" y="3981179"/>
-            <a:ext cx="2996107" cy="973646"/>
+            <a:off x="3830411" y="3799621"/>
+            <a:ext cx="3948675" cy="1155204"/>
           </a:xfrm>
           <a:prstGeom prst="line">
             <a:avLst/>
@@ -32103,7 +31567,7 @@
         </p:nvCxnSpPr>
         <p:spPr>
           <a:xfrm>
-            <a:off x="6822995" y="3962366"/>
+            <a:off x="8105145" y="3952427"/>
             <a:ext cx="1" cy="570713"/>
           </a:xfrm>
           <a:prstGeom prst="line">
@@ -32135,8 +31599,8 @@
         </p:nvSpPr>
         <p:spPr bwMode="auto">
           <a:xfrm>
-            <a:off x="2772867" y="4693215"/>
-            <a:ext cx="2525650" cy="251351"/>
+            <a:off x="3533793" y="4854486"/>
+            <a:ext cx="3885342" cy="329321"/>
           </a:xfrm>
           <a:prstGeom prst="rect">
             <a:avLst/>
@@ -32251,48 +31715,48 @@
           <a:p>
             <a:pPr algn="ctr"/>
             <a:r>
-              <a:rPr lang="en-US" sz="1000" dirty="0" smtClean="0">
+              <a:rPr lang="en-US" sz="1400" dirty="0">
                 <a:ea typeface="Verdana" pitchFamily="34" charset="0"/>
                 <a:cs typeface="Helvetica Neue"/>
               </a:rPr>
               <a:t>GET /</a:t>
             </a:r>
             <a:r>
-              <a:rPr lang="en-US" sz="1000" dirty="0" err="1" smtClean="0">
+              <a:rPr lang="en-US" sz="1400" dirty="0" err="1" smtClean="0">
                 <a:ea typeface="Verdana" pitchFamily="34" charset="0"/>
                 <a:cs typeface="Helvetica Neue"/>
               </a:rPr>
               <a:t>api</a:t>
             </a:r>
             <a:r>
-              <a:rPr lang="en-US" sz="1000" dirty="0" smtClean="0">
+              <a:rPr lang="en-US" sz="1400" dirty="0" smtClean="0">
                 <a:ea typeface="Verdana" pitchFamily="34" charset="0"/>
                 <a:cs typeface="Helvetica Neue"/>
               </a:rPr>
               <a:t>/</a:t>
             </a:r>
             <a:r>
-              <a:rPr lang="en-US" sz="1000" dirty="0" err="1" smtClean="0">
+              <a:rPr lang="en-US" sz="1400" dirty="0" err="1" smtClean="0">
                 <a:ea typeface="Verdana" pitchFamily="34" charset="0"/>
                 <a:cs typeface="Helvetica Neue"/>
               </a:rPr>
               <a:t>map?temperatureUnit</a:t>
             </a:r>
             <a:r>
-              <a:rPr lang="en-US" sz="1000" dirty="0" smtClean="0">
+              <a:rPr lang="en-US" sz="1400" dirty="0" smtClean="0">
                 <a:ea typeface="Verdana" pitchFamily="34" charset="0"/>
                 <a:cs typeface="Helvetica Neue"/>
               </a:rPr>
               <a:t>=</a:t>
             </a:r>
             <a:r>
-              <a:rPr lang="en-US" sz="1000" dirty="0" err="1" smtClean="0">
+              <a:rPr lang="en-US" sz="1400" dirty="0" err="1" smtClean="0">
                 <a:ea typeface="Verdana" pitchFamily="34" charset="0"/>
                 <a:cs typeface="Helvetica Neue"/>
               </a:rPr>
-              <a:t>celsius</a:t>
-            </a:r>
-            <a:endParaRPr lang="en-US" sz="1000" dirty="0">
+              <a:t>fahrenheit</a:t>
+            </a:r>
+            <a:endParaRPr lang="en-US" sz="1400" dirty="0">
               <a:ea typeface="Verdana" pitchFamily="34" charset="0"/>
               <a:cs typeface="Helvetica Neue"/>
             </a:endParaRPr>
@@ -32307,7 +31771,7 @@
         </p:nvCxnSpPr>
         <p:spPr>
           <a:xfrm>
-            <a:off x="6966686" y="3966721"/>
+            <a:off x="8248836" y="3956782"/>
             <a:ext cx="1" cy="570713"/>
           </a:xfrm>
           <a:prstGeom prst="line">
@@ -32339,8 +31803,8 @@
         </p:nvSpPr>
         <p:spPr bwMode="auto">
           <a:xfrm>
-            <a:off x="5298517" y="4115605"/>
-            <a:ext cx="1555750" cy="251351"/>
+            <a:off x="6580666" y="4115605"/>
+            <a:ext cx="1555750" cy="314958"/>
           </a:xfrm>
           <a:prstGeom prst="rect">
             <a:avLst/>
@@ -32455,27 +31919,27 @@
           <a:p>
             <a:pPr algn="ctr"/>
             <a:r>
-              <a:rPr lang="en-US" sz="1000" dirty="0" smtClean="0">
+              <a:rPr lang="en-US" sz="1400" dirty="0" smtClean="0">
                 <a:ea typeface="Verdana" pitchFamily="34" charset="0"/>
                 <a:cs typeface="Helvetica Neue"/>
               </a:rPr>
               <a:t>GET /</a:t>
             </a:r>
             <a:r>
-              <a:rPr lang="en-US" sz="1000" dirty="0" err="1" smtClean="0">
+              <a:rPr lang="en-US" sz="1400" dirty="0" err="1" smtClean="0">
                 <a:ea typeface="Verdana" pitchFamily="34" charset="0"/>
                 <a:cs typeface="Helvetica Neue"/>
               </a:rPr>
               <a:t>api</a:t>
             </a:r>
             <a:r>
-              <a:rPr lang="en-US" sz="1000" dirty="0" smtClean="0">
+              <a:rPr lang="en-US" sz="1400" dirty="0" smtClean="0">
                 <a:ea typeface="Verdana" pitchFamily="34" charset="0"/>
                 <a:cs typeface="Helvetica Neue"/>
               </a:rPr>
               <a:t>/station</a:t>
             </a:r>
-            <a:endParaRPr lang="en-US" sz="1000" dirty="0">
+            <a:endParaRPr lang="en-US" sz="1400" dirty="0">
               <a:ea typeface="Verdana" pitchFamily="34" charset="0"/>
               <a:cs typeface="Helvetica Neue"/>
             </a:endParaRPr>
@@ -32492,8 +31956,8 @@
         </p:nvSpPr>
         <p:spPr bwMode="auto">
           <a:xfrm>
-            <a:off x="6966687" y="4115605"/>
-            <a:ext cx="2492204" cy="507831"/>
+            <a:off x="8248836" y="3919816"/>
+            <a:ext cx="2492204" cy="865045"/>
           </a:xfrm>
           <a:prstGeom prst="rect">
             <a:avLst/>
@@ -32608,35 +32072,35 @@
           <a:p>
             <a:pPr algn="ctr"/>
             <a:r>
-              <a:rPr lang="en-US" sz="1000" dirty="0" smtClean="0">
+              <a:rPr lang="en-US" sz="1400" dirty="0" smtClean="0">
                 <a:ea typeface="Verdana" pitchFamily="34" charset="0"/>
                 <a:cs typeface="Helvetica Neue"/>
               </a:rPr>
               <a:t>GET /</a:t>
             </a:r>
             <a:r>
-              <a:rPr lang="en-US" sz="1000" dirty="0" err="1" smtClean="0">
+              <a:rPr lang="en-US" sz="1400" dirty="0" err="1" smtClean="0">
                 <a:ea typeface="Verdana" pitchFamily="34" charset="0"/>
                 <a:cs typeface="Helvetica Neue"/>
               </a:rPr>
               <a:t>api</a:t>
             </a:r>
             <a:r>
-              <a:rPr lang="en-US" sz="1000" dirty="0" smtClean="0">
+              <a:rPr lang="en-US" sz="1400" dirty="0" smtClean="0">
                 <a:ea typeface="Verdana" pitchFamily="34" charset="0"/>
                 <a:cs typeface="Helvetica Neue"/>
               </a:rPr>
               <a:t>/weather/{</a:t>
             </a:r>
             <a:r>
-              <a:rPr lang="en-US" sz="1000" dirty="0" err="1" smtClean="0">
+              <a:rPr lang="en-US" sz="1400" dirty="0" err="1" smtClean="0">
                 <a:ea typeface="Verdana" pitchFamily="34" charset="0"/>
                 <a:cs typeface="Helvetica Neue"/>
               </a:rPr>
               <a:t>stationName</a:t>
             </a:r>
             <a:r>
-              <a:rPr lang="en-US" sz="1000" dirty="0" smtClean="0">
+              <a:rPr lang="en-US" sz="1400" dirty="0" smtClean="0">
                 <a:ea typeface="Verdana" pitchFamily="34" charset="0"/>
                 <a:cs typeface="Helvetica Neue"/>
               </a:rPr>
@@ -32646,13 +32110,13 @@
           <a:p>
             <a:pPr algn="ctr"/>
             <a:r>
-              <a:rPr lang="en-US" sz="1000" dirty="0">
+              <a:rPr lang="en-US" sz="1400" dirty="0">
                 <a:ea typeface="Verdana" pitchFamily="34" charset="0"/>
                 <a:cs typeface="Helvetica Neue"/>
               </a:rPr>
               <a:t>⋮</a:t>
             </a:r>
-            <a:endParaRPr lang="en-US" sz="1000" dirty="0" smtClean="0">
+            <a:endParaRPr lang="en-US" sz="1400" dirty="0" smtClean="0">
               <a:ea typeface="Verdana" pitchFamily="34" charset="0"/>
               <a:cs typeface="Helvetica Neue"/>
             </a:endParaRPr>
@@ -32661,181 +32125,7 @@
       </p:sp>
       <p:sp>
         <p:nvSpPr>
-          <p:cNvPr id="27" name="TextBox 26"/>
-          <p:cNvSpPr txBox="1">
-            <a:spLocks noChangeArrowheads="1"/>
-          </p:cNvSpPr>
-          <p:nvPr/>
-        </p:nvSpPr>
-        <p:spPr bwMode="auto">
-          <a:xfrm>
-            <a:off x="2772867" y="4992330"/>
-            <a:ext cx="2669990" cy="261610"/>
-          </a:xfrm>
-          <a:prstGeom prst="rect">
-            <a:avLst/>
-          </a:prstGeom>
-          <a:noFill/>
-          <a:ln w="9525">
-            <a:noFill/>
-            <a:miter lim="800000"/>
-            <a:headEnd/>
-            <a:tailEnd/>
-          </a:ln>
-        </p:spPr>
-        <p:txBody>
-          <a:bodyPr wrap="square">
-            <a:spAutoFit/>
-          </a:bodyPr>
-          <a:lstStyle>
-            <a:defPPr>
-              <a:defRPr lang="en-US"/>
-            </a:defPPr>
-            <a:lvl1pPr marL="0" algn="l" defTabSz="457200" rtl="0" eaLnBrk="1" latinLnBrk="0" hangingPunct="1">
-              <a:defRPr sz="1800" kern="1200">
-                <a:solidFill>
-                  <a:schemeClr val="tx1"/>
-                </a:solidFill>
-                <a:latin typeface="+mn-lt"/>
-                <a:ea typeface="+mn-ea"/>
-                <a:cs typeface="+mn-cs"/>
-              </a:defRPr>
-            </a:lvl1pPr>
-            <a:lvl2pPr marL="457200" algn="l" defTabSz="457200" rtl="0" eaLnBrk="1" latinLnBrk="0" hangingPunct="1">
-              <a:defRPr sz="1800" kern="1200">
-                <a:solidFill>
-                  <a:schemeClr val="tx1"/>
-                </a:solidFill>
-                <a:latin typeface="+mn-lt"/>
-                <a:ea typeface="+mn-ea"/>
-                <a:cs typeface="+mn-cs"/>
-              </a:defRPr>
-            </a:lvl2pPr>
-            <a:lvl3pPr marL="914400" algn="l" defTabSz="457200" rtl="0" eaLnBrk="1" latinLnBrk="0" hangingPunct="1">
-              <a:defRPr sz="1800" kern="1200">
-                <a:solidFill>
-                  <a:schemeClr val="tx1"/>
-                </a:solidFill>
-                <a:latin typeface="+mn-lt"/>
-                <a:ea typeface="+mn-ea"/>
-                <a:cs typeface="+mn-cs"/>
-              </a:defRPr>
-            </a:lvl3pPr>
-            <a:lvl4pPr marL="1371600" algn="l" defTabSz="457200" rtl="0" eaLnBrk="1" latinLnBrk="0" hangingPunct="1">
-              <a:defRPr sz="1800" kern="1200">
-                <a:solidFill>
-                  <a:schemeClr val="tx1"/>
-                </a:solidFill>
-                <a:latin typeface="+mn-lt"/>
-                <a:ea typeface="+mn-ea"/>
-                <a:cs typeface="+mn-cs"/>
-              </a:defRPr>
-            </a:lvl4pPr>
-            <a:lvl5pPr marL="1828800" algn="l" defTabSz="457200" rtl="0" eaLnBrk="1" latinLnBrk="0" hangingPunct="1">
-              <a:defRPr sz="1800" kern="1200">
-                <a:solidFill>
-                  <a:schemeClr val="tx1"/>
-                </a:solidFill>
-                <a:latin typeface="+mn-lt"/>
-                <a:ea typeface="+mn-ea"/>
-                <a:cs typeface="+mn-cs"/>
-              </a:defRPr>
-            </a:lvl5pPr>
-            <a:lvl6pPr marL="2286000" algn="l" defTabSz="457200" rtl="0" eaLnBrk="1" latinLnBrk="0" hangingPunct="1">
-              <a:defRPr sz="1800" kern="1200">
-                <a:solidFill>
-                  <a:schemeClr val="tx1"/>
-                </a:solidFill>
-                <a:latin typeface="+mn-lt"/>
-                <a:ea typeface="+mn-ea"/>
-                <a:cs typeface="+mn-cs"/>
-              </a:defRPr>
-            </a:lvl6pPr>
-            <a:lvl7pPr marL="2743200" algn="l" defTabSz="457200" rtl="0" eaLnBrk="1" latinLnBrk="0" hangingPunct="1">
-              <a:defRPr sz="1800" kern="1200">
-                <a:solidFill>
-                  <a:schemeClr val="tx1"/>
-                </a:solidFill>
-                <a:latin typeface="+mn-lt"/>
-                <a:ea typeface="+mn-ea"/>
-                <a:cs typeface="+mn-cs"/>
-              </a:defRPr>
-            </a:lvl7pPr>
-            <a:lvl8pPr marL="3200400" algn="l" defTabSz="457200" rtl="0" eaLnBrk="1" latinLnBrk="0" hangingPunct="1">
-              <a:defRPr sz="1800" kern="1200">
-                <a:solidFill>
-                  <a:schemeClr val="tx1"/>
-                </a:solidFill>
-                <a:latin typeface="+mn-lt"/>
-                <a:ea typeface="+mn-ea"/>
-                <a:cs typeface="+mn-cs"/>
-              </a:defRPr>
-            </a:lvl8pPr>
-            <a:lvl9pPr marL="3657600" algn="l" defTabSz="457200" rtl="0" eaLnBrk="1" latinLnBrk="0" hangingPunct="1">
-              <a:defRPr sz="1800" kern="1200">
-                <a:solidFill>
-                  <a:schemeClr val="tx1"/>
-                </a:solidFill>
-                <a:latin typeface="+mn-lt"/>
-                <a:ea typeface="+mn-ea"/>
-                <a:cs typeface="+mn-cs"/>
-              </a:defRPr>
-            </a:lvl9pPr>
-          </a:lstStyle>
-          <a:p>
-            <a:pPr algn="ctr"/>
-            <a:r>
-              <a:rPr lang="en-US" sz="1000" dirty="0" smtClean="0">
-                <a:ea typeface="Verdana" pitchFamily="34" charset="0"/>
-                <a:cs typeface="Helvetica Neue"/>
-              </a:rPr>
-              <a:t>GET /</a:t>
-            </a:r>
-            <a:r>
-              <a:rPr lang="en-US" sz="1000" dirty="0" err="1" smtClean="0">
-                <a:ea typeface="Verdana" pitchFamily="34" charset="0"/>
-                <a:cs typeface="Helvetica Neue"/>
-              </a:rPr>
-              <a:t>api</a:t>
-            </a:r>
-            <a:r>
-              <a:rPr lang="en-US" sz="1000" dirty="0" smtClean="0">
-                <a:ea typeface="Verdana" pitchFamily="34" charset="0"/>
-                <a:cs typeface="Helvetica Neue"/>
-              </a:rPr>
-              <a:t>/</a:t>
-            </a:r>
-            <a:r>
-              <a:rPr lang="en-US" sz="1000" dirty="0" err="1" smtClean="0">
-                <a:ea typeface="Verdana" pitchFamily="34" charset="0"/>
-                <a:cs typeface="Helvetica Neue"/>
-              </a:rPr>
-              <a:t>map?temperatureUnit</a:t>
-            </a:r>
-            <a:r>
-              <a:rPr lang="en-US" sz="1000" dirty="0" smtClean="0">
-                <a:ea typeface="Verdana" pitchFamily="34" charset="0"/>
-                <a:cs typeface="Helvetica Neue"/>
-              </a:rPr>
-              <a:t>=</a:t>
-            </a:r>
-            <a:r>
-              <a:rPr lang="en-US" sz="1000" dirty="0" err="1" smtClean="0">
-                <a:ea typeface="Verdana" pitchFamily="34" charset="0"/>
-                <a:cs typeface="Helvetica Neue"/>
-              </a:rPr>
-              <a:t>fahrenheit</a:t>
-            </a:r>
-            <a:endParaRPr lang="en-US" sz="1000" dirty="0">
-              <a:ea typeface="Verdana" pitchFamily="34" charset="0"/>
-              <a:cs typeface="Helvetica Neue"/>
-            </a:endParaRPr>
-          </a:p>
-        </p:txBody>
-      </p:sp>
-      <p:sp>
-        <p:nvSpPr>
-          <p:cNvPr id="31" name="Freihandform 26">
+          <p:cNvPr id="27" name="Freihandform 26">
             <a:extLst>
               <a:ext uri="{FF2B5EF4-FFF2-40B4-BE49-F238E27FC236}">
                 <a16:creationId xmlns:a16="http://schemas.microsoft.com/office/drawing/2014/main" id="{4F79D5C1-6B06-4491-AAB1-02C2FBB68B48}"/>
@@ -33039,7 +32329,7 @@
           </a:lstStyle>
           <a:p>
             <a:r>
-              <a:rPr lang="en-US" sz="2000" dirty="0" smtClean="0">
+              <a:rPr lang="en-US" sz="2000" dirty="0">
                 <a:solidFill>
                   <a:schemeClr val="accent1"/>
                 </a:solidFill>
@@ -33056,14 +32346,14 @@
       </p:sp>
       <p:cxnSp>
         <p:nvCxnSpPr>
-          <p:cNvPr id="32" name="Straight Connector 31"/>
+          <p:cNvPr id="31" name="Straight Connector 30"/>
           <p:cNvCxnSpPr/>
           <p:nvPr/>
         </p:nvCxnSpPr>
         <p:spPr>
-          <a:xfrm>
-            <a:off x="3831764" y="2940512"/>
-            <a:ext cx="2708708" cy="10094"/>
+          <a:xfrm flipV="1">
+            <a:off x="3860228" y="2706358"/>
+            <a:ext cx="3763085" cy="5340"/>
           </a:xfrm>
           <a:prstGeom prst="line">
             <a:avLst/>
@@ -33086,7 +32376,7 @@
       </p:cxnSp>
       <p:sp>
         <p:nvSpPr>
-          <p:cNvPr id="34" name="TextBox 33"/>
+          <p:cNvPr id="32" name="TextBox 31"/>
           <p:cNvSpPr txBox="1">
             <a:spLocks noChangeArrowheads="1"/>
           </p:cNvSpPr>
@@ -33094,8 +32384,8 @@
         </p:nvSpPr>
         <p:spPr bwMode="auto">
           <a:xfrm>
-            <a:off x="4140118" y="2701852"/>
-            <a:ext cx="2190799" cy="261610"/>
+            <a:off x="3601910" y="2337547"/>
+            <a:ext cx="3165679" cy="329321"/>
           </a:xfrm>
           <a:prstGeom prst="rect">
             <a:avLst/>
@@ -33210,41 +32500,41 @@
           <a:p>
             <a:pPr algn="ctr"/>
             <a:r>
-              <a:rPr lang="en-US" sz="1000" dirty="0" smtClean="0">
+              <a:rPr lang="en-US" sz="1400" dirty="0" smtClean="0">
                 <a:ea typeface="Verdana" pitchFamily="34" charset="0"/>
                 <a:cs typeface="Helvetica Neue"/>
               </a:rPr>
               <a:t>POST /</a:t>
             </a:r>
             <a:r>
-              <a:rPr lang="en-US" sz="1000" dirty="0" err="1" smtClean="0">
+              <a:rPr lang="en-US" sz="1400" dirty="0" err="1" smtClean="0">
                 <a:ea typeface="Verdana" pitchFamily="34" charset="0"/>
                 <a:cs typeface="Helvetica Neue"/>
               </a:rPr>
               <a:t>api</a:t>
             </a:r>
             <a:r>
-              <a:rPr lang="en-US" sz="1000" dirty="0" smtClean="0">
+              <a:rPr lang="en-US" sz="1400" dirty="0" smtClean="0">
                 <a:ea typeface="Verdana" pitchFamily="34" charset="0"/>
                 <a:cs typeface="Helvetica Neue"/>
               </a:rPr>
               <a:t>/station/{</a:t>
             </a:r>
             <a:r>
-              <a:rPr lang="en-US" sz="1000" dirty="0" err="1" smtClean="0">
+              <a:rPr lang="en-US" sz="1400" dirty="0" err="1" smtClean="0">
                 <a:ea typeface="Verdana" pitchFamily="34" charset="0"/>
                 <a:cs typeface="Helvetica Neue"/>
               </a:rPr>
               <a:t>stationName</a:t>
             </a:r>
             <a:r>
-              <a:rPr lang="en-US" sz="1000" dirty="0" smtClean="0">
+              <a:rPr lang="en-US" sz="1400" dirty="0" smtClean="0">
                 <a:ea typeface="Verdana" pitchFamily="34" charset="0"/>
                 <a:cs typeface="Helvetica Neue"/>
               </a:rPr>
               <a:t>}</a:t>
             </a:r>
-            <a:endParaRPr lang="en-US" sz="1000" dirty="0">
+            <a:endParaRPr lang="en-US" sz="1400" dirty="0">
               <a:ea typeface="Verdana" pitchFamily="34" charset="0"/>
               <a:cs typeface="Helvetica Neue"/>
             </a:endParaRPr>
@@ -33253,14 +32543,14 @@
       </p:sp>
       <p:cxnSp>
         <p:nvCxnSpPr>
-          <p:cNvPr id="35" name="Straight Connector 34"/>
+          <p:cNvPr id="34" name="Straight Connector 33"/>
           <p:cNvCxnSpPr/>
           <p:nvPr/>
         </p:nvCxnSpPr>
         <p:spPr>
           <a:xfrm>
-            <a:off x="3830396" y="3216200"/>
-            <a:ext cx="2708708" cy="10094"/>
+            <a:off x="3830396" y="3146627"/>
+            <a:ext cx="3792917" cy="435"/>
           </a:xfrm>
           <a:prstGeom prst="line">
             <a:avLst/>
@@ -33283,7 +32573,7 @@
       </p:cxnSp>
       <p:sp>
         <p:nvSpPr>
-          <p:cNvPr id="36" name="TextBox 35"/>
+          <p:cNvPr id="35" name="TextBox 34"/>
           <p:cNvSpPr txBox="1">
             <a:spLocks noChangeArrowheads="1"/>
           </p:cNvSpPr>
@@ -33291,8 +32581,8 @@
         </p:nvSpPr>
         <p:spPr bwMode="auto">
           <a:xfrm>
-            <a:off x="4202368" y="2976285"/>
-            <a:ext cx="2190799" cy="261610"/>
+            <a:off x="3439780" y="2786655"/>
+            <a:ext cx="3666371" cy="329321"/>
           </a:xfrm>
           <a:prstGeom prst="rect">
             <a:avLst/>
@@ -33407,41 +32697,41 @@
           <a:p>
             <a:pPr algn="ctr"/>
             <a:r>
-              <a:rPr lang="en-US" sz="1000" dirty="0" smtClean="0">
+              <a:rPr lang="en-US" sz="1400" dirty="0" smtClean="0">
                 <a:ea typeface="Verdana" pitchFamily="34" charset="0"/>
                 <a:cs typeface="Helvetica Neue"/>
               </a:rPr>
               <a:t>DELETE /</a:t>
             </a:r>
             <a:r>
-              <a:rPr lang="en-US" sz="1000" dirty="0" err="1" smtClean="0">
+              <a:rPr lang="en-US" sz="1400" dirty="0" err="1" smtClean="0">
                 <a:ea typeface="Verdana" pitchFamily="34" charset="0"/>
                 <a:cs typeface="Helvetica Neue"/>
               </a:rPr>
               <a:t>api</a:t>
             </a:r>
             <a:r>
-              <a:rPr lang="en-US" sz="1000" dirty="0" smtClean="0">
+              <a:rPr lang="en-US" sz="1400" dirty="0" smtClean="0">
                 <a:ea typeface="Verdana" pitchFamily="34" charset="0"/>
                 <a:cs typeface="Helvetica Neue"/>
               </a:rPr>
               <a:t>/station/{</a:t>
             </a:r>
             <a:r>
-              <a:rPr lang="en-US" sz="1000" dirty="0" err="1" smtClean="0">
+              <a:rPr lang="en-US" sz="1400" dirty="0" err="1" smtClean="0">
                 <a:ea typeface="Verdana" pitchFamily="34" charset="0"/>
                 <a:cs typeface="Helvetica Neue"/>
               </a:rPr>
               <a:t>stationName</a:t>
             </a:r>
             <a:r>
-              <a:rPr lang="en-US" sz="1000" dirty="0" smtClean="0">
+              <a:rPr lang="en-US" sz="1400" dirty="0" smtClean="0">
                 <a:ea typeface="Verdana" pitchFamily="34" charset="0"/>
                 <a:cs typeface="Helvetica Neue"/>
               </a:rPr>
               <a:t>}</a:t>
             </a:r>
-            <a:endParaRPr lang="en-US" sz="1000" dirty="0">
+            <a:endParaRPr lang="en-US" sz="1400" dirty="0">
               <a:ea typeface="Verdana" pitchFamily="34" charset="0"/>
               <a:cs typeface="Helvetica Neue"/>
             </a:endParaRPr>
@@ -33450,7 +32740,7 @@
       </p:sp>
       <p:sp>
         <p:nvSpPr>
-          <p:cNvPr id="37" name="TextBox 36"/>
+          <p:cNvPr id="36" name="TextBox 35"/>
           <p:cNvSpPr txBox="1">
             <a:spLocks noChangeArrowheads="1"/>
           </p:cNvSpPr>
@@ -33458,8 +32748,8 @@
         </p:nvSpPr>
         <p:spPr bwMode="auto">
           <a:xfrm>
-            <a:off x="3779016" y="3263573"/>
-            <a:ext cx="2190799" cy="261610"/>
+            <a:off x="3574032" y="3233931"/>
+            <a:ext cx="2190799" cy="314958"/>
           </a:xfrm>
           <a:prstGeom prst="rect">
             <a:avLst/>
@@ -33574,27 +32864,27 @@
           <a:p>
             <a:pPr algn="ctr"/>
             <a:r>
-              <a:rPr lang="en-US" sz="1000" dirty="0" smtClean="0">
+              <a:rPr lang="en-US" sz="1400" dirty="0" smtClean="0">
                 <a:ea typeface="Verdana" pitchFamily="34" charset="0"/>
                 <a:cs typeface="Helvetica Neue"/>
               </a:rPr>
               <a:t>DELETE /</a:t>
             </a:r>
             <a:r>
-              <a:rPr lang="en-US" sz="1000" dirty="0" err="1" smtClean="0">
+              <a:rPr lang="en-US" sz="1400" dirty="0" err="1" smtClean="0">
                 <a:ea typeface="Verdana" pitchFamily="34" charset="0"/>
                 <a:cs typeface="Helvetica Neue"/>
               </a:rPr>
               <a:t>api</a:t>
             </a:r>
             <a:r>
-              <a:rPr lang="en-US" sz="1000" dirty="0" smtClean="0">
+              <a:rPr lang="en-US" sz="1400" dirty="0" smtClean="0">
                 <a:ea typeface="Verdana" pitchFamily="34" charset="0"/>
                 <a:cs typeface="Helvetica Neue"/>
               </a:rPr>
               <a:t>/station</a:t>
             </a:r>
-            <a:endParaRPr lang="en-US" sz="1000" dirty="0">
+            <a:endParaRPr lang="en-US" sz="1400" dirty="0">
               <a:ea typeface="Verdana" pitchFamily="34" charset="0"/>
               <a:cs typeface="Helvetica Neue"/>
             </a:endParaRPr>
@@ -33603,14 +32893,14 @@
       </p:sp>
       <p:cxnSp>
         <p:nvCxnSpPr>
-          <p:cNvPr id="38" name="Straight Connector 37"/>
+          <p:cNvPr id="37" name="Straight Connector 36"/>
           <p:cNvCxnSpPr/>
           <p:nvPr/>
         </p:nvCxnSpPr>
         <p:spPr>
           <a:xfrm>
-            <a:off x="3843456" y="3473108"/>
-            <a:ext cx="2708708" cy="10094"/>
+            <a:off x="3843456" y="3572498"/>
+            <a:ext cx="3779857" cy="18780"/>
           </a:xfrm>
           <a:prstGeom prst="line">
             <a:avLst/>
@@ -33631,10 +32921,184 @@
           </a:fontRef>
         </p:style>
       </p:cxnSp>
+      <p:sp>
+        <p:nvSpPr>
+          <p:cNvPr id="39" name="TextBox 38"/>
+          <p:cNvSpPr txBox="1">
+            <a:spLocks noChangeArrowheads="1"/>
+          </p:cNvSpPr>
+          <p:nvPr/>
+        </p:nvSpPr>
+        <p:spPr bwMode="auto">
+          <a:xfrm>
+            <a:off x="3574032" y="5270809"/>
+            <a:ext cx="3588176" cy="314958"/>
+          </a:xfrm>
+          <a:prstGeom prst="rect">
+            <a:avLst/>
+          </a:prstGeom>
+          <a:noFill/>
+          <a:ln w="9525">
+            <a:noFill/>
+            <a:miter lim="800000"/>
+            <a:headEnd/>
+            <a:tailEnd/>
+          </a:ln>
+        </p:spPr>
+        <p:txBody>
+          <a:bodyPr wrap="square">
+            <a:spAutoFit/>
+          </a:bodyPr>
+          <a:lstStyle>
+            <a:defPPr>
+              <a:defRPr lang="en-US"/>
+            </a:defPPr>
+            <a:lvl1pPr marL="0" algn="l" defTabSz="457200" rtl="0" eaLnBrk="1" latinLnBrk="0" hangingPunct="1">
+              <a:defRPr sz="1800" kern="1200">
+                <a:solidFill>
+                  <a:schemeClr val="tx1"/>
+                </a:solidFill>
+                <a:latin typeface="+mn-lt"/>
+                <a:ea typeface="+mn-ea"/>
+                <a:cs typeface="+mn-cs"/>
+              </a:defRPr>
+            </a:lvl1pPr>
+            <a:lvl2pPr marL="457200" algn="l" defTabSz="457200" rtl="0" eaLnBrk="1" latinLnBrk="0" hangingPunct="1">
+              <a:defRPr sz="1800" kern="1200">
+                <a:solidFill>
+                  <a:schemeClr val="tx1"/>
+                </a:solidFill>
+                <a:latin typeface="+mn-lt"/>
+                <a:ea typeface="+mn-ea"/>
+                <a:cs typeface="+mn-cs"/>
+              </a:defRPr>
+            </a:lvl2pPr>
+            <a:lvl3pPr marL="914400" algn="l" defTabSz="457200" rtl="0" eaLnBrk="1" latinLnBrk="0" hangingPunct="1">
+              <a:defRPr sz="1800" kern="1200">
+                <a:solidFill>
+                  <a:schemeClr val="tx1"/>
+                </a:solidFill>
+                <a:latin typeface="+mn-lt"/>
+                <a:ea typeface="+mn-ea"/>
+                <a:cs typeface="+mn-cs"/>
+              </a:defRPr>
+            </a:lvl3pPr>
+            <a:lvl4pPr marL="1371600" algn="l" defTabSz="457200" rtl="0" eaLnBrk="1" latinLnBrk="0" hangingPunct="1">
+              <a:defRPr sz="1800" kern="1200">
+                <a:solidFill>
+                  <a:schemeClr val="tx1"/>
+                </a:solidFill>
+                <a:latin typeface="+mn-lt"/>
+                <a:ea typeface="+mn-ea"/>
+                <a:cs typeface="+mn-cs"/>
+              </a:defRPr>
+            </a:lvl4pPr>
+            <a:lvl5pPr marL="1828800" algn="l" defTabSz="457200" rtl="0" eaLnBrk="1" latinLnBrk="0" hangingPunct="1">
+              <a:defRPr sz="1800" kern="1200">
+                <a:solidFill>
+                  <a:schemeClr val="tx1"/>
+                </a:solidFill>
+                <a:latin typeface="+mn-lt"/>
+                <a:ea typeface="+mn-ea"/>
+                <a:cs typeface="+mn-cs"/>
+              </a:defRPr>
+            </a:lvl5pPr>
+            <a:lvl6pPr marL="2286000" algn="l" defTabSz="457200" rtl="0" eaLnBrk="1" latinLnBrk="0" hangingPunct="1">
+              <a:defRPr sz="1800" kern="1200">
+                <a:solidFill>
+                  <a:schemeClr val="tx1"/>
+                </a:solidFill>
+                <a:latin typeface="+mn-lt"/>
+                <a:ea typeface="+mn-ea"/>
+                <a:cs typeface="+mn-cs"/>
+              </a:defRPr>
+            </a:lvl6pPr>
+            <a:lvl7pPr marL="2743200" algn="l" defTabSz="457200" rtl="0" eaLnBrk="1" latinLnBrk="0" hangingPunct="1">
+              <a:defRPr sz="1800" kern="1200">
+                <a:solidFill>
+                  <a:schemeClr val="tx1"/>
+                </a:solidFill>
+                <a:latin typeface="+mn-lt"/>
+                <a:ea typeface="+mn-ea"/>
+                <a:cs typeface="+mn-cs"/>
+              </a:defRPr>
+            </a:lvl7pPr>
+            <a:lvl8pPr marL="3200400" algn="l" defTabSz="457200" rtl="0" eaLnBrk="1" latinLnBrk="0" hangingPunct="1">
+              <a:defRPr sz="1800" kern="1200">
+                <a:solidFill>
+                  <a:schemeClr val="tx1"/>
+                </a:solidFill>
+                <a:latin typeface="+mn-lt"/>
+                <a:ea typeface="+mn-ea"/>
+                <a:cs typeface="+mn-cs"/>
+              </a:defRPr>
+            </a:lvl8pPr>
+            <a:lvl9pPr marL="3657600" algn="l" defTabSz="457200" rtl="0" eaLnBrk="1" latinLnBrk="0" hangingPunct="1">
+              <a:defRPr sz="1800" kern="1200">
+                <a:solidFill>
+                  <a:schemeClr val="tx1"/>
+                </a:solidFill>
+                <a:latin typeface="+mn-lt"/>
+                <a:ea typeface="+mn-ea"/>
+                <a:cs typeface="+mn-cs"/>
+              </a:defRPr>
+            </a:lvl9pPr>
+          </a:lstStyle>
+          <a:p>
+            <a:pPr algn="ctr"/>
+            <a:r>
+              <a:rPr lang="en-US" sz="1400" dirty="0" smtClean="0">
+                <a:ea typeface="Verdana" pitchFamily="34" charset="0"/>
+                <a:cs typeface="Helvetica Neue"/>
+              </a:rPr>
+              <a:t>GET /</a:t>
+            </a:r>
+            <a:r>
+              <a:rPr lang="en-US" sz="1400" dirty="0" err="1" smtClean="0">
+                <a:ea typeface="Verdana" pitchFamily="34" charset="0"/>
+                <a:cs typeface="Helvetica Neue"/>
+              </a:rPr>
+              <a:t>api</a:t>
+            </a:r>
+            <a:r>
+              <a:rPr lang="en-US" sz="1400" dirty="0" smtClean="0">
+                <a:ea typeface="Verdana" pitchFamily="34" charset="0"/>
+                <a:cs typeface="Helvetica Neue"/>
+              </a:rPr>
+              <a:t>/</a:t>
+            </a:r>
+            <a:r>
+              <a:rPr lang="en-US" sz="1400" dirty="0" err="1" smtClean="0">
+                <a:ea typeface="Verdana" pitchFamily="34" charset="0"/>
+                <a:cs typeface="Helvetica Neue"/>
+              </a:rPr>
+              <a:t>map?temperatureUnit</a:t>
+            </a:r>
+            <a:r>
+              <a:rPr lang="en-US" sz="1400" dirty="0" smtClean="0">
+                <a:ea typeface="Verdana" pitchFamily="34" charset="0"/>
+                <a:cs typeface="Helvetica Neue"/>
+              </a:rPr>
+              <a:t>=</a:t>
+            </a:r>
+            <a:r>
+              <a:rPr lang="en-US" sz="1400" dirty="0" err="1" smtClean="0">
+                <a:ea typeface="Verdana" pitchFamily="34" charset="0"/>
+                <a:cs typeface="Helvetica Neue"/>
+              </a:rPr>
+              <a:t>celsius</a:t>
+            </a:r>
+            <a:endParaRPr lang="en-US" sz="1400" dirty="0">
+              <a:ea typeface="Verdana" pitchFamily="34" charset="0"/>
+              <a:cs typeface="Helvetica Neue"/>
+            </a:endParaRPr>
+          </a:p>
+        </p:txBody>
+      </p:sp>
     </p:spTree>
     <p:extLst>
       <p:ext uri="{BB962C8B-B14F-4D97-AF65-F5344CB8AC3E}">
-        <p14:creationId xmlns:p14="http://schemas.microsoft.com/office/powerpoint/2010/main" val="958036946"/>
+        <p14:creationId xmlns:p14="http://schemas.microsoft.com/office/powerpoint/2010/main" val="274464631"/>
       </p:ext>
     </p:extLst>
   </p:cSld>
@@ -35176,81 +34640,18 @@
             <a:r>
               <a:rPr lang="en-US" dirty="0">
                 <a:solidFill>
-                  <a:srgbClr val="C586C0"/>
+                  <a:schemeClr val="tx1"/>
                 </a:solidFill>
                 <a:latin typeface="Consolas" panose="020B0609020204030204" pitchFamily="49" charset="0"/>
               </a:rPr>
-              <a:t>import</a:t>
-            </a:r>
+              <a:t>import { Component } from '@angular/core';</a:t>
+            </a:r>
+          </a:p>
+          <a:p>
             <a:r>
               <a:rPr lang="en-US" dirty="0">
                 <a:solidFill>
-                  <a:srgbClr val="D4D4D4"/>
-                </a:solidFill>
-                <a:latin typeface="Consolas" panose="020B0609020204030204" pitchFamily="49" charset="0"/>
-              </a:rPr>
-              <a:t> { </a:t>
-            </a:r>
-            <a:r>
-              <a:rPr lang="en-US" dirty="0">
-                <a:solidFill>
-                  <a:srgbClr val="9CDCFE"/>
-                </a:solidFill>
-                <a:latin typeface="Consolas" panose="020B0609020204030204" pitchFamily="49" charset="0"/>
-              </a:rPr>
-              <a:t>Component</a:t>
-            </a:r>
-            <a:r>
-              <a:rPr lang="en-US" dirty="0">
-                <a:solidFill>
-                  <a:srgbClr val="D4D4D4"/>
-                </a:solidFill>
-                <a:latin typeface="Consolas" panose="020B0609020204030204" pitchFamily="49" charset="0"/>
-              </a:rPr>
-              <a:t> } </a:t>
-            </a:r>
-            <a:r>
-              <a:rPr lang="en-US" dirty="0">
-                <a:solidFill>
-                  <a:srgbClr val="C586C0"/>
-                </a:solidFill>
-                <a:latin typeface="Consolas" panose="020B0609020204030204" pitchFamily="49" charset="0"/>
-              </a:rPr>
-              <a:t>from</a:t>
-            </a:r>
-            <a:r>
-              <a:rPr lang="en-US" dirty="0">
-                <a:solidFill>
-                  <a:srgbClr val="D4D4D4"/>
-                </a:solidFill>
-                <a:latin typeface="Consolas" panose="020B0609020204030204" pitchFamily="49" charset="0"/>
-              </a:rPr>
-              <a:t> </a:t>
-            </a:r>
-            <a:r>
-              <a:rPr lang="en-US" dirty="0">
-                <a:solidFill>
-                  <a:srgbClr val="CE9178"/>
-                </a:solidFill>
-                <a:latin typeface="Consolas" panose="020B0609020204030204" pitchFamily="49" charset="0"/>
-              </a:rPr>
-              <a:t>'@angular/core'</a:t>
-            </a:r>
-            <a:r>
-              <a:rPr lang="en-US" dirty="0">
-                <a:solidFill>
-                  <a:srgbClr val="D4D4D4"/>
-                </a:solidFill>
-                <a:latin typeface="Consolas" panose="020B0609020204030204" pitchFamily="49" charset="0"/>
-              </a:rPr>
-              <a:t>;</a:t>
-            </a:r>
-          </a:p>
-          <a:p>
-            <a:r>
-              <a:rPr lang="en-US" dirty="0">
-                <a:solidFill>
-                  <a:srgbClr val="D4D4D4"/>
+                  <a:schemeClr val="tx1"/>
                 </a:solidFill>
                 <a:latin typeface="Consolas" panose="020B0609020204030204" pitchFamily="49" charset="0"/>
               </a:rPr>
@@ -35259,7 +34660,7 @@
             <a:br>
               <a:rPr lang="en-US" dirty="0">
                 <a:solidFill>
-                  <a:srgbClr val="D4D4D4"/>
+                  <a:schemeClr val="tx1"/>
                 </a:solidFill>
                 <a:latin typeface="Consolas" panose="020B0609020204030204" pitchFamily="49" charset="0"/>
               </a:rPr>
@@ -35267,313 +34668,73 @@
             <a:r>
               <a:rPr lang="en-US" dirty="0">
                 <a:solidFill>
-                  <a:srgbClr val="D4D4D4"/>
+                  <a:schemeClr val="tx1"/>
                 </a:solidFill>
                 <a:latin typeface="Consolas" panose="020B0609020204030204" pitchFamily="49" charset="0"/>
               </a:rPr>
-              <a:t>@</a:t>
-            </a:r>
+              <a:t>@Component({</a:t>
+            </a:r>
+          </a:p>
+          <a:p>
             <a:r>
               <a:rPr lang="en-US" dirty="0">
                 <a:solidFill>
-                  <a:srgbClr val="4EC9B0"/>
+                  <a:schemeClr val="tx1"/>
                 </a:solidFill>
                 <a:latin typeface="Consolas" panose="020B0609020204030204" pitchFamily="49" charset="0"/>
               </a:rPr>
-              <a:t>Component</a:t>
-            </a:r>
+              <a:t>  selector: 'hello-world',</a:t>
+            </a:r>
+          </a:p>
+          <a:p>
             <a:r>
               <a:rPr lang="en-US" dirty="0">
                 <a:solidFill>
-                  <a:srgbClr val="D4D4D4"/>
+                  <a:schemeClr val="tx1"/>
                 </a:solidFill>
                 <a:latin typeface="Consolas" panose="020B0609020204030204" pitchFamily="49" charset="0"/>
               </a:rPr>
-              <a:t>({</a:t>
+              <a:t>  template: `</a:t>
             </a:r>
           </a:p>
           <a:p>
             <a:r>
               <a:rPr lang="en-US" dirty="0">
                 <a:solidFill>
-                  <a:srgbClr val="D4D4D4"/>
+                  <a:schemeClr val="tx1"/>
                 </a:solidFill>
                 <a:latin typeface="Consolas" panose="020B0609020204030204" pitchFamily="49" charset="0"/>
               </a:rPr>
-              <a:t>  </a:t>
-            </a:r>
+              <a:t>    &lt;h2&gt;Hello World&lt;/h2&gt;</a:t>
+            </a:r>
+          </a:p>
+          <a:p>
             <a:r>
               <a:rPr lang="en-US" dirty="0">
                 <a:solidFill>
-                  <a:srgbClr val="9CDCFE"/>
+                  <a:schemeClr val="tx1"/>
                 </a:solidFill>
                 <a:latin typeface="Consolas" panose="020B0609020204030204" pitchFamily="49" charset="0"/>
               </a:rPr>
-              <a:t>selector:</a:t>
-            </a:r>
+              <a:t>    &lt;p&gt;This is my first component!&lt;/p&gt;</a:t>
+            </a:r>
+          </a:p>
+          <a:p>
             <a:r>
               <a:rPr lang="en-US" dirty="0">
                 <a:solidFill>
-                  <a:srgbClr val="D4D4D4"/>
+                  <a:schemeClr val="tx1"/>
                 </a:solidFill>
                 <a:latin typeface="Consolas" panose="020B0609020204030204" pitchFamily="49" charset="0"/>
               </a:rPr>
-              <a:t> </a:t>
-            </a:r>
+              <a:t>  `</a:t>
+            </a:r>
+          </a:p>
+          <a:p>
             <a:r>
               <a:rPr lang="en-US" dirty="0">
                 <a:solidFill>
-                  <a:srgbClr val="CE9178"/>
-                </a:solidFill>
-                <a:latin typeface="Consolas" panose="020B0609020204030204" pitchFamily="49" charset="0"/>
-              </a:rPr>
-              <a:t>'hello-world'</a:t>
-            </a:r>
-            <a:r>
-              <a:rPr lang="en-US" dirty="0">
-                <a:solidFill>
-                  <a:srgbClr val="D4D4D4"/>
-                </a:solidFill>
-                <a:latin typeface="Consolas" panose="020B0609020204030204" pitchFamily="49" charset="0"/>
-              </a:rPr>
-              <a:t>,</a:t>
-            </a:r>
-          </a:p>
-          <a:p>
-            <a:r>
-              <a:rPr lang="en-US" dirty="0">
-                <a:solidFill>
-                  <a:srgbClr val="D4D4D4"/>
-                </a:solidFill>
-                <a:latin typeface="Consolas" panose="020B0609020204030204" pitchFamily="49" charset="0"/>
-              </a:rPr>
-              <a:t>  </a:t>
-            </a:r>
-            <a:r>
-              <a:rPr lang="en-US" dirty="0">
-                <a:solidFill>
-                  <a:srgbClr val="9CDCFE"/>
-                </a:solidFill>
-                <a:latin typeface="Consolas" panose="020B0609020204030204" pitchFamily="49" charset="0"/>
-              </a:rPr>
-              <a:t>template:</a:t>
-            </a:r>
-            <a:r>
-              <a:rPr lang="en-US" dirty="0">
-                <a:solidFill>
-                  <a:srgbClr val="D4D4D4"/>
-                </a:solidFill>
-                <a:latin typeface="Consolas" panose="020B0609020204030204" pitchFamily="49" charset="0"/>
-              </a:rPr>
-              <a:t> </a:t>
-            </a:r>
-            <a:r>
-              <a:rPr lang="en-US" dirty="0">
-                <a:solidFill>
-                  <a:srgbClr val="CE9178"/>
-                </a:solidFill>
-                <a:latin typeface="Consolas" panose="020B0609020204030204" pitchFamily="49" charset="0"/>
-              </a:rPr>
-              <a:t>`</a:t>
-            </a:r>
-            <a:endParaRPr lang="en-US" dirty="0">
-              <a:solidFill>
-                <a:srgbClr val="D4D4D4"/>
-              </a:solidFill>
-              <a:latin typeface="Consolas" panose="020B0609020204030204" pitchFamily="49" charset="0"/>
-            </a:endParaRPr>
-          </a:p>
-          <a:p>
-            <a:r>
-              <a:rPr lang="en-US" dirty="0">
-                <a:solidFill>
-                  <a:srgbClr val="D4D4D4"/>
-                </a:solidFill>
-                <a:latin typeface="Consolas" panose="020B0609020204030204" pitchFamily="49" charset="0"/>
-              </a:rPr>
-              <a:t>    </a:t>
-            </a:r>
-            <a:r>
-              <a:rPr lang="en-US" dirty="0">
-                <a:solidFill>
-                  <a:srgbClr val="808080"/>
-                </a:solidFill>
-                <a:latin typeface="Consolas" panose="020B0609020204030204" pitchFamily="49" charset="0"/>
-              </a:rPr>
-              <a:t>&lt;</a:t>
-            </a:r>
-            <a:r>
-              <a:rPr lang="en-US" dirty="0">
-                <a:solidFill>
-                  <a:srgbClr val="569CD6"/>
-                </a:solidFill>
-                <a:latin typeface="Consolas" panose="020B0609020204030204" pitchFamily="49" charset="0"/>
-              </a:rPr>
-              <a:t>h2</a:t>
-            </a:r>
-            <a:r>
-              <a:rPr lang="en-US" dirty="0">
-                <a:solidFill>
-                  <a:srgbClr val="808080"/>
-                </a:solidFill>
-                <a:latin typeface="Consolas" panose="020B0609020204030204" pitchFamily="49" charset="0"/>
-              </a:rPr>
-              <a:t>&gt;</a:t>
-            </a:r>
-            <a:r>
-              <a:rPr lang="en-US" dirty="0">
-                <a:solidFill>
-                  <a:srgbClr val="D4D4D4"/>
-                </a:solidFill>
-                <a:latin typeface="Consolas" panose="020B0609020204030204" pitchFamily="49" charset="0"/>
-              </a:rPr>
-              <a:t>Hello World</a:t>
-            </a:r>
-            <a:r>
-              <a:rPr lang="en-US" dirty="0">
-                <a:solidFill>
-                  <a:srgbClr val="808080"/>
-                </a:solidFill>
-                <a:latin typeface="Consolas" panose="020B0609020204030204" pitchFamily="49" charset="0"/>
-              </a:rPr>
-              <a:t>&lt;/</a:t>
-            </a:r>
-            <a:r>
-              <a:rPr lang="en-US" dirty="0">
-                <a:solidFill>
-                  <a:srgbClr val="569CD6"/>
-                </a:solidFill>
-                <a:latin typeface="Consolas" panose="020B0609020204030204" pitchFamily="49" charset="0"/>
-              </a:rPr>
-              <a:t>h2</a:t>
-            </a:r>
-            <a:r>
-              <a:rPr lang="en-US" dirty="0">
-                <a:solidFill>
-                  <a:srgbClr val="808080"/>
-                </a:solidFill>
-                <a:latin typeface="Consolas" panose="020B0609020204030204" pitchFamily="49" charset="0"/>
-              </a:rPr>
-              <a:t>&gt;</a:t>
-            </a:r>
-            <a:endParaRPr lang="en-US" dirty="0">
-              <a:solidFill>
-                <a:srgbClr val="D4D4D4"/>
-              </a:solidFill>
-              <a:latin typeface="Consolas" panose="020B0609020204030204" pitchFamily="49" charset="0"/>
-            </a:endParaRPr>
-          </a:p>
-          <a:p>
-            <a:r>
-              <a:rPr lang="en-US" dirty="0">
-                <a:solidFill>
-                  <a:srgbClr val="D4D4D4"/>
-                </a:solidFill>
-                <a:latin typeface="Consolas" panose="020B0609020204030204" pitchFamily="49" charset="0"/>
-              </a:rPr>
-              <a:t>    </a:t>
-            </a:r>
-            <a:r>
-              <a:rPr lang="en-US" dirty="0">
-                <a:solidFill>
-                  <a:srgbClr val="808080"/>
-                </a:solidFill>
-                <a:latin typeface="Consolas" panose="020B0609020204030204" pitchFamily="49" charset="0"/>
-              </a:rPr>
-              <a:t>&lt;</a:t>
-            </a:r>
-            <a:r>
-              <a:rPr lang="en-US" dirty="0">
-                <a:solidFill>
-                  <a:srgbClr val="569CD6"/>
-                </a:solidFill>
-                <a:latin typeface="Consolas" panose="020B0609020204030204" pitchFamily="49" charset="0"/>
-              </a:rPr>
-              <a:t>p</a:t>
-            </a:r>
-            <a:r>
-              <a:rPr lang="en-US" dirty="0">
-                <a:solidFill>
-                  <a:srgbClr val="808080"/>
-                </a:solidFill>
-                <a:latin typeface="Consolas" panose="020B0609020204030204" pitchFamily="49" charset="0"/>
-              </a:rPr>
-              <a:t>&gt;</a:t>
-            </a:r>
-            <a:r>
-              <a:rPr lang="en-US" dirty="0">
-                <a:solidFill>
-                  <a:srgbClr val="D4D4D4"/>
-                </a:solidFill>
-                <a:latin typeface="Consolas" panose="020B0609020204030204" pitchFamily="49" charset="0"/>
-              </a:rPr>
-              <a:t>This is my first component!</a:t>
-            </a:r>
-            <a:r>
-              <a:rPr lang="en-US" dirty="0">
-                <a:solidFill>
-                  <a:srgbClr val="808080"/>
-                </a:solidFill>
-                <a:latin typeface="Consolas" panose="020B0609020204030204" pitchFamily="49" charset="0"/>
-              </a:rPr>
-              <a:t>&lt;/</a:t>
-            </a:r>
-            <a:r>
-              <a:rPr lang="en-US" dirty="0">
-                <a:solidFill>
-                  <a:srgbClr val="569CD6"/>
-                </a:solidFill>
-                <a:latin typeface="Consolas" panose="020B0609020204030204" pitchFamily="49" charset="0"/>
-              </a:rPr>
-              <a:t>p</a:t>
-            </a:r>
-            <a:r>
-              <a:rPr lang="en-US" dirty="0">
-                <a:solidFill>
-                  <a:srgbClr val="808080"/>
-                </a:solidFill>
-                <a:latin typeface="Consolas" panose="020B0609020204030204" pitchFamily="49" charset="0"/>
-              </a:rPr>
-              <a:t>&gt;</a:t>
-            </a:r>
-            <a:endParaRPr lang="en-US" dirty="0">
-              <a:solidFill>
-                <a:srgbClr val="D4D4D4"/>
-              </a:solidFill>
-              <a:latin typeface="Consolas" panose="020B0609020204030204" pitchFamily="49" charset="0"/>
-            </a:endParaRPr>
-          </a:p>
-          <a:p>
-            <a:r>
-              <a:rPr lang="en-US" dirty="0">
-                <a:solidFill>
-                  <a:srgbClr val="D4D4D4"/>
-                </a:solidFill>
-                <a:latin typeface="Consolas" panose="020B0609020204030204" pitchFamily="49" charset="0"/>
-              </a:rPr>
-              <a:t>  </a:t>
-            </a:r>
-            <a:r>
-              <a:rPr lang="en-US" dirty="0">
-                <a:solidFill>
-                  <a:srgbClr val="CE9178"/>
-                </a:solidFill>
-                <a:latin typeface="Consolas" panose="020B0609020204030204" pitchFamily="49" charset="0"/>
-              </a:rPr>
-              <a:t>`</a:t>
-            </a:r>
-            <a:endParaRPr lang="en-US" dirty="0">
-              <a:solidFill>
-                <a:srgbClr val="D4D4D4"/>
-              </a:solidFill>
-              <a:latin typeface="Consolas" panose="020B0609020204030204" pitchFamily="49" charset="0"/>
-            </a:endParaRPr>
-          </a:p>
-          <a:p>
-            <a:r>
-              <a:rPr lang="en-US" dirty="0">
-                <a:solidFill>
-                  <a:srgbClr val="D4D4D4"/>
+                  <a:schemeClr val="tx1"/>
                 </a:solidFill>
                 <a:latin typeface="Consolas" panose="020B0609020204030204" pitchFamily="49" charset="0"/>
               </a:rPr>
@@ -35584,43 +34745,16 @@
             <a:r>
               <a:rPr lang="en-US" dirty="0">
                 <a:solidFill>
-                  <a:srgbClr val="C586C0"/>
+                  <a:schemeClr val="tx1"/>
                 </a:solidFill>
                 <a:latin typeface="Consolas" panose="020B0609020204030204" pitchFamily="49" charset="0"/>
               </a:rPr>
-              <a:t>export</a:t>
-            </a:r>
-            <a:r>
-              <a:rPr lang="en-US" dirty="0">
-                <a:solidFill>
-                  <a:srgbClr val="D4D4D4"/>
-                </a:solidFill>
-                <a:latin typeface="Consolas" panose="020B0609020204030204" pitchFamily="49" charset="0"/>
-              </a:rPr>
-              <a:t> </a:t>
-            </a:r>
-            <a:r>
-              <a:rPr lang="en-US" dirty="0">
-                <a:solidFill>
-                  <a:srgbClr val="569CD6"/>
-                </a:solidFill>
-                <a:latin typeface="Consolas" panose="020B0609020204030204" pitchFamily="49" charset="0"/>
-              </a:rPr>
-              <a:t>class</a:t>
-            </a:r>
-            <a:r>
-              <a:rPr lang="en-US" dirty="0">
-                <a:solidFill>
-                  <a:srgbClr val="D4D4D4"/>
-                </a:solidFill>
-                <a:latin typeface="Consolas" panose="020B0609020204030204" pitchFamily="49" charset="0"/>
-              </a:rPr>
-              <a:t> </a:t>
+              <a:t>export class </a:t>
             </a:r>
             <a:r>
               <a:rPr lang="en-US" dirty="0" err="1">
                 <a:solidFill>
-                  <a:srgbClr val="4EC9B0"/>
+                  <a:schemeClr val="tx1"/>
                 </a:solidFill>
                 <a:latin typeface="Consolas" panose="020B0609020204030204" pitchFamily="49" charset="0"/>
               </a:rPr>
@@ -35629,7 +34763,7 @@
             <a:r>
               <a:rPr lang="en-US" dirty="0">
                 <a:solidFill>
-                  <a:srgbClr val="D4D4D4"/>
+                  <a:schemeClr val="tx1"/>
                 </a:solidFill>
                 <a:latin typeface="Consolas" panose="020B0609020204030204" pitchFamily="49" charset="0"/>
               </a:rPr>
@@ -35640,33 +34774,18 @@
             <a:r>
               <a:rPr lang="en-US" dirty="0">
                 <a:solidFill>
-                  <a:srgbClr val="D4D4D4"/>
+                  <a:schemeClr val="tx1"/>
                 </a:solidFill>
                 <a:latin typeface="Consolas" panose="020B0609020204030204" pitchFamily="49" charset="0"/>
               </a:rPr>
-              <a:t>  </a:t>
-            </a:r>
-            <a:r>
-              <a:rPr lang="en-US" dirty="0">
-                <a:solidFill>
-                  <a:srgbClr val="6A9955"/>
-                </a:solidFill>
-                <a:latin typeface="Consolas" panose="020B0609020204030204" pitchFamily="49" charset="0"/>
-              </a:rPr>
-              <a:t>// The code in this class drives the component's behavior.</a:t>
-            </a:r>
-            <a:endParaRPr lang="en-US" dirty="0">
-              <a:solidFill>
-                <a:srgbClr val="D4D4D4"/>
-              </a:solidFill>
-              <a:latin typeface="Consolas" panose="020B0609020204030204" pitchFamily="49" charset="0"/>
-            </a:endParaRPr>
+              <a:t>  // The code in this class drives the component's behavior.</a:t>
+            </a:r>
           </a:p>
           <a:p>
             <a:r>
               <a:rPr lang="en-US" b="0" dirty="0" smtClean="0">
                 <a:solidFill>
-                  <a:srgbClr val="D4D4D4"/>
+                  <a:schemeClr val="tx1"/>
                 </a:solidFill>
                 <a:effectLst/>
                 <a:latin typeface="Consolas" panose="020B0609020204030204" pitchFamily="49" charset="0"/>
@@ -35675,7 +34794,7 @@
             </a:r>
             <a:endParaRPr lang="en-US" b="0" dirty="0">
               <a:solidFill>
-                <a:srgbClr val="D4D4D4"/>
+                <a:schemeClr val="tx1"/>
               </a:solidFill>
               <a:effectLst/>
               <a:latin typeface="Consolas" panose="020B0609020204030204" pitchFamily="49" charset="0"/>
@@ -35685,7 +34804,7 @@
             <a:r>
               <a:rPr lang="en-US" b="0" dirty="0">
                 <a:solidFill>
-                  <a:srgbClr val="D4D4D4"/>
+                  <a:schemeClr val="tx1"/>
                 </a:solidFill>
                 <a:effectLst/>
                 <a:latin typeface="Consolas" panose="020B0609020204030204" pitchFamily="49" charset="0"/>
@@ -35695,7 +34814,7 @@
             <a:br>
               <a:rPr lang="en-US" b="0" dirty="0">
                 <a:solidFill>
-                  <a:srgbClr val="D4D4D4"/>
+                  <a:schemeClr val="tx1"/>
                 </a:solidFill>
                 <a:effectLst/>
                 <a:latin typeface="Consolas" panose="020B0609020204030204" pitchFamily="49" charset="0"/>
@@ -35703,7 +34822,7 @@
             </a:br>
             <a:endParaRPr lang="en-US" b="0" dirty="0">
               <a:solidFill>
-                <a:srgbClr val="D4D4D4"/>
+                <a:schemeClr val="tx1"/>
               </a:solidFill>
               <a:effectLst/>
               <a:latin typeface="Consolas" panose="020B0609020204030204" pitchFamily="49" charset="0"/>
@@ -36077,7 +35196,7 @@
             <a:r>
               <a:rPr lang="de-DE" dirty="0" err="1">
                 <a:solidFill>
-                  <a:srgbClr val="CE9178"/>
+                  <a:schemeClr val="tx1"/>
                 </a:solidFill>
                 <a:latin typeface="Consolas" panose="020B0609020204030204" pitchFamily="49" charset="0"/>
               </a:rPr>
@@ -36086,7 +35205,7 @@
             <a:r>
               <a:rPr lang="de-DE" dirty="0">
                 <a:solidFill>
-                  <a:srgbClr val="D4D4D4"/>
+                  <a:schemeClr val="tx1"/>
                 </a:solidFill>
                 <a:latin typeface="Consolas" panose="020B0609020204030204" pitchFamily="49" charset="0"/>
               </a:rPr>
@@ -36095,7 +35214,7 @@
             <a:br>
               <a:rPr lang="de-DE" dirty="0">
                 <a:solidFill>
-                  <a:srgbClr val="D4D4D4"/>
+                  <a:schemeClr val="tx1"/>
                 </a:solidFill>
                 <a:latin typeface="Consolas" panose="020B0609020204030204" pitchFamily="49" charset="0"/>
               </a:rPr>
@@ -36103,7 +35222,7 @@
             <a:r>
               <a:rPr lang="de-DE" dirty="0">
                 <a:solidFill>
-                  <a:srgbClr val="D4D4D4"/>
+                  <a:schemeClr val="tx1"/>
                 </a:solidFill>
                 <a:latin typeface="Consolas" panose="020B0609020204030204" pitchFamily="49" charset="0"/>
               </a:rPr>
@@ -36112,7 +35231,7 @@
             <a:r>
               <a:rPr lang="de-DE" dirty="0" err="1">
                 <a:solidFill>
-                  <a:srgbClr val="4EC9B0"/>
+                  <a:schemeClr val="tx1"/>
                 </a:solidFill>
                 <a:latin typeface="Consolas" panose="020B0609020204030204" pitchFamily="49" charset="0"/>
               </a:rPr>
@@ -36121,7 +35240,7 @@
             <a:r>
               <a:rPr lang="de-DE" dirty="0">
                 <a:solidFill>
-                  <a:srgbClr val="D4D4D4"/>
+                  <a:schemeClr val="tx1"/>
                 </a:solidFill>
                 <a:latin typeface="Consolas" panose="020B0609020204030204" pitchFamily="49" charset="0"/>
               </a:rPr>
@@ -36132,7 +35251,7 @@
             <a:r>
               <a:rPr lang="de-DE" dirty="0">
                 <a:solidFill>
-                  <a:srgbClr val="D4D4D4"/>
+                  <a:schemeClr val="tx1"/>
                 </a:solidFill>
                 <a:latin typeface="Consolas" panose="020B0609020204030204" pitchFamily="49" charset="0"/>
               </a:rPr>
@@ -36143,7 +35262,7 @@
             <a:r>
               <a:rPr lang="de-DE" dirty="0">
                 <a:solidFill>
-                  <a:srgbClr val="D4D4D4"/>
+                  <a:schemeClr val="tx1"/>
                 </a:solidFill>
                 <a:latin typeface="Consolas" panose="020B0609020204030204" pitchFamily="49" charset="0"/>
               </a:rPr>
@@ -36152,7 +35271,7 @@
             <a:r>
               <a:rPr lang="de-DE" dirty="0" err="1">
                 <a:solidFill>
-                  <a:srgbClr val="9CDCFE"/>
+                  <a:schemeClr val="tx1"/>
                 </a:solidFill>
                 <a:latin typeface="Consolas" panose="020B0609020204030204" pitchFamily="49" charset="0"/>
               </a:rPr>
@@ -36161,33 +35280,142 @@
             <a:r>
               <a:rPr lang="de-DE" dirty="0">
                 <a:solidFill>
-                  <a:srgbClr val="9CDCFE"/>
+                  <a:schemeClr val="tx1"/>
                 </a:solidFill>
                 <a:latin typeface="Consolas" panose="020B0609020204030204" pitchFamily="49" charset="0"/>
               </a:rPr>
-              <a:t>:</a:t>
-            </a:r>
+              <a:t>: './hello-world-interpolation.component.html'</a:t>
+            </a:r>
+          </a:p>
+          <a:p>
             <a:r>
               <a:rPr lang="de-DE" dirty="0">
                 <a:solidFill>
-                  <a:srgbClr val="D4D4D4"/>
+                  <a:schemeClr val="tx1"/>
+                </a:solidFill>
+                <a:latin typeface="Consolas" panose="020B0609020204030204" pitchFamily="49" charset="0"/>
+              </a:rPr>
+              <a:t>})</a:t>
+            </a:r>
+          </a:p>
+          <a:p>
+            <a:r>
+              <a:rPr lang="de-DE" dirty="0" err="1">
+                <a:solidFill>
+                  <a:schemeClr val="tx1"/>
+                </a:solidFill>
+                <a:latin typeface="Consolas" panose="020B0609020204030204" pitchFamily="49" charset="0"/>
+              </a:rPr>
+              <a:t>export</a:t>
+            </a:r>
+            <a:r>
+              <a:rPr lang="de-DE" dirty="0">
+                <a:solidFill>
+                  <a:schemeClr val="tx1"/>
                 </a:solidFill>
                 <a:latin typeface="Consolas" panose="020B0609020204030204" pitchFamily="49" charset="0"/>
               </a:rPr>
               <a:t> </a:t>
             </a:r>
             <a:r>
-              <a:rPr lang="de-DE" dirty="0">
-                <a:solidFill>
-                  <a:srgbClr val="CE9178"/>
+              <a:rPr lang="de-DE" dirty="0" err="1">
+                <a:solidFill>
+                  <a:schemeClr val="tx1"/>
                 </a:solidFill>
                 <a:latin typeface="Consolas" panose="020B0609020204030204" pitchFamily="49" charset="0"/>
               </a:rPr>
-              <a:t>'./hello-world-interpolation.component.html'</a:t>
-            </a:r>
+              <a:t>class</a:t>
+            </a:r>
+            <a:r>
+              <a:rPr lang="de-DE" dirty="0">
+                <a:solidFill>
+                  <a:schemeClr val="tx1"/>
+                </a:solidFill>
+                <a:latin typeface="Consolas" panose="020B0609020204030204" pitchFamily="49" charset="0"/>
+              </a:rPr>
+              <a:t> </a:t>
+            </a:r>
+            <a:r>
+              <a:rPr lang="de-DE" dirty="0" err="1">
+                <a:solidFill>
+                  <a:schemeClr val="tx1"/>
+                </a:solidFill>
+                <a:latin typeface="Consolas" panose="020B0609020204030204" pitchFamily="49" charset="0"/>
+              </a:rPr>
+              <a:t>HelloWorldInterpolationComponent</a:t>
+            </a:r>
+            <a:r>
+              <a:rPr lang="de-DE" dirty="0">
+                <a:solidFill>
+                  <a:schemeClr val="tx1"/>
+                </a:solidFill>
+                <a:latin typeface="Consolas" panose="020B0609020204030204" pitchFamily="49" charset="0"/>
+              </a:rPr>
+              <a:t> {</a:t>
+            </a:r>
+          </a:p>
+          <a:p>
+            <a:r>
+              <a:rPr lang="de-DE" dirty="0">
+                <a:solidFill>
+                  <a:schemeClr val="tx1"/>
+                </a:solidFill>
+                <a:latin typeface="Consolas" panose="020B0609020204030204" pitchFamily="49" charset="0"/>
+              </a:rPr>
+              <a:t>    </a:t>
+            </a:r>
+            <a:r>
+              <a:rPr lang="de-DE" dirty="0" err="1">
+                <a:solidFill>
+                  <a:schemeClr val="tx1"/>
+                </a:solidFill>
+                <a:latin typeface="Consolas" panose="020B0609020204030204" pitchFamily="49" charset="0"/>
+              </a:rPr>
+              <a:t>message</a:t>
+            </a:r>
+            <a:r>
+              <a:rPr lang="de-DE" dirty="0">
+                <a:solidFill>
+                  <a:schemeClr val="tx1"/>
+                </a:solidFill>
+                <a:latin typeface="Consolas" panose="020B0609020204030204" pitchFamily="49" charset="0"/>
+              </a:rPr>
+              <a:t> = '</a:t>
+            </a:r>
+            <a:r>
+              <a:rPr lang="de-DE" dirty="0" err="1">
+                <a:solidFill>
+                  <a:schemeClr val="tx1"/>
+                </a:solidFill>
+                <a:latin typeface="Consolas" panose="020B0609020204030204" pitchFamily="49" charset="0"/>
+              </a:rPr>
+              <a:t>Hello</a:t>
+            </a:r>
+            <a:r>
+              <a:rPr lang="de-DE" dirty="0">
+                <a:solidFill>
+                  <a:schemeClr val="tx1"/>
+                </a:solidFill>
+                <a:latin typeface="Consolas" panose="020B0609020204030204" pitchFamily="49" charset="0"/>
+              </a:rPr>
+              <a:t>, World!‘;</a:t>
+            </a:r>
+          </a:p>
+          <a:p>
+            <a:r>
+              <a:rPr lang="de-DE" dirty="0">
+                <a:solidFill>
+                  <a:schemeClr val="tx1"/>
+                </a:solidFill>
+                <a:latin typeface="Consolas" panose="020B0609020204030204" pitchFamily="49" charset="0"/>
+              </a:rPr>
+              <a:t>}</a:t>
+            </a:r>
+          </a:p>
+          <a:p>
             <a:endParaRPr lang="de-DE" dirty="0">
               <a:solidFill>
-                <a:srgbClr val="D4D4D4"/>
+                <a:schemeClr val="tx1"/>
               </a:solidFill>
               <a:latin typeface="Consolas" panose="020B0609020204030204" pitchFamily="49" charset="0"/>
             </a:endParaRPr>
@@ -36196,83 +35424,51 @@
             <a:r>
               <a:rPr lang="de-DE" dirty="0">
                 <a:solidFill>
-                  <a:srgbClr val="D4D4D4"/>
+                  <a:schemeClr val="tx1"/>
                 </a:solidFill>
                 <a:latin typeface="Consolas" panose="020B0609020204030204" pitchFamily="49" charset="0"/>
               </a:rPr>
-              <a:t>})</a:t>
-            </a:r>
-          </a:p>
-          <a:p>
-            <a:r>
-              <a:rPr lang="de-DE" dirty="0" err="1">
-                <a:solidFill>
-                  <a:srgbClr val="C586C0"/>
+              <a:t>hello-world-interpolation.component.html</a:t>
+            </a:r>
+            <a:endParaRPr lang="en-US" dirty="0">
+              <a:solidFill>
+                <a:schemeClr val="tx1"/>
+              </a:solidFill>
+              <a:latin typeface="Consolas" panose="020B0609020204030204" pitchFamily="49" charset="0"/>
+            </a:endParaRPr>
+          </a:p>
+          <a:p>
+            <a:r>
+              <a:rPr lang="de-DE" dirty="0">
+                <a:solidFill>
+                  <a:schemeClr val="tx1"/>
                 </a:solidFill>
                 <a:latin typeface="Consolas" panose="020B0609020204030204" pitchFamily="49" charset="0"/>
               </a:rPr>
-              <a:t>export</a:t>
-            </a:r>
-            <a:r>
-              <a:rPr lang="de-DE" dirty="0">
-                <a:solidFill>
-                  <a:srgbClr val="D4D4D4"/>
+              <a:t>&lt;p&gt;</a:t>
+            </a:r>
+            <a:r>
+              <a:rPr lang="de-DE" dirty="0" err="1">
+                <a:solidFill>
+                  <a:schemeClr val="tx1"/>
                 </a:solidFill>
                 <a:latin typeface="Consolas" panose="020B0609020204030204" pitchFamily="49" charset="0"/>
               </a:rPr>
-              <a:t> </a:t>
-            </a:r>
-            <a:r>
-              <a:rPr lang="de-DE" dirty="0" err="1">
-                <a:solidFill>
-                  <a:srgbClr val="569CD6"/>
+              <a:t>My</a:t>
+            </a:r>
+            <a:r>
+              <a:rPr lang="de-DE" dirty="0">
+                <a:solidFill>
+                  <a:schemeClr val="tx1"/>
                 </a:solidFill>
                 <a:latin typeface="Consolas" panose="020B0609020204030204" pitchFamily="49" charset="0"/>
               </a:rPr>
-              <a:t>class</a:t>
-            </a:r>
-            <a:r>
-              <a:rPr lang="de-DE" dirty="0">
-                <a:solidFill>
-                  <a:srgbClr val="D4D4D4"/>
-                </a:solidFill>
-                <a:latin typeface="Consolas" panose="020B0609020204030204" pitchFamily="49" charset="0"/>
-              </a:rPr>
-              <a:t> </a:t>
+              <a:t> Message: {{</a:t>
             </a:r>
             <a:r>
               <a:rPr lang="de-DE" dirty="0" err="1">
                 <a:solidFill>
-                  <a:srgbClr val="4EC9B0"/>
-                </a:solidFill>
-                <a:latin typeface="Consolas" panose="020B0609020204030204" pitchFamily="49" charset="0"/>
-              </a:rPr>
-              <a:t>HelloWorldInterpolationComponent</a:t>
-            </a:r>
-            <a:r>
-              <a:rPr lang="de-DE" dirty="0">
-                <a:solidFill>
-                  <a:srgbClr val="D4D4D4"/>
-                </a:solidFill>
-                <a:latin typeface="Consolas" panose="020B0609020204030204" pitchFamily="49" charset="0"/>
-              </a:rPr>
-              <a:t> {</a:t>
-            </a:r>
-          </a:p>
-          <a:p>
-            <a:r>
-              <a:rPr lang="de-DE" dirty="0">
-                <a:solidFill>
-                  <a:srgbClr val="D4D4D4"/>
-                </a:solidFill>
-                <a:latin typeface="Consolas" panose="020B0609020204030204" pitchFamily="49" charset="0"/>
-              </a:rPr>
-              <a:t>    </a:t>
-            </a:r>
-            <a:r>
-              <a:rPr lang="de-DE" dirty="0" err="1">
-                <a:solidFill>
-                  <a:srgbClr val="9CDCFE"/>
+                  <a:schemeClr val="tx1"/>
                 </a:solidFill>
                 <a:latin typeface="Consolas" panose="020B0609020204030204" pitchFamily="49" charset="0"/>
               </a:rPr>
@@ -36281,173 +35477,12 @@
             <a:r>
               <a:rPr lang="de-DE" dirty="0">
                 <a:solidFill>
-                  <a:srgbClr val="D4D4D4"/>
+                  <a:schemeClr val="tx1"/>
                 </a:solidFill>
                 <a:latin typeface="Consolas" panose="020B0609020204030204" pitchFamily="49" charset="0"/>
               </a:rPr>
-              <a:t> = </a:t>
-            </a:r>
-            <a:r>
-              <a:rPr lang="de-DE" dirty="0">
-                <a:solidFill>
-                  <a:srgbClr val="CE9178"/>
-                </a:solidFill>
-                <a:latin typeface="Consolas" panose="020B0609020204030204" pitchFamily="49" charset="0"/>
-              </a:rPr>
-              <a:t>'</a:t>
-            </a:r>
-            <a:r>
-              <a:rPr lang="de-DE" dirty="0" err="1">
-                <a:solidFill>
-                  <a:srgbClr val="CE9178"/>
-                </a:solidFill>
-                <a:latin typeface="Consolas" panose="020B0609020204030204" pitchFamily="49" charset="0"/>
-              </a:rPr>
-              <a:t>Hello</a:t>
-            </a:r>
-            <a:r>
-              <a:rPr lang="de-DE" dirty="0">
-                <a:solidFill>
-                  <a:srgbClr val="CE9178"/>
-                </a:solidFill>
-                <a:latin typeface="Consolas" panose="020B0609020204030204" pitchFamily="49" charset="0"/>
-              </a:rPr>
-              <a:t>, World!‘</a:t>
-            </a:r>
-            <a:r>
-              <a:rPr lang="de-DE" dirty="0">
-                <a:solidFill>
-                  <a:srgbClr val="D4D4D4"/>
-                </a:solidFill>
-                <a:latin typeface="Consolas" panose="020B0609020204030204" pitchFamily="49" charset="0"/>
-              </a:rPr>
-              <a:t>;</a:t>
-            </a:r>
-          </a:p>
-          <a:p>
-            <a:r>
-              <a:rPr lang="de-DE" dirty="0">
-                <a:solidFill>
-                  <a:srgbClr val="D4D4D4"/>
-                </a:solidFill>
-                <a:latin typeface="Consolas" panose="020B0609020204030204" pitchFamily="49" charset="0"/>
-              </a:rPr>
-              <a:t>}</a:t>
-            </a:r>
-          </a:p>
-          <a:p>
-            <a:endParaRPr lang="de-DE" dirty="0">
-              <a:solidFill>
-                <a:srgbClr val="D4D4D4"/>
-              </a:solidFill>
-              <a:latin typeface="Consolas" panose="020B0609020204030204" pitchFamily="49" charset="0"/>
-            </a:endParaRPr>
-          </a:p>
-          <a:p>
-            <a:r>
-              <a:rPr lang="de-DE" dirty="0">
-                <a:solidFill>
-                  <a:srgbClr val="CE9178"/>
-                </a:solidFill>
-                <a:latin typeface="Consolas" panose="020B0609020204030204" pitchFamily="49" charset="0"/>
-              </a:rPr>
-              <a:t>hello-world-interpolation.component.html</a:t>
-            </a:r>
-            <a:endParaRPr lang="en-US" dirty="0">
-              <a:solidFill>
-                <a:srgbClr val="D4D4D4"/>
-              </a:solidFill>
-              <a:latin typeface="Consolas" panose="020B0609020204030204" pitchFamily="49" charset="0"/>
-            </a:endParaRPr>
-          </a:p>
-          <a:p>
-            <a:r>
-              <a:rPr lang="de-DE" dirty="0">
-                <a:solidFill>
-                  <a:srgbClr val="808080"/>
-                </a:solidFill>
-                <a:latin typeface="Consolas" panose="020B0609020204030204" pitchFamily="49" charset="0"/>
-              </a:rPr>
-              <a:t>&lt;</a:t>
-            </a:r>
-            <a:r>
-              <a:rPr lang="de-DE" dirty="0">
-                <a:solidFill>
-                  <a:srgbClr val="569CD6"/>
-                </a:solidFill>
-                <a:latin typeface="Consolas" panose="020B0609020204030204" pitchFamily="49" charset="0"/>
-              </a:rPr>
-              <a:t>p</a:t>
-            </a:r>
-            <a:r>
-              <a:rPr lang="de-DE" dirty="0">
-                <a:solidFill>
-                  <a:srgbClr val="808080"/>
-                </a:solidFill>
-                <a:latin typeface="Consolas" panose="020B0609020204030204" pitchFamily="49" charset="0"/>
-              </a:rPr>
-              <a:t>&gt;</a:t>
-            </a:r>
-            <a:r>
-              <a:rPr lang="de-DE" dirty="0" err="1">
-                <a:solidFill>
-                  <a:srgbClr val="808080"/>
-                </a:solidFill>
-                <a:latin typeface="Consolas" panose="020B0609020204030204" pitchFamily="49" charset="0"/>
-              </a:rPr>
-              <a:t>My</a:t>
-            </a:r>
-            <a:r>
-              <a:rPr lang="de-DE" dirty="0">
-                <a:solidFill>
-                  <a:srgbClr val="808080"/>
-                </a:solidFill>
-                <a:latin typeface="Consolas" panose="020B0609020204030204" pitchFamily="49" charset="0"/>
-              </a:rPr>
-              <a:t> Message: {{</a:t>
-            </a:r>
-            <a:r>
-              <a:rPr lang="de-DE" dirty="0" err="1">
-                <a:solidFill>
-                  <a:srgbClr val="808080"/>
-                </a:solidFill>
-                <a:latin typeface="Consolas" panose="020B0609020204030204" pitchFamily="49" charset="0"/>
-              </a:rPr>
-              <a:t>message</a:t>
-            </a:r>
-            <a:r>
-              <a:rPr lang="de-DE" dirty="0">
-                <a:solidFill>
-                  <a:srgbClr val="808080"/>
-                </a:solidFill>
-                <a:latin typeface="Consolas" panose="020B0609020204030204" pitchFamily="49" charset="0"/>
-              </a:rPr>
-              <a:t>}}&lt;/</a:t>
-            </a:r>
-            <a:r>
-              <a:rPr lang="de-DE" dirty="0">
-                <a:solidFill>
-                  <a:srgbClr val="569CD6"/>
-                </a:solidFill>
-                <a:latin typeface="Consolas" panose="020B0609020204030204" pitchFamily="49" charset="0"/>
-              </a:rPr>
-              <a:t>p</a:t>
-            </a:r>
-            <a:r>
-              <a:rPr lang="de-DE" dirty="0">
-                <a:solidFill>
-                  <a:srgbClr val="808080"/>
-                </a:solidFill>
-                <a:latin typeface="Consolas" panose="020B0609020204030204" pitchFamily="49" charset="0"/>
-              </a:rPr>
-              <a:t>&gt;</a:t>
-            </a:r>
-            <a:endParaRPr lang="de-DE" dirty="0">
-              <a:solidFill>
-                <a:srgbClr val="D4D4D4"/>
-              </a:solidFill>
-              <a:latin typeface="Consolas" panose="020B0609020204030204" pitchFamily="49" charset="0"/>
-            </a:endParaRPr>
+              <a:t>}}&lt;/p&gt;</a:t>
+            </a:r>
           </a:p>
         </p:txBody>
       </p:sp>
@@ -37836,18 +36871,18 @@
 </file>
 
 <file path=customXml/item2.xml><?xml version="1.0" encoding="utf-8"?>
+<p:properties xmlns:p="http://schemas.microsoft.com/office/2006/metadata/properties" xmlns:xsi="http://www.w3.org/2001/XMLSchema-instance" xmlns:pc="http://schemas.microsoft.com/office/infopath/2007/PartnerControls">
+  <documentManagement/>
+</p:properties>
+</file>
+
+<file path=customXml/item3.xml><?xml version="1.0" encoding="utf-8"?>
 <?mso-contentType ?>
 <FormTemplates xmlns="http://schemas.microsoft.com/sharepoint/v3/contenttype/forms">
   <Display>DocumentLibraryForm</Display>
   <Edit>DocumentLibraryForm</Edit>
   <New>DocumentLibraryForm</New>
 </FormTemplates>
-</file>
-
-<file path=customXml/item3.xml><?xml version="1.0" encoding="utf-8"?>
-<p:properties xmlns:p="http://schemas.microsoft.com/office/2006/metadata/properties" xmlns:xsi="http://www.w3.org/2001/XMLSchema-instance" xmlns:pc="http://schemas.microsoft.com/office/infopath/2007/PartnerControls">
-  <documentManagement/>
-</p:properties>
 </file>
 
 <file path=customXml/itemProps1.xml><?xml version="1.0" encoding="utf-8"?>
@@ -37870,14 +36905,6 @@
 </file>
 
 <file path=customXml/itemProps2.xml><?xml version="1.0" encoding="utf-8"?>
-<ds:datastoreItem xmlns:ds="http://schemas.openxmlformats.org/officeDocument/2006/customXml" ds:itemID="{4143DBA8-CAC9-4A0D-8B8C-91557CBF00CB}">
-  <ds:schemaRefs>
-    <ds:schemaRef ds:uri="http://schemas.microsoft.com/sharepoint/v3/contenttype/forms"/>
-  </ds:schemaRefs>
-</ds:datastoreItem>
-</file>
-
-<file path=customXml/itemProps3.xml><?xml version="1.0" encoding="utf-8"?>
 <ds:datastoreItem xmlns:ds="http://schemas.openxmlformats.org/officeDocument/2006/customXml" ds:itemID="{F9DED017-B02F-4DF9-97E5-9DF83488ABF9}">
   <ds:schemaRefs>
     <ds:schemaRef ds:uri="http://schemas.microsoft.com/office/2006/documentManagement/types"/>
@@ -37892,4 +36919,12 @@
     <ds:schemaRef ds:uri="http://www.w3.org/XML/1998/namespace"/>
   </ds:schemaRefs>
 </ds:datastoreItem>
+</file>
+
+<file path=customXml/itemProps3.xml><?xml version="1.0" encoding="utf-8"?>
+<ds:datastoreItem xmlns:ds="http://schemas.openxmlformats.org/officeDocument/2006/customXml" ds:itemID="{4143DBA8-CAC9-4A0D-8B8C-91557CBF00CB}">
+  <ds:schemaRefs>
+    <ds:schemaRef ds:uri="http://schemas.microsoft.com/sharepoint/v3/contenttype/forms"/>
+  </ds:schemaRefs>
+</ds:datastoreItem>
 </file>